--- a/documentacao/TeleMedicina.pptx
+++ b/documentacao/TeleMedicina.pptx
@@ -14,21 +14,29 @@
     <p:sldId id="262" r:id="rId12"/>
     <p:sldId id="263" r:id="rId13"/>
     <p:sldId id="264" r:id="rId14"/>
+    <p:sldId id="265" r:id="rId15"/>
+    <p:sldId id="266" r:id="rId16"/>
+    <p:sldId id="267" r:id="rId17"/>
+    <p:sldId id="268" r:id="rId18"/>
   </p:sldIdLst>
   <p:sldSz cx="18288000" cy="10287000"/>
   <p:notesSz cx="6858000" cy="9144000"/>
   <p:embeddedFontLst>
     <p:embeddedFont>
       <p:font typeface="Agrandir" charset="1" panose="00000500000000000000"/>
-      <p:regular r:id="rId15"/>
+      <p:regular r:id="rId19"/>
     </p:embeddedFont>
     <p:embeddedFont>
       <p:font typeface="Agrandir Bold" charset="1" panose="00000800000000000000"/>
-      <p:regular r:id="rId16"/>
+      <p:regular r:id="rId20"/>
     </p:embeddedFont>
     <p:embeddedFont>
       <p:font typeface="Open Sans" charset="1" panose="020B0606030504020204"/>
-      <p:regular r:id="rId17"/>
+      <p:regular r:id="rId21"/>
+    </p:embeddedFont>
+    <p:embeddedFont>
+      <p:font typeface="Open Sans Bold" charset="1" panose="020B0806030504020204"/>
+      <p:regular r:id="rId22"/>
     </p:embeddedFont>
   </p:embeddedFontLst>
   <p:defaultTextStyle>
@@ -3070,7 +3078,7 @@
     <p:bg>
       <p:bgPr>
         <a:solidFill>
-          <a:srgbClr val="D6DFCC"/>
+          <a:srgbClr val="5BB3CF"/>
         </a:solidFill>
       </p:bgPr>
     </p:bg>
@@ -3141,7 +3149,7 @@
               </a:pathLst>
             </a:custGeom>
             <a:solidFill>
-              <a:srgbClr val="FFF5ED"/>
+              <a:srgbClr val="FFFFFF"/>
             </a:solidFill>
           </p:spPr>
         </p:sp>
@@ -3382,7 +3390,7 @@
                 </a:pathLst>
               </a:custGeom>
               <a:solidFill>
-                <a:srgbClr val="B9BBDD"/>
+                <a:srgbClr val="5BB3CF"/>
               </a:solidFill>
             </p:spPr>
           </p:sp>
@@ -3547,7 +3555,7 @@
               <a:r>
                 <a:rPr lang="en-US" sz="3004">
                   <a:solidFill>
-                    <a:srgbClr val="000000"/>
+                    <a:srgbClr val="FFFFFF"/>
                   </a:solidFill>
                   <a:latin typeface="Agrandir"/>
                   <a:ea typeface="Agrandir"/>
@@ -3559,7 +3567,7 @@
               <a:r>
                 <a:rPr lang="en-US" b="true" sz="3004">
                   <a:solidFill>
-                    <a:srgbClr val="000000"/>
+                    <a:srgbClr val="FFFFFF"/>
                   </a:solidFill>
                   <a:latin typeface="Agrandir Bold"/>
                   <a:ea typeface="Agrandir Bold"/>
@@ -3604,7 +3612,7 @@
         </p:nvSpPr>
         <p:spPr>
           <a:xfrm flipH="false" flipV="false" rot="0">
-            <a:off x="13739839" y="489413"/>
+            <a:off x="13739839" y="193049"/>
             <a:ext cx="3867681" cy="2596485"/>
           </a:xfrm>
           <a:custGeom>
@@ -3725,6 +3733,2834 @@
                 <a:sym typeface="Agrandir"/>
               </a:rPr>
               <a:t>SENAC JESSÉ FREIRE</a:t>
+            </a:r>
+          </a:p>
+        </p:txBody>
+      </p:sp>
+      <p:sp>
+        <p:nvSpPr>
+          <p:cNvPr name="TextBox 15" id="15"/>
+          <p:cNvSpPr txBox="true"/>
+          <p:nvPr/>
+        </p:nvSpPr>
+        <p:spPr>
+          <a:xfrm rot="0">
+            <a:off x="830108" y="9167734"/>
+            <a:ext cx="5225207" cy="464820"/>
+          </a:xfrm>
+          <a:prstGeom prst="rect">
+            <a:avLst/>
+          </a:prstGeom>
+        </p:spPr>
+        <p:txBody>
+          <a:bodyPr anchor="t" rtlCol="false" tIns="0" lIns="0" bIns="0" rIns="0">
+            <a:spAutoFit/>
+          </a:bodyPr>
+          <a:lstStyle/>
+          <a:p>
+            <a:pPr algn="ctr">
+              <a:lnSpc>
+                <a:spcPts val="3780"/>
+              </a:lnSpc>
+            </a:pPr>
+            <a:r>
+              <a:rPr lang="en-US" sz="2700">
+                <a:solidFill>
+                  <a:srgbClr val="000000"/>
+                </a:solidFill>
+                <a:latin typeface="Open Sans"/>
+                <a:ea typeface="Open Sans"/>
+                <a:cs typeface="Open Sans"/>
+                <a:sym typeface="Open Sans"/>
+              </a:rPr>
+              <a:t>Alexandre, Josué, Lukas, Talisson</a:t>
+            </a:r>
+          </a:p>
+        </p:txBody>
+      </p:sp>
+    </p:spTree>
+  </p:cSld>
+  <p:clrMapOvr>
+    <a:masterClrMapping/>
+  </p:clrMapOvr>
+</p:sld>
+</file>
+
+<file path=ppt/slides/slide10.xml><?xml version="1.0" encoding="utf-8"?>
+<p:sld xmlns:p="http://schemas.openxmlformats.org/presentationml/2006/main" xmlns:a="http://schemas.openxmlformats.org/drawingml/2006/main" xmlns:r="http://schemas.openxmlformats.org/officeDocument/2006/relationships">
+  <p:cSld>
+    <p:spTree>
+      <p:nvGrpSpPr>
+        <p:cNvPr id="1" name=""/>
+        <p:cNvGrpSpPr/>
+        <p:nvPr/>
+      </p:nvGrpSpPr>
+      <p:grpSpPr>
+        <a:xfrm>
+          <a:off x="0" y="0"/>
+          <a:ext cx="0" cy="0"/>
+          <a:chOff x="0" y="0"/>
+          <a:chExt cx="0" cy="0"/>
+        </a:xfrm>
+      </p:grpSpPr>
+      <p:grpSp>
+        <p:nvGrpSpPr>
+          <p:cNvPr name="Group 2" id="2"/>
+          <p:cNvGrpSpPr/>
+          <p:nvPr/>
+        </p:nvGrpSpPr>
+        <p:grpSpPr>
+          <a:xfrm rot="0">
+            <a:off x="-1261984" y="-679988"/>
+            <a:ext cx="20708772" cy="2432588"/>
+            <a:chOff x="0" y="0"/>
+            <a:chExt cx="5454162" cy="640682"/>
+          </a:xfrm>
+        </p:grpSpPr>
+        <p:sp>
+          <p:nvSpPr>
+            <p:cNvPr name="Freeform 3" id="3"/>
+            <p:cNvSpPr/>
+            <p:nvPr/>
+          </p:nvSpPr>
+          <p:spPr>
+            <a:xfrm flipH="false" flipV="false" rot="0">
+              <a:off x="0" y="0"/>
+              <a:ext cx="5454162" cy="640682"/>
+            </a:xfrm>
+            <a:custGeom>
+              <a:avLst/>
+              <a:gdLst/>
+              <a:ahLst/>
+              <a:cxnLst/>
+              <a:rect r="r" b="b" t="t" l="l"/>
+              <a:pathLst>
+                <a:path h="640682" w="5454162">
+                  <a:moveTo>
+                    <a:pt x="0" y="0"/>
+                  </a:moveTo>
+                  <a:lnTo>
+                    <a:pt x="5454162" y="0"/>
+                  </a:lnTo>
+                  <a:lnTo>
+                    <a:pt x="5454162" y="640682"/>
+                  </a:lnTo>
+                  <a:lnTo>
+                    <a:pt x="0" y="640682"/>
+                  </a:lnTo>
+                  <a:close/>
+                </a:path>
+              </a:pathLst>
+            </a:custGeom>
+            <a:solidFill>
+              <a:srgbClr val="5BB3CF"/>
+            </a:solidFill>
+          </p:spPr>
+        </p:sp>
+        <p:sp>
+          <p:nvSpPr>
+            <p:cNvPr name="TextBox 4" id="4"/>
+            <p:cNvSpPr txBox="true"/>
+            <p:nvPr/>
+          </p:nvSpPr>
+          <p:spPr>
+            <a:xfrm>
+              <a:off x="0" y="-57150"/>
+              <a:ext cx="5454162" cy="697832"/>
+            </a:xfrm>
+            <a:prstGeom prst="rect">
+              <a:avLst/>
+            </a:prstGeom>
+          </p:spPr>
+          <p:txBody>
+            <a:bodyPr anchor="ctr" rtlCol="false" tIns="50800" lIns="50800" bIns="50800" rIns="50800"/>
+            <a:lstStyle/>
+            <a:p>
+              <a:pPr algn="ctr">
+                <a:lnSpc>
+                  <a:spcPts val="3500"/>
+                </a:lnSpc>
+              </a:pPr>
+            </a:p>
+          </p:txBody>
+        </p:sp>
+      </p:grpSp>
+      <p:sp>
+        <p:nvSpPr>
+          <p:cNvPr name="AutoShape 5" id="5"/>
+          <p:cNvSpPr/>
+          <p:nvPr/>
+        </p:nvSpPr>
+        <p:spPr>
+          <a:xfrm>
+            <a:off x="0" y="1752600"/>
+            <a:ext cx="18702327" cy="0"/>
+          </a:xfrm>
+          <a:prstGeom prst="line">
+            <a:avLst/>
+          </a:prstGeom>
+          <a:ln cap="rnd" w="19050">
+            <a:solidFill>
+              <a:srgbClr val="000000"/>
+            </a:solidFill>
+            <a:prstDash val="solid"/>
+            <a:headEnd type="none" len="sm" w="sm"/>
+            <a:tailEnd type="none" len="sm" w="sm"/>
+          </a:ln>
+        </p:spPr>
+      </p:sp>
+      <p:sp>
+        <p:nvSpPr>
+          <p:cNvPr name="Freeform 6" id="6"/>
+          <p:cNvSpPr/>
+          <p:nvPr/>
+        </p:nvSpPr>
+        <p:spPr>
+          <a:xfrm flipH="false" flipV="false" rot="0">
+            <a:off x="-38100" y="-26476"/>
+            <a:ext cx="1740976" cy="1740976"/>
+          </a:xfrm>
+          <a:custGeom>
+            <a:avLst/>
+            <a:gdLst/>
+            <a:ahLst/>
+            <a:cxnLst/>
+            <a:rect r="r" b="b" t="t" l="l"/>
+            <a:pathLst>
+              <a:path h="1740976" w="1740976">
+                <a:moveTo>
+                  <a:pt x="0" y="0"/>
+                </a:moveTo>
+                <a:lnTo>
+                  <a:pt x="1740976" y="0"/>
+                </a:lnTo>
+                <a:lnTo>
+                  <a:pt x="1740976" y="1740976"/>
+                </a:lnTo>
+                <a:lnTo>
+                  <a:pt x="0" y="1740976"/>
+                </a:lnTo>
+                <a:lnTo>
+                  <a:pt x="0" y="0"/>
+                </a:lnTo>
+                <a:close/>
+              </a:path>
+            </a:pathLst>
+          </a:custGeom>
+          <a:blipFill>
+            <a:blip r:embed="rId2"/>
+            <a:stretch>
+              <a:fillRect l="0" t="0" r="0" b="0"/>
+            </a:stretch>
+          </a:blipFill>
+        </p:spPr>
+      </p:sp>
+      <p:sp>
+        <p:nvSpPr>
+          <p:cNvPr name="Freeform 7" id="7"/>
+          <p:cNvSpPr/>
+          <p:nvPr/>
+        </p:nvSpPr>
+        <p:spPr>
+          <a:xfrm flipH="false" flipV="false" rot="0">
+            <a:off x="16547024" y="-55051"/>
+            <a:ext cx="1740976" cy="1740976"/>
+          </a:xfrm>
+          <a:custGeom>
+            <a:avLst/>
+            <a:gdLst/>
+            <a:ahLst/>
+            <a:cxnLst/>
+            <a:rect r="r" b="b" t="t" l="l"/>
+            <a:pathLst>
+              <a:path h="1740976" w="1740976">
+                <a:moveTo>
+                  <a:pt x="0" y="0"/>
+                </a:moveTo>
+                <a:lnTo>
+                  <a:pt x="1740976" y="0"/>
+                </a:lnTo>
+                <a:lnTo>
+                  <a:pt x="1740976" y="1740976"/>
+                </a:lnTo>
+                <a:lnTo>
+                  <a:pt x="0" y="1740976"/>
+                </a:lnTo>
+                <a:lnTo>
+                  <a:pt x="0" y="0"/>
+                </a:lnTo>
+                <a:close/>
+              </a:path>
+            </a:pathLst>
+          </a:custGeom>
+          <a:blipFill>
+            <a:blip r:embed="rId2"/>
+            <a:stretch>
+              <a:fillRect l="0" t="0" r="0" b="0"/>
+            </a:stretch>
+          </a:blipFill>
+        </p:spPr>
+      </p:sp>
+      <p:sp>
+        <p:nvSpPr>
+          <p:cNvPr name="Freeform 8" id="8"/>
+          <p:cNvSpPr/>
+          <p:nvPr/>
+        </p:nvSpPr>
+        <p:spPr>
+          <a:xfrm flipH="false" flipV="false" rot="0">
+            <a:off x="8739021" y="1752600"/>
+            <a:ext cx="9548979" cy="8534400"/>
+          </a:xfrm>
+          <a:custGeom>
+            <a:avLst/>
+            <a:gdLst/>
+            <a:ahLst/>
+            <a:cxnLst/>
+            <a:rect r="r" b="b" t="t" l="l"/>
+            <a:pathLst>
+              <a:path h="8534400" w="9548979">
+                <a:moveTo>
+                  <a:pt x="0" y="0"/>
+                </a:moveTo>
+                <a:lnTo>
+                  <a:pt x="9548979" y="0"/>
+                </a:lnTo>
+                <a:lnTo>
+                  <a:pt x="9548979" y="8534400"/>
+                </a:lnTo>
+                <a:lnTo>
+                  <a:pt x="0" y="8534400"/>
+                </a:lnTo>
+                <a:lnTo>
+                  <a:pt x="0" y="0"/>
+                </a:lnTo>
+                <a:close/>
+              </a:path>
+            </a:pathLst>
+          </a:custGeom>
+          <a:blipFill>
+            <a:blip r:embed="rId3"/>
+            <a:stretch>
+              <a:fillRect l="0" t="0" r="0" b="0"/>
+            </a:stretch>
+          </a:blipFill>
+        </p:spPr>
+      </p:sp>
+      <p:sp>
+        <p:nvSpPr>
+          <p:cNvPr name="TextBox 9" id="9"/>
+          <p:cNvSpPr txBox="true"/>
+          <p:nvPr/>
+        </p:nvSpPr>
+        <p:spPr>
+          <a:xfrm rot="0">
+            <a:off x="1871598" y="182024"/>
+            <a:ext cx="14544804" cy="1247775"/>
+          </a:xfrm>
+          <a:prstGeom prst="rect">
+            <a:avLst/>
+          </a:prstGeom>
+        </p:spPr>
+        <p:txBody>
+          <a:bodyPr anchor="t" rtlCol="false" tIns="0" lIns="0" bIns="0" rIns="0">
+            <a:spAutoFit/>
+          </a:bodyPr>
+          <a:lstStyle/>
+          <a:p>
+            <a:pPr algn="ctr" marL="0" indent="0" lvl="0">
+              <a:lnSpc>
+                <a:spcPts val="8399"/>
+              </a:lnSpc>
+              <a:spcBef>
+                <a:spcPct val="0"/>
+              </a:spcBef>
+            </a:pPr>
+            <a:r>
+              <a:rPr lang="en-US" sz="6999">
+                <a:solidFill>
+                  <a:srgbClr val="000000"/>
+                </a:solidFill>
+                <a:latin typeface="Agrandir"/>
+                <a:ea typeface="Agrandir"/>
+                <a:cs typeface="Agrandir"/>
+                <a:sym typeface="Agrandir"/>
+              </a:rPr>
+              <a:t>Banco de Dados !!</a:t>
+            </a:r>
+          </a:p>
+        </p:txBody>
+      </p:sp>
+      <p:sp>
+        <p:nvSpPr>
+          <p:cNvPr name="TextBox 10" id="10"/>
+          <p:cNvSpPr txBox="true"/>
+          <p:nvPr/>
+        </p:nvSpPr>
+        <p:spPr>
+          <a:xfrm rot="0">
+            <a:off x="0" y="2244725"/>
+            <a:ext cx="8739021" cy="7493000"/>
+          </a:xfrm>
+          <a:prstGeom prst="rect">
+            <a:avLst/>
+          </a:prstGeom>
+        </p:spPr>
+        <p:txBody>
+          <a:bodyPr anchor="t" rtlCol="false" tIns="0" lIns="0" bIns="0" rIns="0">
+            <a:spAutoFit/>
+          </a:bodyPr>
+          <a:lstStyle/>
+          <a:p>
+            <a:pPr algn="ctr">
+              <a:lnSpc>
+                <a:spcPts val="3920"/>
+              </a:lnSpc>
+            </a:pPr>
+            <a:r>
+              <a:rPr lang="en-US" sz="2800" b="true">
+                <a:solidFill>
+                  <a:srgbClr val="000000"/>
+                </a:solidFill>
+                <a:latin typeface="Open Sans Bold"/>
+                <a:ea typeface="Open Sans Bold"/>
+                <a:cs typeface="Open Sans Bold"/>
+                <a:sym typeface="Open Sans Bold"/>
+              </a:rPr>
+              <a:t>Resumo da Arquitetura da Aplicação</a:t>
+            </a:r>
+          </a:p>
+          <a:p>
+            <a:pPr algn="ctr">
+              <a:lnSpc>
+                <a:spcPts val="4200"/>
+              </a:lnSpc>
+            </a:pPr>
+          </a:p>
+          <a:p>
+            <a:pPr algn="l" marL="496575" indent="-248288" lvl="1">
+              <a:lnSpc>
+                <a:spcPts val="3220"/>
+              </a:lnSpc>
+              <a:buAutoNum type="arabicPeriod" startAt="1"/>
+            </a:pPr>
+            <a:r>
+              <a:rPr lang="en-US" sz="2300">
+                <a:solidFill>
+                  <a:srgbClr val="000000"/>
+                </a:solidFill>
+                <a:latin typeface="Open Sans"/>
+                <a:ea typeface="Open Sans"/>
+                <a:cs typeface="Open Sans"/>
+                <a:sym typeface="Open Sans"/>
+              </a:rPr>
+              <a:t>MySQL (Banco de Dados):</a:t>
+            </a:r>
+          </a:p>
+          <a:p>
+            <a:pPr algn="l" marL="496575" indent="-248288" lvl="1">
+              <a:lnSpc>
+                <a:spcPts val="3220"/>
+              </a:lnSpc>
+              <a:buAutoNum type="arabicPeriod" startAt="1"/>
+            </a:pPr>
+            <a:r>
+              <a:rPr lang="en-US" sz="2300">
+                <a:solidFill>
+                  <a:srgbClr val="000000"/>
+                </a:solidFill>
+                <a:latin typeface="Open Sans"/>
+                <a:ea typeface="Open Sans"/>
+                <a:cs typeface="Open Sans"/>
+                <a:sym typeface="Open Sans"/>
+              </a:rPr>
+              <a:t> Armazena os dados da aplicação (usuários, consultas, pagamentos).</a:t>
+            </a:r>
+          </a:p>
+          <a:p>
+            <a:pPr algn="l" marL="496575" indent="-248288" lvl="1">
+              <a:lnSpc>
+                <a:spcPts val="3220"/>
+              </a:lnSpc>
+              <a:buAutoNum type="arabicPeriod" startAt="1"/>
+            </a:pPr>
+            <a:r>
+              <a:rPr lang="en-US" sz="2300">
+                <a:solidFill>
+                  <a:srgbClr val="000000"/>
+                </a:solidFill>
+                <a:latin typeface="Open Sans"/>
+                <a:ea typeface="Open Sans"/>
+                <a:cs typeface="Open Sans"/>
+                <a:sym typeface="Open Sans"/>
+              </a:rPr>
+              <a:t> Apenas o servidor tem acesso direto, garantindo segurança.</a:t>
+            </a:r>
+          </a:p>
+          <a:p>
+            <a:pPr algn="l" marL="496575" indent="-248288" lvl="1">
+              <a:lnSpc>
+                <a:spcPts val="3220"/>
+              </a:lnSpc>
+              <a:spcBef>
+                <a:spcPct val="0"/>
+              </a:spcBef>
+              <a:buAutoNum type="arabicPeriod" startAt="1"/>
+            </a:pPr>
+            <a:r>
+              <a:rPr lang="en-US" sz="2300">
+                <a:solidFill>
+                  <a:srgbClr val="000000"/>
+                </a:solidFill>
+                <a:latin typeface="Open Sans"/>
+                <a:ea typeface="Open Sans"/>
+                <a:cs typeface="Open Sans"/>
+                <a:sym typeface="Open Sans"/>
+              </a:rPr>
+              <a:t>Spring Boot AP</a:t>
+            </a:r>
+            <a:r>
+              <a:rPr lang="en-US" sz="2300" strike="noStrike" u="none">
+                <a:solidFill>
+                  <a:srgbClr val="000000"/>
+                </a:solidFill>
+                <a:latin typeface="Open Sans"/>
+                <a:ea typeface="Open Sans"/>
+                <a:cs typeface="Open Sans"/>
+                <a:sym typeface="Open Sans"/>
+              </a:rPr>
+              <a:t>I</a:t>
+            </a:r>
+            <a:r>
+              <a:rPr lang="en-US" sz="2300" strike="noStrike" u="none">
+                <a:solidFill>
+                  <a:srgbClr val="000000"/>
+                </a:solidFill>
+                <a:latin typeface="Open Sans"/>
+                <a:ea typeface="Open Sans"/>
+                <a:cs typeface="Open Sans"/>
+                <a:sym typeface="Open Sans"/>
+              </a:rPr>
+              <a:t> (Servidor):</a:t>
+            </a:r>
+          </a:p>
+          <a:p>
+            <a:pPr algn="l" marL="496575" indent="-248288" lvl="1">
+              <a:lnSpc>
+                <a:spcPts val="3220"/>
+              </a:lnSpc>
+              <a:spcBef>
+                <a:spcPct val="0"/>
+              </a:spcBef>
+              <a:buAutoNum type="arabicPeriod" startAt="1"/>
+            </a:pPr>
+            <a:r>
+              <a:rPr lang="en-US" sz="2300" strike="noStrike" u="none">
+                <a:solidFill>
+                  <a:srgbClr val="000000"/>
+                </a:solidFill>
+                <a:latin typeface="Open Sans"/>
+                <a:ea typeface="Open Sans"/>
+                <a:cs typeface="Open Sans"/>
+                <a:sym typeface="Open Sans"/>
+              </a:rPr>
+              <a:t> Respo</a:t>
+            </a:r>
+            <a:r>
+              <a:rPr lang="en-US" sz="2300" strike="noStrike" u="none">
+                <a:solidFill>
+                  <a:srgbClr val="000000"/>
+                </a:solidFill>
+                <a:latin typeface="Open Sans"/>
+                <a:ea typeface="Open Sans"/>
+                <a:cs typeface="Open Sans"/>
+                <a:sym typeface="Open Sans"/>
+              </a:rPr>
+              <a:t>ns</a:t>
+            </a:r>
+            <a:r>
+              <a:rPr lang="en-US" sz="2300" strike="noStrike" u="none">
+                <a:solidFill>
+                  <a:srgbClr val="000000"/>
+                </a:solidFill>
+                <a:latin typeface="Open Sans"/>
+                <a:ea typeface="Open Sans"/>
+                <a:cs typeface="Open Sans"/>
+                <a:sym typeface="Open Sans"/>
+              </a:rPr>
+              <a:t>áv</a:t>
+            </a:r>
+            <a:r>
+              <a:rPr lang="en-US" sz="2300" strike="noStrike" u="none">
+                <a:solidFill>
+                  <a:srgbClr val="000000"/>
+                </a:solidFill>
+                <a:latin typeface="Open Sans"/>
+                <a:ea typeface="Open Sans"/>
+                <a:cs typeface="Open Sans"/>
+                <a:sym typeface="Open Sans"/>
+              </a:rPr>
+              <a:t>e</a:t>
+            </a:r>
+            <a:r>
+              <a:rPr lang="en-US" sz="2300" strike="noStrike" u="none">
+                <a:solidFill>
+                  <a:srgbClr val="000000"/>
+                </a:solidFill>
+                <a:latin typeface="Open Sans"/>
+                <a:ea typeface="Open Sans"/>
+                <a:cs typeface="Open Sans"/>
+                <a:sym typeface="Open Sans"/>
+              </a:rPr>
+              <a:t>l po</a:t>
+            </a:r>
+            <a:r>
+              <a:rPr lang="en-US" sz="2300" strike="noStrike" u="none">
+                <a:solidFill>
+                  <a:srgbClr val="000000"/>
+                </a:solidFill>
+                <a:latin typeface="Open Sans"/>
+                <a:ea typeface="Open Sans"/>
+                <a:cs typeface="Open Sans"/>
+                <a:sym typeface="Open Sans"/>
+              </a:rPr>
+              <a:t>r</a:t>
+            </a:r>
+            <a:r>
+              <a:rPr lang="en-US" sz="2300" strike="noStrike" u="none">
+                <a:solidFill>
+                  <a:srgbClr val="000000"/>
+                </a:solidFill>
+                <a:latin typeface="Open Sans"/>
+                <a:ea typeface="Open Sans"/>
+                <a:cs typeface="Open Sans"/>
+                <a:sym typeface="Open Sans"/>
+              </a:rPr>
+              <a:t> toda a lóg</a:t>
+            </a:r>
+            <a:r>
+              <a:rPr lang="en-US" sz="2300" strike="noStrike" u="none">
+                <a:solidFill>
+                  <a:srgbClr val="000000"/>
+                </a:solidFill>
+                <a:latin typeface="Open Sans"/>
+                <a:ea typeface="Open Sans"/>
+                <a:cs typeface="Open Sans"/>
+                <a:sym typeface="Open Sans"/>
+              </a:rPr>
+              <a:t>i</a:t>
+            </a:r>
+            <a:r>
+              <a:rPr lang="en-US" sz="2300" strike="noStrike" u="none">
+                <a:solidFill>
+                  <a:srgbClr val="000000"/>
+                </a:solidFill>
+                <a:latin typeface="Open Sans"/>
+                <a:ea typeface="Open Sans"/>
+                <a:cs typeface="Open Sans"/>
+                <a:sym typeface="Open Sans"/>
+              </a:rPr>
+              <a:t>ca da aplicação.</a:t>
+            </a:r>
+          </a:p>
+          <a:p>
+            <a:pPr algn="l" marL="496575" indent="-248288" lvl="1">
+              <a:lnSpc>
+                <a:spcPts val="3220"/>
+              </a:lnSpc>
+              <a:spcBef>
+                <a:spcPct val="0"/>
+              </a:spcBef>
+              <a:buAutoNum type="arabicPeriod" startAt="1"/>
+            </a:pPr>
+            <a:r>
+              <a:rPr lang="en-US" sz="2300" strike="noStrike" u="none">
+                <a:solidFill>
+                  <a:srgbClr val="000000"/>
+                </a:solidFill>
+                <a:latin typeface="Open Sans"/>
+                <a:ea typeface="Open Sans"/>
+                <a:cs typeface="Open Sans"/>
+                <a:sym typeface="Open Sans"/>
+              </a:rPr>
+              <a:t> Utiliza:</a:t>
+            </a:r>
+          </a:p>
+          <a:p>
+            <a:pPr algn="l" marL="496575" indent="-248288" lvl="1">
+              <a:lnSpc>
+                <a:spcPts val="3220"/>
+              </a:lnSpc>
+              <a:spcBef>
+                <a:spcPct val="0"/>
+              </a:spcBef>
+              <a:buFont typeface="Arial"/>
+              <a:buChar char="•"/>
+            </a:pPr>
+            <a:r>
+              <a:rPr lang="en-US" sz="2300" strike="noStrike" u="none">
+                <a:solidFill>
+                  <a:srgbClr val="000000"/>
+                </a:solidFill>
+                <a:latin typeface="Open Sans"/>
+                <a:ea typeface="Open Sans"/>
+                <a:cs typeface="Open Sans"/>
+                <a:sym typeface="Open Sans"/>
+              </a:rPr>
+              <a:t>REST pa</a:t>
+            </a:r>
+            <a:r>
+              <a:rPr lang="en-US" sz="2300" strike="noStrike" u="none">
+                <a:solidFill>
+                  <a:srgbClr val="000000"/>
+                </a:solidFill>
+                <a:latin typeface="Open Sans"/>
+                <a:ea typeface="Open Sans"/>
+                <a:cs typeface="Open Sans"/>
+                <a:sym typeface="Open Sans"/>
+              </a:rPr>
+              <a:t>r</a:t>
+            </a:r>
+            <a:r>
+              <a:rPr lang="en-US" sz="2300" strike="noStrike" u="none">
+                <a:solidFill>
+                  <a:srgbClr val="000000"/>
+                </a:solidFill>
+                <a:latin typeface="Open Sans"/>
+                <a:ea typeface="Open Sans"/>
+                <a:cs typeface="Open Sans"/>
+                <a:sym typeface="Open Sans"/>
+              </a:rPr>
+              <a:t>a</a:t>
+            </a:r>
+            <a:r>
+              <a:rPr lang="en-US" sz="2300" strike="noStrike" u="none">
+                <a:solidFill>
+                  <a:srgbClr val="000000"/>
+                </a:solidFill>
+                <a:latin typeface="Open Sans"/>
+                <a:ea typeface="Open Sans"/>
+                <a:cs typeface="Open Sans"/>
+                <a:sym typeface="Open Sans"/>
+              </a:rPr>
+              <a:t> </a:t>
+            </a:r>
+            <a:r>
+              <a:rPr lang="en-US" sz="2300" strike="noStrike" u="none">
+                <a:solidFill>
+                  <a:srgbClr val="000000"/>
+                </a:solidFill>
+                <a:latin typeface="Open Sans"/>
+                <a:ea typeface="Open Sans"/>
+                <a:cs typeface="Open Sans"/>
+                <a:sym typeface="Open Sans"/>
+              </a:rPr>
+              <a:t>com</a:t>
+            </a:r>
+            <a:r>
+              <a:rPr lang="en-US" sz="2300" strike="noStrike" u="none">
+                <a:solidFill>
+                  <a:srgbClr val="000000"/>
+                </a:solidFill>
+                <a:latin typeface="Open Sans"/>
+                <a:ea typeface="Open Sans"/>
+                <a:cs typeface="Open Sans"/>
+                <a:sym typeface="Open Sans"/>
+              </a:rPr>
+              <a:t>u</a:t>
+            </a:r>
+            <a:r>
+              <a:rPr lang="en-US" sz="2300" strike="noStrike" u="none">
+                <a:solidFill>
+                  <a:srgbClr val="000000"/>
+                </a:solidFill>
+                <a:latin typeface="Open Sans"/>
+                <a:ea typeface="Open Sans"/>
+                <a:cs typeface="Open Sans"/>
+                <a:sym typeface="Open Sans"/>
+              </a:rPr>
+              <a:t>nicação co</a:t>
+            </a:r>
+            <a:r>
+              <a:rPr lang="en-US" sz="2300" strike="noStrike" u="none">
+                <a:solidFill>
+                  <a:srgbClr val="000000"/>
+                </a:solidFill>
+                <a:latin typeface="Open Sans"/>
+                <a:ea typeface="Open Sans"/>
+                <a:cs typeface="Open Sans"/>
+                <a:sym typeface="Open Sans"/>
+              </a:rPr>
+              <a:t>m o</a:t>
+            </a:r>
+            <a:r>
+              <a:rPr lang="en-US" sz="2300" strike="noStrike" u="none">
+                <a:solidFill>
+                  <a:srgbClr val="000000"/>
+                </a:solidFill>
+                <a:latin typeface="Open Sans"/>
+                <a:ea typeface="Open Sans"/>
+                <a:cs typeface="Open Sans"/>
+                <a:sym typeface="Open Sans"/>
+              </a:rPr>
+              <a:t>s clientes,</a:t>
+            </a:r>
+          </a:p>
+          <a:p>
+            <a:pPr algn="l" marL="496575" indent="-248288" lvl="1">
+              <a:lnSpc>
+                <a:spcPts val="3220"/>
+              </a:lnSpc>
+              <a:spcBef>
+                <a:spcPct val="0"/>
+              </a:spcBef>
+              <a:buFont typeface="Arial"/>
+              <a:buChar char="•"/>
+            </a:pPr>
+            <a:r>
+              <a:rPr lang="en-US" sz="2300" strike="noStrike" u="none">
+                <a:solidFill>
+                  <a:srgbClr val="000000"/>
+                </a:solidFill>
+                <a:latin typeface="Open Sans"/>
+                <a:ea typeface="Open Sans"/>
+                <a:cs typeface="Open Sans"/>
+                <a:sym typeface="Open Sans"/>
+              </a:rPr>
+              <a:t>Spring Sec</a:t>
+            </a:r>
+            <a:r>
+              <a:rPr lang="en-US" sz="2300" strike="noStrike" u="none">
+                <a:solidFill>
+                  <a:srgbClr val="000000"/>
+                </a:solidFill>
+                <a:latin typeface="Open Sans"/>
+                <a:ea typeface="Open Sans"/>
+                <a:cs typeface="Open Sans"/>
+                <a:sym typeface="Open Sans"/>
+              </a:rPr>
+              <a:t>u</a:t>
+            </a:r>
+            <a:r>
+              <a:rPr lang="en-US" sz="2300" strike="noStrike" u="none">
+                <a:solidFill>
+                  <a:srgbClr val="000000"/>
+                </a:solidFill>
+                <a:latin typeface="Open Sans"/>
+                <a:ea typeface="Open Sans"/>
+                <a:cs typeface="Open Sans"/>
+                <a:sym typeface="Open Sans"/>
+              </a:rPr>
+              <a:t>rity para seg</a:t>
+            </a:r>
+            <a:r>
+              <a:rPr lang="en-US" sz="2300" strike="noStrike" u="none">
+                <a:solidFill>
+                  <a:srgbClr val="000000"/>
+                </a:solidFill>
+                <a:latin typeface="Open Sans"/>
+                <a:ea typeface="Open Sans"/>
+                <a:cs typeface="Open Sans"/>
+                <a:sym typeface="Open Sans"/>
+              </a:rPr>
+              <a:t>u</a:t>
+            </a:r>
+            <a:r>
+              <a:rPr lang="en-US" sz="2300" strike="noStrike" u="none">
+                <a:solidFill>
+                  <a:srgbClr val="000000"/>
+                </a:solidFill>
+                <a:latin typeface="Open Sans"/>
+                <a:ea typeface="Open Sans"/>
+                <a:cs typeface="Open Sans"/>
+                <a:sym typeface="Open Sans"/>
+              </a:rPr>
+              <a:t>rança,</a:t>
+            </a:r>
+          </a:p>
+          <a:p>
+            <a:pPr algn="l" marL="496575" indent="-248288" lvl="1">
+              <a:lnSpc>
+                <a:spcPts val="3220"/>
+              </a:lnSpc>
+              <a:spcBef>
+                <a:spcPct val="0"/>
+              </a:spcBef>
+              <a:buFont typeface="Arial"/>
+              <a:buChar char="•"/>
+            </a:pPr>
+            <a:r>
+              <a:rPr lang="en-US" sz="2300" strike="noStrike" u="none">
+                <a:solidFill>
+                  <a:srgbClr val="000000"/>
+                </a:solidFill>
+                <a:latin typeface="Open Sans"/>
+                <a:ea typeface="Open Sans"/>
+                <a:cs typeface="Open Sans"/>
+                <a:sym typeface="Open Sans"/>
+              </a:rPr>
+              <a:t>JPA/H</a:t>
+            </a:r>
+            <a:r>
+              <a:rPr lang="en-US" sz="2300" strike="noStrike" u="none">
+                <a:solidFill>
+                  <a:srgbClr val="000000"/>
+                </a:solidFill>
+                <a:latin typeface="Open Sans"/>
+                <a:ea typeface="Open Sans"/>
+                <a:cs typeface="Open Sans"/>
+                <a:sym typeface="Open Sans"/>
+              </a:rPr>
+              <a:t>i</a:t>
+            </a:r>
+            <a:r>
+              <a:rPr lang="en-US" sz="2300" strike="noStrike" u="none">
+                <a:solidFill>
+                  <a:srgbClr val="000000"/>
+                </a:solidFill>
+                <a:latin typeface="Open Sans"/>
+                <a:ea typeface="Open Sans"/>
+                <a:cs typeface="Open Sans"/>
+                <a:sym typeface="Open Sans"/>
+              </a:rPr>
+              <a:t>ber</a:t>
+            </a:r>
+            <a:r>
+              <a:rPr lang="en-US" sz="2300" strike="noStrike" u="none">
+                <a:solidFill>
+                  <a:srgbClr val="000000"/>
+                </a:solidFill>
+                <a:latin typeface="Open Sans"/>
+                <a:ea typeface="Open Sans"/>
+                <a:cs typeface="Open Sans"/>
+                <a:sym typeface="Open Sans"/>
+              </a:rPr>
+              <a:t>n</a:t>
+            </a:r>
+            <a:r>
+              <a:rPr lang="en-US" sz="2300" strike="noStrike" u="none">
+                <a:solidFill>
+                  <a:srgbClr val="000000"/>
+                </a:solidFill>
+                <a:latin typeface="Open Sans"/>
+                <a:ea typeface="Open Sans"/>
+                <a:cs typeface="Open Sans"/>
+                <a:sym typeface="Open Sans"/>
+              </a:rPr>
+              <a:t>ate para acessar o banc</a:t>
+            </a:r>
+            <a:r>
+              <a:rPr lang="en-US" sz="2300" strike="noStrike" u="none">
+                <a:solidFill>
+                  <a:srgbClr val="000000"/>
+                </a:solidFill>
+                <a:latin typeface="Open Sans"/>
+                <a:ea typeface="Open Sans"/>
+                <a:cs typeface="Open Sans"/>
+                <a:sym typeface="Open Sans"/>
+              </a:rPr>
+              <a:t>o de </a:t>
+            </a:r>
+            <a:r>
+              <a:rPr lang="en-US" sz="2300" strike="noStrike" u="none">
+                <a:solidFill>
+                  <a:srgbClr val="000000"/>
+                </a:solidFill>
+                <a:latin typeface="Open Sans"/>
+                <a:ea typeface="Open Sans"/>
+                <a:cs typeface="Open Sans"/>
+                <a:sym typeface="Open Sans"/>
+              </a:rPr>
+              <a:t>dados.</a:t>
+            </a:r>
+          </a:p>
+          <a:p>
+            <a:pPr algn="l" marL="496575" indent="-248288" lvl="1">
+              <a:lnSpc>
+                <a:spcPts val="3220"/>
+              </a:lnSpc>
+              <a:spcBef>
+                <a:spcPct val="0"/>
+              </a:spcBef>
+              <a:buAutoNum type="arabicPeriod" startAt="1"/>
+            </a:pPr>
+            <a:r>
+              <a:rPr lang="en-US" sz="2300" strike="noStrike" u="none">
+                <a:solidFill>
+                  <a:srgbClr val="000000"/>
+                </a:solidFill>
+                <a:latin typeface="Open Sans"/>
+                <a:ea typeface="Open Sans"/>
+                <a:cs typeface="Open Sans"/>
+                <a:sym typeface="Open Sans"/>
+              </a:rPr>
+              <a:t>Clien</a:t>
+            </a:r>
+            <a:r>
+              <a:rPr lang="en-US" sz="2300" strike="noStrike" u="none">
+                <a:solidFill>
+                  <a:srgbClr val="000000"/>
+                </a:solidFill>
+                <a:latin typeface="Open Sans"/>
+                <a:ea typeface="Open Sans"/>
+                <a:cs typeface="Open Sans"/>
+                <a:sym typeface="Open Sans"/>
+              </a:rPr>
+              <a:t>te</a:t>
+            </a:r>
+            <a:r>
+              <a:rPr lang="en-US" sz="2300" strike="noStrike" u="none">
+                <a:solidFill>
+                  <a:srgbClr val="000000"/>
+                </a:solidFill>
+                <a:latin typeface="Open Sans"/>
+                <a:ea typeface="Open Sans"/>
+                <a:cs typeface="Open Sans"/>
+                <a:sym typeface="Open Sans"/>
+              </a:rPr>
+              <a:t>s (In</a:t>
+            </a:r>
+            <a:r>
+              <a:rPr lang="en-US" sz="2300" strike="noStrike" u="none">
+                <a:solidFill>
+                  <a:srgbClr val="000000"/>
+                </a:solidFill>
+                <a:latin typeface="Open Sans"/>
+                <a:ea typeface="Open Sans"/>
+                <a:cs typeface="Open Sans"/>
+                <a:sym typeface="Open Sans"/>
+              </a:rPr>
+              <a:t>t</a:t>
+            </a:r>
+            <a:r>
+              <a:rPr lang="en-US" sz="2300" strike="noStrike" u="none">
+                <a:solidFill>
+                  <a:srgbClr val="000000"/>
+                </a:solidFill>
+                <a:latin typeface="Open Sans"/>
+                <a:ea typeface="Open Sans"/>
+                <a:cs typeface="Open Sans"/>
+                <a:sym typeface="Open Sans"/>
+              </a:rPr>
+              <a:t>erfaces de Usuári</a:t>
+            </a:r>
+            <a:r>
+              <a:rPr lang="en-US" sz="2300" strike="noStrike" u="none">
+                <a:solidFill>
+                  <a:srgbClr val="000000"/>
+                </a:solidFill>
+                <a:latin typeface="Open Sans"/>
+                <a:ea typeface="Open Sans"/>
+                <a:cs typeface="Open Sans"/>
+                <a:sym typeface="Open Sans"/>
+              </a:rPr>
+              <a:t>o</a:t>
+            </a:r>
+            <a:r>
+              <a:rPr lang="en-US" sz="2300" strike="noStrike" u="none">
+                <a:solidFill>
+                  <a:srgbClr val="000000"/>
+                </a:solidFill>
+                <a:latin typeface="Open Sans"/>
+                <a:ea typeface="Open Sans"/>
+                <a:cs typeface="Open Sans"/>
+                <a:sym typeface="Open Sans"/>
+              </a:rPr>
+              <a:t>):</a:t>
+            </a:r>
+          </a:p>
+          <a:p>
+            <a:pPr algn="l" marL="496575" indent="-248288" lvl="1">
+              <a:lnSpc>
+                <a:spcPts val="3220"/>
+              </a:lnSpc>
+              <a:spcBef>
+                <a:spcPct val="0"/>
+              </a:spcBef>
+              <a:buAutoNum type="arabicPeriod" startAt="1"/>
+            </a:pPr>
+            <a:r>
+              <a:rPr lang="en-US" sz="2300" strike="noStrike" u="none">
+                <a:solidFill>
+                  <a:srgbClr val="000000"/>
+                </a:solidFill>
+                <a:latin typeface="Open Sans"/>
+                <a:ea typeface="Open Sans"/>
+                <a:cs typeface="Open Sans"/>
+                <a:sym typeface="Open Sans"/>
+              </a:rPr>
+              <a:t> Se comunicam com a API para realizar operações:</a:t>
+            </a:r>
+          </a:p>
+          <a:p>
+            <a:pPr algn="l" marL="496575" indent="-248288" lvl="1">
+              <a:lnSpc>
+                <a:spcPts val="3220"/>
+              </a:lnSpc>
+              <a:spcBef>
+                <a:spcPct val="0"/>
+              </a:spcBef>
+              <a:buFont typeface="Arial"/>
+              <a:buChar char="•"/>
+            </a:pPr>
+            <a:r>
+              <a:rPr lang="en-US" sz="2300" strike="noStrike" u="none">
+                <a:solidFill>
+                  <a:srgbClr val="000000"/>
+                </a:solidFill>
+                <a:latin typeface="Open Sans"/>
+                <a:ea typeface="Open Sans"/>
+                <a:cs typeface="Open Sans"/>
+                <a:sym typeface="Open Sans"/>
+              </a:rPr>
+              <a:t>📱 Mobile (Flutter)</a:t>
+            </a:r>
+          </a:p>
+          <a:p>
+            <a:pPr algn="l" marL="496575" indent="-248288" lvl="1">
+              <a:lnSpc>
+                <a:spcPts val="3220"/>
+              </a:lnSpc>
+              <a:spcBef>
+                <a:spcPct val="0"/>
+              </a:spcBef>
+              <a:buFont typeface="Arial"/>
+              <a:buChar char="•"/>
+            </a:pPr>
+            <a:r>
+              <a:rPr lang="en-US" sz="2300" strike="noStrike" u="none">
+                <a:solidFill>
+                  <a:srgbClr val="000000"/>
+                </a:solidFill>
+                <a:latin typeface="Open Sans"/>
+                <a:ea typeface="Open Sans"/>
+                <a:cs typeface="Open Sans"/>
+                <a:sym typeface="Open Sans"/>
+              </a:rPr>
+              <a:t>💻 Web (HTML, CSS, JS, Bootstrap)</a:t>
+            </a:r>
+          </a:p>
+          <a:p>
+            <a:pPr algn="l" marL="496575" indent="-248288" lvl="1">
+              <a:lnSpc>
+                <a:spcPts val="3220"/>
+              </a:lnSpc>
+              <a:spcBef>
+                <a:spcPct val="0"/>
+              </a:spcBef>
+              <a:buFont typeface="Arial"/>
+              <a:buChar char="•"/>
+            </a:pPr>
+            <a:r>
+              <a:rPr lang="en-US" sz="2300" strike="noStrike" u="none">
+                <a:solidFill>
+                  <a:srgbClr val="000000"/>
+                </a:solidFill>
+                <a:latin typeface="Open Sans"/>
+                <a:ea typeface="Open Sans"/>
+                <a:cs typeface="Open Sans"/>
+                <a:sym typeface="Open Sans"/>
+              </a:rPr>
+              <a:t>🖥️ Desktop (Java Swing)</a:t>
+            </a:r>
+          </a:p>
+          <a:p>
+            <a:pPr algn="l" marL="0" indent="0" lvl="0">
+              <a:lnSpc>
+                <a:spcPts val="3780"/>
+              </a:lnSpc>
+              <a:spcBef>
+                <a:spcPct val="0"/>
+              </a:spcBef>
+            </a:pPr>
+          </a:p>
+        </p:txBody>
+      </p:sp>
+    </p:spTree>
+  </p:cSld>
+  <p:clrMapOvr>
+    <a:masterClrMapping/>
+  </p:clrMapOvr>
+</p:sld>
+</file>
+
+<file path=ppt/slides/slide11.xml><?xml version="1.0" encoding="utf-8"?>
+<p:sld xmlns:p="http://schemas.openxmlformats.org/presentationml/2006/main" xmlns:a="http://schemas.openxmlformats.org/drawingml/2006/main" xmlns:r="http://schemas.openxmlformats.org/officeDocument/2006/relationships">
+  <p:cSld>
+    <p:spTree>
+      <p:nvGrpSpPr>
+        <p:cNvPr id="1" name=""/>
+        <p:cNvGrpSpPr/>
+        <p:nvPr/>
+      </p:nvGrpSpPr>
+      <p:grpSpPr>
+        <a:xfrm>
+          <a:off x="0" y="0"/>
+          <a:ext cx="0" cy="0"/>
+          <a:chOff x="0" y="0"/>
+          <a:chExt cx="0" cy="0"/>
+        </a:xfrm>
+      </p:grpSpPr>
+      <p:grpSp>
+        <p:nvGrpSpPr>
+          <p:cNvPr name="Group 2" id="2"/>
+          <p:cNvGrpSpPr/>
+          <p:nvPr/>
+        </p:nvGrpSpPr>
+        <p:grpSpPr>
+          <a:xfrm rot="0">
+            <a:off x="-1261984" y="-679988"/>
+            <a:ext cx="20708772" cy="2432588"/>
+            <a:chOff x="0" y="0"/>
+            <a:chExt cx="5454162" cy="640682"/>
+          </a:xfrm>
+        </p:grpSpPr>
+        <p:sp>
+          <p:nvSpPr>
+            <p:cNvPr name="Freeform 3" id="3"/>
+            <p:cNvSpPr/>
+            <p:nvPr/>
+          </p:nvSpPr>
+          <p:spPr>
+            <a:xfrm flipH="false" flipV="false" rot="0">
+              <a:off x="0" y="0"/>
+              <a:ext cx="5454162" cy="640682"/>
+            </a:xfrm>
+            <a:custGeom>
+              <a:avLst/>
+              <a:gdLst/>
+              <a:ahLst/>
+              <a:cxnLst/>
+              <a:rect r="r" b="b" t="t" l="l"/>
+              <a:pathLst>
+                <a:path h="640682" w="5454162">
+                  <a:moveTo>
+                    <a:pt x="0" y="0"/>
+                  </a:moveTo>
+                  <a:lnTo>
+                    <a:pt x="5454162" y="0"/>
+                  </a:lnTo>
+                  <a:lnTo>
+                    <a:pt x="5454162" y="640682"/>
+                  </a:lnTo>
+                  <a:lnTo>
+                    <a:pt x="0" y="640682"/>
+                  </a:lnTo>
+                  <a:close/>
+                </a:path>
+              </a:pathLst>
+            </a:custGeom>
+            <a:solidFill>
+              <a:srgbClr val="5BB3CF"/>
+            </a:solidFill>
+          </p:spPr>
+        </p:sp>
+        <p:sp>
+          <p:nvSpPr>
+            <p:cNvPr name="TextBox 4" id="4"/>
+            <p:cNvSpPr txBox="true"/>
+            <p:nvPr/>
+          </p:nvSpPr>
+          <p:spPr>
+            <a:xfrm>
+              <a:off x="0" y="-57150"/>
+              <a:ext cx="5454162" cy="697832"/>
+            </a:xfrm>
+            <a:prstGeom prst="rect">
+              <a:avLst/>
+            </a:prstGeom>
+          </p:spPr>
+          <p:txBody>
+            <a:bodyPr anchor="ctr" rtlCol="false" tIns="50800" lIns="50800" bIns="50800" rIns="50800"/>
+            <a:lstStyle/>
+            <a:p>
+              <a:pPr algn="ctr">
+                <a:lnSpc>
+                  <a:spcPts val="3500"/>
+                </a:lnSpc>
+              </a:pPr>
+            </a:p>
+          </p:txBody>
+        </p:sp>
+      </p:grpSp>
+      <p:sp>
+        <p:nvSpPr>
+          <p:cNvPr name="AutoShape 5" id="5"/>
+          <p:cNvSpPr/>
+          <p:nvPr/>
+        </p:nvSpPr>
+        <p:spPr>
+          <a:xfrm>
+            <a:off x="0" y="1752600"/>
+            <a:ext cx="18702327" cy="0"/>
+          </a:xfrm>
+          <a:prstGeom prst="line">
+            <a:avLst/>
+          </a:prstGeom>
+          <a:ln cap="rnd" w="19050">
+            <a:solidFill>
+              <a:srgbClr val="000000"/>
+            </a:solidFill>
+            <a:prstDash val="solid"/>
+            <a:headEnd type="none" len="sm" w="sm"/>
+            <a:tailEnd type="none" len="sm" w="sm"/>
+          </a:ln>
+        </p:spPr>
+      </p:sp>
+      <p:sp>
+        <p:nvSpPr>
+          <p:cNvPr name="Freeform 6" id="6"/>
+          <p:cNvSpPr/>
+          <p:nvPr/>
+        </p:nvSpPr>
+        <p:spPr>
+          <a:xfrm flipH="false" flipV="false" rot="0">
+            <a:off x="-38100" y="-26476"/>
+            <a:ext cx="1740976" cy="1740976"/>
+          </a:xfrm>
+          <a:custGeom>
+            <a:avLst/>
+            <a:gdLst/>
+            <a:ahLst/>
+            <a:cxnLst/>
+            <a:rect r="r" b="b" t="t" l="l"/>
+            <a:pathLst>
+              <a:path h="1740976" w="1740976">
+                <a:moveTo>
+                  <a:pt x="0" y="0"/>
+                </a:moveTo>
+                <a:lnTo>
+                  <a:pt x="1740976" y="0"/>
+                </a:lnTo>
+                <a:lnTo>
+                  <a:pt x="1740976" y="1740976"/>
+                </a:lnTo>
+                <a:lnTo>
+                  <a:pt x="0" y="1740976"/>
+                </a:lnTo>
+                <a:lnTo>
+                  <a:pt x="0" y="0"/>
+                </a:lnTo>
+                <a:close/>
+              </a:path>
+            </a:pathLst>
+          </a:custGeom>
+          <a:blipFill>
+            <a:blip r:embed="rId2"/>
+            <a:stretch>
+              <a:fillRect l="0" t="0" r="0" b="0"/>
+            </a:stretch>
+          </a:blipFill>
+        </p:spPr>
+      </p:sp>
+      <p:sp>
+        <p:nvSpPr>
+          <p:cNvPr name="Freeform 7" id="7"/>
+          <p:cNvSpPr/>
+          <p:nvPr/>
+        </p:nvSpPr>
+        <p:spPr>
+          <a:xfrm flipH="false" flipV="false" rot="0">
+            <a:off x="16547024" y="-55051"/>
+            <a:ext cx="1740976" cy="1740976"/>
+          </a:xfrm>
+          <a:custGeom>
+            <a:avLst/>
+            <a:gdLst/>
+            <a:ahLst/>
+            <a:cxnLst/>
+            <a:rect r="r" b="b" t="t" l="l"/>
+            <a:pathLst>
+              <a:path h="1740976" w="1740976">
+                <a:moveTo>
+                  <a:pt x="0" y="0"/>
+                </a:moveTo>
+                <a:lnTo>
+                  <a:pt x="1740976" y="0"/>
+                </a:lnTo>
+                <a:lnTo>
+                  <a:pt x="1740976" y="1740976"/>
+                </a:lnTo>
+                <a:lnTo>
+                  <a:pt x="0" y="1740976"/>
+                </a:lnTo>
+                <a:lnTo>
+                  <a:pt x="0" y="0"/>
+                </a:lnTo>
+                <a:close/>
+              </a:path>
+            </a:pathLst>
+          </a:custGeom>
+          <a:blipFill>
+            <a:blip r:embed="rId2"/>
+            <a:stretch>
+              <a:fillRect l="0" t="0" r="0" b="0"/>
+            </a:stretch>
+          </a:blipFill>
+        </p:spPr>
+      </p:sp>
+      <p:sp>
+        <p:nvSpPr>
+          <p:cNvPr name="Freeform 8" id="8"/>
+          <p:cNvSpPr/>
+          <p:nvPr/>
+        </p:nvSpPr>
+        <p:spPr>
+          <a:xfrm flipH="false" flipV="false" rot="0">
+            <a:off x="9836782" y="2450350"/>
+            <a:ext cx="2689883" cy="3101731"/>
+          </a:xfrm>
+          <a:custGeom>
+            <a:avLst/>
+            <a:gdLst/>
+            <a:ahLst/>
+            <a:cxnLst/>
+            <a:rect r="r" b="b" t="t" l="l"/>
+            <a:pathLst>
+              <a:path h="3101731" w="2689883">
+                <a:moveTo>
+                  <a:pt x="0" y="0"/>
+                </a:moveTo>
+                <a:lnTo>
+                  <a:pt x="2689883" y="0"/>
+                </a:lnTo>
+                <a:lnTo>
+                  <a:pt x="2689883" y="3101731"/>
+                </a:lnTo>
+                <a:lnTo>
+                  <a:pt x="0" y="3101731"/>
+                </a:lnTo>
+                <a:lnTo>
+                  <a:pt x="0" y="0"/>
+                </a:lnTo>
+                <a:close/>
+              </a:path>
+            </a:pathLst>
+          </a:custGeom>
+          <a:blipFill>
+            <a:blip r:embed="rId3"/>
+            <a:stretch>
+              <a:fillRect l="0" t="0" r="0" b="0"/>
+            </a:stretch>
+          </a:blipFill>
+        </p:spPr>
+      </p:sp>
+      <p:sp>
+        <p:nvSpPr>
+          <p:cNvPr name="Freeform 9" id="9"/>
+          <p:cNvSpPr/>
+          <p:nvPr/>
+        </p:nvSpPr>
+        <p:spPr>
+          <a:xfrm flipH="false" flipV="false" rot="0">
+            <a:off x="14109729" y="2143125"/>
+            <a:ext cx="3450446" cy="3450446"/>
+          </a:xfrm>
+          <a:custGeom>
+            <a:avLst/>
+            <a:gdLst/>
+            <a:ahLst/>
+            <a:cxnLst/>
+            <a:rect r="r" b="b" t="t" l="l"/>
+            <a:pathLst>
+              <a:path h="3450446" w="3450446">
+                <a:moveTo>
+                  <a:pt x="0" y="0"/>
+                </a:moveTo>
+                <a:lnTo>
+                  <a:pt x="3450446" y="0"/>
+                </a:lnTo>
+                <a:lnTo>
+                  <a:pt x="3450446" y="3450446"/>
+                </a:lnTo>
+                <a:lnTo>
+                  <a:pt x="0" y="3450446"/>
+                </a:lnTo>
+                <a:lnTo>
+                  <a:pt x="0" y="0"/>
+                </a:lnTo>
+                <a:close/>
+              </a:path>
+            </a:pathLst>
+          </a:custGeom>
+          <a:blipFill>
+            <a:blip r:embed="rId4"/>
+            <a:stretch>
+              <a:fillRect l="0" t="0" r="0" b="0"/>
+            </a:stretch>
+          </a:blipFill>
+        </p:spPr>
+      </p:sp>
+      <p:sp>
+        <p:nvSpPr>
+          <p:cNvPr name="Freeform 10" id="10"/>
+          <p:cNvSpPr/>
+          <p:nvPr/>
+        </p:nvSpPr>
+        <p:spPr>
+          <a:xfrm flipH="false" flipV="false" rot="0">
+            <a:off x="9836782" y="6435162"/>
+            <a:ext cx="3061662" cy="3061662"/>
+          </a:xfrm>
+          <a:custGeom>
+            <a:avLst/>
+            <a:gdLst/>
+            <a:ahLst/>
+            <a:cxnLst/>
+            <a:rect r="r" b="b" t="t" l="l"/>
+            <a:pathLst>
+              <a:path h="3061662" w="3061662">
+                <a:moveTo>
+                  <a:pt x="0" y="0"/>
+                </a:moveTo>
+                <a:lnTo>
+                  <a:pt x="3061662" y="0"/>
+                </a:lnTo>
+                <a:lnTo>
+                  <a:pt x="3061662" y="3061662"/>
+                </a:lnTo>
+                <a:lnTo>
+                  <a:pt x="0" y="3061662"/>
+                </a:lnTo>
+                <a:lnTo>
+                  <a:pt x="0" y="0"/>
+                </a:lnTo>
+                <a:close/>
+              </a:path>
+            </a:pathLst>
+          </a:custGeom>
+          <a:blipFill>
+            <a:blip r:embed="rId5"/>
+            <a:stretch>
+              <a:fillRect l="0" t="0" r="0" b="0"/>
+            </a:stretch>
+          </a:blipFill>
+        </p:spPr>
+      </p:sp>
+      <p:sp>
+        <p:nvSpPr>
+          <p:cNvPr name="Freeform 11" id="11"/>
+          <p:cNvSpPr/>
+          <p:nvPr/>
+        </p:nvSpPr>
+        <p:spPr>
+          <a:xfrm flipH="false" flipV="false" rot="0">
+            <a:off x="14538401" y="7288877"/>
+            <a:ext cx="2301240" cy="2207947"/>
+          </a:xfrm>
+          <a:custGeom>
+            <a:avLst/>
+            <a:gdLst/>
+            <a:ahLst/>
+            <a:cxnLst/>
+            <a:rect r="r" b="b" t="t" l="l"/>
+            <a:pathLst>
+              <a:path h="2207947" w="2301240">
+                <a:moveTo>
+                  <a:pt x="0" y="0"/>
+                </a:moveTo>
+                <a:lnTo>
+                  <a:pt x="2301240" y="0"/>
+                </a:lnTo>
+                <a:lnTo>
+                  <a:pt x="2301240" y="2207947"/>
+                </a:lnTo>
+                <a:lnTo>
+                  <a:pt x="0" y="2207947"/>
+                </a:lnTo>
+                <a:lnTo>
+                  <a:pt x="0" y="0"/>
+                </a:lnTo>
+                <a:close/>
+              </a:path>
+            </a:pathLst>
+          </a:custGeom>
+          <a:blipFill>
+            <a:blip r:embed="rId6"/>
+            <a:stretch>
+              <a:fillRect l="0" t="0" r="0" b="0"/>
+            </a:stretch>
+          </a:blipFill>
+        </p:spPr>
+      </p:sp>
+      <p:sp>
+        <p:nvSpPr>
+          <p:cNvPr name="TextBox 12" id="12"/>
+          <p:cNvSpPr txBox="true"/>
+          <p:nvPr/>
+        </p:nvSpPr>
+        <p:spPr>
+          <a:xfrm rot="0">
+            <a:off x="1871598" y="182024"/>
+            <a:ext cx="14544804" cy="1181100"/>
+          </a:xfrm>
+          <a:prstGeom prst="rect">
+            <a:avLst/>
+          </a:prstGeom>
+        </p:spPr>
+        <p:txBody>
+          <a:bodyPr anchor="t" rtlCol="false" tIns="0" lIns="0" bIns="0" rIns="0">
+            <a:spAutoFit/>
+          </a:bodyPr>
+          <a:lstStyle/>
+          <a:p>
+            <a:pPr algn="ctr" marL="0" indent="0" lvl="0">
+              <a:lnSpc>
+                <a:spcPts val="7800"/>
+              </a:lnSpc>
+              <a:spcBef>
+                <a:spcPct val="0"/>
+              </a:spcBef>
+            </a:pPr>
+            <a:r>
+              <a:rPr lang="en-US" sz="6500">
+                <a:solidFill>
+                  <a:srgbClr val="000000"/>
+                </a:solidFill>
+                <a:latin typeface="Agrandir"/>
+                <a:ea typeface="Agrandir"/>
+                <a:cs typeface="Agrandir"/>
+                <a:sym typeface="Agrandir"/>
+              </a:rPr>
+              <a:t>Ferramentas e Linguagens - Desktop</a:t>
+            </a:r>
+          </a:p>
+        </p:txBody>
+      </p:sp>
+      <p:sp>
+        <p:nvSpPr>
+          <p:cNvPr name="TextBox 13" id="13"/>
+          <p:cNvSpPr txBox="true"/>
+          <p:nvPr/>
+        </p:nvSpPr>
+        <p:spPr>
+          <a:xfrm rot="0">
+            <a:off x="199298" y="3171484"/>
+            <a:ext cx="8427809" cy="6451157"/>
+          </a:xfrm>
+          <a:prstGeom prst="rect">
+            <a:avLst/>
+          </a:prstGeom>
+        </p:spPr>
+        <p:txBody>
+          <a:bodyPr anchor="t" rtlCol="false" tIns="0" lIns="0" bIns="0" rIns="0">
+            <a:spAutoFit/>
+          </a:bodyPr>
+          <a:lstStyle/>
+          <a:p>
+            <a:pPr algn="ctr">
+              <a:lnSpc>
+                <a:spcPts val="5884"/>
+              </a:lnSpc>
+            </a:pPr>
+            <a:r>
+              <a:rPr lang="en-US" sz="4203" b="true">
+                <a:solidFill>
+                  <a:srgbClr val="000000"/>
+                </a:solidFill>
+                <a:latin typeface="Open Sans Bold"/>
+                <a:ea typeface="Open Sans Bold"/>
+                <a:cs typeface="Open Sans Bold"/>
+                <a:sym typeface="Open Sans Bold"/>
+              </a:rPr>
+              <a:t>Ferramentas Utilizadas</a:t>
+            </a:r>
+          </a:p>
+          <a:p>
+            <a:pPr algn="ctr" marL="635230" indent="-317615" lvl="1">
+              <a:lnSpc>
+                <a:spcPts val="4119"/>
+              </a:lnSpc>
+              <a:buFont typeface="Arial"/>
+              <a:buChar char="•"/>
+            </a:pPr>
+            <a:r>
+              <a:rPr lang="en-US" sz="2942">
+                <a:solidFill>
+                  <a:srgbClr val="000000"/>
+                </a:solidFill>
+                <a:latin typeface="Open Sans"/>
+                <a:ea typeface="Open Sans"/>
+                <a:cs typeface="Open Sans"/>
+                <a:sym typeface="Open Sans"/>
+              </a:rPr>
+              <a:t>Ambiente de Desenvolvimento</a:t>
+            </a:r>
+            <a:r>
+              <a:rPr lang="en-US" sz="2942">
+                <a:solidFill>
+                  <a:srgbClr val="000000"/>
+                </a:solidFill>
+                <a:latin typeface="Open Sans"/>
+                <a:ea typeface="Open Sans"/>
+                <a:cs typeface="Open Sans"/>
+                <a:sym typeface="Open Sans"/>
+              </a:rPr>
+              <a:t>: Apache NetBeans IDE 19</a:t>
+            </a:r>
+          </a:p>
+          <a:p>
+            <a:pPr algn="ctr">
+              <a:lnSpc>
+                <a:spcPts val="4119"/>
+              </a:lnSpc>
+            </a:pPr>
+          </a:p>
+          <a:p>
+            <a:pPr algn="ctr" marL="635230" indent="-317615" lvl="1">
+              <a:lnSpc>
+                <a:spcPts val="4119"/>
+              </a:lnSpc>
+              <a:buFont typeface="Arial"/>
+              <a:buChar char="•"/>
+            </a:pPr>
+            <a:r>
+              <a:rPr lang="en-US" sz="2942">
+                <a:solidFill>
+                  <a:srgbClr val="000000"/>
+                </a:solidFill>
+                <a:latin typeface="Open Sans"/>
+                <a:ea typeface="Open Sans"/>
+                <a:cs typeface="Open Sans"/>
+                <a:sym typeface="Open Sans"/>
+              </a:rPr>
+              <a:t>Gerenciamento de Banco de Dados: MySQL Workbench 8.0</a:t>
+            </a:r>
+          </a:p>
+          <a:p>
+            <a:pPr algn="ctr">
+              <a:lnSpc>
+                <a:spcPts val="4119"/>
+              </a:lnSpc>
+            </a:pPr>
+          </a:p>
+          <a:p>
+            <a:pPr algn="ctr" marL="635230" indent="-317615" lvl="1">
+              <a:lnSpc>
+                <a:spcPts val="4119"/>
+              </a:lnSpc>
+              <a:buFont typeface="Arial"/>
+              <a:buChar char="•"/>
+            </a:pPr>
+            <a:r>
+              <a:rPr lang="en-US" sz="2942">
+                <a:solidFill>
+                  <a:srgbClr val="000000"/>
+                </a:solidFill>
+                <a:latin typeface="Open Sans"/>
+                <a:ea typeface="Open Sans"/>
+                <a:cs typeface="Open Sans"/>
+                <a:sym typeface="Open Sans"/>
+              </a:rPr>
+              <a:t>Linguagem de Programação: Java</a:t>
+            </a:r>
+          </a:p>
+          <a:p>
+            <a:pPr algn="ctr">
+              <a:lnSpc>
+                <a:spcPts val="4119"/>
+              </a:lnSpc>
+            </a:pPr>
+          </a:p>
+          <a:p>
+            <a:pPr algn="ctr" marL="635230" indent="-317615" lvl="1">
+              <a:lnSpc>
+                <a:spcPts val="4119"/>
+              </a:lnSpc>
+              <a:buFont typeface="Arial"/>
+              <a:buChar char="•"/>
+            </a:pPr>
+            <a:r>
+              <a:rPr lang="en-US" sz="2942">
+                <a:solidFill>
+                  <a:srgbClr val="000000"/>
+                </a:solidFill>
+                <a:latin typeface="Open Sans"/>
+                <a:ea typeface="Open Sans"/>
+                <a:cs typeface="Open Sans"/>
+                <a:sym typeface="Open Sans"/>
+              </a:rPr>
+              <a:t>Bibliotecas e Frameworks Java: Swing (para interface gráfica), OpenPDF, ZXing, entre outras</a:t>
+            </a:r>
+          </a:p>
+        </p:txBody>
+      </p:sp>
+    </p:spTree>
+  </p:cSld>
+  <p:clrMapOvr>
+    <a:masterClrMapping/>
+  </p:clrMapOvr>
+</p:sld>
+</file>
+
+<file path=ppt/slides/slide12.xml><?xml version="1.0" encoding="utf-8"?>
+<p:sld xmlns:p="http://schemas.openxmlformats.org/presentationml/2006/main" xmlns:a="http://schemas.openxmlformats.org/drawingml/2006/main" xmlns:r="http://schemas.openxmlformats.org/officeDocument/2006/relationships">
+  <p:cSld>
+    <p:spTree>
+      <p:nvGrpSpPr>
+        <p:cNvPr id="1" name=""/>
+        <p:cNvGrpSpPr/>
+        <p:nvPr/>
+      </p:nvGrpSpPr>
+      <p:grpSpPr>
+        <a:xfrm>
+          <a:off x="0" y="0"/>
+          <a:ext cx="0" cy="0"/>
+          <a:chOff x="0" y="0"/>
+          <a:chExt cx="0" cy="0"/>
+        </a:xfrm>
+      </p:grpSpPr>
+      <p:grpSp>
+        <p:nvGrpSpPr>
+          <p:cNvPr name="Group 2" id="2"/>
+          <p:cNvGrpSpPr/>
+          <p:nvPr/>
+        </p:nvGrpSpPr>
+        <p:grpSpPr>
+          <a:xfrm rot="0">
+            <a:off x="-1261984" y="-679988"/>
+            <a:ext cx="20708772" cy="2432588"/>
+            <a:chOff x="0" y="0"/>
+            <a:chExt cx="5454162" cy="640682"/>
+          </a:xfrm>
+        </p:grpSpPr>
+        <p:sp>
+          <p:nvSpPr>
+            <p:cNvPr name="Freeform 3" id="3"/>
+            <p:cNvSpPr/>
+            <p:nvPr/>
+          </p:nvSpPr>
+          <p:spPr>
+            <a:xfrm flipH="false" flipV="false" rot="0">
+              <a:off x="0" y="0"/>
+              <a:ext cx="5454162" cy="640682"/>
+            </a:xfrm>
+            <a:custGeom>
+              <a:avLst/>
+              <a:gdLst/>
+              <a:ahLst/>
+              <a:cxnLst/>
+              <a:rect r="r" b="b" t="t" l="l"/>
+              <a:pathLst>
+                <a:path h="640682" w="5454162">
+                  <a:moveTo>
+                    <a:pt x="0" y="0"/>
+                  </a:moveTo>
+                  <a:lnTo>
+                    <a:pt x="5454162" y="0"/>
+                  </a:lnTo>
+                  <a:lnTo>
+                    <a:pt x="5454162" y="640682"/>
+                  </a:lnTo>
+                  <a:lnTo>
+                    <a:pt x="0" y="640682"/>
+                  </a:lnTo>
+                  <a:close/>
+                </a:path>
+              </a:pathLst>
+            </a:custGeom>
+            <a:solidFill>
+              <a:srgbClr val="5BB3CF"/>
+            </a:solidFill>
+          </p:spPr>
+        </p:sp>
+        <p:sp>
+          <p:nvSpPr>
+            <p:cNvPr name="TextBox 4" id="4"/>
+            <p:cNvSpPr txBox="true"/>
+            <p:nvPr/>
+          </p:nvSpPr>
+          <p:spPr>
+            <a:xfrm>
+              <a:off x="0" y="-57150"/>
+              <a:ext cx="5454162" cy="697832"/>
+            </a:xfrm>
+            <a:prstGeom prst="rect">
+              <a:avLst/>
+            </a:prstGeom>
+          </p:spPr>
+          <p:txBody>
+            <a:bodyPr anchor="ctr" rtlCol="false" tIns="50800" lIns="50800" bIns="50800" rIns="50800"/>
+            <a:lstStyle/>
+            <a:p>
+              <a:pPr algn="ctr">
+                <a:lnSpc>
+                  <a:spcPts val="3500"/>
+                </a:lnSpc>
+              </a:pPr>
+            </a:p>
+          </p:txBody>
+        </p:sp>
+      </p:grpSp>
+      <p:sp>
+        <p:nvSpPr>
+          <p:cNvPr name="AutoShape 5" id="5"/>
+          <p:cNvSpPr/>
+          <p:nvPr/>
+        </p:nvSpPr>
+        <p:spPr>
+          <a:xfrm>
+            <a:off x="0" y="1752600"/>
+            <a:ext cx="18702327" cy="0"/>
+          </a:xfrm>
+          <a:prstGeom prst="line">
+            <a:avLst/>
+          </a:prstGeom>
+          <a:ln cap="rnd" w="19050">
+            <a:solidFill>
+              <a:srgbClr val="000000"/>
+            </a:solidFill>
+            <a:prstDash val="solid"/>
+            <a:headEnd type="none" len="sm" w="sm"/>
+            <a:tailEnd type="none" len="sm" w="sm"/>
+          </a:ln>
+        </p:spPr>
+      </p:sp>
+      <p:sp>
+        <p:nvSpPr>
+          <p:cNvPr name="Freeform 6" id="6"/>
+          <p:cNvSpPr/>
+          <p:nvPr/>
+        </p:nvSpPr>
+        <p:spPr>
+          <a:xfrm flipH="false" flipV="false" rot="0">
+            <a:off x="-38100" y="-26476"/>
+            <a:ext cx="1740976" cy="1740976"/>
+          </a:xfrm>
+          <a:custGeom>
+            <a:avLst/>
+            <a:gdLst/>
+            <a:ahLst/>
+            <a:cxnLst/>
+            <a:rect r="r" b="b" t="t" l="l"/>
+            <a:pathLst>
+              <a:path h="1740976" w="1740976">
+                <a:moveTo>
+                  <a:pt x="0" y="0"/>
+                </a:moveTo>
+                <a:lnTo>
+                  <a:pt x="1740976" y="0"/>
+                </a:lnTo>
+                <a:lnTo>
+                  <a:pt x="1740976" y="1740976"/>
+                </a:lnTo>
+                <a:lnTo>
+                  <a:pt x="0" y="1740976"/>
+                </a:lnTo>
+                <a:lnTo>
+                  <a:pt x="0" y="0"/>
+                </a:lnTo>
+                <a:close/>
+              </a:path>
+            </a:pathLst>
+          </a:custGeom>
+          <a:blipFill>
+            <a:blip r:embed="rId2"/>
+            <a:stretch>
+              <a:fillRect l="0" t="0" r="0" b="0"/>
+            </a:stretch>
+          </a:blipFill>
+        </p:spPr>
+      </p:sp>
+      <p:sp>
+        <p:nvSpPr>
+          <p:cNvPr name="Freeform 7" id="7"/>
+          <p:cNvSpPr/>
+          <p:nvPr/>
+        </p:nvSpPr>
+        <p:spPr>
+          <a:xfrm flipH="false" flipV="false" rot="0">
+            <a:off x="16547024" y="-55051"/>
+            <a:ext cx="1740976" cy="1740976"/>
+          </a:xfrm>
+          <a:custGeom>
+            <a:avLst/>
+            <a:gdLst/>
+            <a:ahLst/>
+            <a:cxnLst/>
+            <a:rect r="r" b="b" t="t" l="l"/>
+            <a:pathLst>
+              <a:path h="1740976" w="1740976">
+                <a:moveTo>
+                  <a:pt x="0" y="0"/>
+                </a:moveTo>
+                <a:lnTo>
+                  <a:pt x="1740976" y="0"/>
+                </a:lnTo>
+                <a:lnTo>
+                  <a:pt x="1740976" y="1740976"/>
+                </a:lnTo>
+                <a:lnTo>
+                  <a:pt x="0" y="1740976"/>
+                </a:lnTo>
+                <a:lnTo>
+                  <a:pt x="0" y="0"/>
+                </a:lnTo>
+                <a:close/>
+              </a:path>
+            </a:pathLst>
+          </a:custGeom>
+          <a:blipFill>
+            <a:blip r:embed="rId2"/>
+            <a:stretch>
+              <a:fillRect l="0" t="0" r="0" b="0"/>
+            </a:stretch>
+          </a:blipFill>
+        </p:spPr>
+      </p:sp>
+      <p:sp>
+        <p:nvSpPr>
+          <p:cNvPr name="Freeform 8" id="8"/>
+          <p:cNvSpPr/>
+          <p:nvPr/>
+        </p:nvSpPr>
+        <p:spPr>
+          <a:xfrm flipH="false" flipV="false" rot="0">
+            <a:off x="8405179" y="3081552"/>
+            <a:ext cx="9882821" cy="5435552"/>
+          </a:xfrm>
+          <a:custGeom>
+            <a:avLst/>
+            <a:gdLst/>
+            <a:ahLst/>
+            <a:cxnLst/>
+            <a:rect r="r" b="b" t="t" l="l"/>
+            <a:pathLst>
+              <a:path h="5435552" w="9882821">
+                <a:moveTo>
+                  <a:pt x="0" y="0"/>
+                </a:moveTo>
+                <a:lnTo>
+                  <a:pt x="9882821" y="0"/>
+                </a:lnTo>
+                <a:lnTo>
+                  <a:pt x="9882821" y="5435552"/>
+                </a:lnTo>
+                <a:lnTo>
+                  <a:pt x="0" y="5435552"/>
+                </a:lnTo>
+                <a:lnTo>
+                  <a:pt x="0" y="0"/>
+                </a:lnTo>
+                <a:close/>
+              </a:path>
+            </a:pathLst>
+          </a:custGeom>
+          <a:blipFill>
+            <a:blip r:embed="rId3"/>
+            <a:stretch>
+              <a:fillRect l="0" t="0" r="0" b="0"/>
+            </a:stretch>
+          </a:blipFill>
+        </p:spPr>
+      </p:sp>
+      <p:sp>
+        <p:nvSpPr>
+          <p:cNvPr name="TextBox 9" id="9"/>
+          <p:cNvSpPr txBox="true"/>
+          <p:nvPr/>
+        </p:nvSpPr>
+        <p:spPr>
+          <a:xfrm rot="0">
+            <a:off x="1871598" y="182024"/>
+            <a:ext cx="14544804" cy="1247775"/>
+          </a:xfrm>
+          <a:prstGeom prst="rect">
+            <a:avLst/>
+          </a:prstGeom>
+        </p:spPr>
+        <p:txBody>
+          <a:bodyPr anchor="t" rtlCol="false" tIns="0" lIns="0" bIns="0" rIns="0">
+            <a:spAutoFit/>
+          </a:bodyPr>
+          <a:lstStyle/>
+          <a:p>
+            <a:pPr algn="ctr" marL="0" indent="0" lvl="0">
+              <a:lnSpc>
+                <a:spcPts val="8399"/>
+              </a:lnSpc>
+              <a:spcBef>
+                <a:spcPct val="0"/>
+              </a:spcBef>
+            </a:pPr>
+            <a:r>
+              <a:rPr lang="en-US" sz="6999">
+                <a:solidFill>
+                  <a:srgbClr val="000000"/>
+                </a:solidFill>
+                <a:latin typeface="Agrandir"/>
+                <a:ea typeface="Agrandir"/>
+                <a:cs typeface="Agrandir"/>
+                <a:sym typeface="Agrandir"/>
+              </a:rPr>
+              <a:t>Sistema Web</a:t>
+            </a:r>
+          </a:p>
+        </p:txBody>
+      </p:sp>
+      <p:sp>
+        <p:nvSpPr>
+          <p:cNvPr name="TextBox 10" id="10"/>
+          <p:cNvSpPr txBox="true"/>
+          <p:nvPr/>
+        </p:nvSpPr>
+        <p:spPr>
+          <a:xfrm rot="0">
+            <a:off x="-257893" y="1666875"/>
+            <a:ext cx="8533522" cy="8949801"/>
+          </a:xfrm>
+          <a:prstGeom prst="rect">
+            <a:avLst/>
+          </a:prstGeom>
+        </p:spPr>
+        <p:txBody>
+          <a:bodyPr anchor="t" rtlCol="false" tIns="0" lIns="0" bIns="0" rIns="0">
+            <a:spAutoFit/>
+          </a:bodyPr>
+          <a:lstStyle/>
+          <a:p>
+            <a:pPr algn="ctr">
+              <a:lnSpc>
+                <a:spcPts val="3111"/>
+              </a:lnSpc>
+            </a:pPr>
+            <a:r>
+              <a:rPr lang="en-US" sz="2222" b="true">
+                <a:solidFill>
+                  <a:srgbClr val="000000"/>
+                </a:solidFill>
+                <a:latin typeface="Open Sans Bold"/>
+                <a:ea typeface="Open Sans Bold"/>
+                <a:cs typeface="Open Sans Bold"/>
+                <a:sym typeface="Open Sans Bold"/>
+              </a:rPr>
+              <a:t>10 Diferenças entre Sistema Web e Desktop</a:t>
+            </a:r>
+          </a:p>
+          <a:p>
+            <a:pPr algn="ctr">
+              <a:lnSpc>
+                <a:spcPts val="3111"/>
+              </a:lnSpc>
+            </a:pPr>
+          </a:p>
+          <a:p>
+            <a:pPr algn="just" marL="392665" indent="-196332" lvl="1">
+              <a:lnSpc>
+                <a:spcPts val="2546"/>
+              </a:lnSpc>
+              <a:buFont typeface="Arial"/>
+              <a:buChar char="•"/>
+            </a:pPr>
+            <a:r>
+              <a:rPr lang="en-US" sz="1818">
+                <a:solidFill>
+                  <a:srgbClr val="000000"/>
+                </a:solidFill>
+                <a:latin typeface="Open Sans"/>
+                <a:ea typeface="Open Sans"/>
+                <a:cs typeface="Open Sans"/>
+                <a:sym typeface="Open Sans"/>
+              </a:rPr>
+              <a:t>Plataforma: </a:t>
+            </a:r>
+            <a:r>
+              <a:rPr lang="en-US" sz="1818">
+                <a:solidFill>
+                  <a:srgbClr val="000000"/>
+                </a:solidFill>
+                <a:latin typeface="Open Sans"/>
+                <a:ea typeface="Open Sans"/>
+                <a:cs typeface="Open Sans"/>
+                <a:sym typeface="Open Sans"/>
+              </a:rPr>
+              <a:t>Web roda </a:t>
+            </a:r>
+            <a:r>
+              <a:rPr lang="en-US" sz="1818">
+                <a:solidFill>
+                  <a:srgbClr val="000000"/>
+                </a:solidFill>
+                <a:latin typeface="Open Sans"/>
+                <a:ea typeface="Open Sans"/>
+                <a:cs typeface="Open Sans"/>
+                <a:sym typeface="Open Sans"/>
+              </a:rPr>
+              <a:t>no navegador; Desktop roda instalado no sistema.</a:t>
+            </a:r>
+          </a:p>
+          <a:p>
+            <a:pPr algn="just">
+              <a:lnSpc>
+                <a:spcPts val="2546"/>
+              </a:lnSpc>
+            </a:pPr>
+          </a:p>
+          <a:p>
+            <a:pPr algn="just" marL="392665" indent="-196332" lvl="1">
+              <a:lnSpc>
+                <a:spcPts val="2546"/>
+              </a:lnSpc>
+              <a:buFont typeface="Arial"/>
+              <a:buChar char="•"/>
+            </a:pPr>
+            <a:r>
+              <a:rPr lang="en-US" sz="1818">
+                <a:solidFill>
+                  <a:srgbClr val="000000"/>
+                </a:solidFill>
+                <a:latin typeface="Open Sans"/>
+                <a:ea typeface="Open Sans"/>
+                <a:cs typeface="Open Sans"/>
+                <a:sym typeface="Open Sans"/>
+              </a:rPr>
+              <a:t>Instalação</a:t>
+            </a:r>
+            <a:r>
+              <a:rPr lang="en-US" sz="1818">
+                <a:solidFill>
+                  <a:srgbClr val="000000"/>
+                </a:solidFill>
+                <a:latin typeface="Open Sans"/>
+                <a:ea typeface="Open Sans"/>
+                <a:cs typeface="Open Sans"/>
+                <a:sym typeface="Open Sans"/>
+              </a:rPr>
+              <a:t>: Web não precisa instalar; Desktop requer instalação.</a:t>
+            </a:r>
+          </a:p>
+          <a:p>
+            <a:pPr algn="just">
+              <a:lnSpc>
+                <a:spcPts val="2546"/>
+              </a:lnSpc>
+            </a:pPr>
+          </a:p>
+          <a:p>
+            <a:pPr algn="just" marL="392665" indent="-196332" lvl="1">
+              <a:lnSpc>
+                <a:spcPts val="2546"/>
+              </a:lnSpc>
+              <a:buFont typeface="Arial"/>
+              <a:buChar char="•"/>
+            </a:pPr>
+            <a:r>
+              <a:rPr lang="en-US" sz="1818">
+                <a:solidFill>
+                  <a:srgbClr val="000000"/>
+                </a:solidFill>
+                <a:latin typeface="Open Sans"/>
+                <a:ea typeface="Open Sans"/>
+                <a:cs typeface="Open Sans"/>
+                <a:sym typeface="Open Sans"/>
+              </a:rPr>
+              <a:t>Atualização: Web atualiza no servidor automaticamente; Desktop atualiza manualmente.</a:t>
+            </a:r>
+          </a:p>
+          <a:p>
+            <a:pPr algn="just">
+              <a:lnSpc>
+                <a:spcPts val="2546"/>
+              </a:lnSpc>
+            </a:pPr>
+          </a:p>
+          <a:p>
+            <a:pPr algn="just" marL="392665" indent="-196332" lvl="1">
+              <a:lnSpc>
+                <a:spcPts val="2546"/>
+              </a:lnSpc>
+              <a:buFont typeface="Arial"/>
+              <a:buChar char="•"/>
+            </a:pPr>
+            <a:r>
+              <a:rPr lang="en-US" sz="1818">
+                <a:solidFill>
+                  <a:srgbClr val="000000"/>
+                </a:solidFill>
+                <a:latin typeface="Open Sans"/>
+                <a:ea typeface="Open Sans"/>
+                <a:cs typeface="Open Sans"/>
+                <a:sym typeface="Open Sans"/>
+              </a:rPr>
+              <a:t>Internet: Web depende de conexão; Desktop pode funcionar offline.</a:t>
+            </a:r>
+          </a:p>
+          <a:p>
+            <a:pPr algn="just">
+              <a:lnSpc>
+                <a:spcPts val="2546"/>
+              </a:lnSpc>
+            </a:pPr>
+          </a:p>
+          <a:p>
+            <a:pPr algn="just" marL="392665" indent="-196332" lvl="1">
+              <a:lnSpc>
+                <a:spcPts val="2546"/>
+              </a:lnSpc>
+              <a:buFont typeface="Arial"/>
+              <a:buChar char="•"/>
+            </a:pPr>
+            <a:r>
+              <a:rPr lang="en-US" sz="1818">
+                <a:solidFill>
+                  <a:srgbClr val="000000"/>
+                </a:solidFill>
+                <a:latin typeface="Open Sans"/>
+                <a:ea typeface="Open Sans"/>
+                <a:cs typeface="Open Sans"/>
+                <a:sym typeface="Open Sans"/>
+              </a:rPr>
+              <a:t>Desempenho: Desktop usa hardware direto; Web depende do navegador e conexão.</a:t>
+            </a:r>
+          </a:p>
+          <a:p>
+            <a:pPr algn="just">
+              <a:lnSpc>
+                <a:spcPts val="2546"/>
+              </a:lnSpc>
+            </a:pPr>
+          </a:p>
+          <a:p>
+            <a:pPr algn="just" marL="392665" indent="-196332" lvl="1">
+              <a:lnSpc>
+                <a:spcPts val="2546"/>
+              </a:lnSpc>
+              <a:buFont typeface="Arial"/>
+              <a:buChar char="•"/>
+            </a:pPr>
+            <a:r>
+              <a:rPr lang="en-US" sz="1818">
+                <a:solidFill>
+                  <a:srgbClr val="000000"/>
+                </a:solidFill>
+                <a:latin typeface="Open Sans"/>
+                <a:ea typeface="Open Sans"/>
+                <a:cs typeface="Open Sans"/>
+                <a:sym typeface="Open Sans"/>
+              </a:rPr>
+              <a:t>Acesso a recursos: Desktop tem acesso total; Web tem acesso limitado por segurança.</a:t>
+            </a:r>
+          </a:p>
+          <a:p>
+            <a:pPr algn="just">
+              <a:lnSpc>
+                <a:spcPts val="2546"/>
+              </a:lnSpc>
+            </a:pPr>
+          </a:p>
+          <a:p>
+            <a:pPr algn="just" marL="392665" indent="-196332" lvl="1">
+              <a:lnSpc>
+                <a:spcPts val="2546"/>
+              </a:lnSpc>
+              <a:buFont typeface="Arial"/>
+              <a:buChar char="•"/>
+            </a:pPr>
+            <a:r>
+              <a:rPr lang="en-US" sz="1818">
+                <a:solidFill>
+                  <a:srgbClr val="000000"/>
+                </a:solidFill>
+                <a:latin typeface="Open Sans"/>
+                <a:ea typeface="Open Sans"/>
+                <a:cs typeface="Open Sans"/>
+                <a:sym typeface="Open Sans"/>
+              </a:rPr>
+              <a:t>Distribuição: Web via URL; Desktop via instalador.</a:t>
+            </a:r>
+          </a:p>
+          <a:p>
+            <a:pPr algn="just">
+              <a:lnSpc>
+                <a:spcPts val="2546"/>
+              </a:lnSpc>
+            </a:pPr>
+          </a:p>
+          <a:p>
+            <a:pPr algn="just" marL="392665" indent="-196332" lvl="1">
+              <a:lnSpc>
+                <a:spcPts val="2546"/>
+              </a:lnSpc>
+              <a:buFont typeface="Arial"/>
+              <a:buChar char="•"/>
+            </a:pPr>
+            <a:r>
+              <a:rPr lang="en-US" sz="1818">
+                <a:solidFill>
+                  <a:srgbClr val="000000"/>
+                </a:solidFill>
+                <a:latin typeface="Open Sans"/>
+                <a:ea typeface="Open Sans"/>
+                <a:cs typeface="Open Sans"/>
+                <a:sym typeface="Open Sans"/>
+              </a:rPr>
+              <a:t>Segurança: Web centraliza dados no servidor; Desktop armazena localmente.</a:t>
+            </a:r>
+          </a:p>
+          <a:p>
+            <a:pPr algn="just">
+              <a:lnSpc>
+                <a:spcPts val="2546"/>
+              </a:lnSpc>
+            </a:pPr>
+          </a:p>
+          <a:p>
+            <a:pPr algn="just" marL="392665" indent="-196332" lvl="1">
+              <a:lnSpc>
+                <a:spcPts val="2546"/>
+              </a:lnSpc>
+              <a:buFont typeface="Arial"/>
+              <a:buChar char="•"/>
+            </a:pPr>
+            <a:r>
+              <a:rPr lang="en-US" sz="1818">
+                <a:solidFill>
+                  <a:srgbClr val="000000"/>
+                </a:solidFill>
+                <a:latin typeface="Open Sans"/>
+                <a:ea typeface="Open Sans"/>
+                <a:cs typeface="Open Sans"/>
+                <a:sym typeface="Open Sans"/>
+              </a:rPr>
+              <a:t>Portabilidade: Web acessível em vários dispositivos; Desktop limitado ao computador.</a:t>
+            </a:r>
+          </a:p>
+          <a:p>
+            <a:pPr algn="just">
+              <a:lnSpc>
+                <a:spcPts val="2546"/>
+              </a:lnSpc>
+            </a:pPr>
+          </a:p>
+          <a:p>
+            <a:pPr algn="just" marL="392665" indent="-196332" lvl="1">
+              <a:lnSpc>
+                <a:spcPts val="2546"/>
+              </a:lnSpc>
+              <a:buFont typeface="Arial"/>
+              <a:buChar char="•"/>
+            </a:pPr>
+            <a:r>
+              <a:rPr lang="en-US" sz="1818">
+                <a:solidFill>
+                  <a:srgbClr val="000000"/>
+                </a:solidFill>
+                <a:latin typeface="Open Sans"/>
+                <a:ea typeface="Open Sans"/>
+                <a:cs typeface="Open Sans"/>
+                <a:sym typeface="Open Sans"/>
+              </a:rPr>
+              <a:t>Compatibilidade: Web depende do navegador; Desktop depende do sistema operacional.</a:t>
+            </a:r>
+          </a:p>
+          <a:p>
+            <a:pPr algn="ctr">
+              <a:lnSpc>
+                <a:spcPts val="2546"/>
+              </a:lnSpc>
+            </a:pPr>
+          </a:p>
+        </p:txBody>
+      </p:sp>
+    </p:spTree>
+  </p:cSld>
+  <p:clrMapOvr>
+    <a:masterClrMapping/>
+  </p:clrMapOvr>
+</p:sld>
+</file>
+
+<file path=ppt/slides/slide13.xml><?xml version="1.0" encoding="utf-8"?>
+<p:sld xmlns:p="http://schemas.openxmlformats.org/presentationml/2006/main" xmlns:a="http://schemas.openxmlformats.org/drawingml/2006/main" xmlns:r="http://schemas.openxmlformats.org/officeDocument/2006/relationships">
+  <p:cSld>
+    <p:spTree>
+      <p:nvGrpSpPr>
+        <p:cNvPr id="1" name=""/>
+        <p:cNvGrpSpPr/>
+        <p:nvPr/>
+      </p:nvGrpSpPr>
+      <p:grpSpPr>
+        <a:xfrm>
+          <a:off x="0" y="0"/>
+          <a:ext cx="0" cy="0"/>
+          <a:chOff x="0" y="0"/>
+          <a:chExt cx="0" cy="0"/>
+        </a:xfrm>
+      </p:grpSpPr>
+      <p:grpSp>
+        <p:nvGrpSpPr>
+          <p:cNvPr name="Group 2" id="2"/>
+          <p:cNvGrpSpPr/>
+          <p:nvPr/>
+        </p:nvGrpSpPr>
+        <p:grpSpPr>
+          <a:xfrm rot="0">
+            <a:off x="-1261984" y="-679988"/>
+            <a:ext cx="20708772" cy="2432588"/>
+            <a:chOff x="0" y="0"/>
+            <a:chExt cx="5454162" cy="640682"/>
+          </a:xfrm>
+        </p:grpSpPr>
+        <p:sp>
+          <p:nvSpPr>
+            <p:cNvPr name="Freeform 3" id="3"/>
+            <p:cNvSpPr/>
+            <p:nvPr/>
+          </p:nvSpPr>
+          <p:spPr>
+            <a:xfrm flipH="false" flipV="false" rot="0">
+              <a:off x="0" y="0"/>
+              <a:ext cx="5454162" cy="640682"/>
+            </a:xfrm>
+            <a:custGeom>
+              <a:avLst/>
+              <a:gdLst/>
+              <a:ahLst/>
+              <a:cxnLst/>
+              <a:rect r="r" b="b" t="t" l="l"/>
+              <a:pathLst>
+                <a:path h="640682" w="5454162">
+                  <a:moveTo>
+                    <a:pt x="0" y="0"/>
+                  </a:moveTo>
+                  <a:lnTo>
+                    <a:pt x="5454162" y="0"/>
+                  </a:lnTo>
+                  <a:lnTo>
+                    <a:pt x="5454162" y="640682"/>
+                  </a:lnTo>
+                  <a:lnTo>
+                    <a:pt x="0" y="640682"/>
+                  </a:lnTo>
+                  <a:close/>
+                </a:path>
+              </a:pathLst>
+            </a:custGeom>
+            <a:solidFill>
+              <a:srgbClr val="5BB3CF"/>
+            </a:solidFill>
+          </p:spPr>
+        </p:sp>
+        <p:sp>
+          <p:nvSpPr>
+            <p:cNvPr name="TextBox 4" id="4"/>
+            <p:cNvSpPr txBox="true"/>
+            <p:nvPr/>
+          </p:nvSpPr>
+          <p:spPr>
+            <a:xfrm>
+              <a:off x="0" y="-57150"/>
+              <a:ext cx="5454162" cy="697832"/>
+            </a:xfrm>
+            <a:prstGeom prst="rect">
+              <a:avLst/>
+            </a:prstGeom>
+          </p:spPr>
+          <p:txBody>
+            <a:bodyPr anchor="ctr" rtlCol="false" tIns="50800" lIns="50800" bIns="50800" rIns="50800"/>
+            <a:lstStyle/>
+            <a:p>
+              <a:pPr algn="ctr">
+                <a:lnSpc>
+                  <a:spcPts val="3500"/>
+                </a:lnSpc>
+              </a:pPr>
+            </a:p>
+          </p:txBody>
+        </p:sp>
+      </p:grpSp>
+      <p:sp>
+        <p:nvSpPr>
+          <p:cNvPr name="AutoShape 5" id="5"/>
+          <p:cNvSpPr/>
+          <p:nvPr/>
+        </p:nvSpPr>
+        <p:spPr>
+          <a:xfrm>
+            <a:off x="0" y="1752600"/>
+            <a:ext cx="18702327" cy="0"/>
+          </a:xfrm>
+          <a:prstGeom prst="line">
+            <a:avLst/>
+          </a:prstGeom>
+          <a:ln cap="rnd" w="19050">
+            <a:solidFill>
+              <a:srgbClr val="000000"/>
+            </a:solidFill>
+            <a:prstDash val="solid"/>
+            <a:headEnd type="none" len="sm" w="sm"/>
+            <a:tailEnd type="none" len="sm" w="sm"/>
+          </a:ln>
+        </p:spPr>
+      </p:sp>
+      <p:sp>
+        <p:nvSpPr>
+          <p:cNvPr name="Freeform 6" id="6"/>
+          <p:cNvSpPr/>
+          <p:nvPr/>
+        </p:nvSpPr>
+        <p:spPr>
+          <a:xfrm flipH="false" flipV="false" rot="0">
+            <a:off x="-38100" y="-26476"/>
+            <a:ext cx="1740976" cy="1740976"/>
+          </a:xfrm>
+          <a:custGeom>
+            <a:avLst/>
+            <a:gdLst/>
+            <a:ahLst/>
+            <a:cxnLst/>
+            <a:rect r="r" b="b" t="t" l="l"/>
+            <a:pathLst>
+              <a:path h="1740976" w="1740976">
+                <a:moveTo>
+                  <a:pt x="0" y="0"/>
+                </a:moveTo>
+                <a:lnTo>
+                  <a:pt x="1740976" y="0"/>
+                </a:lnTo>
+                <a:lnTo>
+                  <a:pt x="1740976" y="1740976"/>
+                </a:lnTo>
+                <a:lnTo>
+                  <a:pt x="0" y="1740976"/>
+                </a:lnTo>
+                <a:lnTo>
+                  <a:pt x="0" y="0"/>
+                </a:lnTo>
+                <a:close/>
+              </a:path>
+            </a:pathLst>
+          </a:custGeom>
+          <a:blipFill>
+            <a:blip r:embed="rId2"/>
+            <a:stretch>
+              <a:fillRect l="0" t="0" r="0" b="0"/>
+            </a:stretch>
+          </a:blipFill>
+        </p:spPr>
+      </p:sp>
+      <p:sp>
+        <p:nvSpPr>
+          <p:cNvPr name="Freeform 7" id="7"/>
+          <p:cNvSpPr/>
+          <p:nvPr/>
+        </p:nvSpPr>
+        <p:spPr>
+          <a:xfrm flipH="false" flipV="false" rot="0">
+            <a:off x="16547024" y="-55051"/>
+            <a:ext cx="1740976" cy="1740976"/>
+          </a:xfrm>
+          <a:custGeom>
+            <a:avLst/>
+            <a:gdLst/>
+            <a:ahLst/>
+            <a:cxnLst/>
+            <a:rect r="r" b="b" t="t" l="l"/>
+            <a:pathLst>
+              <a:path h="1740976" w="1740976">
+                <a:moveTo>
+                  <a:pt x="0" y="0"/>
+                </a:moveTo>
+                <a:lnTo>
+                  <a:pt x="1740976" y="0"/>
+                </a:lnTo>
+                <a:lnTo>
+                  <a:pt x="1740976" y="1740976"/>
+                </a:lnTo>
+                <a:lnTo>
+                  <a:pt x="0" y="1740976"/>
+                </a:lnTo>
+                <a:lnTo>
+                  <a:pt x="0" y="0"/>
+                </a:lnTo>
+                <a:close/>
+              </a:path>
+            </a:pathLst>
+          </a:custGeom>
+          <a:blipFill>
+            <a:blip r:embed="rId2"/>
+            <a:stretch>
+              <a:fillRect l="0" t="0" r="0" b="0"/>
+            </a:stretch>
+          </a:blipFill>
+        </p:spPr>
+      </p:sp>
+      <p:sp>
+        <p:nvSpPr>
+          <p:cNvPr name="Freeform 8" id="8"/>
+          <p:cNvSpPr/>
+          <p:nvPr/>
+        </p:nvSpPr>
+        <p:spPr>
+          <a:xfrm flipH="false" flipV="false" rot="0">
+            <a:off x="0" y="1752600"/>
+            <a:ext cx="8784792" cy="5007331"/>
+          </a:xfrm>
+          <a:custGeom>
+            <a:avLst/>
+            <a:gdLst/>
+            <a:ahLst/>
+            <a:cxnLst/>
+            <a:rect r="r" b="b" t="t" l="l"/>
+            <a:pathLst>
+              <a:path h="5007331" w="8784792">
+                <a:moveTo>
+                  <a:pt x="0" y="0"/>
+                </a:moveTo>
+                <a:lnTo>
+                  <a:pt x="8784792" y="0"/>
+                </a:lnTo>
+                <a:lnTo>
+                  <a:pt x="8784792" y="5007331"/>
+                </a:lnTo>
+                <a:lnTo>
+                  <a:pt x="0" y="5007331"/>
+                </a:lnTo>
+                <a:lnTo>
+                  <a:pt x="0" y="0"/>
+                </a:lnTo>
+                <a:close/>
+              </a:path>
+            </a:pathLst>
+          </a:custGeom>
+          <a:blipFill>
+            <a:blip r:embed="rId3"/>
+            <a:stretch>
+              <a:fillRect l="0" t="0" r="0" b="0"/>
+            </a:stretch>
+          </a:blipFill>
+        </p:spPr>
+      </p:sp>
+      <p:sp>
+        <p:nvSpPr>
+          <p:cNvPr name="Freeform 9" id="9"/>
+          <p:cNvSpPr/>
+          <p:nvPr/>
+        </p:nvSpPr>
+        <p:spPr>
+          <a:xfrm flipH="false" flipV="false" rot="0">
+            <a:off x="9368139" y="1752600"/>
+            <a:ext cx="8919861" cy="5084321"/>
+          </a:xfrm>
+          <a:custGeom>
+            <a:avLst/>
+            <a:gdLst/>
+            <a:ahLst/>
+            <a:cxnLst/>
+            <a:rect r="r" b="b" t="t" l="l"/>
+            <a:pathLst>
+              <a:path h="5084321" w="8919861">
+                <a:moveTo>
+                  <a:pt x="0" y="0"/>
+                </a:moveTo>
+                <a:lnTo>
+                  <a:pt x="8919861" y="0"/>
+                </a:lnTo>
+                <a:lnTo>
+                  <a:pt x="8919861" y="5084321"/>
+                </a:lnTo>
+                <a:lnTo>
+                  <a:pt x="0" y="5084321"/>
+                </a:lnTo>
+                <a:lnTo>
+                  <a:pt x="0" y="0"/>
+                </a:lnTo>
+                <a:close/>
+              </a:path>
+            </a:pathLst>
+          </a:custGeom>
+          <a:blipFill>
+            <a:blip r:embed="rId4"/>
+            <a:stretch>
+              <a:fillRect l="0" t="0" r="0" b="0"/>
+            </a:stretch>
+          </a:blipFill>
+        </p:spPr>
+      </p:sp>
+      <p:sp>
+        <p:nvSpPr>
+          <p:cNvPr name="TextBox 10" id="10"/>
+          <p:cNvSpPr txBox="true"/>
+          <p:nvPr/>
+        </p:nvSpPr>
+        <p:spPr>
+          <a:xfrm rot="0">
+            <a:off x="1871598" y="182024"/>
+            <a:ext cx="14544804" cy="1247775"/>
+          </a:xfrm>
+          <a:prstGeom prst="rect">
+            <a:avLst/>
+          </a:prstGeom>
+        </p:spPr>
+        <p:txBody>
+          <a:bodyPr anchor="t" rtlCol="false" tIns="0" lIns="0" bIns="0" rIns="0">
+            <a:spAutoFit/>
+          </a:bodyPr>
+          <a:lstStyle/>
+          <a:p>
+            <a:pPr algn="ctr" marL="0" indent="0" lvl="0">
+              <a:lnSpc>
+                <a:spcPts val="8399"/>
+              </a:lnSpc>
+              <a:spcBef>
+                <a:spcPct val="0"/>
+              </a:spcBef>
+            </a:pPr>
+            <a:r>
+              <a:rPr lang="en-US" sz="6999">
+                <a:solidFill>
+                  <a:srgbClr val="000000"/>
+                </a:solidFill>
+                <a:latin typeface="Agrandir"/>
+                <a:ea typeface="Agrandir"/>
+                <a:cs typeface="Agrandir"/>
+                <a:sym typeface="Agrandir"/>
+              </a:rPr>
+              <a:t>Sistema Web</a:t>
+            </a:r>
+          </a:p>
+        </p:txBody>
+      </p:sp>
+      <p:sp>
+        <p:nvSpPr>
+          <p:cNvPr name="TextBox 11" id="11"/>
+          <p:cNvSpPr txBox="true"/>
+          <p:nvPr/>
+        </p:nvSpPr>
+        <p:spPr>
+          <a:xfrm rot="0">
+            <a:off x="4824592" y="7749786"/>
+            <a:ext cx="7920401" cy="1508514"/>
+          </a:xfrm>
+          <a:prstGeom prst="rect">
+            <a:avLst/>
+          </a:prstGeom>
+        </p:spPr>
+        <p:txBody>
+          <a:bodyPr anchor="t" rtlCol="false" tIns="0" lIns="0" bIns="0" rIns="0">
+            <a:spAutoFit/>
+          </a:bodyPr>
+          <a:lstStyle/>
+          <a:p>
+            <a:pPr algn="ctr" marL="0" indent="0" lvl="0">
+              <a:lnSpc>
+                <a:spcPts val="12383"/>
+              </a:lnSpc>
+              <a:spcBef>
+                <a:spcPct val="0"/>
+              </a:spcBef>
+            </a:pPr>
+            <a:r>
+              <a:rPr lang="en-US" b="true" sz="8845">
+                <a:solidFill>
+                  <a:srgbClr val="000000"/>
+                </a:solidFill>
+                <a:latin typeface="Open Sans Bold"/>
+                <a:ea typeface="Open Sans Bold"/>
+                <a:cs typeface="Open Sans Bold"/>
+                <a:sym typeface="Open Sans Bold"/>
+              </a:rPr>
+              <a:t>Telas de Início</a:t>
             </a:r>
           </a:p>
         </p:txBody>
@@ -3743,7 +6579,7 @@
     <p:bg>
       <p:bgPr>
         <a:solidFill>
-          <a:srgbClr val="FFF5ED"/>
+          <a:srgbClr val="5BB3CF"/>
         </a:solidFill>
       </p:bgPr>
     </p:bg>
@@ -3814,7 +6650,9 @@
               </a:pathLst>
             </a:custGeom>
             <a:solidFill>
-              <a:srgbClr val="B9BBDD"/>
+              <a:srgbClr val="FF5858">
+                <a:alpha val="58824"/>
+              </a:srgbClr>
             </a:solidFill>
           </p:spPr>
         </p:sp>
@@ -3969,7 +6807,9 @@
               </a:pathLst>
             </a:custGeom>
             <a:solidFill>
-              <a:srgbClr val="000000"/>
+              <a:srgbClr val="000000">
+                <a:alpha val="58824"/>
+              </a:srgbClr>
             </a:solidFill>
           </p:spPr>
         </p:sp>
@@ -3982,7 +6822,7 @@
         </p:nvGrpSpPr>
         <p:grpSpPr>
           <a:xfrm rot="0">
-            <a:off x="1028700" y="1028700"/>
+            <a:off x="1028700" y="1141567"/>
             <a:ext cx="7904165" cy="8229600"/>
             <a:chOff x="0" y="0"/>
             <a:chExt cx="59024347" cy="61454530"/>
@@ -4027,7 +6867,7 @@
               </a:pathLst>
             </a:custGeom>
             <a:solidFill>
-              <a:srgbClr val="D6DFCC"/>
+              <a:srgbClr val="FFFFFF"/>
             </a:solidFill>
           </p:spPr>
         </p:sp>
@@ -4241,7 +7081,7 @@
         </p:nvSpPr>
         <p:spPr>
           <a:xfrm rot="0">
-            <a:off x="1567347" y="3071715"/>
+            <a:off x="1567347" y="1877233"/>
             <a:ext cx="6892134" cy="993828"/>
           </a:xfrm>
           <a:prstGeom prst="rect">
@@ -4285,8 +7125,8 @@
         </p:nvSpPr>
         <p:spPr>
           <a:xfrm rot="0">
-            <a:off x="1268410" y="5324475"/>
-            <a:ext cx="7490009" cy="1429385"/>
+            <a:off x="1235778" y="3256915"/>
+            <a:ext cx="7490009" cy="2800985"/>
           </a:xfrm>
           <a:prstGeom prst="rect">
             <a:avLst/>
@@ -4298,7 +7138,7 @@
           </a:bodyPr>
           <a:lstStyle/>
           <a:p>
-            <a:pPr algn="l" marL="0" indent="0" lvl="0">
+            <a:pPr algn="just" marL="0" indent="0" lvl="0">
               <a:lnSpc>
                 <a:spcPts val="3640"/>
               </a:lnSpc>
@@ -4313,7 +7153,31 @@
                 <a:cs typeface="Agrandir"/>
                 <a:sym typeface="Agrandir"/>
               </a:rPr>
-              <a:t>O aplicativo TeleMedicina, foi desenvolvido com a finalidade de ligar a Saúde a qualquer lugar e a qualquer momento!</a:t>
+              <a:t>O aplicativo Web e Desktop “</a:t>
+            </a:r>
+            <a:r>
+              <a:rPr lang="en-US" b="true" sz="2600">
+                <a:solidFill>
+                  <a:srgbClr val="000000"/>
+                </a:solidFill>
+                <a:latin typeface="Agrandir Bold"/>
+                <a:ea typeface="Agrandir Bold"/>
+                <a:cs typeface="Agrandir Bold"/>
+                <a:sym typeface="Agrandir Bold"/>
+              </a:rPr>
+              <a:t>Telemedicina</a:t>
+            </a:r>
+            <a:r>
+              <a:rPr lang="en-US" sz="2600">
+                <a:solidFill>
+                  <a:srgbClr val="000000"/>
+                </a:solidFill>
+                <a:latin typeface="Agrandir"/>
+                <a:ea typeface="Agrandir"/>
+                <a:cs typeface="Agrandir"/>
+                <a:sym typeface="Agrandir"/>
+              </a:rPr>
+              <a:t>”, foi desenvolvido pelos Alunos do Curso Técnico em Desenvolvimento de Sistemas, supervisionado pelo Professor André Santana. Com o objetivo de trazer acessibilidade a saúde em qualquer lugar.</a:t>
             </a:r>
           </a:p>
         </p:txBody>
@@ -4329,13 +7193,6 @@
 <file path=ppt/slides/slide3.xml><?xml version="1.0" encoding="utf-8"?>
 <p:sld xmlns:p="http://schemas.openxmlformats.org/presentationml/2006/main" xmlns:a="http://schemas.openxmlformats.org/drawingml/2006/main" xmlns:r="http://schemas.openxmlformats.org/officeDocument/2006/relationships">
   <p:cSld>
-    <p:bg>
-      <p:bgPr>
-        <a:solidFill>
-          <a:srgbClr val="D6DFCC"/>
-        </a:solidFill>
-      </p:bgPr>
-    </p:bg>
     <p:spTree>
       <p:nvGrpSpPr>
         <p:cNvPr id="1" name=""/>
@@ -4420,15 +7277,140 @@
           </a:blipFill>
         </p:spPr>
       </p:sp>
-      <p:sp>
-        <p:nvSpPr>
-          <p:cNvPr name="Freeform 4" id="4"/>
+      <p:grpSp>
+        <p:nvGrpSpPr>
+          <p:cNvPr name="Group 4" id="4"/>
+          <p:cNvGrpSpPr/>
+          <p:nvPr/>
+        </p:nvGrpSpPr>
+        <p:grpSpPr>
+          <a:xfrm rot="0">
+            <a:off x="-390869" y="-415494"/>
+            <a:ext cx="19093196" cy="2209182"/>
+            <a:chOff x="0" y="0"/>
+            <a:chExt cx="5028661" cy="581842"/>
+          </a:xfrm>
+        </p:grpSpPr>
+        <p:sp>
+          <p:nvSpPr>
+            <p:cNvPr name="Freeform 5" id="5"/>
+            <p:cNvSpPr/>
+            <p:nvPr/>
+          </p:nvSpPr>
+          <p:spPr>
+            <a:xfrm flipH="false" flipV="false" rot="0">
+              <a:off x="0" y="0"/>
+              <a:ext cx="5028661" cy="581842"/>
+            </a:xfrm>
+            <a:custGeom>
+              <a:avLst/>
+              <a:gdLst/>
+              <a:ahLst/>
+              <a:cxnLst/>
+              <a:rect r="r" b="b" t="t" l="l"/>
+              <a:pathLst>
+                <a:path h="581842" w="5028661">
+                  <a:moveTo>
+                    <a:pt x="20680" y="0"/>
+                  </a:moveTo>
+                  <a:lnTo>
+                    <a:pt x="5007982" y="0"/>
+                  </a:lnTo>
+                  <a:cubicBezTo>
+                    <a:pt x="5013466" y="0"/>
+                    <a:pt x="5018726" y="2179"/>
+                    <a:pt x="5022604" y="6057"/>
+                  </a:cubicBezTo>
+                  <a:cubicBezTo>
+                    <a:pt x="5026482" y="9935"/>
+                    <a:pt x="5028661" y="15195"/>
+                    <a:pt x="5028661" y="20680"/>
+                  </a:cubicBezTo>
+                  <a:lnTo>
+                    <a:pt x="5028661" y="561163"/>
+                  </a:lnTo>
+                  <a:cubicBezTo>
+                    <a:pt x="5028661" y="566647"/>
+                    <a:pt x="5026482" y="571907"/>
+                    <a:pt x="5022604" y="575785"/>
+                  </a:cubicBezTo>
+                  <a:cubicBezTo>
+                    <a:pt x="5018726" y="579663"/>
+                    <a:pt x="5013466" y="581842"/>
+                    <a:pt x="5007982" y="581842"/>
+                  </a:cubicBezTo>
+                  <a:lnTo>
+                    <a:pt x="20680" y="581842"/>
+                  </a:lnTo>
+                  <a:cubicBezTo>
+                    <a:pt x="15195" y="581842"/>
+                    <a:pt x="9935" y="579663"/>
+                    <a:pt x="6057" y="575785"/>
+                  </a:cubicBezTo>
+                  <a:cubicBezTo>
+                    <a:pt x="2179" y="571907"/>
+                    <a:pt x="0" y="566647"/>
+                    <a:pt x="0" y="561163"/>
+                  </a:cubicBezTo>
+                  <a:lnTo>
+                    <a:pt x="0" y="20680"/>
+                  </a:lnTo>
+                  <a:cubicBezTo>
+                    <a:pt x="0" y="15195"/>
+                    <a:pt x="2179" y="9935"/>
+                    <a:pt x="6057" y="6057"/>
+                  </a:cubicBezTo>
+                  <a:cubicBezTo>
+                    <a:pt x="9935" y="2179"/>
+                    <a:pt x="15195" y="0"/>
+                    <a:pt x="20680" y="0"/>
+                  </a:cubicBezTo>
+                  <a:close/>
+                </a:path>
+              </a:pathLst>
+            </a:custGeom>
+            <a:solidFill>
+              <a:srgbClr val="5BB3CF"/>
+            </a:solidFill>
+          </p:spPr>
+        </p:sp>
+        <p:sp>
+          <p:nvSpPr>
+            <p:cNvPr name="TextBox 6" id="6"/>
+            <p:cNvSpPr txBox="true"/>
+            <p:nvPr/>
+          </p:nvSpPr>
+          <p:spPr>
+            <a:xfrm>
+              <a:off x="0" y="-47625"/>
+              <a:ext cx="5028661" cy="629467"/>
+            </a:xfrm>
+            <a:prstGeom prst="rect">
+              <a:avLst/>
+            </a:prstGeom>
+          </p:spPr>
+          <p:txBody>
+            <a:bodyPr anchor="ctr" rtlCol="false" tIns="50800" lIns="50800" bIns="50800" rIns="50800"/>
+            <a:lstStyle/>
+            <a:p>
+              <a:pPr algn="ctr">
+                <a:lnSpc>
+                  <a:spcPts val="2749"/>
+                </a:lnSpc>
+              </a:pPr>
+            </a:p>
+          </p:txBody>
+        </p:sp>
+      </p:grpSp>
+      <p:sp>
+        <p:nvSpPr>
+          <p:cNvPr name="Freeform 7" id="7"/>
           <p:cNvSpPr/>
           <p:nvPr/>
         </p:nvSpPr>
         <p:spPr>
           <a:xfrm flipH="false" flipV="false" rot="0">
-            <a:off x="0" y="-7426"/>
+            <a:off x="0" y="-64576"/>
             <a:ext cx="1740976" cy="1740976"/>
           </a:xfrm>
           <a:custGeom>
@@ -4468,13 +7450,13 @@
       </p:sp>
       <p:sp>
         <p:nvSpPr>
-          <p:cNvPr name="Freeform 5" id="5"/>
+          <p:cNvPr name="Freeform 8" id="8"/>
           <p:cNvSpPr/>
           <p:nvPr/>
         </p:nvSpPr>
         <p:spPr>
           <a:xfrm flipH="false" flipV="false" rot="0">
-            <a:off x="16547024" y="30674"/>
+            <a:off x="16547024" y="-104922"/>
             <a:ext cx="1740976" cy="1740976"/>
           </a:xfrm>
           <a:custGeom>
@@ -4514,13 +7496,13 @@
       </p:sp>
       <p:sp>
         <p:nvSpPr>
-          <p:cNvPr name="Freeform 6" id="6"/>
+          <p:cNvPr name="Freeform 9" id="9"/>
           <p:cNvSpPr/>
           <p:nvPr/>
         </p:nvSpPr>
         <p:spPr>
           <a:xfrm flipH="false" flipV="false" rot="0">
-            <a:off x="9144000" y="4085721"/>
+            <a:off x="9174779" y="4085721"/>
             <a:ext cx="9144000" cy="6263640"/>
           </a:xfrm>
           <a:custGeom>
@@ -4560,7 +7542,99 @@
       </p:sp>
       <p:sp>
         <p:nvSpPr>
-          <p:cNvPr name="TextBox 7" id="7"/>
+          <p:cNvPr name="Freeform 10" id="10"/>
+          <p:cNvSpPr/>
+          <p:nvPr/>
+        </p:nvSpPr>
+        <p:spPr>
+          <a:xfrm flipH="false" flipV="false" rot="-5400000">
+            <a:off x="3905311" y="7154284"/>
+            <a:ext cx="1118106" cy="973445"/>
+          </a:xfrm>
+          <a:custGeom>
+            <a:avLst/>
+            <a:gdLst/>
+            <a:ahLst/>
+            <a:cxnLst/>
+            <a:rect r="r" b="b" t="t" l="l"/>
+            <a:pathLst>
+              <a:path h="973445" w="1118106">
+                <a:moveTo>
+                  <a:pt x="0" y="0"/>
+                </a:moveTo>
+                <a:lnTo>
+                  <a:pt x="1118106" y="0"/>
+                </a:lnTo>
+                <a:lnTo>
+                  <a:pt x="1118106" y="973445"/>
+                </a:lnTo>
+                <a:lnTo>
+                  <a:pt x="0" y="973445"/>
+                </a:lnTo>
+                <a:lnTo>
+                  <a:pt x="0" y="0"/>
+                </a:lnTo>
+                <a:close/>
+              </a:path>
+            </a:pathLst>
+          </a:custGeom>
+          <a:blipFill>
+            <a:blip r:embed="rId5"/>
+            <a:stretch>
+              <a:fillRect l="0" t="-7955" r="0" b="-6905"/>
+            </a:stretch>
+          </a:blipFill>
+        </p:spPr>
+      </p:sp>
+      <p:sp>
+        <p:nvSpPr>
+          <p:cNvPr name="Freeform 11" id="11"/>
+          <p:cNvSpPr/>
+          <p:nvPr/>
+        </p:nvSpPr>
+        <p:spPr>
+          <a:xfrm flipH="false" flipV="false" rot="5400000">
+            <a:off x="13680768" y="3577081"/>
+            <a:ext cx="442184" cy="379327"/>
+          </a:xfrm>
+          <a:custGeom>
+            <a:avLst/>
+            <a:gdLst/>
+            <a:ahLst/>
+            <a:cxnLst/>
+            <a:rect r="r" b="b" t="t" l="l"/>
+            <a:pathLst>
+              <a:path h="379327" w="442184">
+                <a:moveTo>
+                  <a:pt x="0" y="0"/>
+                </a:moveTo>
+                <a:lnTo>
+                  <a:pt x="442184" y="0"/>
+                </a:lnTo>
+                <a:lnTo>
+                  <a:pt x="442184" y="379327"/>
+                </a:lnTo>
+                <a:lnTo>
+                  <a:pt x="0" y="379327"/>
+                </a:lnTo>
+                <a:lnTo>
+                  <a:pt x="0" y="0"/>
+                </a:lnTo>
+                <a:close/>
+              </a:path>
+            </a:pathLst>
+          </a:custGeom>
+          <a:blipFill>
+            <a:blip r:embed="rId5"/>
+            <a:stretch>
+              <a:fillRect l="0" t="-8073" r="0" b="-8497"/>
+            </a:stretch>
+          </a:blipFill>
+        </p:spPr>
+      </p:sp>
+      <p:sp>
+        <p:nvSpPr>
+          <p:cNvPr name="TextBox 12" id="12"/>
           <p:cNvSpPr txBox="true"/>
           <p:nvPr/>
         </p:nvSpPr>
@@ -4597,21 +7671,21 @@
                 <a:cs typeface="Agrandir"/>
                 <a:sym typeface="Agrandir"/>
               </a:rPr>
-              <a:t>O início! - Desktop</a:t>
+              <a:t>O início! - Desktop !!</a:t>
             </a:r>
           </a:p>
         </p:txBody>
       </p:sp>
       <p:sp>
         <p:nvSpPr>
-          <p:cNvPr name="TextBox 8" id="8"/>
+          <p:cNvPr name="TextBox 13" id="13"/>
           <p:cNvSpPr txBox="true"/>
           <p:nvPr/>
         </p:nvSpPr>
         <p:spPr>
           <a:xfrm rot="0">
-            <a:off x="9052962" y="2005078"/>
-            <a:ext cx="9235038" cy="1780540"/>
+            <a:off x="9174779" y="1760732"/>
+            <a:ext cx="9074835" cy="1746821"/>
           </a:xfrm>
           <a:prstGeom prst="rect">
             <a:avLst/>
@@ -4623,6 +7697,158 @@
           </a:bodyPr>
           <a:lstStyle/>
           <a:p>
+            <a:pPr algn="ctr" marL="0" indent="0" lvl="0">
+              <a:lnSpc>
+                <a:spcPts val="4666"/>
+              </a:lnSpc>
+              <a:spcBef>
+                <a:spcPct val="0"/>
+              </a:spcBef>
+            </a:pPr>
+            <a:r>
+              <a:rPr lang="en-US" sz="3333">
+                <a:solidFill>
+                  <a:srgbClr val="000000"/>
+                </a:solidFill>
+                <a:latin typeface="Open Sans"/>
+                <a:ea typeface="Open Sans"/>
+                <a:cs typeface="Open Sans"/>
+                <a:sym typeface="Open Sans"/>
+              </a:rPr>
+              <a:t>A</a:t>
+            </a:r>
+            <a:r>
+              <a:rPr lang="en-US" sz="3333">
+                <a:solidFill>
+                  <a:srgbClr val="000000"/>
+                </a:solidFill>
+                <a:latin typeface="Open Sans"/>
+                <a:ea typeface="Open Sans"/>
+                <a:cs typeface="Open Sans"/>
+                <a:sym typeface="Open Sans"/>
+              </a:rPr>
+              <a:t>ssim que o </a:t>
+            </a:r>
+            <a:r>
+              <a:rPr lang="en-US" sz="3333">
+                <a:solidFill>
+                  <a:srgbClr val="000000"/>
+                </a:solidFill>
+                <a:latin typeface="Open Sans"/>
+                <a:ea typeface="Open Sans"/>
+                <a:cs typeface="Open Sans"/>
+                <a:sym typeface="Open Sans"/>
+              </a:rPr>
+              <a:t>a</a:t>
+            </a:r>
+            <a:r>
+              <a:rPr lang="en-US" sz="3333">
+                <a:solidFill>
+                  <a:srgbClr val="000000"/>
+                </a:solidFill>
+                <a:latin typeface="Open Sans"/>
+                <a:ea typeface="Open Sans"/>
+                <a:cs typeface="Open Sans"/>
+                <a:sym typeface="Open Sans"/>
+              </a:rPr>
+              <a:t>plic</a:t>
+            </a:r>
+            <a:r>
+              <a:rPr lang="en-US" sz="3333">
+                <a:solidFill>
+                  <a:srgbClr val="000000"/>
+                </a:solidFill>
+                <a:latin typeface="Open Sans"/>
+                <a:ea typeface="Open Sans"/>
+                <a:cs typeface="Open Sans"/>
+                <a:sym typeface="Open Sans"/>
+              </a:rPr>
+              <a:t>at</a:t>
+            </a:r>
+            <a:r>
+              <a:rPr lang="en-US" sz="3333">
+                <a:solidFill>
+                  <a:srgbClr val="000000"/>
+                </a:solidFill>
+                <a:latin typeface="Open Sans"/>
+                <a:ea typeface="Open Sans"/>
+                <a:cs typeface="Open Sans"/>
+                <a:sym typeface="Open Sans"/>
+              </a:rPr>
+              <a:t>ivo fo</a:t>
+            </a:r>
+            <a:r>
+              <a:rPr lang="en-US" sz="3333">
+                <a:solidFill>
+                  <a:srgbClr val="000000"/>
+                </a:solidFill>
+                <a:latin typeface="Open Sans"/>
+                <a:ea typeface="Open Sans"/>
+                <a:cs typeface="Open Sans"/>
+                <a:sym typeface="Open Sans"/>
+              </a:rPr>
+              <a:t>r</a:t>
+            </a:r>
+            <a:r>
+              <a:rPr lang="en-US" sz="3333">
+                <a:solidFill>
+                  <a:srgbClr val="000000"/>
+                </a:solidFill>
+                <a:latin typeface="Open Sans"/>
+                <a:ea typeface="Open Sans"/>
+                <a:cs typeface="Open Sans"/>
+                <a:sym typeface="Open Sans"/>
+              </a:rPr>
+              <a:t> abert</a:t>
+            </a:r>
+            <a:r>
+              <a:rPr lang="en-US" sz="3333">
+                <a:solidFill>
+                  <a:srgbClr val="000000"/>
+                </a:solidFill>
+                <a:latin typeface="Open Sans"/>
+                <a:ea typeface="Open Sans"/>
+                <a:cs typeface="Open Sans"/>
+                <a:sym typeface="Open Sans"/>
+              </a:rPr>
+              <a:t>o</a:t>
+            </a:r>
+            <a:r>
+              <a:rPr lang="en-US" sz="3333">
+                <a:solidFill>
+                  <a:srgbClr val="000000"/>
+                </a:solidFill>
+                <a:latin typeface="Open Sans"/>
+                <a:ea typeface="Open Sans"/>
+                <a:cs typeface="Open Sans"/>
+                <a:sym typeface="Open Sans"/>
+              </a:rPr>
+              <a:t>, essa tela será apresentada, com opções de entrada e cadastro.</a:t>
+            </a:r>
+          </a:p>
+        </p:txBody>
+      </p:sp>
+      <p:sp>
+        <p:nvSpPr>
+          <p:cNvPr name="TextBox 14" id="14"/>
+          <p:cNvSpPr txBox="true"/>
+          <p:nvPr/>
+        </p:nvSpPr>
+        <p:spPr>
+          <a:xfrm rot="0">
+            <a:off x="11729" y="8571535"/>
+            <a:ext cx="9144000" cy="1180465"/>
+          </a:xfrm>
+          <a:prstGeom prst="rect">
+            <a:avLst/>
+          </a:prstGeom>
+        </p:spPr>
+        <p:txBody>
+          <a:bodyPr anchor="t" rtlCol="false" tIns="0" lIns="0" bIns="0" rIns="0">
+            <a:spAutoFit/>
+          </a:bodyPr>
+          <a:lstStyle/>
+          <a:p>
             <a:pPr algn="ctr">
               <a:lnSpc>
                 <a:spcPts val="4759"/>
@@ -4638,40 +7864,8 @@
                 <a:cs typeface="Open Sans"/>
                 <a:sym typeface="Open Sans"/>
               </a:rPr>
-              <a:t>Assim que abrir o app aparecerá essa tela onde você escolherá se deseja logar ou se cadastrar como Médico ou Paciente</a:t>
-            </a:r>
-          </a:p>
-        </p:txBody>
-      </p:sp>
-      <p:sp>
-        <p:nvSpPr>
-          <p:cNvPr name="TextBox 9" id="9"/>
-          <p:cNvSpPr txBox="true"/>
-          <p:nvPr/>
-        </p:nvSpPr>
-        <p:spPr>
-          <a:xfrm rot="0">
-            <a:off x="972220" y="7827437"/>
-            <a:ext cx="7199561" cy="580390"/>
-          </a:xfrm>
-          <a:prstGeom prst="rect">
-            <a:avLst/>
-          </a:prstGeom>
-        </p:spPr>
-        <p:txBody>
-          <a:bodyPr anchor="t" rtlCol="false" tIns="0" lIns="0" bIns="0" rIns="0">
-            <a:spAutoFit/>
-          </a:bodyPr>
-          <a:lstStyle/>
-          <a:p>
-            <a:pPr algn="ctr" marL="0" indent="0" lvl="0">
-              <a:lnSpc>
-                <a:spcPts val="4759"/>
-              </a:lnSpc>
-              <a:spcBef>
-                <a:spcPct val="0"/>
-              </a:spcBef>
-            </a:pPr>
+              <a:t>Caso escolha Entrar</a:t>
+            </a:r>
             <a:r>
               <a:rPr lang="en-US" sz="3399">
                 <a:solidFill>
@@ -4682,7 +7876,31 @@
                 <a:cs typeface="Open Sans"/>
                 <a:sym typeface="Open Sans"/>
               </a:rPr>
-              <a:t>Caso clique no login abrirá essa tela</a:t>
+              <a:t>, a tela de </a:t>
+            </a:r>
+            <a:r>
+              <a:rPr lang="en-US" sz="3399" b="true">
+                <a:solidFill>
+                  <a:srgbClr val="000000"/>
+                </a:solidFill>
+                <a:latin typeface="Open Sans Bold"/>
+                <a:ea typeface="Open Sans Bold"/>
+                <a:cs typeface="Open Sans Bold"/>
+                <a:sym typeface="Open Sans Bold"/>
+              </a:rPr>
+              <a:t>Login </a:t>
+            </a:r>
+            <a:r>
+              <a:rPr lang="en-US" sz="3399">
+                <a:solidFill>
+                  <a:srgbClr val="000000"/>
+                </a:solidFill>
+                <a:latin typeface="Open Sans"/>
+                <a:ea typeface="Open Sans"/>
+                <a:cs typeface="Open Sans"/>
+                <a:sym typeface="Open Sans"/>
+              </a:rPr>
+              <a:t>será apresentada</a:t>
             </a:r>
           </a:p>
         </p:txBody>
@@ -4698,13 +7916,6 @@
 <file path=ppt/slides/slide4.xml><?xml version="1.0" encoding="utf-8"?>
 <p:sld xmlns:p="http://schemas.openxmlformats.org/presentationml/2006/main" xmlns:a="http://schemas.openxmlformats.org/drawingml/2006/main" xmlns:r="http://schemas.openxmlformats.org/officeDocument/2006/relationships">
   <p:cSld>
-    <p:bg>
-      <p:bgPr>
-        <a:solidFill>
-          <a:srgbClr val="D6DFCC"/>
-        </a:solidFill>
-      </p:bgPr>
-    </p:bg>
     <p:spTree>
       <p:nvGrpSpPr>
         <p:cNvPr id="1" name=""/>
@@ -4743,15 +7954,97 @@
           </a:ln>
         </p:spPr>
       </p:sp>
-      <p:sp>
-        <p:nvSpPr>
-          <p:cNvPr name="Freeform 3" id="3"/>
+      <p:grpSp>
+        <p:nvGrpSpPr>
+          <p:cNvPr name="Group 3" id="3"/>
+          <p:cNvGrpSpPr/>
+          <p:nvPr/>
+        </p:nvGrpSpPr>
+        <p:grpSpPr>
+          <a:xfrm rot="0">
+            <a:off x="-448178" y="-71637"/>
+            <a:ext cx="18989487" cy="1852812"/>
+            <a:chOff x="0" y="0"/>
+            <a:chExt cx="5001346" cy="487983"/>
+          </a:xfrm>
+        </p:grpSpPr>
+        <p:sp>
+          <p:nvSpPr>
+            <p:cNvPr name="Freeform 4" id="4"/>
+            <p:cNvSpPr/>
+            <p:nvPr/>
+          </p:nvSpPr>
+          <p:spPr>
+            <a:xfrm flipH="false" flipV="false" rot="0">
+              <a:off x="0" y="0"/>
+              <a:ext cx="5001347" cy="487983"/>
+            </a:xfrm>
+            <a:custGeom>
+              <a:avLst/>
+              <a:gdLst/>
+              <a:ahLst/>
+              <a:cxnLst/>
+              <a:rect r="r" b="b" t="t" l="l"/>
+              <a:pathLst>
+                <a:path h="487983" w="5001347">
+                  <a:moveTo>
+                    <a:pt x="0" y="0"/>
+                  </a:moveTo>
+                  <a:lnTo>
+                    <a:pt x="5001347" y="0"/>
+                  </a:lnTo>
+                  <a:lnTo>
+                    <a:pt x="5001347" y="487983"/>
+                  </a:lnTo>
+                  <a:lnTo>
+                    <a:pt x="0" y="487983"/>
+                  </a:lnTo>
+                  <a:close/>
+                </a:path>
+              </a:pathLst>
+            </a:custGeom>
+            <a:solidFill>
+              <a:srgbClr val="5BB3CF"/>
+            </a:solidFill>
+          </p:spPr>
+        </p:sp>
+        <p:sp>
+          <p:nvSpPr>
+            <p:cNvPr name="TextBox 5" id="5"/>
+            <p:cNvSpPr txBox="true"/>
+            <p:nvPr/>
+          </p:nvSpPr>
+          <p:spPr>
+            <a:xfrm>
+              <a:off x="0" y="-57150"/>
+              <a:ext cx="5001346" cy="545133"/>
+            </a:xfrm>
+            <a:prstGeom prst="rect">
+              <a:avLst/>
+            </a:prstGeom>
+          </p:spPr>
+          <p:txBody>
+            <a:bodyPr anchor="ctr" rtlCol="false" tIns="50800" lIns="50800" bIns="50800" rIns="50800"/>
+            <a:lstStyle/>
+            <a:p>
+              <a:pPr algn="ctr">
+                <a:lnSpc>
+                  <a:spcPts val="3500"/>
+                </a:lnSpc>
+              </a:pPr>
+            </a:p>
+          </p:txBody>
+        </p:sp>
+      </p:grpSp>
+      <p:sp>
+        <p:nvSpPr>
+          <p:cNvPr name="Freeform 6" id="6"/>
           <p:cNvSpPr/>
           <p:nvPr/>
         </p:nvSpPr>
         <p:spPr>
           <a:xfrm flipH="false" flipV="false" rot="0">
-            <a:off x="0" y="30674"/>
+            <a:off x="0" y="-26476"/>
             <a:ext cx="1740976" cy="1740976"/>
           </a:xfrm>
           <a:custGeom>
@@ -4791,13 +8084,13 @@
       </p:sp>
       <p:sp>
         <p:nvSpPr>
-          <p:cNvPr name="Freeform 4" id="4"/>
+          <p:cNvPr name="Freeform 7" id="7"/>
           <p:cNvSpPr/>
           <p:nvPr/>
         </p:nvSpPr>
         <p:spPr>
           <a:xfrm flipH="false" flipV="false" rot="0">
-            <a:off x="16547024" y="30674"/>
+            <a:off x="16547024" y="-36001"/>
             <a:ext cx="1740976" cy="1740976"/>
           </a:xfrm>
           <a:custGeom>
@@ -4837,7 +8130,7 @@
       </p:sp>
       <p:sp>
         <p:nvSpPr>
-          <p:cNvPr name="Freeform 5" id="5"/>
+          <p:cNvPr name="Freeform 8" id="8"/>
           <p:cNvSpPr/>
           <p:nvPr/>
         </p:nvSpPr>
@@ -4883,14 +8176,14 @@
       </p:sp>
       <p:sp>
         <p:nvSpPr>
-          <p:cNvPr name="Freeform 6" id="6"/>
+          <p:cNvPr name="Freeform 9" id="9"/>
           <p:cNvSpPr/>
           <p:nvPr/>
         </p:nvSpPr>
         <p:spPr>
           <a:xfrm flipH="false" flipV="false" rot="0">
-            <a:off x="9144000" y="4537710"/>
-            <a:ext cx="9144000" cy="5749290"/>
+            <a:off x="9230360" y="4592009"/>
+            <a:ext cx="9057640" cy="5694991"/>
           </a:xfrm>
           <a:custGeom>
             <a:avLst/>
@@ -4899,18 +8192,18 @@
             <a:cxnLst/>
             <a:rect r="r" b="b" t="t" l="l"/>
             <a:pathLst>
-              <a:path h="5749290" w="9144000">
+              <a:path h="5694991" w="9057640">
                 <a:moveTo>
                   <a:pt x="0" y="0"/>
                 </a:moveTo>
                 <a:lnTo>
-                  <a:pt x="9144000" y="0"/>
-                </a:lnTo>
-                <a:lnTo>
-                  <a:pt x="9144000" y="5749290"/>
-                </a:lnTo>
-                <a:lnTo>
-                  <a:pt x="0" y="5749290"/>
+                  <a:pt x="9057640" y="0"/>
+                </a:lnTo>
+                <a:lnTo>
+                  <a:pt x="9057640" y="5694991"/>
+                </a:lnTo>
+                <a:lnTo>
+                  <a:pt x="0" y="5694991"/>
                 </a:lnTo>
                 <a:lnTo>
                   <a:pt x="0" y="0"/>
@@ -4929,13 +8222,105 @@
       </p:sp>
       <p:sp>
         <p:nvSpPr>
-          <p:cNvPr name="TextBox 7" id="7"/>
+          <p:cNvPr name="Freeform 10" id="10"/>
+          <p:cNvSpPr/>
+          <p:nvPr/>
+        </p:nvSpPr>
+        <p:spPr>
+          <a:xfrm flipH="false" flipV="false" rot="-5400000">
+            <a:off x="3831888" y="6393729"/>
+            <a:ext cx="1118106" cy="973445"/>
+          </a:xfrm>
+          <a:custGeom>
+            <a:avLst/>
+            <a:gdLst/>
+            <a:ahLst/>
+            <a:cxnLst/>
+            <a:rect r="r" b="b" t="t" l="l"/>
+            <a:pathLst>
+              <a:path h="973445" w="1118106">
+                <a:moveTo>
+                  <a:pt x="0" y="0"/>
+                </a:moveTo>
+                <a:lnTo>
+                  <a:pt x="1118106" y="0"/>
+                </a:lnTo>
+                <a:lnTo>
+                  <a:pt x="1118106" y="973445"/>
+                </a:lnTo>
+                <a:lnTo>
+                  <a:pt x="0" y="973445"/>
+                </a:lnTo>
+                <a:lnTo>
+                  <a:pt x="0" y="0"/>
+                </a:lnTo>
+                <a:close/>
+              </a:path>
+            </a:pathLst>
+          </a:custGeom>
+          <a:blipFill>
+            <a:blip r:embed="rId5"/>
+            <a:stretch>
+              <a:fillRect l="0" t="-7955" r="0" b="-6905"/>
+            </a:stretch>
+          </a:blipFill>
+        </p:spPr>
+      </p:sp>
+      <p:sp>
+        <p:nvSpPr>
+          <p:cNvPr name="Freeform 11" id="11"/>
+          <p:cNvSpPr/>
+          <p:nvPr/>
+        </p:nvSpPr>
+        <p:spPr>
+          <a:xfrm flipH="false" flipV="false" rot="5400000">
+            <a:off x="12965258" y="3217054"/>
+            <a:ext cx="1118106" cy="973445"/>
+          </a:xfrm>
+          <a:custGeom>
+            <a:avLst/>
+            <a:gdLst/>
+            <a:ahLst/>
+            <a:cxnLst/>
+            <a:rect r="r" b="b" t="t" l="l"/>
+            <a:pathLst>
+              <a:path h="973445" w="1118106">
+                <a:moveTo>
+                  <a:pt x="0" y="0"/>
+                </a:moveTo>
+                <a:lnTo>
+                  <a:pt x="1118106" y="0"/>
+                </a:lnTo>
+                <a:lnTo>
+                  <a:pt x="1118106" y="973445"/>
+                </a:lnTo>
+                <a:lnTo>
+                  <a:pt x="0" y="973445"/>
+                </a:lnTo>
+                <a:lnTo>
+                  <a:pt x="0" y="0"/>
+                </a:lnTo>
+                <a:close/>
+              </a:path>
+            </a:pathLst>
+          </a:custGeom>
+          <a:blipFill>
+            <a:blip r:embed="rId5"/>
+            <a:stretch>
+              <a:fillRect l="0" t="-7955" r="0" b="-6905"/>
+            </a:stretch>
+          </a:blipFill>
+        </p:spPr>
+      </p:sp>
+      <p:sp>
+        <p:nvSpPr>
+          <p:cNvPr name="TextBox 12" id="12"/>
           <p:cNvSpPr txBox="true"/>
           <p:nvPr/>
         </p:nvSpPr>
         <p:spPr>
           <a:xfrm rot="0">
-            <a:off x="1028700" y="485775"/>
+            <a:off x="1028700" y="419100"/>
             <a:ext cx="14544804" cy="1247775"/>
           </a:xfrm>
           <a:prstGeom prst="rect">
@@ -4967,6 +8352,88 @@
                 <a:sym typeface="Agrandir"/>
               </a:rPr>
               <a:t>Cadastros - Desktop</a:t>
+            </a:r>
+          </a:p>
+        </p:txBody>
+      </p:sp>
+      <p:sp>
+        <p:nvSpPr>
+          <p:cNvPr name="TextBox 13" id="13"/>
+          <p:cNvSpPr txBox="true"/>
+          <p:nvPr/>
+        </p:nvSpPr>
+        <p:spPr>
+          <a:xfrm rot="0">
+            <a:off x="480779" y="7479858"/>
+            <a:ext cx="7820323" cy="431798"/>
+          </a:xfrm>
+          <a:prstGeom prst="rect">
+            <a:avLst/>
+          </a:prstGeom>
+        </p:spPr>
+        <p:txBody>
+          <a:bodyPr anchor="t" rtlCol="false" tIns="0" lIns="0" bIns="0" rIns="0">
+            <a:spAutoFit/>
+          </a:bodyPr>
+          <a:lstStyle/>
+          <a:p>
+            <a:pPr algn="ctr">
+              <a:lnSpc>
+                <a:spcPts val="3500"/>
+              </a:lnSpc>
+            </a:pPr>
+            <a:r>
+              <a:rPr lang="en-US" sz="2500">
+                <a:solidFill>
+                  <a:srgbClr val="000000"/>
+                </a:solidFill>
+                <a:latin typeface="Open Sans"/>
+                <a:ea typeface="Open Sans"/>
+                <a:cs typeface="Open Sans"/>
+                <a:sym typeface="Open Sans"/>
+              </a:rPr>
+              <a:t>Informações necessárias para cadastro de Pacientes.</a:t>
+            </a:r>
+          </a:p>
+        </p:txBody>
+      </p:sp>
+      <p:sp>
+        <p:nvSpPr>
+          <p:cNvPr name="TextBox 14" id="14"/>
+          <p:cNvSpPr txBox="true"/>
+          <p:nvPr/>
+        </p:nvSpPr>
+        <p:spPr>
+          <a:xfrm rot="0">
+            <a:off x="9938911" y="2208950"/>
+            <a:ext cx="7640538" cy="431798"/>
+          </a:xfrm>
+          <a:prstGeom prst="rect">
+            <a:avLst/>
+          </a:prstGeom>
+        </p:spPr>
+        <p:txBody>
+          <a:bodyPr anchor="t" rtlCol="false" tIns="0" lIns="0" bIns="0" rIns="0">
+            <a:spAutoFit/>
+          </a:bodyPr>
+          <a:lstStyle/>
+          <a:p>
+            <a:pPr algn="ctr">
+              <a:lnSpc>
+                <a:spcPts val="3500"/>
+              </a:lnSpc>
+            </a:pPr>
+            <a:r>
+              <a:rPr lang="en-US" sz="2500">
+                <a:solidFill>
+                  <a:srgbClr val="000000"/>
+                </a:solidFill>
+                <a:latin typeface="Open Sans"/>
+                <a:ea typeface="Open Sans"/>
+                <a:cs typeface="Open Sans"/>
+                <a:sym typeface="Open Sans"/>
+              </a:rPr>
+              <a:t>Informações necessárias para cadastro de Médicos.</a:t>
             </a:r>
           </a:p>
         </p:txBody>
@@ -4982,13 +8449,6 @@
 <file path=ppt/slides/slide5.xml><?xml version="1.0" encoding="utf-8"?>
 <p:sld xmlns:p="http://schemas.openxmlformats.org/presentationml/2006/main" xmlns:a="http://schemas.openxmlformats.org/drawingml/2006/main" xmlns:r="http://schemas.openxmlformats.org/officeDocument/2006/relationships">
   <p:cSld>
-    <p:bg>
-      <p:bgPr>
-        <a:solidFill>
-          <a:srgbClr val="D6DFCC"/>
-        </a:solidFill>
-      </p:bgPr>
-    </p:bg>
     <p:spTree>
       <p:nvGrpSpPr>
         <p:cNvPr id="1" name=""/>
@@ -5003,9 +8463,91 @@
           <a:chExt cx="0" cy="0"/>
         </a:xfrm>
       </p:grpSpPr>
-      <p:sp>
-        <p:nvSpPr>
-          <p:cNvPr name="AutoShape 2" id="2"/>
+      <p:grpSp>
+        <p:nvGrpSpPr>
+          <p:cNvPr name="Group 2" id="2"/>
+          <p:cNvGrpSpPr/>
+          <p:nvPr/>
+        </p:nvGrpSpPr>
+        <p:grpSpPr>
+          <a:xfrm rot="0">
+            <a:off x="-89994" y="0"/>
+            <a:ext cx="18377994" cy="1752600"/>
+            <a:chOff x="0" y="0"/>
+            <a:chExt cx="4840295" cy="461590"/>
+          </a:xfrm>
+        </p:grpSpPr>
+        <p:sp>
+          <p:nvSpPr>
+            <p:cNvPr name="Freeform 3" id="3"/>
+            <p:cNvSpPr/>
+            <p:nvPr/>
+          </p:nvSpPr>
+          <p:spPr>
+            <a:xfrm flipH="false" flipV="false" rot="0">
+              <a:off x="0" y="0"/>
+              <a:ext cx="4840295" cy="461590"/>
+            </a:xfrm>
+            <a:custGeom>
+              <a:avLst/>
+              <a:gdLst/>
+              <a:ahLst/>
+              <a:cxnLst/>
+              <a:rect r="r" b="b" t="t" l="l"/>
+              <a:pathLst>
+                <a:path h="461590" w="4840295">
+                  <a:moveTo>
+                    <a:pt x="0" y="0"/>
+                  </a:moveTo>
+                  <a:lnTo>
+                    <a:pt x="4840295" y="0"/>
+                  </a:lnTo>
+                  <a:lnTo>
+                    <a:pt x="4840295" y="461590"/>
+                  </a:lnTo>
+                  <a:lnTo>
+                    <a:pt x="0" y="461590"/>
+                  </a:lnTo>
+                  <a:close/>
+                </a:path>
+              </a:pathLst>
+            </a:custGeom>
+            <a:solidFill>
+              <a:srgbClr val="5BB3CF"/>
+            </a:solidFill>
+          </p:spPr>
+        </p:sp>
+        <p:sp>
+          <p:nvSpPr>
+            <p:cNvPr name="TextBox 4" id="4"/>
+            <p:cNvSpPr txBox="true"/>
+            <p:nvPr/>
+          </p:nvSpPr>
+          <p:spPr>
+            <a:xfrm>
+              <a:off x="0" y="-57150"/>
+              <a:ext cx="4840295" cy="518740"/>
+            </a:xfrm>
+            <a:prstGeom prst="rect">
+              <a:avLst/>
+            </a:prstGeom>
+          </p:spPr>
+          <p:txBody>
+            <a:bodyPr anchor="ctr" rtlCol="false" tIns="50800" lIns="50800" bIns="50800" rIns="50800"/>
+            <a:lstStyle/>
+            <a:p>
+              <a:pPr algn="ctr">
+                <a:lnSpc>
+                  <a:spcPts val="3500"/>
+                </a:lnSpc>
+              </a:pPr>
+            </a:p>
+          </p:txBody>
+        </p:sp>
+      </p:grpSp>
+      <p:sp>
+        <p:nvSpPr>
+          <p:cNvPr name="AutoShape 5" id="5"/>
           <p:cNvSpPr/>
           <p:nvPr/>
         </p:nvSpPr>
@@ -5029,13 +8571,13 @@
       </p:sp>
       <p:sp>
         <p:nvSpPr>
-          <p:cNvPr name="Freeform 3" id="3"/>
+          <p:cNvPr name="Freeform 6" id="6"/>
           <p:cNvSpPr/>
           <p:nvPr/>
         </p:nvSpPr>
         <p:spPr>
           <a:xfrm flipH="false" flipV="false" rot="0">
-            <a:off x="0" y="30674"/>
+            <a:off x="0" y="-26476"/>
             <a:ext cx="1740976" cy="1740976"/>
           </a:xfrm>
           <a:custGeom>
@@ -5075,13 +8617,13 @@
       </p:sp>
       <p:sp>
         <p:nvSpPr>
-          <p:cNvPr name="Freeform 4" id="4"/>
+          <p:cNvPr name="Freeform 7" id="7"/>
           <p:cNvSpPr/>
           <p:nvPr/>
         </p:nvSpPr>
         <p:spPr>
           <a:xfrm flipH="false" flipV="false" rot="0">
-            <a:off x="16547024" y="-7426"/>
+            <a:off x="16547024" y="-36001"/>
             <a:ext cx="1740976" cy="1740976"/>
           </a:xfrm>
           <a:custGeom>
@@ -5121,14 +8663,14 @@
       </p:sp>
       <p:sp>
         <p:nvSpPr>
-          <p:cNvPr name="Freeform 5" id="5"/>
+          <p:cNvPr name="Freeform 8" id="8"/>
           <p:cNvSpPr/>
           <p:nvPr/>
         </p:nvSpPr>
         <p:spPr>
           <a:xfrm flipH="false" flipV="false" rot="0">
-            <a:off x="0" y="1771650"/>
-            <a:ext cx="14371899" cy="8515350"/>
+            <a:off x="1286150" y="5994211"/>
+            <a:ext cx="1618542" cy="1410676"/>
           </a:xfrm>
           <a:custGeom>
             <a:avLst/>
@@ -5137,18 +8679,18 @@
             <a:cxnLst/>
             <a:rect r="r" b="b" t="t" l="l"/>
             <a:pathLst>
-              <a:path h="8515350" w="14371899">
+              <a:path h="1410676" w="1618542">
                 <a:moveTo>
                   <a:pt x="0" y="0"/>
                 </a:moveTo>
                 <a:lnTo>
-                  <a:pt x="14371899" y="0"/>
-                </a:lnTo>
-                <a:lnTo>
-                  <a:pt x="14371899" y="8515350"/>
-                </a:lnTo>
-                <a:lnTo>
-                  <a:pt x="0" y="8515350"/>
+                  <a:pt x="1618541" y="0"/>
+                </a:lnTo>
+                <a:lnTo>
+                  <a:pt x="1618541" y="1410676"/>
+                </a:lnTo>
+                <a:lnTo>
+                  <a:pt x="0" y="1410676"/>
                 </a:lnTo>
                 <a:lnTo>
                   <a:pt x="0" y="0"/>
@@ -5160,14 +8702,60 @@
           <a:blipFill>
             <a:blip r:embed="rId3"/>
             <a:stretch>
-              <a:fillRect l="0" t="0" r="0" b="0"/>
+              <a:fillRect l="0" t="-7946" r="0" b="-6788"/>
             </a:stretch>
           </a:blipFill>
         </p:spPr>
       </p:sp>
       <p:sp>
         <p:nvSpPr>
-          <p:cNvPr name="TextBox 6" id="6"/>
+          <p:cNvPr name="Freeform 9" id="9"/>
+          <p:cNvSpPr/>
+          <p:nvPr/>
+        </p:nvSpPr>
+        <p:spPr>
+          <a:xfrm flipH="false" flipV="false" rot="0">
+            <a:off x="4522131" y="1915447"/>
+            <a:ext cx="13765869" cy="8157528"/>
+          </a:xfrm>
+          <a:custGeom>
+            <a:avLst/>
+            <a:gdLst/>
+            <a:ahLst/>
+            <a:cxnLst/>
+            <a:rect r="r" b="b" t="t" l="l"/>
+            <a:pathLst>
+              <a:path h="8157528" w="13765869">
+                <a:moveTo>
+                  <a:pt x="0" y="0"/>
+                </a:moveTo>
+                <a:lnTo>
+                  <a:pt x="13765869" y="0"/>
+                </a:lnTo>
+                <a:lnTo>
+                  <a:pt x="13765869" y="8157528"/>
+                </a:lnTo>
+                <a:lnTo>
+                  <a:pt x="0" y="8157528"/>
+                </a:lnTo>
+                <a:lnTo>
+                  <a:pt x="0" y="0"/>
+                </a:lnTo>
+                <a:close/>
+              </a:path>
+            </a:pathLst>
+          </a:custGeom>
+          <a:blipFill>
+            <a:blip r:embed="rId4"/>
+            <a:stretch>
+              <a:fillRect l="-753" t="0" r="-753" b="-1062"/>
+            </a:stretch>
+          </a:blipFill>
+        </p:spPr>
+      </p:sp>
+      <p:sp>
+        <p:nvSpPr>
+          <p:cNvPr name="TextBox 10" id="10"/>
           <p:cNvSpPr txBox="true"/>
           <p:nvPr/>
         </p:nvSpPr>
@@ -5211,14 +8799,14 @@
       </p:sp>
       <p:sp>
         <p:nvSpPr>
-          <p:cNvPr name="TextBox 7" id="7"/>
+          <p:cNvPr name="TextBox 11" id="11"/>
           <p:cNvSpPr txBox="true"/>
           <p:nvPr/>
         </p:nvSpPr>
         <p:spPr>
           <a:xfrm rot="0">
-            <a:off x="14371899" y="4857924"/>
-            <a:ext cx="3916101" cy="2403058"/>
+            <a:off x="-411527" y="4009211"/>
+            <a:ext cx="5013894" cy="1389296"/>
           </a:xfrm>
           <a:prstGeom prst="rect">
             <a:avLst/>
@@ -5232,14 +8820,14 @@
           <a:p>
             <a:pPr algn="ctr" marL="0" indent="0" lvl="0">
               <a:lnSpc>
-                <a:spcPts val="6409"/>
+                <a:spcPts val="3749"/>
               </a:lnSpc>
               <a:spcBef>
                 <a:spcPct val="0"/>
               </a:spcBef>
             </a:pPr>
             <a:r>
-              <a:rPr lang="en-US" sz="4578">
+              <a:rPr lang="en-US" sz="2678">
                 <a:solidFill>
                   <a:srgbClr val="323130"/>
                 </a:solidFill>
@@ -5248,7 +8836,31 @@
                 <a:cs typeface="Open Sans"/>
                 <a:sym typeface="Open Sans"/>
               </a:rPr>
-              <a:t>Após login irá aparecer essa tela.</a:t>
+              <a:t>Após efetuar login  como “</a:t>
+            </a:r>
+            <a:r>
+              <a:rPr lang="en-US" b="true" sz="2678">
+                <a:solidFill>
+                  <a:srgbClr val="323130"/>
+                </a:solidFill>
+                <a:latin typeface="Open Sans Bold"/>
+                <a:ea typeface="Open Sans Bold"/>
+                <a:cs typeface="Open Sans Bold"/>
+                <a:sym typeface="Open Sans Bold"/>
+              </a:rPr>
+              <a:t>Médico</a:t>
+            </a:r>
+            <a:r>
+              <a:rPr lang="en-US" sz="2678">
+                <a:solidFill>
+                  <a:srgbClr val="323130"/>
+                </a:solidFill>
+                <a:latin typeface="Open Sans"/>
+                <a:ea typeface="Open Sans"/>
+                <a:cs typeface="Open Sans"/>
+                <a:sym typeface="Open Sans"/>
+              </a:rPr>
+              <a:t>” essa tela será apresentada.</a:t>
             </a:r>
           </a:p>
         </p:txBody>
@@ -5264,13 +8876,6 @@
 <file path=ppt/slides/slide6.xml><?xml version="1.0" encoding="utf-8"?>
 <p:sld xmlns:p="http://schemas.openxmlformats.org/presentationml/2006/main" xmlns:a="http://schemas.openxmlformats.org/drawingml/2006/main" xmlns:r="http://schemas.openxmlformats.org/officeDocument/2006/relationships">
   <p:cSld>
-    <p:bg>
-      <p:bgPr>
-        <a:solidFill>
-          <a:srgbClr val="D6DFCC"/>
-        </a:solidFill>
-      </p:bgPr>
-    </p:bg>
     <p:spTree>
       <p:nvGrpSpPr>
         <p:cNvPr id="1" name=""/>
@@ -5309,9 +8914,91 @@
           </a:ln>
         </p:spPr>
       </p:sp>
-      <p:sp>
-        <p:nvSpPr>
-          <p:cNvPr name="Freeform 3" id="3"/>
+      <p:grpSp>
+        <p:nvGrpSpPr>
+          <p:cNvPr name="Group 3" id="3"/>
+          <p:cNvGrpSpPr/>
+          <p:nvPr/>
+        </p:nvGrpSpPr>
+        <p:grpSpPr>
+          <a:xfrm rot="0">
+            <a:off x="-89994" y="0"/>
+            <a:ext cx="18377994" cy="1752600"/>
+            <a:chOff x="0" y="0"/>
+            <a:chExt cx="4840295" cy="461590"/>
+          </a:xfrm>
+        </p:grpSpPr>
+        <p:sp>
+          <p:nvSpPr>
+            <p:cNvPr name="Freeform 4" id="4"/>
+            <p:cNvSpPr/>
+            <p:nvPr/>
+          </p:nvSpPr>
+          <p:spPr>
+            <a:xfrm flipH="false" flipV="false" rot="0">
+              <a:off x="0" y="0"/>
+              <a:ext cx="4840295" cy="461590"/>
+            </a:xfrm>
+            <a:custGeom>
+              <a:avLst/>
+              <a:gdLst/>
+              <a:ahLst/>
+              <a:cxnLst/>
+              <a:rect r="r" b="b" t="t" l="l"/>
+              <a:pathLst>
+                <a:path h="461590" w="4840295">
+                  <a:moveTo>
+                    <a:pt x="0" y="0"/>
+                  </a:moveTo>
+                  <a:lnTo>
+                    <a:pt x="4840295" y="0"/>
+                  </a:lnTo>
+                  <a:lnTo>
+                    <a:pt x="4840295" y="461590"/>
+                  </a:lnTo>
+                  <a:lnTo>
+                    <a:pt x="0" y="461590"/>
+                  </a:lnTo>
+                  <a:close/>
+                </a:path>
+              </a:pathLst>
+            </a:custGeom>
+            <a:solidFill>
+              <a:srgbClr val="5BB3CF"/>
+            </a:solidFill>
+          </p:spPr>
+        </p:sp>
+        <p:sp>
+          <p:nvSpPr>
+            <p:cNvPr name="TextBox 5" id="5"/>
+            <p:cNvSpPr txBox="true"/>
+            <p:nvPr/>
+          </p:nvSpPr>
+          <p:spPr>
+            <a:xfrm>
+              <a:off x="0" y="-57150"/>
+              <a:ext cx="4840295" cy="518740"/>
+            </a:xfrm>
+            <a:prstGeom prst="rect">
+              <a:avLst/>
+            </a:prstGeom>
+          </p:spPr>
+          <p:txBody>
+            <a:bodyPr anchor="ctr" rtlCol="false" tIns="50800" lIns="50800" bIns="50800" rIns="50800"/>
+            <a:lstStyle/>
+            <a:p>
+              <a:pPr algn="ctr">
+                <a:lnSpc>
+                  <a:spcPts val="3500"/>
+                </a:lnSpc>
+              </a:pPr>
+            </a:p>
+          </p:txBody>
+        </p:sp>
+      </p:grpSp>
+      <p:sp>
+        <p:nvSpPr>
+          <p:cNvPr name="Freeform 6" id="6"/>
           <p:cNvSpPr/>
           <p:nvPr/>
         </p:nvSpPr>
@@ -5357,7 +9044,7 @@
       </p:sp>
       <p:sp>
         <p:nvSpPr>
-          <p:cNvPr name="Freeform 4" id="4"/>
+          <p:cNvPr name="Freeform 7" id="7"/>
           <p:cNvSpPr/>
           <p:nvPr/>
         </p:nvSpPr>
@@ -5403,14 +9090,14 @@
       </p:sp>
       <p:sp>
         <p:nvSpPr>
-          <p:cNvPr name="Freeform 5" id="5"/>
+          <p:cNvPr name="Freeform 8" id="8"/>
           <p:cNvSpPr/>
           <p:nvPr/>
         </p:nvSpPr>
         <p:spPr>
           <a:xfrm flipH="false" flipV="false" rot="0">
-            <a:off x="0" y="1771650"/>
-            <a:ext cx="9527763" cy="5345613"/>
+            <a:off x="0" y="1827534"/>
+            <a:ext cx="9428158" cy="5289729"/>
           </a:xfrm>
           <a:custGeom>
             <a:avLst/>
@@ -5419,18 +9106,18 @@
             <a:cxnLst/>
             <a:rect r="r" b="b" t="t" l="l"/>
             <a:pathLst>
-              <a:path h="5345613" w="9527763">
+              <a:path h="5289729" w="9428158">
                 <a:moveTo>
                   <a:pt x="0" y="0"/>
                 </a:moveTo>
                 <a:lnTo>
-                  <a:pt x="9527763" y="0"/>
-                </a:lnTo>
-                <a:lnTo>
-                  <a:pt x="9527763" y="5345613"/>
-                </a:lnTo>
-                <a:lnTo>
-                  <a:pt x="0" y="5345613"/>
+                  <a:pt x="9428158" y="0"/>
+                </a:lnTo>
+                <a:lnTo>
+                  <a:pt x="9428158" y="5289729"/>
+                </a:lnTo>
+                <a:lnTo>
+                  <a:pt x="0" y="5289729"/>
                 </a:lnTo>
                 <a:lnTo>
                   <a:pt x="0" y="0"/>
@@ -5449,14 +9136,14 @@
       </p:sp>
       <p:sp>
         <p:nvSpPr>
-          <p:cNvPr name="Freeform 6" id="6"/>
+          <p:cNvPr name="Freeform 9" id="9"/>
           <p:cNvSpPr/>
           <p:nvPr/>
         </p:nvSpPr>
         <p:spPr>
           <a:xfrm flipH="false" flipV="false" rot="0">
-            <a:off x="9527763" y="5392218"/>
-            <a:ext cx="8760237" cy="4894782"/>
+            <a:off x="9428158" y="5392218"/>
+            <a:ext cx="8859842" cy="4894782"/>
           </a:xfrm>
           <a:custGeom>
             <a:avLst/>
@@ -5465,15 +9152,15 @@
             <a:cxnLst/>
             <a:rect r="r" b="b" t="t" l="l"/>
             <a:pathLst>
-              <a:path h="4894782" w="8760237">
+              <a:path h="4894782" w="8859842">
                 <a:moveTo>
                   <a:pt x="0" y="0"/>
                 </a:moveTo>
                 <a:lnTo>
-                  <a:pt x="8760237" y="0"/>
-                </a:lnTo>
-                <a:lnTo>
-                  <a:pt x="8760237" y="4894782"/>
+                  <a:pt x="8859842" y="0"/>
+                </a:lnTo>
+                <a:lnTo>
+                  <a:pt x="8859842" y="4894782"/>
                 </a:lnTo>
                 <a:lnTo>
                   <a:pt x="0" y="4894782"/>
@@ -5488,21 +9175,21 @@
           <a:blipFill>
             <a:blip r:embed="rId4"/>
             <a:stretch>
-              <a:fillRect l="0" t="0" r="0" b="0"/>
+              <a:fillRect l="0" t="-568" r="0" b="-568"/>
             </a:stretch>
           </a:blipFill>
         </p:spPr>
       </p:sp>
       <p:sp>
         <p:nvSpPr>
-          <p:cNvPr name="TextBox 7" id="7"/>
+          <p:cNvPr name="TextBox 10" id="10"/>
           <p:cNvSpPr txBox="true"/>
           <p:nvPr/>
         </p:nvSpPr>
         <p:spPr>
           <a:xfrm rot="0">
-            <a:off x="1871598" y="182024"/>
-            <a:ext cx="14544804" cy="1247775"/>
+            <a:off x="1871598" y="210599"/>
+            <a:ext cx="14964025" cy="1247775"/>
           </a:xfrm>
           <a:prstGeom prst="rect">
             <a:avLst/>
@@ -5532,10 +9219,184 @@
                 <a:cs typeface="Agrandir"/>
                 <a:sym typeface="Agrandir"/>
               </a:rPr>
-              <a:t>Telas de agendamento - Consulta</a:t>
+              <a:t>Telas de agendamento - Consulta !!</a:t>
             </a:r>
           </a:p>
         </p:txBody>
+      </p:sp>
+      <p:sp>
+        <p:nvSpPr>
+          <p:cNvPr name="TextBox 11" id="11"/>
+          <p:cNvSpPr txBox="true"/>
+          <p:nvPr/>
+        </p:nvSpPr>
+        <p:spPr>
+          <a:xfrm rot="0">
+            <a:off x="870488" y="8358563"/>
+            <a:ext cx="7239748" cy="941068"/>
+          </a:xfrm>
+          <a:prstGeom prst="rect">
+            <a:avLst/>
+          </a:prstGeom>
+        </p:spPr>
+        <p:txBody>
+          <a:bodyPr anchor="t" rtlCol="false" tIns="0" lIns="0" bIns="0" rIns="0">
+            <a:spAutoFit/>
+          </a:bodyPr>
+          <a:lstStyle/>
+          <a:p>
+            <a:pPr algn="ctr">
+              <a:lnSpc>
+                <a:spcPts val="3780"/>
+              </a:lnSpc>
+            </a:pPr>
+            <a:r>
+              <a:rPr lang="en-US" sz="2700">
+                <a:solidFill>
+                  <a:srgbClr val="000000"/>
+                </a:solidFill>
+                <a:latin typeface="Open Sans"/>
+                <a:ea typeface="Open Sans"/>
+                <a:cs typeface="Open Sans"/>
+                <a:sym typeface="Open Sans"/>
+              </a:rPr>
+              <a:t>A tela acima mostra como será feito o agendamento de consulta.</a:t>
+            </a:r>
+          </a:p>
+        </p:txBody>
+      </p:sp>
+      <p:sp>
+        <p:nvSpPr>
+          <p:cNvPr name="Freeform 12" id="12"/>
+          <p:cNvSpPr/>
+          <p:nvPr/>
+        </p:nvSpPr>
+        <p:spPr>
+          <a:xfrm flipH="false" flipV="false" rot="-5400000">
+            <a:off x="3896383" y="7312787"/>
+            <a:ext cx="1118106" cy="973445"/>
+          </a:xfrm>
+          <a:custGeom>
+            <a:avLst/>
+            <a:gdLst/>
+            <a:ahLst/>
+            <a:cxnLst/>
+            <a:rect r="r" b="b" t="t" l="l"/>
+            <a:pathLst>
+              <a:path h="973445" w="1118106">
+                <a:moveTo>
+                  <a:pt x="0" y="0"/>
+                </a:moveTo>
+                <a:lnTo>
+                  <a:pt x="1118106" y="0"/>
+                </a:lnTo>
+                <a:lnTo>
+                  <a:pt x="1118106" y="973445"/>
+                </a:lnTo>
+                <a:lnTo>
+                  <a:pt x="0" y="973445"/>
+                </a:lnTo>
+                <a:lnTo>
+                  <a:pt x="0" y="0"/>
+                </a:lnTo>
+                <a:close/>
+              </a:path>
+            </a:pathLst>
+          </a:custGeom>
+          <a:blipFill>
+            <a:blip r:embed="rId5"/>
+            <a:stretch>
+              <a:fillRect l="0" t="-7955" r="0" b="-6905"/>
+            </a:stretch>
+          </a:blipFill>
+        </p:spPr>
+      </p:sp>
+      <p:sp>
+        <p:nvSpPr>
+          <p:cNvPr name="TextBox 13" id="13"/>
+          <p:cNvSpPr txBox="true"/>
+          <p:nvPr/>
+        </p:nvSpPr>
+        <p:spPr>
+          <a:xfrm rot="0">
+            <a:off x="10069614" y="1907608"/>
+            <a:ext cx="7457603" cy="1308098"/>
+          </a:xfrm>
+          <a:prstGeom prst="rect">
+            <a:avLst/>
+          </a:prstGeom>
+        </p:spPr>
+        <p:txBody>
+          <a:bodyPr anchor="t" rtlCol="false" tIns="0" lIns="0" bIns="0" rIns="0">
+            <a:spAutoFit/>
+          </a:bodyPr>
+          <a:lstStyle/>
+          <a:p>
+            <a:pPr algn="ctr">
+              <a:lnSpc>
+                <a:spcPts val="3500"/>
+              </a:lnSpc>
+            </a:pPr>
+            <a:r>
+              <a:rPr lang="en-US" sz="2500">
+                <a:solidFill>
+                  <a:srgbClr val="000000"/>
+                </a:solidFill>
+                <a:latin typeface="Open Sans"/>
+                <a:ea typeface="Open Sans"/>
+                <a:cs typeface="Open Sans"/>
+                <a:sym typeface="Open Sans"/>
+              </a:rPr>
+              <a:t>A tela abaixo irá mostrar todos os médicos disponíveis para consultas, mostrando todas a suas informações.</a:t>
+            </a:r>
+          </a:p>
+        </p:txBody>
+      </p:sp>
+      <p:sp>
+        <p:nvSpPr>
+          <p:cNvPr name="Freeform 14" id="14"/>
+          <p:cNvSpPr/>
+          <p:nvPr/>
+        </p:nvSpPr>
+        <p:spPr>
+          <a:xfrm flipH="false" flipV="false" rot="5400000">
+            <a:off x="13239363" y="3794420"/>
+            <a:ext cx="1118106" cy="973445"/>
+          </a:xfrm>
+          <a:custGeom>
+            <a:avLst/>
+            <a:gdLst/>
+            <a:ahLst/>
+            <a:cxnLst/>
+            <a:rect r="r" b="b" t="t" l="l"/>
+            <a:pathLst>
+              <a:path h="973445" w="1118106">
+                <a:moveTo>
+                  <a:pt x="0" y="0"/>
+                </a:moveTo>
+                <a:lnTo>
+                  <a:pt x="1118106" y="0"/>
+                </a:lnTo>
+                <a:lnTo>
+                  <a:pt x="1118106" y="973445"/>
+                </a:lnTo>
+                <a:lnTo>
+                  <a:pt x="0" y="973445"/>
+                </a:lnTo>
+                <a:lnTo>
+                  <a:pt x="0" y="0"/>
+                </a:lnTo>
+                <a:close/>
+              </a:path>
+            </a:pathLst>
+          </a:custGeom>
+          <a:blipFill>
+            <a:blip r:embed="rId5"/>
+            <a:stretch>
+              <a:fillRect l="0" t="-7955" r="0" b="-6905"/>
+            </a:stretch>
+          </a:blipFill>
+        </p:spPr>
       </p:sp>
     </p:spTree>
   </p:cSld>
@@ -5548,13 +9409,6 @@
 <file path=ppt/slides/slide7.xml><?xml version="1.0" encoding="utf-8"?>
 <p:sld xmlns:p="http://schemas.openxmlformats.org/presentationml/2006/main" xmlns:a="http://schemas.openxmlformats.org/drawingml/2006/main" xmlns:r="http://schemas.openxmlformats.org/officeDocument/2006/relationships">
   <p:cSld>
-    <p:bg>
-      <p:bgPr>
-        <a:solidFill>
-          <a:srgbClr val="D6DFCC"/>
-        </a:solidFill>
-      </p:bgPr>
-    </p:bg>
     <p:spTree>
       <p:nvGrpSpPr>
         <p:cNvPr id="1" name=""/>
@@ -5593,9 +9447,91 @@
           </a:ln>
         </p:spPr>
       </p:sp>
-      <p:sp>
-        <p:nvSpPr>
-          <p:cNvPr name="Freeform 3" id="3"/>
+      <p:grpSp>
+        <p:nvGrpSpPr>
+          <p:cNvPr name="Group 3" id="3"/>
+          <p:cNvGrpSpPr/>
+          <p:nvPr/>
+        </p:nvGrpSpPr>
+        <p:grpSpPr>
+          <a:xfrm rot="0">
+            <a:off x="-89994" y="0"/>
+            <a:ext cx="18377994" cy="1752600"/>
+            <a:chOff x="0" y="0"/>
+            <a:chExt cx="4840295" cy="461590"/>
+          </a:xfrm>
+        </p:grpSpPr>
+        <p:sp>
+          <p:nvSpPr>
+            <p:cNvPr name="Freeform 4" id="4"/>
+            <p:cNvSpPr/>
+            <p:nvPr/>
+          </p:nvSpPr>
+          <p:spPr>
+            <a:xfrm flipH="false" flipV="false" rot="0">
+              <a:off x="0" y="0"/>
+              <a:ext cx="4840295" cy="461590"/>
+            </a:xfrm>
+            <a:custGeom>
+              <a:avLst/>
+              <a:gdLst/>
+              <a:ahLst/>
+              <a:cxnLst/>
+              <a:rect r="r" b="b" t="t" l="l"/>
+              <a:pathLst>
+                <a:path h="461590" w="4840295">
+                  <a:moveTo>
+                    <a:pt x="0" y="0"/>
+                  </a:moveTo>
+                  <a:lnTo>
+                    <a:pt x="4840295" y="0"/>
+                  </a:lnTo>
+                  <a:lnTo>
+                    <a:pt x="4840295" y="461590"/>
+                  </a:lnTo>
+                  <a:lnTo>
+                    <a:pt x="0" y="461590"/>
+                  </a:lnTo>
+                  <a:close/>
+                </a:path>
+              </a:pathLst>
+            </a:custGeom>
+            <a:solidFill>
+              <a:srgbClr val="5BB3CF"/>
+            </a:solidFill>
+          </p:spPr>
+        </p:sp>
+        <p:sp>
+          <p:nvSpPr>
+            <p:cNvPr name="TextBox 5" id="5"/>
+            <p:cNvSpPr txBox="true"/>
+            <p:nvPr/>
+          </p:nvSpPr>
+          <p:spPr>
+            <a:xfrm>
+              <a:off x="0" y="-57150"/>
+              <a:ext cx="4840295" cy="518740"/>
+            </a:xfrm>
+            <a:prstGeom prst="rect">
+              <a:avLst/>
+            </a:prstGeom>
+          </p:spPr>
+          <p:txBody>
+            <a:bodyPr anchor="ctr" rtlCol="false" tIns="50800" lIns="50800" bIns="50800" rIns="50800"/>
+            <a:lstStyle/>
+            <a:p>
+              <a:pPr algn="ctr">
+                <a:lnSpc>
+                  <a:spcPts val="3500"/>
+                </a:lnSpc>
+              </a:pPr>
+            </a:p>
+          </p:txBody>
+        </p:sp>
+      </p:grpSp>
+      <p:sp>
+        <p:nvSpPr>
+          <p:cNvPr name="Freeform 6" id="6"/>
           <p:cNvSpPr/>
           <p:nvPr/>
         </p:nvSpPr>
@@ -5641,7 +9577,7 @@
       </p:sp>
       <p:sp>
         <p:nvSpPr>
-          <p:cNvPr name="Freeform 4" id="4"/>
+          <p:cNvPr name="Freeform 7" id="7"/>
           <p:cNvSpPr/>
           <p:nvPr/>
         </p:nvSpPr>
@@ -5687,13 +9623,13 @@
       </p:sp>
       <p:sp>
         <p:nvSpPr>
-          <p:cNvPr name="Freeform 5" id="5"/>
+          <p:cNvPr name="Freeform 8" id="8"/>
           <p:cNvSpPr/>
           <p:nvPr/>
         </p:nvSpPr>
         <p:spPr>
           <a:xfrm flipH="false" flipV="false" rot="0">
-            <a:off x="0" y="1771650"/>
+            <a:off x="9762667" y="5065233"/>
             <a:ext cx="8525333" cy="5221767"/>
           </a:xfrm>
           <a:custGeom>
@@ -5733,13 +9669,13 @@
       </p:sp>
       <p:sp>
         <p:nvSpPr>
-          <p:cNvPr name="Freeform 6" id="6"/>
+          <p:cNvPr name="Freeform 9" id="9"/>
           <p:cNvSpPr/>
           <p:nvPr/>
         </p:nvSpPr>
         <p:spPr>
           <a:xfrm flipH="false" flipV="false" rot="0">
-            <a:off x="8525333" y="5906003"/>
+            <a:off x="0" y="1771650"/>
             <a:ext cx="9762667" cy="4380997"/>
           </a:xfrm>
           <a:custGeom>
@@ -5779,13 +9715,13 @@
       </p:sp>
       <p:sp>
         <p:nvSpPr>
-          <p:cNvPr name="TextBox 7" id="7"/>
+          <p:cNvPr name="TextBox 10" id="10"/>
           <p:cNvSpPr txBox="true"/>
           <p:nvPr/>
         </p:nvSpPr>
         <p:spPr>
           <a:xfrm rot="0">
-            <a:off x="1871598" y="339187"/>
+            <a:off x="1871598" y="348712"/>
             <a:ext cx="14544804" cy="971550"/>
           </a:xfrm>
           <a:prstGeom prst="rect">
@@ -5820,6 +9756,180 @@
             </a:r>
           </a:p>
         </p:txBody>
+      </p:sp>
+      <p:sp>
+        <p:nvSpPr>
+          <p:cNvPr name="TextBox 11" id="11"/>
+          <p:cNvSpPr txBox="true"/>
+          <p:nvPr/>
+        </p:nvSpPr>
+        <p:spPr>
+          <a:xfrm rot="0">
+            <a:off x="309333" y="8131628"/>
+            <a:ext cx="9144000" cy="869948"/>
+          </a:xfrm>
+          <a:prstGeom prst="rect">
+            <a:avLst/>
+          </a:prstGeom>
+        </p:spPr>
+        <p:txBody>
+          <a:bodyPr anchor="t" rtlCol="false" tIns="0" lIns="0" bIns="0" rIns="0">
+            <a:spAutoFit/>
+          </a:bodyPr>
+          <a:lstStyle/>
+          <a:p>
+            <a:pPr algn="ctr">
+              <a:lnSpc>
+                <a:spcPts val="3500"/>
+              </a:lnSpc>
+            </a:pPr>
+            <a:r>
+              <a:rPr lang="en-US" sz="2500">
+                <a:solidFill>
+                  <a:srgbClr val="000000"/>
+                </a:solidFill>
+                <a:latin typeface="Open Sans"/>
+                <a:ea typeface="Open Sans"/>
+                <a:cs typeface="Open Sans"/>
+                <a:sym typeface="Open Sans"/>
+              </a:rPr>
+              <a:t>A tela acima mostra como o médico fará a prescrição de medicamentos para um paciente.</a:t>
+            </a:r>
+          </a:p>
+        </p:txBody>
+      </p:sp>
+      <p:sp>
+        <p:nvSpPr>
+          <p:cNvPr name="Freeform 12" id="12"/>
+          <p:cNvSpPr/>
+          <p:nvPr/>
+        </p:nvSpPr>
+        <p:spPr>
+          <a:xfrm flipH="false" flipV="false" rot="-5400000">
+            <a:off x="4544318" y="6683990"/>
+            <a:ext cx="1118106" cy="973445"/>
+          </a:xfrm>
+          <a:custGeom>
+            <a:avLst/>
+            <a:gdLst/>
+            <a:ahLst/>
+            <a:cxnLst/>
+            <a:rect r="r" b="b" t="t" l="l"/>
+            <a:pathLst>
+              <a:path h="973445" w="1118106">
+                <a:moveTo>
+                  <a:pt x="0" y="0"/>
+                </a:moveTo>
+                <a:lnTo>
+                  <a:pt x="1118106" y="0"/>
+                </a:lnTo>
+                <a:lnTo>
+                  <a:pt x="1118106" y="973445"/>
+                </a:lnTo>
+                <a:lnTo>
+                  <a:pt x="0" y="973445"/>
+                </a:lnTo>
+                <a:lnTo>
+                  <a:pt x="0" y="0"/>
+                </a:lnTo>
+                <a:close/>
+              </a:path>
+            </a:pathLst>
+          </a:custGeom>
+          <a:blipFill>
+            <a:blip r:embed="rId5"/>
+            <a:stretch>
+              <a:fillRect l="0" t="-7955" r="0" b="-6905"/>
+            </a:stretch>
+          </a:blipFill>
+        </p:spPr>
+      </p:sp>
+      <p:sp>
+        <p:nvSpPr>
+          <p:cNvPr name="TextBox 13" id="13"/>
+          <p:cNvSpPr txBox="true"/>
+          <p:nvPr/>
+        </p:nvSpPr>
+        <p:spPr>
+          <a:xfrm rot="0">
+            <a:off x="9928988" y="2124075"/>
+            <a:ext cx="8192691" cy="1308098"/>
+          </a:xfrm>
+          <a:prstGeom prst="rect">
+            <a:avLst/>
+          </a:prstGeom>
+        </p:spPr>
+        <p:txBody>
+          <a:bodyPr anchor="t" rtlCol="false" tIns="0" lIns="0" bIns="0" rIns="0">
+            <a:spAutoFit/>
+          </a:bodyPr>
+          <a:lstStyle/>
+          <a:p>
+            <a:pPr algn="ctr">
+              <a:lnSpc>
+                <a:spcPts val="3500"/>
+              </a:lnSpc>
+            </a:pPr>
+            <a:r>
+              <a:rPr lang="en-US" sz="2500">
+                <a:solidFill>
+                  <a:srgbClr val="000000"/>
+                </a:solidFill>
+                <a:latin typeface="Open Sans"/>
+                <a:ea typeface="Open Sans"/>
+                <a:cs typeface="Open Sans"/>
+                <a:sym typeface="Open Sans"/>
+              </a:rPr>
+              <a:t>A tela abaixo irá mostrar como é feito o agendamento de exames pelos médicos, com todas as informações necessárias.</a:t>
+            </a:r>
+          </a:p>
+        </p:txBody>
+      </p:sp>
+      <p:sp>
+        <p:nvSpPr>
+          <p:cNvPr name="Freeform 14" id="14"/>
+          <p:cNvSpPr/>
+          <p:nvPr/>
+        </p:nvSpPr>
+        <p:spPr>
+          <a:xfrm flipH="false" flipV="false" rot="5400000">
+            <a:off x="13239829" y="3732937"/>
+            <a:ext cx="1118106" cy="973445"/>
+          </a:xfrm>
+          <a:custGeom>
+            <a:avLst/>
+            <a:gdLst/>
+            <a:ahLst/>
+            <a:cxnLst/>
+            <a:rect r="r" b="b" t="t" l="l"/>
+            <a:pathLst>
+              <a:path h="973445" w="1118106">
+                <a:moveTo>
+                  <a:pt x="0" y="0"/>
+                </a:moveTo>
+                <a:lnTo>
+                  <a:pt x="1118106" y="0"/>
+                </a:lnTo>
+                <a:lnTo>
+                  <a:pt x="1118106" y="973445"/>
+                </a:lnTo>
+                <a:lnTo>
+                  <a:pt x="0" y="973445"/>
+                </a:lnTo>
+                <a:lnTo>
+                  <a:pt x="0" y="0"/>
+                </a:lnTo>
+                <a:close/>
+              </a:path>
+            </a:pathLst>
+          </a:custGeom>
+          <a:blipFill>
+            <a:blip r:embed="rId5"/>
+            <a:stretch>
+              <a:fillRect l="0" t="-7955" r="0" b="-6905"/>
+            </a:stretch>
+          </a:blipFill>
+        </p:spPr>
       </p:sp>
     </p:spTree>
   </p:cSld>
@@ -5832,13 +9942,6 @@
 <file path=ppt/slides/slide8.xml><?xml version="1.0" encoding="utf-8"?>
 <p:sld xmlns:p="http://schemas.openxmlformats.org/presentationml/2006/main" xmlns:a="http://schemas.openxmlformats.org/drawingml/2006/main" xmlns:r="http://schemas.openxmlformats.org/officeDocument/2006/relationships">
   <p:cSld>
-    <p:bg>
-      <p:bgPr>
-        <a:solidFill>
-          <a:srgbClr val="D6DFCC"/>
-        </a:solidFill>
-      </p:bgPr>
-    </p:bg>
     <p:spTree>
       <p:nvGrpSpPr>
         <p:cNvPr id="1" name=""/>
@@ -5853,9 +9956,91 @@
           <a:chExt cx="0" cy="0"/>
         </a:xfrm>
       </p:grpSpPr>
-      <p:sp>
-        <p:nvSpPr>
-          <p:cNvPr name="AutoShape 2" id="2"/>
+      <p:grpSp>
+        <p:nvGrpSpPr>
+          <p:cNvPr name="Group 2" id="2"/>
+          <p:cNvGrpSpPr/>
+          <p:nvPr/>
+        </p:nvGrpSpPr>
+        <p:grpSpPr>
+          <a:xfrm rot="0">
+            <a:off x="-89994" y="0"/>
+            <a:ext cx="18377994" cy="1752600"/>
+            <a:chOff x="0" y="0"/>
+            <a:chExt cx="4840295" cy="461590"/>
+          </a:xfrm>
+        </p:grpSpPr>
+        <p:sp>
+          <p:nvSpPr>
+            <p:cNvPr name="Freeform 3" id="3"/>
+            <p:cNvSpPr/>
+            <p:nvPr/>
+          </p:nvSpPr>
+          <p:spPr>
+            <a:xfrm flipH="false" flipV="false" rot="0">
+              <a:off x="0" y="0"/>
+              <a:ext cx="4840295" cy="461590"/>
+            </a:xfrm>
+            <a:custGeom>
+              <a:avLst/>
+              <a:gdLst/>
+              <a:ahLst/>
+              <a:cxnLst/>
+              <a:rect r="r" b="b" t="t" l="l"/>
+              <a:pathLst>
+                <a:path h="461590" w="4840295">
+                  <a:moveTo>
+                    <a:pt x="0" y="0"/>
+                  </a:moveTo>
+                  <a:lnTo>
+                    <a:pt x="4840295" y="0"/>
+                  </a:lnTo>
+                  <a:lnTo>
+                    <a:pt x="4840295" y="461590"/>
+                  </a:lnTo>
+                  <a:lnTo>
+                    <a:pt x="0" y="461590"/>
+                  </a:lnTo>
+                  <a:close/>
+                </a:path>
+              </a:pathLst>
+            </a:custGeom>
+            <a:solidFill>
+              <a:srgbClr val="5BB3CF"/>
+            </a:solidFill>
+          </p:spPr>
+        </p:sp>
+        <p:sp>
+          <p:nvSpPr>
+            <p:cNvPr name="TextBox 4" id="4"/>
+            <p:cNvSpPr txBox="true"/>
+            <p:nvPr/>
+          </p:nvSpPr>
+          <p:spPr>
+            <a:xfrm>
+              <a:off x="0" y="-57150"/>
+              <a:ext cx="4840295" cy="518740"/>
+            </a:xfrm>
+            <a:prstGeom prst="rect">
+              <a:avLst/>
+            </a:prstGeom>
+          </p:spPr>
+          <p:txBody>
+            <a:bodyPr anchor="ctr" rtlCol="false" tIns="50800" lIns="50800" bIns="50800" rIns="50800"/>
+            <a:lstStyle/>
+            <a:p>
+              <a:pPr algn="ctr">
+                <a:lnSpc>
+                  <a:spcPts val="3500"/>
+                </a:lnSpc>
+              </a:pPr>
+            </a:p>
+          </p:txBody>
+        </p:sp>
+      </p:grpSp>
+      <p:sp>
+        <p:nvSpPr>
+          <p:cNvPr name="AutoShape 5" id="5"/>
           <p:cNvSpPr/>
           <p:nvPr/>
         </p:nvSpPr>
@@ -5879,13 +10064,13 @@
       </p:sp>
       <p:sp>
         <p:nvSpPr>
-          <p:cNvPr name="Freeform 3" id="3"/>
+          <p:cNvPr name="Freeform 6" id="6"/>
           <p:cNvSpPr/>
           <p:nvPr/>
         </p:nvSpPr>
         <p:spPr>
           <a:xfrm flipH="false" flipV="false" rot="0">
-            <a:off x="0" y="30674"/>
+            <a:off x="0" y="-26476"/>
             <a:ext cx="1740976" cy="1740976"/>
           </a:xfrm>
           <a:custGeom>
@@ -5925,13 +10110,13 @@
       </p:sp>
       <p:sp>
         <p:nvSpPr>
-          <p:cNvPr name="Freeform 4" id="4"/>
+          <p:cNvPr name="Freeform 7" id="7"/>
           <p:cNvSpPr/>
           <p:nvPr/>
         </p:nvSpPr>
         <p:spPr>
           <a:xfrm flipH="false" flipV="false" rot="0">
-            <a:off x="16547024" y="-7426"/>
+            <a:off x="16547024" y="-45526"/>
             <a:ext cx="1740976" cy="1740976"/>
           </a:xfrm>
           <a:custGeom>
@@ -5971,14 +10156,14 @@
       </p:sp>
       <p:sp>
         <p:nvSpPr>
-          <p:cNvPr name="Freeform 5" id="5"/>
+          <p:cNvPr name="Freeform 8" id="8"/>
           <p:cNvSpPr/>
           <p:nvPr/>
         </p:nvSpPr>
         <p:spPr>
           <a:xfrm flipH="false" flipV="false" rot="0">
-            <a:off x="0" y="1771650"/>
-            <a:ext cx="11253993" cy="7124648"/>
+            <a:off x="1028700" y="1762125"/>
+            <a:ext cx="9144000" cy="5788859"/>
           </a:xfrm>
           <a:custGeom>
             <a:avLst/>
@@ -5987,18 +10172,18 @@
             <a:cxnLst/>
             <a:rect r="r" b="b" t="t" l="l"/>
             <a:pathLst>
-              <a:path h="7124648" w="11253993">
+              <a:path h="5788859" w="9144000">
                 <a:moveTo>
                   <a:pt x="0" y="0"/>
                 </a:moveTo>
                 <a:lnTo>
-                  <a:pt x="11253993" y="0"/>
-                </a:lnTo>
-                <a:lnTo>
-                  <a:pt x="11253993" y="7124648"/>
-                </a:lnTo>
-                <a:lnTo>
-                  <a:pt x="0" y="7124648"/>
+                  <a:pt x="9144000" y="0"/>
+                </a:lnTo>
+                <a:lnTo>
+                  <a:pt x="9144000" y="5788859"/>
+                </a:lnTo>
+                <a:lnTo>
+                  <a:pt x="0" y="5788859"/>
                 </a:lnTo>
                 <a:lnTo>
                   <a:pt x="0" y="0"/>
@@ -6017,14 +10202,14 @@
       </p:sp>
       <p:sp>
         <p:nvSpPr>
-          <p:cNvPr name="Freeform 6" id="6"/>
+          <p:cNvPr name="Freeform 9" id="9"/>
           <p:cNvSpPr/>
           <p:nvPr/>
         </p:nvSpPr>
         <p:spPr>
           <a:xfrm flipH="false" flipV="false" rot="0">
-            <a:off x="11253993" y="1771650"/>
-            <a:ext cx="7034007" cy="8461963"/>
+            <a:off x="11825828" y="1762125"/>
+            <a:ext cx="6349310" cy="6350398"/>
           </a:xfrm>
           <a:custGeom>
             <a:avLst/>
@@ -6033,18 +10218,18 @@
             <a:cxnLst/>
             <a:rect r="r" b="b" t="t" l="l"/>
             <a:pathLst>
-              <a:path h="8461963" w="7034007">
+              <a:path h="6350398" w="6349310">
                 <a:moveTo>
                   <a:pt x="0" y="0"/>
                 </a:moveTo>
                 <a:lnTo>
-                  <a:pt x="7034007" y="0"/>
-                </a:lnTo>
-                <a:lnTo>
-                  <a:pt x="7034007" y="8461963"/>
-                </a:lnTo>
-                <a:lnTo>
-                  <a:pt x="0" y="8461963"/>
+                  <a:pt x="6349310" y="0"/>
+                </a:lnTo>
+                <a:lnTo>
+                  <a:pt x="6349310" y="6350398"/>
+                </a:lnTo>
+                <a:lnTo>
+                  <a:pt x="0" y="6350398"/>
                 </a:lnTo>
                 <a:lnTo>
                   <a:pt x="0" y="0"/>
@@ -6056,14 +10241,14 @@
           <a:blipFill>
             <a:blip r:embed="rId4"/>
             <a:stretch>
-              <a:fillRect l="0" t="0" r="0" b="0"/>
+              <a:fillRect l="0" t="-5234" r="0" b="-15045"/>
             </a:stretch>
           </a:blipFill>
         </p:spPr>
       </p:sp>
       <p:sp>
         <p:nvSpPr>
-          <p:cNvPr name="TextBox 7" id="7"/>
+          <p:cNvPr name="TextBox 10" id="10"/>
           <p:cNvSpPr txBox="true"/>
           <p:nvPr/>
         </p:nvSpPr>
@@ -6100,10 +10285,169 @@
                 <a:cs typeface="Agrandir"/>
                 <a:sym typeface="Agrandir"/>
               </a:rPr>
-              <a:t>Tela de Pagamento - Desktop</a:t>
+              <a:t>Tela de Pagamento - Desktop !!</a:t>
             </a:r>
           </a:p>
         </p:txBody>
+      </p:sp>
+      <p:sp>
+        <p:nvSpPr>
+          <p:cNvPr name="TextBox 11" id="11"/>
+          <p:cNvSpPr txBox="true"/>
+          <p:nvPr/>
+        </p:nvSpPr>
+        <p:spPr>
+          <a:xfrm rot="0">
+            <a:off x="312651" y="8064898"/>
+            <a:ext cx="11320723" cy="1819910"/>
+          </a:xfrm>
+          <a:prstGeom prst="rect">
+            <a:avLst/>
+          </a:prstGeom>
+        </p:spPr>
+        <p:txBody>
+          <a:bodyPr anchor="t" rtlCol="false" tIns="0" lIns="0" bIns="0" rIns="0">
+            <a:spAutoFit/>
+          </a:bodyPr>
+          <a:lstStyle/>
+          <a:p>
+            <a:pPr algn="ctr">
+              <a:lnSpc>
+                <a:spcPts val="3640"/>
+              </a:lnSpc>
+            </a:pPr>
+            <a:r>
+              <a:rPr lang="en-US" sz="2600">
+                <a:solidFill>
+                  <a:srgbClr val="000000"/>
+                </a:solidFill>
+                <a:latin typeface="Open Sans"/>
+                <a:ea typeface="Open Sans"/>
+                <a:cs typeface="Open Sans"/>
+                <a:sym typeface="Open Sans"/>
+              </a:rPr>
+              <a:t>Quando o Paciente faz todas as suas escolhas de consulta, será apresentada a </a:t>
+            </a:r>
+            <a:r>
+              <a:rPr lang="en-US" sz="2600" b="true">
+                <a:solidFill>
+                  <a:srgbClr val="000000"/>
+                </a:solidFill>
+                <a:latin typeface="Open Sans Bold"/>
+                <a:ea typeface="Open Sans Bold"/>
+                <a:cs typeface="Open Sans Bold"/>
+                <a:sym typeface="Open Sans Bold"/>
+              </a:rPr>
+              <a:t>“Tela de Pagamento”</a:t>
+            </a:r>
+            <a:r>
+              <a:rPr lang="en-US" sz="2600">
+                <a:solidFill>
+                  <a:srgbClr val="000000"/>
+                </a:solidFill>
+                <a:latin typeface="Open Sans"/>
+                <a:ea typeface="Open Sans"/>
+                <a:cs typeface="Open Sans"/>
+                <a:sym typeface="Open Sans"/>
+              </a:rPr>
+              <a:t>, tendo opções de pagamento como débito, crédito, PIX e boleto com download automático, como apresentado na imagem a seguir.</a:t>
+            </a:r>
+          </a:p>
+        </p:txBody>
+      </p:sp>
+      <p:sp>
+        <p:nvSpPr>
+          <p:cNvPr name="AutoShape 12" id="12"/>
+          <p:cNvSpPr/>
+          <p:nvPr/>
+        </p:nvSpPr>
+        <p:spPr>
+          <a:xfrm>
+            <a:off x="16139307" y="8962298"/>
+            <a:ext cx="9525" cy="836567"/>
+          </a:xfrm>
+          <a:prstGeom prst="line">
+            <a:avLst/>
+          </a:prstGeom>
+          <a:ln cap="flat" w="38100">
+            <a:solidFill>
+              <a:srgbClr val="000000"/>
+            </a:solidFill>
+            <a:prstDash val="solid"/>
+            <a:headEnd type="none" len="sm" w="sm"/>
+            <a:tailEnd type="none" len="sm" w="sm"/>
+          </a:ln>
+        </p:spPr>
+      </p:sp>
+      <p:sp>
+        <p:nvSpPr>
+          <p:cNvPr name="Freeform 13" id="13"/>
+          <p:cNvSpPr/>
+          <p:nvPr/>
+        </p:nvSpPr>
+        <p:spPr>
+          <a:xfrm flipH="false" flipV="false" rot="-5400000">
+            <a:off x="15682442" y="8116766"/>
+            <a:ext cx="913731" cy="796383"/>
+          </a:xfrm>
+          <a:custGeom>
+            <a:avLst/>
+            <a:gdLst/>
+            <a:ahLst/>
+            <a:cxnLst/>
+            <a:rect r="r" b="b" t="t" l="l"/>
+            <a:pathLst>
+              <a:path h="796383" w="913731">
+                <a:moveTo>
+                  <a:pt x="0" y="0"/>
+                </a:moveTo>
+                <a:lnTo>
+                  <a:pt x="913731" y="0"/>
+                </a:lnTo>
+                <a:lnTo>
+                  <a:pt x="913731" y="796383"/>
+                </a:lnTo>
+                <a:lnTo>
+                  <a:pt x="0" y="796383"/>
+                </a:lnTo>
+                <a:lnTo>
+                  <a:pt x="0" y="0"/>
+                </a:lnTo>
+                <a:close/>
+              </a:path>
+            </a:pathLst>
+          </a:custGeom>
+          <a:blipFill>
+            <a:blip r:embed="rId5"/>
+            <a:stretch>
+              <a:fillRect l="0" t="-7946" r="0" b="-6788"/>
+            </a:stretch>
+          </a:blipFill>
+        </p:spPr>
+      </p:sp>
+      <p:sp>
+        <p:nvSpPr>
+          <p:cNvPr name="AutoShape 14" id="14"/>
+          <p:cNvSpPr/>
+          <p:nvPr/>
+        </p:nvSpPr>
+        <p:spPr>
+          <a:xfrm>
+            <a:off x="8725689" y="9780032"/>
+            <a:ext cx="7432668" cy="19050"/>
+          </a:xfrm>
+          <a:prstGeom prst="line">
+            <a:avLst/>
+          </a:prstGeom>
+          <a:ln cap="flat" w="38100">
+            <a:solidFill>
+              <a:srgbClr val="000000"/>
+            </a:solidFill>
+            <a:prstDash val="solid"/>
+            <a:headEnd type="none" len="sm" w="sm"/>
+            <a:tailEnd type="none" len="sm" w="sm"/>
+          </a:ln>
+        </p:spPr>
       </p:sp>
     </p:spTree>
   </p:cSld>
@@ -6116,13 +10460,6 @@
 <file path=ppt/slides/slide9.xml><?xml version="1.0" encoding="utf-8"?>
 <p:sld xmlns:p="http://schemas.openxmlformats.org/presentationml/2006/main" xmlns:a="http://schemas.openxmlformats.org/drawingml/2006/main" xmlns:r="http://schemas.openxmlformats.org/officeDocument/2006/relationships">
   <p:cSld>
-    <p:bg>
-      <p:bgPr>
-        <a:solidFill>
-          <a:srgbClr val="D6DFCC"/>
-        </a:solidFill>
-      </p:bgPr>
-    </p:bg>
     <p:spTree>
       <p:nvGrpSpPr>
         <p:cNvPr id="1" name=""/>
@@ -6161,15 +10498,97 @@
           </a:ln>
         </p:spPr>
       </p:sp>
-      <p:sp>
-        <p:nvSpPr>
-          <p:cNvPr name="Freeform 3" id="3"/>
+      <p:grpSp>
+        <p:nvGrpSpPr>
+          <p:cNvPr name="Group 3" id="3"/>
+          <p:cNvGrpSpPr/>
+          <p:nvPr/>
+        </p:nvGrpSpPr>
+        <p:grpSpPr>
+          <a:xfrm rot="0">
+            <a:off x="-89994" y="0"/>
+            <a:ext cx="18377994" cy="1752600"/>
+            <a:chOff x="0" y="0"/>
+            <a:chExt cx="4840295" cy="461590"/>
+          </a:xfrm>
+        </p:grpSpPr>
+        <p:sp>
+          <p:nvSpPr>
+            <p:cNvPr name="Freeform 4" id="4"/>
+            <p:cNvSpPr/>
+            <p:nvPr/>
+          </p:nvSpPr>
+          <p:spPr>
+            <a:xfrm flipH="false" flipV="false" rot="0">
+              <a:off x="0" y="0"/>
+              <a:ext cx="4840295" cy="461590"/>
+            </a:xfrm>
+            <a:custGeom>
+              <a:avLst/>
+              <a:gdLst/>
+              <a:ahLst/>
+              <a:cxnLst/>
+              <a:rect r="r" b="b" t="t" l="l"/>
+              <a:pathLst>
+                <a:path h="461590" w="4840295">
+                  <a:moveTo>
+                    <a:pt x="0" y="0"/>
+                  </a:moveTo>
+                  <a:lnTo>
+                    <a:pt x="4840295" y="0"/>
+                  </a:lnTo>
+                  <a:lnTo>
+                    <a:pt x="4840295" y="461590"/>
+                  </a:lnTo>
+                  <a:lnTo>
+                    <a:pt x="0" y="461590"/>
+                  </a:lnTo>
+                  <a:close/>
+                </a:path>
+              </a:pathLst>
+            </a:custGeom>
+            <a:solidFill>
+              <a:srgbClr val="5BB3CF"/>
+            </a:solidFill>
+          </p:spPr>
+        </p:sp>
+        <p:sp>
+          <p:nvSpPr>
+            <p:cNvPr name="TextBox 5" id="5"/>
+            <p:cNvSpPr txBox="true"/>
+            <p:nvPr/>
+          </p:nvSpPr>
+          <p:spPr>
+            <a:xfrm>
+              <a:off x="0" y="-57150"/>
+              <a:ext cx="4840295" cy="518740"/>
+            </a:xfrm>
+            <a:prstGeom prst="rect">
+              <a:avLst/>
+            </a:prstGeom>
+          </p:spPr>
+          <p:txBody>
+            <a:bodyPr anchor="ctr" rtlCol="false" tIns="50800" lIns="50800" bIns="50800" rIns="50800"/>
+            <a:lstStyle/>
+            <a:p>
+              <a:pPr algn="ctr">
+                <a:lnSpc>
+                  <a:spcPts val="3500"/>
+                </a:lnSpc>
+              </a:pPr>
+            </a:p>
+          </p:txBody>
+        </p:sp>
+      </p:grpSp>
+      <p:sp>
+        <p:nvSpPr>
+          <p:cNvPr name="Freeform 6" id="6"/>
           <p:cNvSpPr/>
           <p:nvPr/>
         </p:nvSpPr>
         <p:spPr>
           <a:xfrm flipH="false" flipV="false" rot="0">
-            <a:off x="0" y="30674"/>
+            <a:off x="0" y="-7426"/>
             <a:ext cx="1740976" cy="1740976"/>
           </a:xfrm>
           <a:custGeom>
@@ -6209,13 +10628,13 @@
       </p:sp>
       <p:sp>
         <p:nvSpPr>
-          <p:cNvPr name="Freeform 4" id="4"/>
+          <p:cNvPr name="Freeform 7" id="7"/>
           <p:cNvSpPr/>
           <p:nvPr/>
         </p:nvSpPr>
         <p:spPr>
           <a:xfrm flipH="false" flipV="false" rot="0">
-            <a:off x="16547024" y="-7426"/>
+            <a:off x="16547024" y="-45526"/>
             <a:ext cx="1740976" cy="1740976"/>
           </a:xfrm>
           <a:custGeom>
@@ -6255,13 +10674,13 @@
       </p:sp>
       <p:sp>
         <p:nvSpPr>
-          <p:cNvPr name="Freeform 5" id="5"/>
+          <p:cNvPr name="Freeform 8" id="8"/>
           <p:cNvSpPr/>
           <p:nvPr/>
         </p:nvSpPr>
         <p:spPr>
           <a:xfrm flipH="false" flipV="false" rot="0">
-            <a:off x="1338089" y="1771650"/>
+            <a:off x="709258" y="1823702"/>
             <a:ext cx="7805911" cy="3771200"/>
           </a:xfrm>
           <a:custGeom>
@@ -6301,13 +10720,13 @@
       </p:sp>
       <p:sp>
         <p:nvSpPr>
-          <p:cNvPr name="Freeform 6" id="6"/>
+          <p:cNvPr name="Freeform 9" id="9"/>
           <p:cNvSpPr/>
           <p:nvPr/>
         </p:nvSpPr>
         <p:spPr>
           <a:xfrm flipH="false" flipV="false" rot="0">
-            <a:off x="9144000" y="1752600"/>
+            <a:off x="9482601" y="1823702"/>
             <a:ext cx="7543944" cy="3842302"/>
           </a:xfrm>
           <a:custGeom>
@@ -6347,14 +10766,14 @@
       </p:sp>
       <p:sp>
         <p:nvSpPr>
-          <p:cNvPr name="Freeform 7" id="7"/>
+          <p:cNvPr name="Freeform 10" id="10"/>
           <p:cNvSpPr/>
           <p:nvPr/>
         </p:nvSpPr>
         <p:spPr>
           <a:xfrm flipH="false" flipV="false" rot="0">
-            <a:off x="1338089" y="5552375"/>
-            <a:ext cx="7805911" cy="4185920"/>
+            <a:off x="709258" y="5980329"/>
+            <a:ext cx="7805911" cy="3999823"/>
           </a:xfrm>
           <a:custGeom>
             <a:avLst/>
@@ -6363,7 +10782,7 @@
             <a:cxnLst/>
             <a:rect r="r" b="b" t="t" l="l"/>
             <a:pathLst>
-              <a:path h="4185920" w="7805911">
+              <a:path h="3999823" w="7805911">
                 <a:moveTo>
                   <a:pt x="0" y="0"/>
                 </a:moveTo>
@@ -6371,10 +10790,10 @@
                   <a:pt x="7805911" y="0"/>
                 </a:lnTo>
                 <a:lnTo>
-                  <a:pt x="7805911" y="4185920"/>
-                </a:lnTo>
-                <a:lnTo>
-                  <a:pt x="0" y="4185920"/>
+                  <a:pt x="7805911" y="3999824"/>
+                </a:lnTo>
+                <a:lnTo>
+                  <a:pt x="0" y="3999824"/>
                 </a:lnTo>
                 <a:lnTo>
                   <a:pt x="0" y="0"/>
@@ -6386,21 +10805,21 @@
           <a:blipFill>
             <a:blip r:embed="rId5"/>
             <a:stretch>
-              <a:fillRect l="0" t="0" r="0" b="0"/>
+              <a:fillRect l="0" t="-4652" r="0" b="0"/>
             </a:stretch>
           </a:blipFill>
         </p:spPr>
       </p:sp>
       <p:sp>
         <p:nvSpPr>
-          <p:cNvPr name="Freeform 8" id="8"/>
+          <p:cNvPr name="Freeform 11" id="11"/>
           <p:cNvSpPr/>
           <p:nvPr/>
         </p:nvSpPr>
         <p:spPr>
           <a:xfrm flipH="false" flipV="false" rot="0">
-            <a:off x="9144000" y="5594902"/>
-            <a:ext cx="7543944" cy="4143392"/>
+            <a:off x="9482601" y="5980329"/>
+            <a:ext cx="7543944" cy="3999823"/>
           </a:xfrm>
           <a:custGeom>
             <a:avLst/>
@@ -6409,7 +10828,7 @@
             <a:cxnLst/>
             <a:rect r="r" b="b" t="t" l="l"/>
             <a:pathLst>
-              <a:path h="4143392" w="7543944">
+              <a:path h="3999823" w="7543944">
                 <a:moveTo>
                   <a:pt x="0" y="0"/>
                 </a:moveTo>
@@ -6417,10 +10836,10 @@
                   <a:pt x="7543944" y="0"/>
                 </a:lnTo>
                 <a:lnTo>
-                  <a:pt x="7543944" y="4143393"/>
-                </a:lnTo>
-                <a:lnTo>
-                  <a:pt x="0" y="4143393"/>
+                  <a:pt x="7543944" y="3999824"/>
+                </a:lnTo>
+                <a:lnTo>
+                  <a:pt x="0" y="3999824"/>
                 </a:lnTo>
                 <a:lnTo>
                   <a:pt x="0" y="0"/>
@@ -6432,14 +10851,14 @@
           <a:blipFill>
             <a:blip r:embed="rId6"/>
             <a:stretch>
-              <a:fillRect l="-9216" t="0" r="-9216" b="0"/>
+              <a:fillRect l="-10790" t="-6342" r="-10790" b="0"/>
             </a:stretch>
           </a:blipFill>
         </p:spPr>
       </p:sp>
       <p:sp>
         <p:nvSpPr>
-          <p:cNvPr name="TextBox 9" id="9"/>
+          <p:cNvPr name="TextBox 12" id="12"/>
           <p:cNvSpPr txBox="true"/>
           <p:nvPr/>
         </p:nvSpPr>

--- a/documentacao/TeleMedicina.pptx
+++ b/documentacao/TeleMedicina.pptx
@@ -18,25 +18,35 @@
     <p:sldId id="266" r:id="rId16"/>
     <p:sldId id="267" r:id="rId17"/>
     <p:sldId id="268" r:id="rId18"/>
+    <p:sldId id="269" r:id="rId19"/>
+    <p:sldId id="270" r:id="rId20"/>
+    <p:sldId id="271" r:id="rId21"/>
+    <p:sldId id="272" r:id="rId22"/>
+    <p:sldId id="273" r:id="rId23"/>
+    <p:sldId id="274" r:id="rId24"/>
+    <p:sldId id="275" r:id="rId25"/>
+    <p:sldId id="276" r:id="rId26"/>
+    <p:sldId id="277" r:id="rId27"/>
+    <p:sldId id="278" r:id="rId28"/>
   </p:sldIdLst>
   <p:sldSz cx="18288000" cy="10287000"/>
   <p:notesSz cx="6858000" cy="9144000"/>
   <p:embeddedFontLst>
     <p:embeddedFont>
       <p:font typeface="Agrandir" charset="1" panose="00000500000000000000"/>
-      <p:regular r:id="rId19"/>
+      <p:regular r:id="rId29"/>
     </p:embeddedFont>
     <p:embeddedFont>
       <p:font typeface="Agrandir Bold" charset="1" panose="00000800000000000000"/>
-      <p:regular r:id="rId20"/>
+      <p:regular r:id="rId30"/>
     </p:embeddedFont>
     <p:embeddedFont>
       <p:font typeface="Open Sans" charset="1" panose="020B0606030504020204"/>
-      <p:regular r:id="rId21"/>
+      <p:regular r:id="rId31"/>
     </p:embeddedFont>
     <p:embeddedFont>
       <p:font typeface="Open Sans Bold" charset="1" panose="020B0806030504020204"/>
-      <p:regular r:id="rId22"/>
+      <p:regular r:id="rId32"/>
     </p:embeddedFont>
   </p:embeddedFontLst>
   <p:defaultTextStyle>
@@ -3803,6 +3813,457 @@
           <a:chExt cx="0" cy="0"/>
         </a:xfrm>
       </p:grpSpPr>
+      <p:sp>
+        <p:nvSpPr>
+          <p:cNvPr name="AutoShape 2" id="2"/>
+          <p:cNvSpPr/>
+          <p:nvPr/>
+        </p:nvSpPr>
+        <p:spPr>
+          <a:xfrm>
+            <a:off x="0" y="1752600"/>
+            <a:ext cx="18702327" cy="0"/>
+          </a:xfrm>
+          <a:prstGeom prst="line">
+            <a:avLst/>
+          </a:prstGeom>
+          <a:ln cap="rnd" w="19050">
+            <a:solidFill>
+              <a:srgbClr val="000000"/>
+            </a:solidFill>
+            <a:prstDash val="solid"/>
+            <a:headEnd type="none" len="sm" w="sm"/>
+            <a:tailEnd type="none" len="sm" w="sm"/>
+          </a:ln>
+        </p:spPr>
+      </p:sp>
+      <p:grpSp>
+        <p:nvGrpSpPr>
+          <p:cNvPr name="Group 3" id="3"/>
+          <p:cNvGrpSpPr/>
+          <p:nvPr/>
+        </p:nvGrpSpPr>
+        <p:grpSpPr>
+          <a:xfrm rot="0">
+            <a:off x="-89994" y="0"/>
+            <a:ext cx="18377994" cy="1752600"/>
+            <a:chOff x="0" y="0"/>
+            <a:chExt cx="4840295" cy="461590"/>
+          </a:xfrm>
+        </p:grpSpPr>
+        <p:sp>
+          <p:nvSpPr>
+            <p:cNvPr name="Freeform 4" id="4"/>
+            <p:cNvSpPr/>
+            <p:nvPr/>
+          </p:nvSpPr>
+          <p:spPr>
+            <a:xfrm flipH="false" flipV="false" rot="0">
+              <a:off x="0" y="0"/>
+              <a:ext cx="4840295" cy="461590"/>
+            </a:xfrm>
+            <a:custGeom>
+              <a:avLst/>
+              <a:gdLst/>
+              <a:ahLst/>
+              <a:cxnLst/>
+              <a:rect r="r" b="b" t="t" l="l"/>
+              <a:pathLst>
+                <a:path h="461590" w="4840295">
+                  <a:moveTo>
+                    <a:pt x="0" y="0"/>
+                  </a:moveTo>
+                  <a:lnTo>
+                    <a:pt x="4840295" y="0"/>
+                  </a:lnTo>
+                  <a:lnTo>
+                    <a:pt x="4840295" y="461590"/>
+                  </a:lnTo>
+                  <a:lnTo>
+                    <a:pt x="0" y="461590"/>
+                  </a:lnTo>
+                  <a:close/>
+                </a:path>
+              </a:pathLst>
+            </a:custGeom>
+            <a:solidFill>
+              <a:srgbClr val="5BB3CF"/>
+            </a:solidFill>
+          </p:spPr>
+        </p:sp>
+        <p:sp>
+          <p:nvSpPr>
+            <p:cNvPr name="TextBox 5" id="5"/>
+            <p:cNvSpPr txBox="true"/>
+            <p:nvPr/>
+          </p:nvSpPr>
+          <p:spPr>
+            <a:xfrm>
+              <a:off x="0" y="-57150"/>
+              <a:ext cx="4840295" cy="518740"/>
+            </a:xfrm>
+            <a:prstGeom prst="rect">
+              <a:avLst/>
+            </a:prstGeom>
+          </p:spPr>
+          <p:txBody>
+            <a:bodyPr anchor="ctr" rtlCol="false" tIns="50800" lIns="50800" bIns="50800" rIns="50800"/>
+            <a:lstStyle/>
+            <a:p>
+              <a:pPr algn="ctr">
+                <a:lnSpc>
+                  <a:spcPts val="3500"/>
+                </a:lnSpc>
+              </a:pPr>
+            </a:p>
+          </p:txBody>
+        </p:sp>
+      </p:grpSp>
+      <p:sp>
+        <p:nvSpPr>
+          <p:cNvPr name="Freeform 6" id="6"/>
+          <p:cNvSpPr/>
+          <p:nvPr/>
+        </p:nvSpPr>
+        <p:spPr>
+          <a:xfrm flipH="false" flipV="false" rot="0">
+            <a:off x="0" y="-7426"/>
+            <a:ext cx="1740976" cy="1740976"/>
+          </a:xfrm>
+          <a:custGeom>
+            <a:avLst/>
+            <a:gdLst/>
+            <a:ahLst/>
+            <a:cxnLst/>
+            <a:rect r="r" b="b" t="t" l="l"/>
+            <a:pathLst>
+              <a:path h="1740976" w="1740976">
+                <a:moveTo>
+                  <a:pt x="0" y="0"/>
+                </a:moveTo>
+                <a:lnTo>
+                  <a:pt x="1740976" y="0"/>
+                </a:lnTo>
+                <a:lnTo>
+                  <a:pt x="1740976" y="1740976"/>
+                </a:lnTo>
+                <a:lnTo>
+                  <a:pt x="0" y="1740976"/>
+                </a:lnTo>
+                <a:lnTo>
+                  <a:pt x="0" y="0"/>
+                </a:lnTo>
+                <a:close/>
+              </a:path>
+            </a:pathLst>
+          </a:custGeom>
+          <a:blipFill>
+            <a:blip r:embed="rId2"/>
+            <a:stretch>
+              <a:fillRect l="0" t="0" r="0" b="0"/>
+            </a:stretch>
+          </a:blipFill>
+        </p:spPr>
+      </p:sp>
+      <p:sp>
+        <p:nvSpPr>
+          <p:cNvPr name="Freeform 7" id="7"/>
+          <p:cNvSpPr/>
+          <p:nvPr/>
+        </p:nvSpPr>
+        <p:spPr>
+          <a:xfrm flipH="false" flipV="false" rot="0">
+            <a:off x="16547024" y="-45526"/>
+            <a:ext cx="1740976" cy="1740976"/>
+          </a:xfrm>
+          <a:custGeom>
+            <a:avLst/>
+            <a:gdLst/>
+            <a:ahLst/>
+            <a:cxnLst/>
+            <a:rect r="r" b="b" t="t" l="l"/>
+            <a:pathLst>
+              <a:path h="1740976" w="1740976">
+                <a:moveTo>
+                  <a:pt x="0" y="0"/>
+                </a:moveTo>
+                <a:lnTo>
+                  <a:pt x="1740976" y="0"/>
+                </a:lnTo>
+                <a:lnTo>
+                  <a:pt x="1740976" y="1740976"/>
+                </a:lnTo>
+                <a:lnTo>
+                  <a:pt x="0" y="1740976"/>
+                </a:lnTo>
+                <a:lnTo>
+                  <a:pt x="0" y="0"/>
+                </a:lnTo>
+                <a:close/>
+              </a:path>
+            </a:pathLst>
+          </a:custGeom>
+          <a:blipFill>
+            <a:blip r:embed="rId2"/>
+            <a:stretch>
+              <a:fillRect l="0" t="0" r="0" b="0"/>
+            </a:stretch>
+          </a:blipFill>
+        </p:spPr>
+      </p:sp>
+      <p:sp>
+        <p:nvSpPr>
+          <p:cNvPr name="Freeform 8" id="8"/>
+          <p:cNvSpPr/>
+          <p:nvPr/>
+        </p:nvSpPr>
+        <p:spPr>
+          <a:xfrm flipH="false" flipV="false" rot="0">
+            <a:off x="709258" y="1823702"/>
+            <a:ext cx="7805911" cy="3771200"/>
+          </a:xfrm>
+          <a:custGeom>
+            <a:avLst/>
+            <a:gdLst/>
+            <a:ahLst/>
+            <a:cxnLst/>
+            <a:rect r="r" b="b" t="t" l="l"/>
+            <a:pathLst>
+              <a:path h="3771200" w="7805911">
+                <a:moveTo>
+                  <a:pt x="0" y="0"/>
+                </a:moveTo>
+                <a:lnTo>
+                  <a:pt x="7805911" y="0"/>
+                </a:lnTo>
+                <a:lnTo>
+                  <a:pt x="7805911" y="3771200"/>
+                </a:lnTo>
+                <a:lnTo>
+                  <a:pt x="0" y="3771200"/>
+                </a:lnTo>
+                <a:lnTo>
+                  <a:pt x="0" y="0"/>
+                </a:lnTo>
+                <a:close/>
+              </a:path>
+            </a:pathLst>
+          </a:custGeom>
+          <a:blipFill>
+            <a:blip r:embed="rId3"/>
+            <a:stretch>
+              <a:fillRect l="0" t="-3428" r="0" b="-3428"/>
+            </a:stretch>
+          </a:blipFill>
+        </p:spPr>
+      </p:sp>
+      <p:sp>
+        <p:nvSpPr>
+          <p:cNvPr name="Freeform 9" id="9"/>
+          <p:cNvSpPr/>
+          <p:nvPr/>
+        </p:nvSpPr>
+        <p:spPr>
+          <a:xfrm flipH="false" flipV="false" rot="0">
+            <a:off x="9482601" y="1823702"/>
+            <a:ext cx="7543944" cy="3771200"/>
+          </a:xfrm>
+          <a:custGeom>
+            <a:avLst/>
+            <a:gdLst/>
+            <a:ahLst/>
+            <a:cxnLst/>
+            <a:rect r="r" b="b" t="t" l="l"/>
+            <a:pathLst>
+              <a:path h="3771200" w="7543944">
+                <a:moveTo>
+                  <a:pt x="0" y="0"/>
+                </a:moveTo>
+                <a:lnTo>
+                  <a:pt x="7543944" y="0"/>
+                </a:lnTo>
+                <a:lnTo>
+                  <a:pt x="7543944" y="3771200"/>
+                </a:lnTo>
+                <a:lnTo>
+                  <a:pt x="0" y="3771200"/>
+                </a:lnTo>
+                <a:lnTo>
+                  <a:pt x="0" y="0"/>
+                </a:lnTo>
+                <a:close/>
+              </a:path>
+            </a:pathLst>
+          </a:custGeom>
+          <a:blipFill>
+            <a:blip r:embed="rId4"/>
+            <a:stretch>
+              <a:fillRect l="0" t="-1943" r="0" b="-3828"/>
+            </a:stretch>
+          </a:blipFill>
+        </p:spPr>
+      </p:sp>
+      <p:sp>
+        <p:nvSpPr>
+          <p:cNvPr name="Freeform 10" id="10"/>
+          <p:cNvSpPr/>
+          <p:nvPr/>
+        </p:nvSpPr>
+        <p:spPr>
+          <a:xfrm flipH="false" flipV="false" rot="0">
+            <a:off x="709258" y="5980329"/>
+            <a:ext cx="7805911" cy="3999823"/>
+          </a:xfrm>
+          <a:custGeom>
+            <a:avLst/>
+            <a:gdLst/>
+            <a:ahLst/>
+            <a:cxnLst/>
+            <a:rect r="r" b="b" t="t" l="l"/>
+            <a:pathLst>
+              <a:path h="3999823" w="7805911">
+                <a:moveTo>
+                  <a:pt x="0" y="0"/>
+                </a:moveTo>
+                <a:lnTo>
+                  <a:pt x="7805911" y="0"/>
+                </a:lnTo>
+                <a:lnTo>
+                  <a:pt x="7805911" y="3999824"/>
+                </a:lnTo>
+                <a:lnTo>
+                  <a:pt x="0" y="3999824"/>
+                </a:lnTo>
+                <a:lnTo>
+                  <a:pt x="0" y="0"/>
+                </a:lnTo>
+                <a:close/>
+              </a:path>
+            </a:pathLst>
+          </a:custGeom>
+          <a:blipFill>
+            <a:blip r:embed="rId5"/>
+            <a:stretch>
+              <a:fillRect l="0" t="-4652" r="0" b="0"/>
+            </a:stretch>
+          </a:blipFill>
+        </p:spPr>
+      </p:sp>
+      <p:sp>
+        <p:nvSpPr>
+          <p:cNvPr name="Freeform 11" id="11"/>
+          <p:cNvSpPr/>
+          <p:nvPr/>
+        </p:nvSpPr>
+        <p:spPr>
+          <a:xfrm flipH="false" flipV="false" rot="0">
+            <a:off x="9482601" y="5980329"/>
+            <a:ext cx="7543944" cy="3999823"/>
+          </a:xfrm>
+          <a:custGeom>
+            <a:avLst/>
+            <a:gdLst/>
+            <a:ahLst/>
+            <a:cxnLst/>
+            <a:rect r="r" b="b" t="t" l="l"/>
+            <a:pathLst>
+              <a:path h="3999823" w="7543944">
+                <a:moveTo>
+                  <a:pt x="0" y="0"/>
+                </a:moveTo>
+                <a:lnTo>
+                  <a:pt x="7543944" y="0"/>
+                </a:lnTo>
+                <a:lnTo>
+                  <a:pt x="7543944" y="3999824"/>
+                </a:lnTo>
+                <a:lnTo>
+                  <a:pt x="0" y="3999824"/>
+                </a:lnTo>
+                <a:lnTo>
+                  <a:pt x="0" y="0"/>
+                </a:lnTo>
+                <a:close/>
+              </a:path>
+            </a:pathLst>
+          </a:custGeom>
+          <a:blipFill>
+            <a:blip r:embed="rId6"/>
+            <a:stretch>
+              <a:fillRect l="-10790" t="-6342" r="-10790" b="0"/>
+            </a:stretch>
+          </a:blipFill>
+        </p:spPr>
+      </p:sp>
+      <p:sp>
+        <p:nvSpPr>
+          <p:cNvPr name="TextBox 12" id="12"/>
+          <p:cNvSpPr txBox="true"/>
+          <p:nvPr/>
+        </p:nvSpPr>
+        <p:spPr>
+          <a:xfrm rot="0">
+            <a:off x="1871598" y="182024"/>
+            <a:ext cx="14544804" cy="1247775"/>
+          </a:xfrm>
+          <a:prstGeom prst="rect">
+            <a:avLst/>
+          </a:prstGeom>
+        </p:spPr>
+        <p:txBody>
+          <a:bodyPr anchor="t" rtlCol="false" tIns="0" lIns="0" bIns="0" rIns="0">
+            <a:spAutoFit/>
+          </a:bodyPr>
+          <a:lstStyle/>
+          <a:p>
+            <a:pPr algn="ctr" marL="0" indent="0" lvl="0">
+              <a:lnSpc>
+                <a:spcPts val="8399"/>
+              </a:lnSpc>
+              <a:spcBef>
+                <a:spcPct val="0"/>
+              </a:spcBef>
+            </a:pPr>
+            <a:r>
+              <a:rPr lang="en-US" sz="6999">
+                <a:solidFill>
+                  <a:srgbClr val="000000"/>
+                </a:solidFill>
+                <a:latin typeface="Agrandir"/>
+                <a:ea typeface="Agrandir"/>
+                <a:cs typeface="Agrandir"/>
+                <a:sym typeface="Agrandir"/>
+              </a:rPr>
+              <a:t>Tela de Históricos - Desktop</a:t>
+            </a:r>
+          </a:p>
+        </p:txBody>
+      </p:sp>
+    </p:spTree>
+  </p:cSld>
+  <p:clrMapOvr>
+    <a:masterClrMapping/>
+  </p:clrMapOvr>
+</p:sld>
+</file>
+
+<file path=ppt/slides/slide11.xml><?xml version="1.0" encoding="utf-8"?>
+<p:sld xmlns:p="http://schemas.openxmlformats.org/presentationml/2006/main" xmlns:a="http://schemas.openxmlformats.org/drawingml/2006/main" xmlns:r="http://schemas.openxmlformats.org/officeDocument/2006/relationships">
+  <p:cSld>
+    <p:spTree>
+      <p:nvGrpSpPr>
+        <p:cNvPr id="1" name=""/>
+        <p:cNvGrpSpPr/>
+        <p:nvPr/>
+      </p:nvGrpSpPr>
+      <p:grpSpPr>
+        <a:xfrm>
+          <a:off x="0" y="0"/>
+          <a:ext cx="0" cy="0"/>
+          <a:chOff x="0" y="0"/>
+          <a:chExt cx="0" cy="0"/>
+        </a:xfrm>
+      </p:grpSpPr>
       <p:grpSp>
         <p:nvGrpSpPr>
           <p:cNvPr name="Group 2" id="2"/>
@@ -4884,7 +5345,7 @@
 </p:sld>
 </file>
 
-<file path=ppt/slides/slide11.xml><?xml version="1.0" encoding="utf-8"?>
+<file path=ppt/slides/slide12.xml><?xml version="1.0" encoding="utf-8"?>
 <p:sld xmlns:p="http://schemas.openxmlformats.org/presentationml/2006/main" xmlns:a="http://schemas.openxmlformats.org/drawingml/2006/main" xmlns:r="http://schemas.openxmlformats.org/officeDocument/2006/relationships">
   <p:cSld>
     <p:spTree>
@@ -5493,7 +5954,7 @@
 </p:sld>
 </file>
 
-<file path=ppt/slides/slide12.xml><?xml version="1.0" encoding="utf-8"?>
+<file path=ppt/slides/slide13.xml><?xml version="1.0" encoding="utf-8"?>
 <p:sld xmlns:p="http://schemas.openxmlformats.org/presentationml/2006/main" xmlns:a="http://schemas.openxmlformats.org/drawingml/2006/main" xmlns:r="http://schemas.openxmlformats.org/officeDocument/2006/relationships">
   <p:cSld>
     <p:spTree>
@@ -5806,8 +6267,8 @@
         </p:nvSpPr>
         <p:spPr>
           <a:xfrm rot="0">
-            <a:off x="-257893" y="1666875"/>
-            <a:ext cx="8533522" cy="8949801"/>
+            <a:off x="-257893" y="1887561"/>
+            <a:ext cx="8331495" cy="8155432"/>
           </a:xfrm>
           <a:prstGeom prst="rect">
             <a:avLst/>
@@ -5821,11 +6282,11 @@
           <a:p>
             <a:pPr algn="ctr">
               <a:lnSpc>
-                <a:spcPts val="3111"/>
+                <a:spcPts val="2901"/>
               </a:lnSpc>
             </a:pPr>
             <a:r>
-              <a:rPr lang="en-US" sz="2222" b="true">
+              <a:rPr lang="en-US" sz="2072" b="true">
                 <a:solidFill>
                   <a:srgbClr val="000000"/>
                 </a:solidFill>
@@ -5840,20 +6301,20 @@
           <a:p>
             <a:pPr algn="ctr">
               <a:lnSpc>
-                <a:spcPts val="3111"/>
+                <a:spcPts val="2901"/>
               </a:lnSpc>
             </a:pPr>
           </a:p>
           <a:p>
-            <a:pPr algn="just" marL="392665" indent="-196332" lvl="1">
+            <a:pPr algn="just" marL="362290" indent="-181145" lvl="1">
               <a:lnSpc>
-                <a:spcPts val="2546"/>
+                <a:spcPts val="2349"/>
               </a:lnSpc>
               <a:buFont typeface="Arial"/>
               <a:buChar char="•"/>
             </a:pPr>
             <a:r>
-              <a:rPr lang="en-US" sz="1818">
+              <a:rPr lang="en-US" sz="1678">
                 <a:solidFill>
                   <a:srgbClr val="000000"/>
                 </a:solidFill>
@@ -5865,7 +6326,7 @@
               <a:t>Plataforma: </a:t>
             </a:r>
             <a:r>
-              <a:rPr lang="en-US" sz="1818">
+              <a:rPr lang="en-US" sz="1678">
                 <a:solidFill>
                   <a:srgbClr val="000000"/>
                 </a:solidFill>
@@ -5877,7 +6338,7 @@
               <a:t>Web roda </a:t>
             </a:r>
             <a:r>
-              <a:rPr lang="en-US" sz="1818">
+              <a:rPr lang="en-US" sz="1678">
                 <a:solidFill>
                   <a:srgbClr val="000000"/>
                 </a:solidFill>
@@ -5892,20 +6353,20 @@
           <a:p>
             <a:pPr algn="just">
               <a:lnSpc>
-                <a:spcPts val="2546"/>
+                <a:spcPts val="2349"/>
               </a:lnSpc>
             </a:pPr>
           </a:p>
           <a:p>
-            <a:pPr algn="just" marL="392665" indent="-196332" lvl="1">
+            <a:pPr algn="just" marL="362290" indent="-181145" lvl="1">
               <a:lnSpc>
-                <a:spcPts val="2546"/>
+                <a:spcPts val="2349"/>
               </a:lnSpc>
               <a:buFont typeface="Arial"/>
               <a:buChar char="•"/>
             </a:pPr>
             <a:r>
-              <a:rPr lang="en-US" sz="1818">
+              <a:rPr lang="en-US" sz="1678">
                 <a:solidFill>
                   <a:srgbClr val="000000"/>
                 </a:solidFill>
@@ -5917,7 +6378,7 @@
               <a:t>Instalação</a:t>
             </a:r>
             <a:r>
-              <a:rPr lang="en-US" sz="1818">
+              <a:rPr lang="en-US" sz="1678">
                 <a:solidFill>
                   <a:srgbClr val="000000"/>
                 </a:solidFill>
@@ -5932,20 +6393,20 @@
           <a:p>
             <a:pPr algn="just">
               <a:lnSpc>
-                <a:spcPts val="2546"/>
+                <a:spcPts val="2349"/>
               </a:lnSpc>
             </a:pPr>
           </a:p>
           <a:p>
-            <a:pPr algn="just" marL="392665" indent="-196332" lvl="1">
+            <a:pPr algn="just" marL="362290" indent="-181145" lvl="1">
               <a:lnSpc>
-                <a:spcPts val="2546"/>
+                <a:spcPts val="2349"/>
               </a:lnSpc>
               <a:buFont typeface="Arial"/>
               <a:buChar char="•"/>
             </a:pPr>
             <a:r>
-              <a:rPr lang="en-US" sz="1818">
+              <a:rPr lang="en-US" sz="1678">
                 <a:solidFill>
                   <a:srgbClr val="000000"/>
                 </a:solidFill>
@@ -5960,20 +6421,20 @@
           <a:p>
             <a:pPr algn="just">
               <a:lnSpc>
-                <a:spcPts val="2546"/>
+                <a:spcPts val="2349"/>
               </a:lnSpc>
             </a:pPr>
           </a:p>
           <a:p>
-            <a:pPr algn="just" marL="392665" indent="-196332" lvl="1">
+            <a:pPr algn="just" marL="362290" indent="-181145" lvl="1">
               <a:lnSpc>
-                <a:spcPts val="2546"/>
+                <a:spcPts val="2349"/>
               </a:lnSpc>
               <a:buFont typeface="Arial"/>
               <a:buChar char="•"/>
             </a:pPr>
             <a:r>
-              <a:rPr lang="en-US" sz="1818">
+              <a:rPr lang="en-US" sz="1678">
                 <a:solidFill>
                   <a:srgbClr val="000000"/>
                 </a:solidFill>
@@ -5988,20 +6449,20 @@
           <a:p>
             <a:pPr algn="just">
               <a:lnSpc>
-                <a:spcPts val="2546"/>
+                <a:spcPts val="2349"/>
               </a:lnSpc>
             </a:pPr>
           </a:p>
           <a:p>
-            <a:pPr algn="just" marL="392665" indent="-196332" lvl="1">
+            <a:pPr algn="just" marL="362290" indent="-181145" lvl="1">
               <a:lnSpc>
-                <a:spcPts val="2546"/>
+                <a:spcPts val="2349"/>
               </a:lnSpc>
               <a:buFont typeface="Arial"/>
               <a:buChar char="•"/>
             </a:pPr>
             <a:r>
-              <a:rPr lang="en-US" sz="1818">
+              <a:rPr lang="en-US" sz="1678">
                 <a:solidFill>
                   <a:srgbClr val="000000"/>
                 </a:solidFill>
@@ -6016,20 +6477,20 @@
           <a:p>
             <a:pPr algn="just">
               <a:lnSpc>
-                <a:spcPts val="2546"/>
+                <a:spcPts val="2349"/>
               </a:lnSpc>
             </a:pPr>
           </a:p>
           <a:p>
-            <a:pPr algn="just" marL="392665" indent="-196332" lvl="1">
+            <a:pPr algn="just" marL="362290" indent="-181145" lvl="1">
               <a:lnSpc>
-                <a:spcPts val="2546"/>
+                <a:spcPts val="2349"/>
               </a:lnSpc>
               <a:buFont typeface="Arial"/>
               <a:buChar char="•"/>
             </a:pPr>
             <a:r>
-              <a:rPr lang="en-US" sz="1818">
+              <a:rPr lang="en-US" sz="1678">
                 <a:solidFill>
                   <a:srgbClr val="000000"/>
                 </a:solidFill>
@@ -6044,20 +6505,20 @@
           <a:p>
             <a:pPr algn="just">
               <a:lnSpc>
-                <a:spcPts val="2546"/>
+                <a:spcPts val="2349"/>
               </a:lnSpc>
             </a:pPr>
           </a:p>
           <a:p>
-            <a:pPr algn="just" marL="392665" indent="-196332" lvl="1">
+            <a:pPr algn="just" marL="362290" indent="-181145" lvl="1">
               <a:lnSpc>
-                <a:spcPts val="2546"/>
+                <a:spcPts val="2349"/>
               </a:lnSpc>
               <a:buFont typeface="Arial"/>
               <a:buChar char="•"/>
             </a:pPr>
             <a:r>
-              <a:rPr lang="en-US" sz="1818">
+              <a:rPr lang="en-US" sz="1678">
                 <a:solidFill>
                   <a:srgbClr val="000000"/>
                 </a:solidFill>
@@ -6072,20 +6533,20 @@
           <a:p>
             <a:pPr algn="just">
               <a:lnSpc>
-                <a:spcPts val="2546"/>
+                <a:spcPts val="2349"/>
               </a:lnSpc>
             </a:pPr>
           </a:p>
           <a:p>
-            <a:pPr algn="just" marL="392665" indent="-196332" lvl="1">
+            <a:pPr algn="just" marL="362290" indent="-181145" lvl="1">
               <a:lnSpc>
-                <a:spcPts val="2546"/>
+                <a:spcPts val="2349"/>
               </a:lnSpc>
               <a:buFont typeface="Arial"/>
               <a:buChar char="•"/>
             </a:pPr>
             <a:r>
-              <a:rPr lang="en-US" sz="1818">
+              <a:rPr lang="en-US" sz="1678">
                 <a:solidFill>
                   <a:srgbClr val="000000"/>
                 </a:solidFill>
@@ -6100,20 +6561,20 @@
           <a:p>
             <a:pPr algn="just">
               <a:lnSpc>
-                <a:spcPts val="2546"/>
+                <a:spcPts val="2349"/>
               </a:lnSpc>
             </a:pPr>
           </a:p>
           <a:p>
-            <a:pPr algn="just" marL="392665" indent="-196332" lvl="1">
+            <a:pPr algn="just" marL="362290" indent="-181145" lvl="1">
               <a:lnSpc>
-                <a:spcPts val="2546"/>
+                <a:spcPts val="2349"/>
               </a:lnSpc>
               <a:buFont typeface="Arial"/>
               <a:buChar char="•"/>
             </a:pPr>
             <a:r>
-              <a:rPr lang="en-US" sz="1818">
+              <a:rPr lang="en-US" sz="1678">
                 <a:solidFill>
                   <a:srgbClr val="000000"/>
                 </a:solidFill>
@@ -6128,20 +6589,20 @@
           <a:p>
             <a:pPr algn="just">
               <a:lnSpc>
-                <a:spcPts val="2546"/>
+                <a:spcPts val="2349"/>
               </a:lnSpc>
             </a:pPr>
           </a:p>
           <a:p>
-            <a:pPr algn="just" marL="392665" indent="-196332" lvl="1">
+            <a:pPr algn="just" marL="362290" indent="-181145" lvl="1">
               <a:lnSpc>
-                <a:spcPts val="2546"/>
+                <a:spcPts val="2349"/>
               </a:lnSpc>
               <a:buFont typeface="Arial"/>
               <a:buChar char="•"/>
             </a:pPr>
             <a:r>
-              <a:rPr lang="en-US" sz="1818">
+              <a:rPr lang="en-US" sz="1678">
                 <a:solidFill>
                   <a:srgbClr val="000000"/>
                 </a:solidFill>
@@ -6156,7 +6617,7 @@
           <a:p>
             <a:pPr algn="ctr">
               <a:lnSpc>
-                <a:spcPts val="2546"/>
+                <a:spcPts val="2349"/>
               </a:lnSpc>
             </a:pPr>
           </a:p>
@@ -6170,7 +6631,7 @@
 </p:sld>
 </file>
 
-<file path=ppt/slides/slide13.xml><?xml version="1.0" encoding="utf-8"?>
+<file path=ppt/slides/slide14.xml><?xml version="1.0" encoding="utf-8"?>
 <p:sld xmlns:p="http://schemas.openxmlformats.org/presentationml/2006/main" xmlns:a="http://schemas.openxmlformats.org/drawingml/2006/main" xmlns:r="http://schemas.openxmlformats.org/officeDocument/2006/relationships">
   <p:cSld>
     <p:spTree>
@@ -6393,8 +6854,8 @@
         </p:nvSpPr>
         <p:spPr>
           <a:xfrm flipH="false" flipV="false" rot="0">
-            <a:off x="0" y="1752600"/>
-            <a:ext cx="8784792" cy="5007331"/>
+            <a:off x="9368139" y="4438490"/>
+            <a:ext cx="8919861" cy="5084321"/>
           </a:xfrm>
           <a:custGeom>
             <a:avLst/>
@@ -6403,18 +6864,18 @@
             <a:cxnLst/>
             <a:rect r="r" b="b" t="t" l="l"/>
             <a:pathLst>
-              <a:path h="5007331" w="8784792">
+              <a:path h="5084321" w="8919861">
                 <a:moveTo>
                   <a:pt x="0" y="0"/>
                 </a:moveTo>
                 <a:lnTo>
-                  <a:pt x="8784792" y="0"/>
-                </a:lnTo>
-                <a:lnTo>
-                  <a:pt x="8784792" y="5007331"/>
-                </a:lnTo>
-                <a:lnTo>
-                  <a:pt x="0" y="5007331"/>
+                  <a:pt x="8919861" y="0"/>
+                </a:lnTo>
+                <a:lnTo>
+                  <a:pt x="8919861" y="5084321"/>
+                </a:lnTo>
+                <a:lnTo>
+                  <a:pt x="0" y="5084321"/>
                 </a:lnTo>
                 <a:lnTo>
                   <a:pt x="0" y="0"/>
@@ -6439,7 +6900,7 @@
         </p:nvSpPr>
         <p:spPr>
           <a:xfrm flipH="false" flipV="false" rot="0">
-            <a:off x="9368139" y="1752600"/>
+            <a:off x="0" y="4438490"/>
             <a:ext cx="8919861" cy="5084321"/>
           </a:xfrm>
           <a:custGeom>
@@ -6529,8 +6990,8 @@
         </p:nvSpPr>
         <p:spPr>
           <a:xfrm rot="0">
-            <a:off x="4824592" y="7749786"/>
-            <a:ext cx="7920401" cy="1508514"/>
+            <a:off x="4430586" y="2292421"/>
+            <a:ext cx="9426829" cy="1159623"/>
           </a:xfrm>
           <a:prstGeom prst="rect">
             <a:avLst/>
@@ -6544,14 +7005,14 @@
           <a:p>
             <a:pPr algn="ctr" marL="0" indent="0" lvl="0">
               <a:lnSpc>
-                <a:spcPts val="12383"/>
+                <a:spcPts val="9583"/>
               </a:lnSpc>
               <a:spcBef>
                 <a:spcPct val="0"/>
               </a:spcBef>
             </a:pPr>
             <a:r>
-              <a:rPr lang="en-US" b="true" sz="8845">
+              <a:rPr lang="en-US" b="true" sz="6845">
                 <a:solidFill>
                   <a:srgbClr val="000000"/>
                 </a:solidFill>
@@ -6561,6 +7022,2388 @@
                 <a:sym typeface="Open Sans Bold"/>
               </a:rPr>
               <a:t>Telas de Início</a:t>
+            </a:r>
+          </a:p>
+        </p:txBody>
+      </p:sp>
+    </p:spTree>
+  </p:cSld>
+  <p:clrMapOvr>
+    <a:masterClrMapping/>
+  </p:clrMapOvr>
+</p:sld>
+</file>
+
+<file path=ppt/slides/slide15.xml><?xml version="1.0" encoding="utf-8"?>
+<p:sld xmlns:p="http://schemas.openxmlformats.org/presentationml/2006/main" xmlns:a="http://schemas.openxmlformats.org/drawingml/2006/main" xmlns:r="http://schemas.openxmlformats.org/officeDocument/2006/relationships">
+  <p:cSld>
+    <p:spTree>
+      <p:nvGrpSpPr>
+        <p:cNvPr id="1" name=""/>
+        <p:cNvGrpSpPr/>
+        <p:nvPr/>
+      </p:nvGrpSpPr>
+      <p:grpSpPr>
+        <a:xfrm>
+          <a:off x="0" y="0"/>
+          <a:ext cx="0" cy="0"/>
+          <a:chOff x="0" y="0"/>
+          <a:chExt cx="0" cy="0"/>
+        </a:xfrm>
+      </p:grpSpPr>
+      <p:grpSp>
+        <p:nvGrpSpPr>
+          <p:cNvPr name="Group 2" id="2"/>
+          <p:cNvGrpSpPr/>
+          <p:nvPr/>
+        </p:nvGrpSpPr>
+        <p:grpSpPr>
+          <a:xfrm rot="0">
+            <a:off x="-1261984" y="-679988"/>
+            <a:ext cx="20708772" cy="2432588"/>
+            <a:chOff x="0" y="0"/>
+            <a:chExt cx="5454162" cy="640682"/>
+          </a:xfrm>
+        </p:grpSpPr>
+        <p:sp>
+          <p:nvSpPr>
+            <p:cNvPr name="Freeform 3" id="3"/>
+            <p:cNvSpPr/>
+            <p:nvPr/>
+          </p:nvSpPr>
+          <p:spPr>
+            <a:xfrm flipH="false" flipV="false" rot="0">
+              <a:off x="0" y="0"/>
+              <a:ext cx="5454162" cy="640682"/>
+            </a:xfrm>
+            <a:custGeom>
+              <a:avLst/>
+              <a:gdLst/>
+              <a:ahLst/>
+              <a:cxnLst/>
+              <a:rect r="r" b="b" t="t" l="l"/>
+              <a:pathLst>
+                <a:path h="640682" w="5454162">
+                  <a:moveTo>
+                    <a:pt x="0" y="0"/>
+                  </a:moveTo>
+                  <a:lnTo>
+                    <a:pt x="5454162" y="0"/>
+                  </a:lnTo>
+                  <a:lnTo>
+                    <a:pt x="5454162" y="640682"/>
+                  </a:lnTo>
+                  <a:lnTo>
+                    <a:pt x="0" y="640682"/>
+                  </a:lnTo>
+                  <a:close/>
+                </a:path>
+              </a:pathLst>
+            </a:custGeom>
+            <a:solidFill>
+              <a:srgbClr val="5BB3CF"/>
+            </a:solidFill>
+          </p:spPr>
+        </p:sp>
+        <p:sp>
+          <p:nvSpPr>
+            <p:cNvPr name="TextBox 4" id="4"/>
+            <p:cNvSpPr txBox="true"/>
+            <p:nvPr/>
+          </p:nvSpPr>
+          <p:spPr>
+            <a:xfrm>
+              <a:off x="0" y="-57150"/>
+              <a:ext cx="5454162" cy="697832"/>
+            </a:xfrm>
+            <a:prstGeom prst="rect">
+              <a:avLst/>
+            </a:prstGeom>
+          </p:spPr>
+          <p:txBody>
+            <a:bodyPr anchor="ctr" rtlCol="false" tIns="50800" lIns="50800" bIns="50800" rIns="50800"/>
+            <a:lstStyle/>
+            <a:p>
+              <a:pPr algn="ctr">
+                <a:lnSpc>
+                  <a:spcPts val="3500"/>
+                </a:lnSpc>
+              </a:pPr>
+            </a:p>
+          </p:txBody>
+        </p:sp>
+      </p:grpSp>
+      <p:sp>
+        <p:nvSpPr>
+          <p:cNvPr name="AutoShape 5" id="5"/>
+          <p:cNvSpPr/>
+          <p:nvPr/>
+        </p:nvSpPr>
+        <p:spPr>
+          <a:xfrm>
+            <a:off x="0" y="1752600"/>
+            <a:ext cx="18702327" cy="0"/>
+          </a:xfrm>
+          <a:prstGeom prst="line">
+            <a:avLst/>
+          </a:prstGeom>
+          <a:ln cap="rnd" w="19050">
+            <a:solidFill>
+              <a:srgbClr val="000000"/>
+            </a:solidFill>
+            <a:prstDash val="solid"/>
+            <a:headEnd type="none" len="sm" w="sm"/>
+            <a:tailEnd type="none" len="sm" w="sm"/>
+          </a:ln>
+        </p:spPr>
+      </p:sp>
+      <p:sp>
+        <p:nvSpPr>
+          <p:cNvPr name="Freeform 6" id="6"/>
+          <p:cNvSpPr/>
+          <p:nvPr/>
+        </p:nvSpPr>
+        <p:spPr>
+          <a:xfrm flipH="false" flipV="false" rot="0">
+            <a:off x="-38100" y="-26476"/>
+            <a:ext cx="1740976" cy="1740976"/>
+          </a:xfrm>
+          <a:custGeom>
+            <a:avLst/>
+            <a:gdLst/>
+            <a:ahLst/>
+            <a:cxnLst/>
+            <a:rect r="r" b="b" t="t" l="l"/>
+            <a:pathLst>
+              <a:path h="1740976" w="1740976">
+                <a:moveTo>
+                  <a:pt x="0" y="0"/>
+                </a:moveTo>
+                <a:lnTo>
+                  <a:pt x="1740976" y="0"/>
+                </a:lnTo>
+                <a:lnTo>
+                  <a:pt x="1740976" y="1740976"/>
+                </a:lnTo>
+                <a:lnTo>
+                  <a:pt x="0" y="1740976"/>
+                </a:lnTo>
+                <a:lnTo>
+                  <a:pt x="0" y="0"/>
+                </a:lnTo>
+                <a:close/>
+              </a:path>
+            </a:pathLst>
+          </a:custGeom>
+          <a:blipFill>
+            <a:blip r:embed="rId2"/>
+            <a:stretch>
+              <a:fillRect l="0" t="0" r="0" b="0"/>
+            </a:stretch>
+          </a:blipFill>
+        </p:spPr>
+      </p:sp>
+      <p:sp>
+        <p:nvSpPr>
+          <p:cNvPr name="Freeform 7" id="7"/>
+          <p:cNvSpPr/>
+          <p:nvPr/>
+        </p:nvSpPr>
+        <p:spPr>
+          <a:xfrm flipH="false" flipV="false" rot="0">
+            <a:off x="16547024" y="-55051"/>
+            <a:ext cx="1740976" cy="1740976"/>
+          </a:xfrm>
+          <a:custGeom>
+            <a:avLst/>
+            <a:gdLst/>
+            <a:ahLst/>
+            <a:cxnLst/>
+            <a:rect r="r" b="b" t="t" l="l"/>
+            <a:pathLst>
+              <a:path h="1740976" w="1740976">
+                <a:moveTo>
+                  <a:pt x="0" y="0"/>
+                </a:moveTo>
+                <a:lnTo>
+                  <a:pt x="1740976" y="0"/>
+                </a:lnTo>
+                <a:lnTo>
+                  <a:pt x="1740976" y="1740976"/>
+                </a:lnTo>
+                <a:lnTo>
+                  <a:pt x="0" y="1740976"/>
+                </a:lnTo>
+                <a:lnTo>
+                  <a:pt x="0" y="0"/>
+                </a:lnTo>
+                <a:close/>
+              </a:path>
+            </a:pathLst>
+          </a:custGeom>
+          <a:blipFill>
+            <a:blip r:embed="rId2"/>
+            <a:stretch>
+              <a:fillRect l="0" t="0" r="0" b="0"/>
+            </a:stretch>
+          </a:blipFill>
+        </p:spPr>
+      </p:sp>
+      <p:sp>
+        <p:nvSpPr>
+          <p:cNvPr name="Freeform 8" id="8"/>
+          <p:cNvSpPr/>
+          <p:nvPr/>
+        </p:nvSpPr>
+        <p:spPr>
+          <a:xfrm flipH="false" flipV="false" rot="0">
+            <a:off x="0" y="5104331"/>
+            <a:ext cx="9092402" cy="5182669"/>
+          </a:xfrm>
+          <a:custGeom>
+            <a:avLst/>
+            <a:gdLst/>
+            <a:ahLst/>
+            <a:cxnLst/>
+            <a:rect r="r" b="b" t="t" l="l"/>
+            <a:pathLst>
+              <a:path h="5182669" w="9092402">
+                <a:moveTo>
+                  <a:pt x="0" y="0"/>
+                </a:moveTo>
+                <a:lnTo>
+                  <a:pt x="9092402" y="0"/>
+                </a:lnTo>
+                <a:lnTo>
+                  <a:pt x="9092402" y="5182669"/>
+                </a:lnTo>
+                <a:lnTo>
+                  <a:pt x="0" y="5182669"/>
+                </a:lnTo>
+                <a:lnTo>
+                  <a:pt x="0" y="0"/>
+                </a:lnTo>
+                <a:close/>
+              </a:path>
+            </a:pathLst>
+          </a:custGeom>
+          <a:blipFill>
+            <a:blip r:embed="rId3"/>
+            <a:stretch>
+              <a:fillRect l="0" t="0" r="0" b="0"/>
+            </a:stretch>
+          </a:blipFill>
+        </p:spPr>
+      </p:sp>
+      <p:sp>
+        <p:nvSpPr>
+          <p:cNvPr name="Freeform 9" id="9"/>
+          <p:cNvSpPr/>
+          <p:nvPr/>
+        </p:nvSpPr>
+        <p:spPr>
+          <a:xfrm flipH="false" flipV="false" rot="0">
+            <a:off x="9092402" y="4271831"/>
+            <a:ext cx="9195598" cy="5241491"/>
+          </a:xfrm>
+          <a:custGeom>
+            <a:avLst/>
+            <a:gdLst/>
+            <a:ahLst/>
+            <a:cxnLst/>
+            <a:rect r="r" b="b" t="t" l="l"/>
+            <a:pathLst>
+              <a:path h="5241491" w="9195598">
+                <a:moveTo>
+                  <a:pt x="0" y="0"/>
+                </a:moveTo>
+                <a:lnTo>
+                  <a:pt x="9195598" y="0"/>
+                </a:lnTo>
+                <a:lnTo>
+                  <a:pt x="9195598" y="5241491"/>
+                </a:lnTo>
+                <a:lnTo>
+                  <a:pt x="0" y="5241491"/>
+                </a:lnTo>
+                <a:lnTo>
+                  <a:pt x="0" y="0"/>
+                </a:lnTo>
+                <a:close/>
+              </a:path>
+            </a:pathLst>
+          </a:custGeom>
+          <a:blipFill>
+            <a:blip r:embed="rId4"/>
+            <a:stretch>
+              <a:fillRect l="0" t="0" r="0" b="0"/>
+            </a:stretch>
+          </a:blipFill>
+        </p:spPr>
+      </p:sp>
+      <p:sp>
+        <p:nvSpPr>
+          <p:cNvPr name="TextBox 10" id="10"/>
+          <p:cNvSpPr txBox="true"/>
+          <p:nvPr/>
+        </p:nvSpPr>
+        <p:spPr>
+          <a:xfrm rot="0">
+            <a:off x="1871598" y="182024"/>
+            <a:ext cx="14544804" cy="1247775"/>
+          </a:xfrm>
+          <a:prstGeom prst="rect">
+            <a:avLst/>
+          </a:prstGeom>
+        </p:spPr>
+        <p:txBody>
+          <a:bodyPr anchor="t" rtlCol="false" tIns="0" lIns="0" bIns="0" rIns="0">
+            <a:spAutoFit/>
+          </a:bodyPr>
+          <a:lstStyle/>
+          <a:p>
+            <a:pPr algn="ctr" marL="0" indent="0" lvl="0">
+              <a:lnSpc>
+                <a:spcPts val="8399"/>
+              </a:lnSpc>
+              <a:spcBef>
+                <a:spcPct val="0"/>
+              </a:spcBef>
+            </a:pPr>
+            <a:r>
+              <a:rPr lang="en-US" sz="6999">
+                <a:solidFill>
+                  <a:srgbClr val="000000"/>
+                </a:solidFill>
+                <a:latin typeface="Agrandir"/>
+                <a:ea typeface="Agrandir"/>
+                <a:cs typeface="Agrandir"/>
+                <a:sym typeface="Agrandir"/>
+              </a:rPr>
+              <a:t>Sistema Web</a:t>
+            </a:r>
+          </a:p>
+        </p:txBody>
+      </p:sp>
+      <p:sp>
+        <p:nvSpPr>
+          <p:cNvPr name="TextBox 11" id="11"/>
+          <p:cNvSpPr txBox="true"/>
+          <p:nvPr/>
+        </p:nvSpPr>
+        <p:spPr>
+          <a:xfrm rot="0">
+            <a:off x="3897809" y="1981200"/>
+            <a:ext cx="10492383" cy="887095"/>
+          </a:xfrm>
+          <a:prstGeom prst="rect">
+            <a:avLst/>
+          </a:prstGeom>
+        </p:spPr>
+        <p:txBody>
+          <a:bodyPr anchor="t" rtlCol="false" tIns="0" lIns="0" bIns="0" rIns="0">
+            <a:spAutoFit/>
+          </a:bodyPr>
+          <a:lstStyle/>
+          <a:p>
+            <a:pPr algn="ctr" marL="0" indent="0" lvl="0">
+              <a:lnSpc>
+                <a:spcPts val="7279"/>
+              </a:lnSpc>
+              <a:spcBef>
+                <a:spcPct val="0"/>
+              </a:spcBef>
+            </a:pPr>
+            <a:r>
+              <a:rPr lang="en-US" b="true" sz="5199">
+                <a:solidFill>
+                  <a:srgbClr val="000000"/>
+                </a:solidFill>
+                <a:latin typeface="Open Sans Bold"/>
+                <a:ea typeface="Open Sans Bold"/>
+                <a:cs typeface="Open Sans Bold"/>
+                <a:sym typeface="Open Sans Bold"/>
+              </a:rPr>
+              <a:t>Tela de agendamento - consulta</a:t>
+            </a:r>
+          </a:p>
+        </p:txBody>
+      </p:sp>
+    </p:spTree>
+  </p:cSld>
+  <p:clrMapOvr>
+    <a:masterClrMapping/>
+  </p:clrMapOvr>
+</p:sld>
+</file>
+
+<file path=ppt/slides/slide16.xml><?xml version="1.0" encoding="utf-8"?>
+<p:sld xmlns:p="http://schemas.openxmlformats.org/presentationml/2006/main" xmlns:a="http://schemas.openxmlformats.org/drawingml/2006/main" xmlns:r="http://schemas.openxmlformats.org/officeDocument/2006/relationships">
+  <p:cSld>
+    <p:spTree>
+      <p:nvGrpSpPr>
+        <p:cNvPr id="1" name=""/>
+        <p:cNvGrpSpPr/>
+        <p:nvPr/>
+      </p:nvGrpSpPr>
+      <p:grpSpPr>
+        <a:xfrm>
+          <a:off x="0" y="0"/>
+          <a:ext cx="0" cy="0"/>
+          <a:chOff x="0" y="0"/>
+          <a:chExt cx="0" cy="0"/>
+        </a:xfrm>
+      </p:grpSpPr>
+      <p:grpSp>
+        <p:nvGrpSpPr>
+          <p:cNvPr name="Group 2" id="2"/>
+          <p:cNvGrpSpPr/>
+          <p:nvPr/>
+        </p:nvGrpSpPr>
+        <p:grpSpPr>
+          <a:xfrm rot="0">
+            <a:off x="-1261984" y="-679988"/>
+            <a:ext cx="20708772" cy="2432588"/>
+            <a:chOff x="0" y="0"/>
+            <a:chExt cx="5454162" cy="640682"/>
+          </a:xfrm>
+        </p:grpSpPr>
+        <p:sp>
+          <p:nvSpPr>
+            <p:cNvPr name="Freeform 3" id="3"/>
+            <p:cNvSpPr/>
+            <p:nvPr/>
+          </p:nvSpPr>
+          <p:spPr>
+            <a:xfrm flipH="false" flipV="false" rot="0">
+              <a:off x="0" y="0"/>
+              <a:ext cx="5454162" cy="640682"/>
+            </a:xfrm>
+            <a:custGeom>
+              <a:avLst/>
+              <a:gdLst/>
+              <a:ahLst/>
+              <a:cxnLst/>
+              <a:rect r="r" b="b" t="t" l="l"/>
+              <a:pathLst>
+                <a:path h="640682" w="5454162">
+                  <a:moveTo>
+                    <a:pt x="0" y="0"/>
+                  </a:moveTo>
+                  <a:lnTo>
+                    <a:pt x="5454162" y="0"/>
+                  </a:lnTo>
+                  <a:lnTo>
+                    <a:pt x="5454162" y="640682"/>
+                  </a:lnTo>
+                  <a:lnTo>
+                    <a:pt x="0" y="640682"/>
+                  </a:lnTo>
+                  <a:close/>
+                </a:path>
+              </a:pathLst>
+            </a:custGeom>
+            <a:solidFill>
+              <a:srgbClr val="5BB3CF"/>
+            </a:solidFill>
+          </p:spPr>
+        </p:sp>
+        <p:sp>
+          <p:nvSpPr>
+            <p:cNvPr name="TextBox 4" id="4"/>
+            <p:cNvSpPr txBox="true"/>
+            <p:nvPr/>
+          </p:nvSpPr>
+          <p:spPr>
+            <a:xfrm>
+              <a:off x="0" y="-57150"/>
+              <a:ext cx="5454162" cy="697832"/>
+            </a:xfrm>
+            <a:prstGeom prst="rect">
+              <a:avLst/>
+            </a:prstGeom>
+          </p:spPr>
+          <p:txBody>
+            <a:bodyPr anchor="ctr" rtlCol="false" tIns="50800" lIns="50800" bIns="50800" rIns="50800"/>
+            <a:lstStyle/>
+            <a:p>
+              <a:pPr algn="ctr">
+                <a:lnSpc>
+                  <a:spcPts val="3500"/>
+                </a:lnSpc>
+              </a:pPr>
+            </a:p>
+          </p:txBody>
+        </p:sp>
+      </p:grpSp>
+      <p:sp>
+        <p:nvSpPr>
+          <p:cNvPr name="AutoShape 5" id="5"/>
+          <p:cNvSpPr/>
+          <p:nvPr/>
+        </p:nvSpPr>
+        <p:spPr>
+          <a:xfrm>
+            <a:off x="0" y="1752600"/>
+            <a:ext cx="18702327" cy="0"/>
+          </a:xfrm>
+          <a:prstGeom prst="line">
+            <a:avLst/>
+          </a:prstGeom>
+          <a:ln cap="rnd" w="19050">
+            <a:solidFill>
+              <a:srgbClr val="000000"/>
+            </a:solidFill>
+            <a:prstDash val="solid"/>
+            <a:headEnd type="none" len="sm" w="sm"/>
+            <a:tailEnd type="none" len="sm" w="sm"/>
+          </a:ln>
+        </p:spPr>
+      </p:sp>
+      <p:sp>
+        <p:nvSpPr>
+          <p:cNvPr name="Freeform 6" id="6"/>
+          <p:cNvSpPr/>
+          <p:nvPr/>
+        </p:nvSpPr>
+        <p:spPr>
+          <a:xfrm flipH="false" flipV="false" rot="0">
+            <a:off x="-38100" y="-26476"/>
+            <a:ext cx="1740976" cy="1740976"/>
+          </a:xfrm>
+          <a:custGeom>
+            <a:avLst/>
+            <a:gdLst/>
+            <a:ahLst/>
+            <a:cxnLst/>
+            <a:rect r="r" b="b" t="t" l="l"/>
+            <a:pathLst>
+              <a:path h="1740976" w="1740976">
+                <a:moveTo>
+                  <a:pt x="0" y="0"/>
+                </a:moveTo>
+                <a:lnTo>
+                  <a:pt x="1740976" y="0"/>
+                </a:lnTo>
+                <a:lnTo>
+                  <a:pt x="1740976" y="1740976"/>
+                </a:lnTo>
+                <a:lnTo>
+                  <a:pt x="0" y="1740976"/>
+                </a:lnTo>
+                <a:lnTo>
+                  <a:pt x="0" y="0"/>
+                </a:lnTo>
+                <a:close/>
+              </a:path>
+            </a:pathLst>
+          </a:custGeom>
+          <a:blipFill>
+            <a:blip r:embed="rId2"/>
+            <a:stretch>
+              <a:fillRect l="0" t="0" r="0" b="0"/>
+            </a:stretch>
+          </a:blipFill>
+        </p:spPr>
+      </p:sp>
+      <p:sp>
+        <p:nvSpPr>
+          <p:cNvPr name="Freeform 7" id="7"/>
+          <p:cNvSpPr/>
+          <p:nvPr/>
+        </p:nvSpPr>
+        <p:spPr>
+          <a:xfrm flipH="false" flipV="false" rot="0">
+            <a:off x="16547024" y="-55051"/>
+            <a:ext cx="1740976" cy="1740976"/>
+          </a:xfrm>
+          <a:custGeom>
+            <a:avLst/>
+            <a:gdLst/>
+            <a:ahLst/>
+            <a:cxnLst/>
+            <a:rect r="r" b="b" t="t" l="l"/>
+            <a:pathLst>
+              <a:path h="1740976" w="1740976">
+                <a:moveTo>
+                  <a:pt x="0" y="0"/>
+                </a:moveTo>
+                <a:lnTo>
+                  <a:pt x="1740976" y="0"/>
+                </a:lnTo>
+                <a:lnTo>
+                  <a:pt x="1740976" y="1740976"/>
+                </a:lnTo>
+                <a:lnTo>
+                  <a:pt x="0" y="1740976"/>
+                </a:lnTo>
+                <a:lnTo>
+                  <a:pt x="0" y="0"/>
+                </a:lnTo>
+                <a:close/>
+              </a:path>
+            </a:pathLst>
+          </a:custGeom>
+          <a:blipFill>
+            <a:blip r:embed="rId2"/>
+            <a:stretch>
+              <a:fillRect l="0" t="0" r="0" b="0"/>
+            </a:stretch>
+          </a:blipFill>
+        </p:spPr>
+      </p:sp>
+      <p:sp>
+        <p:nvSpPr>
+          <p:cNvPr name="Freeform 8" id="8"/>
+          <p:cNvSpPr/>
+          <p:nvPr/>
+        </p:nvSpPr>
+        <p:spPr>
+          <a:xfrm flipH="false" flipV="false" rot="0">
+            <a:off x="0" y="2747425"/>
+            <a:ext cx="6907427" cy="3937233"/>
+          </a:xfrm>
+          <a:custGeom>
+            <a:avLst/>
+            <a:gdLst/>
+            <a:ahLst/>
+            <a:cxnLst/>
+            <a:rect r="r" b="b" t="t" l="l"/>
+            <a:pathLst>
+              <a:path h="3937233" w="6907427">
+                <a:moveTo>
+                  <a:pt x="0" y="0"/>
+                </a:moveTo>
+                <a:lnTo>
+                  <a:pt x="6907427" y="0"/>
+                </a:lnTo>
+                <a:lnTo>
+                  <a:pt x="6907427" y="3937233"/>
+                </a:lnTo>
+                <a:lnTo>
+                  <a:pt x="0" y="3937233"/>
+                </a:lnTo>
+                <a:lnTo>
+                  <a:pt x="0" y="0"/>
+                </a:lnTo>
+                <a:close/>
+              </a:path>
+            </a:pathLst>
+          </a:custGeom>
+          <a:blipFill>
+            <a:blip r:embed="rId3"/>
+            <a:stretch>
+              <a:fillRect l="0" t="0" r="0" b="0"/>
+            </a:stretch>
+          </a:blipFill>
+        </p:spPr>
+      </p:sp>
+      <p:sp>
+        <p:nvSpPr>
+          <p:cNvPr name="Freeform 9" id="9"/>
+          <p:cNvSpPr/>
+          <p:nvPr/>
+        </p:nvSpPr>
+        <p:spPr>
+          <a:xfrm flipH="false" flipV="false" rot="0">
+            <a:off x="11594581" y="2747425"/>
+            <a:ext cx="6693419" cy="3815249"/>
+          </a:xfrm>
+          <a:custGeom>
+            <a:avLst/>
+            <a:gdLst/>
+            <a:ahLst/>
+            <a:cxnLst/>
+            <a:rect r="r" b="b" t="t" l="l"/>
+            <a:pathLst>
+              <a:path h="3815249" w="6693419">
+                <a:moveTo>
+                  <a:pt x="0" y="0"/>
+                </a:moveTo>
+                <a:lnTo>
+                  <a:pt x="6693419" y="0"/>
+                </a:lnTo>
+                <a:lnTo>
+                  <a:pt x="6693419" y="3815249"/>
+                </a:lnTo>
+                <a:lnTo>
+                  <a:pt x="0" y="3815249"/>
+                </a:lnTo>
+                <a:lnTo>
+                  <a:pt x="0" y="0"/>
+                </a:lnTo>
+                <a:close/>
+              </a:path>
+            </a:pathLst>
+          </a:custGeom>
+          <a:blipFill>
+            <a:blip r:embed="rId4"/>
+            <a:stretch>
+              <a:fillRect l="0" t="0" r="0" b="0"/>
+            </a:stretch>
+          </a:blipFill>
+        </p:spPr>
+      </p:sp>
+      <p:sp>
+        <p:nvSpPr>
+          <p:cNvPr name="Freeform 10" id="10"/>
+          <p:cNvSpPr/>
+          <p:nvPr/>
+        </p:nvSpPr>
+        <p:spPr>
+          <a:xfrm flipH="false" flipV="false" rot="0">
+            <a:off x="6744369" y="6676974"/>
+            <a:ext cx="6333379" cy="3610026"/>
+          </a:xfrm>
+          <a:custGeom>
+            <a:avLst/>
+            <a:gdLst/>
+            <a:ahLst/>
+            <a:cxnLst/>
+            <a:rect r="r" b="b" t="t" l="l"/>
+            <a:pathLst>
+              <a:path h="3610026" w="6333379">
+                <a:moveTo>
+                  <a:pt x="0" y="0"/>
+                </a:moveTo>
+                <a:lnTo>
+                  <a:pt x="6333379" y="0"/>
+                </a:lnTo>
+                <a:lnTo>
+                  <a:pt x="6333379" y="3610026"/>
+                </a:lnTo>
+                <a:lnTo>
+                  <a:pt x="0" y="3610026"/>
+                </a:lnTo>
+                <a:lnTo>
+                  <a:pt x="0" y="0"/>
+                </a:lnTo>
+                <a:close/>
+              </a:path>
+            </a:pathLst>
+          </a:custGeom>
+          <a:blipFill>
+            <a:blip r:embed="rId5"/>
+            <a:stretch>
+              <a:fillRect l="0" t="0" r="0" b="0"/>
+            </a:stretch>
+          </a:blipFill>
+        </p:spPr>
+      </p:sp>
+      <p:sp>
+        <p:nvSpPr>
+          <p:cNvPr name="TextBox 11" id="11"/>
+          <p:cNvSpPr txBox="true"/>
+          <p:nvPr/>
+        </p:nvSpPr>
+        <p:spPr>
+          <a:xfrm rot="0">
+            <a:off x="1871598" y="182024"/>
+            <a:ext cx="14544804" cy="1247775"/>
+          </a:xfrm>
+          <a:prstGeom prst="rect">
+            <a:avLst/>
+          </a:prstGeom>
+        </p:spPr>
+        <p:txBody>
+          <a:bodyPr anchor="t" rtlCol="false" tIns="0" lIns="0" bIns="0" rIns="0">
+            <a:spAutoFit/>
+          </a:bodyPr>
+          <a:lstStyle/>
+          <a:p>
+            <a:pPr algn="ctr" marL="0" indent="0" lvl="0">
+              <a:lnSpc>
+                <a:spcPts val="8399"/>
+              </a:lnSpc>
+              <a:spcBef>
+                <a:spcPct val="0"/>
+              </a:spcBef>
+            </a:pPr>
+            <a:r>
+              <a:rPr lang="en-US" sz="6999">
+                <a:solidFill>
+                  <a:srgbClr val="000000"/>
+                </a:solidFill>
+                <a:latin typeface="Agrandir"/>
+                <a:ea typeface="Agrandir"/>
+                <a:cs typeface="Agrandir"/>
+                <a:sym typeface="Agrandir"/>
+              </a:rPr>
+              <a:t>Sistema Web</a:t>
+            </a:r>
+          </a:p>
+        </p:txBody>
+      </p:sp>
+      <p:sp>
+        <p:nvSpPr>
+          <p:cNvPr name="TextBox 12" id="12"/>
+          <p:cNvSpPr txBox="true"/>
+          <p:nvPr/>
+        </p:nvSpPr>
+        <p:spPr>
+          <a:xfrm rot="0">
+            <a:off x="3413447" y="1769525"/>
+            <a:ext cx="11461105" cy="863600"/>
+          </a:xfrm>
+          <a:prstGeom prst="rect">
+            <a:avLst/>
+          </a:prstGeom>
+        </p:spPr>
+        <p:txBody>
+          <a:bodyPr anchor="t" rtlCol="false" tIns="0" lIns="0" bIns="0" rIns="0">
+            <a:spAutoFit/>
+          </a:bodyPr>
+          <a:lstStyle/>
+          <a:p>
+            <a:pPr algn="ctr" marL="0" indent="0" lvl="0">
+              <a:lnSpc>
+                <a:spcPts val="7000"/>
+              </a:lnSpc>
+              <a:spcBef>
+                <a:spcPct val="0"/>
+              </a:spcBef>
+            </a:pPr>
+            <a:r>
+              <a:rPr lang="en-US" b="true" sz="5000">
+                <a:solidFill>
+                  <a:srgbClr val="000000"/>
+                </a:solidFill>
+                <a:latin typeface="Open Sans Bold"/>
+                <a:ea typeface="Open Sans Bold"/>
+                <a:cs typeface="Open Sans Bold"/>
+                <a:sym typeface="Open Sans Bold"/>
+              </a:rPr>
+              <a:t>Telas de agendamento e Pagamento</a:t>
+            </a:r>
+          </a:p>
+        </p:txBody>
+      </p:sp>
+    </p:spTree>
+  </p:cSld>
+  <p:clrMapOvr>
+    <a:masterClrMapping/>
+  </p:clrMapOvr>
+</p:sld>
+</file>
+
+<file path=ppt/slides/slide17.xml><?xml version="1.0" encoding="utf-8"?>
+<p:sld xmlns:p="http://schemas.openxmlformats.org/presentationml/2006/main" xmlns:a="http://schemas.openxmlformats.org/drawingml/2006/main" xmlns:r="http://schemas.openxmlformats.org/officeDocument/2006/relationships">
+  <p:cSld>
+    <p:spTree>
+      <p:nvGrpSpPr>
+        <p:cNvPr id="1" name=""/>
+        <p:cNvGrpSpPr/>
+        <p:nvPr/>
+      </p:nvGrpSpPr>
+      <p:grpSpPr>
+        <a:xfrm>
+          <a:off x="0" y="0"/>
+          <a:ext cx="0" cy="0"/>
+          <a:chOff x="0" y="0"/>
+          <a:chExt cx="0" cy="0"/>
+        </a:xfrm>
+      </p:grpSpPr>
+      <p:grpSp>
+        <p:nvGrpSpPr>
+          <p:cNvPr name="Group 2" id="2"/>
+          <p:cNvGrpSpPr/>
+          <p:nvPr/>
+        </p:nvGrpSpPr>
+        <p:grpSpPr>
+          <a:xfrm rot="0">
+            <a:off x="-1261984" y="-679988"/>
+            <a:ext cx="20708772" cy="2432588"/>
+            <a:chOff x="0" y="0"/>
+            <a:chExt cx="5454162" cy="640682"/>
+          </a:xfrm>
+        </p:grpSpPr>
+        <p:sp>
+          <p:nvSpPr>
+            <p:cNvPr name="Freeform 3" id="3"/>
+            <p:cNvSpPr/>
+            <p:nvPr/>
+          </p:nvSpPr>
+          <p:spPr>
+            <a:xfrm flipH="false" flipV="false" rot="0">
+              <a:off x="0" y="0"/>
+              <a:ext cx="5454162" cy="640682"/>
+            </a:xfrm>
+            <a:custGeom>
+              <a:avLst/>
+              <a:gdLst/>
+              <a:ahLst/>
+              <a:cxnLst/>
+              <a:rect r="r" b="b" t="t" l="l"/>
+              <a:pathLst>
+                <a:path h="640682" w="5454162">
+                  <a:moveTo>
+                    <a:pt x="0" y="0"/>
+                  </a:moveTo>
+                  <a:lnTo>
+                    <a:pt x="5454162" y="0"/>
+                  </a:lnTo>
+                  <a:lnTo>
+                    <a:pt x="5454162" y="640682"/>
+                  </a:lnTo>
+                  <a:lnTo>
+                    <a:pt x="0" y="640682"/>
+                  </a:lnTo>
+                  <a:close/>
+                </a:path>
+              </a:pathLst>
+            </a:custGeom>
+            <a:solidFill>
+              <a:srgbClr val="5BB3CF"/>
+            </a:solidFill>
+          </p:spPr>
+        </p:sp>
+        <p:sp>
+          <p:nvSpPr>
+            <p:cNvPr name="TextBox 4" id="4"/>
+            <p:cNvSpPr txBox="true"/>
+            <p:nvPr/>
+          </p:nvSpPr>
+          <p:spPr>
+            <a:xfrm>
+              <a:off x="0" y="-57150"/>
+              <a:ext cx="5454162" cy="697832"/>
+            </a:xfrm>
+            <a:prstGeom prst="rect">
+              <a:avLst/>
+            </a:prstGeom>
+          </p:spPr>
+          <p:txBody>
+            <a:bodyPr anchor="ctr" rtlCol="false" tIns="50800" lIns="50800" bIns="50800" rIns="50800"/>
+            <a:lstStyle/>
+            <a:p>
+              <a:pPr algn="ctr">
+                <a:lnSpc>
+                  <a:spcPts val="3500"/>
+                </a:lnSpc>
+              </a:pPr>
+            </a:p>
+          </p:txBody>
+        </p:sp>
+      </p:grpSp>
+      <p:sp>
+        <p:nvSpPr>
+          <p:cNvPr name="AutoShape 5" id="5"/>
+          <p:cNvSpPr/>
+          <p:nvPr/>
+        </p:nvSpPr>
+        <p:spPr>
+          <a:xfrm>
+            <a:off x="0" y="1752600"/>
+            <a:ext cx="18702327" cy="0"/>
+          </a:xfrm>
+          <a:prstGeom prst="line">
+            <a:avLst/>
+          </a:prstGeom>
+          <a:ln cap="rnd" w="19050">
+            <a:solidFill>
+              <a:srgbClr val="000000"/>
+            </a:solidFill>
+            <a:prstDash val="solid"/>
+            <a:headEnd type="none" len="sm" w="sm"/>
+            <a:tailEnd type="none" len="sm" w="sm"/>
+          </a:ln>
+        </p:spPr>
+      </p:sp>
+      <p:sp>
+        <p:nvSpPr>
+          <p:cNvPr name="Freeform 6" id="6"/>
+          <p:cNvSpPr/>
+          <p:nvPr/>
+        </p:nvSpPr>
+        <p:spPr>
+          <a:xfrm flipH="false" flipV="false" rot="0">
+            <a:off x="-38100" y="-26476"/>
+            <a:ext cx="1740976" cy="1740976"/>
+          </a:xfrm>
+          <a:custGeom>
+            <a:avLst/>
+            <a:gdLst/>
+            <a:ahLst/>
+            <a:cxnLst/>
+            <a:rect r="r" b="b" t="t" l="l"/>
+            <a:pathLst>
+              <a:path h="1740976" w="1740976">
+                <a:moveTo>
+                  <a:pt x="0" y="0"/>
+                </a:moveTo>
+                <a:lnTo>
+                  <a:pt x="1740976" y="0"/>
+                </a:lnTo>
+                <a:lnTo>
+                  <a:pt x="1740976" y="1740976"/>
+                </a:lnTo>
+                <a:lnTo>
+                  <a:pt x="0" y="1740976"/>
+                </a:lnTo>
+                <a:lnTo>
+                  <a:pt x="0" y="0"/>
+                </a:lnTo>
+                <a:close/>
+              </a:path>
+            </a:pathLst>
+          </a:custGeom>
+          <a:blipFill>
+            <a:blip r:embed="rId2"/>
+            <a:stretch>
+              <a:fillRect l="0" t="0" r="0" b="0"/>
+            </a:stretch>
+          </a:blipFill>
+        </p:spPr>
+      </p:sp>
+      <p:sp>
+        <p:nvSpPr>
+          <p:cNvPr name="Freeform 7" id="7"/>
+          <p:cNvSpPr/>
+          <p:nvPr/>
+        </p:nvSpPr>
+        <p:spPr>
+          <a:xfrm flipH="false" flipV="false" rot="0">
+            <a:off x="16547024" y="-55051"/>
+            <a:ext cx="1740976" cy="1740976"/>
+          </a:xfrm>
+          <a:custGeom>
+            <a:avLst/>
+            <a:gdLst/>
+            <a:ahLst/>
+            <a:cxnLst/>
+            <a:rect r="r" b="b" t="t" l="l"/>
+            <a:pathLst>
+              <a:path h="1740976" w="1740976">
+                <a:moveTo>
+                  <a:pt x="0" y="0"/>
+                </a:moveTo>
+                <a:lnTo>
+                  <a:pt x="1740976" y="0"/>
+                </a:lnTo>
+                <a:lnTo>
+                  <a:pt x="1740976" y="1740976"/>
+                </a:lnTo>
+                <a:lnTo>
+                  <a:pt x="0" y="1740976"/>
+                </a:lnTo>
+                <a:lnTo>
+                  <a:pt x="0" y="0"/>
+                </a:lnTo>
+                <a:close/>
+              </a:path>
+            </a:pathLst>
+          </a:custGeom>
+          <a:blipFill>
+            <a:blip r:embed="rId2"/>
+            <a:stretch>
+              <a:fillRect l="0" t="0" r="0" b="0"/>
+            </a:stretch>
+          </a:blipFill>
+        </p:spPr>
+      </p:sp>
+      <p:sp>
+        <p:nvSpPr>
+          <p:cNvPr name="Freeform 8" id="8"/>
+          <p:cNvSpPr/>
+          <p:nvPr/>
+        </p:nvSpPr>
+        <p:spPr>
+          <a:xfrm flipH="false" flipV="false" rot="0">
+            <a:off x="161335" y="1819275"/>
+            <a:ext cx="9384033" cy="5348899"/>
+          </a:xfrm>
+          <a:custGeom>
+            <a:avLst/>
+            <a:gdLst/>
+            <a:ahLst/>
+            <a:cxnLst/>
+            <a:rect r="r" b="b" t="t" l="l"/>
+            <a:pathLst>
+              <a:path h="5348899" w="9384033">
+                <a:moveTo>
+                  <a:pt x="0" y="0"/>
+                </a:moveTo>
+                <a:lnTo>
+                  <a:pt x="9384033" y="0"/>
+                </a:lnTo>
+                <a:lnTo>
+                  <a:pt x="9384033" y="5348899"/>
+                </a:lnTo>
+                <a:lnTo>
+                  <a:pt x="0" y="5348899"/>
+                </a:lnTo>
+                <a:lnTo>
+                  <a:pt x="0" y="0"/>
+                </a:lnTo>
+                <a:close/>
+              </a:path>
+            </a:pathLst>
+          </a:custGeom>
+          <a:blipFill>
+            <a:blip r:embed="rId3"/>
+            <a:stretch>
+              <a:fillRect l="0" t="0" r="0" b="0"/>
+            </a:stretch>
+          </a:blipFill>
+        </p:spPr>
+      </p:sp>
+      <p:sp>
+        <p:nvSpPr>
+          <p:cNvPr name="Freeform 9" id="9"/>
+          <p:cNvSpPr/>
+          <p:nvPr/>
+        </p:nvSpPr>
+        <p:spPr>
+          <a:xfrm flipH="false" flipV="false" rot="0">
+            <a:off x="10405882" y="1819275"/>
+            <a:ext cx="7882118" cy="8498240"/>
+          </a:xfrm>
+          <a:custGeom>
+            <a:avLst/>
+            <a:gdLst/>
+            <a:ahLst/>
+            <a:cxnLst/>
+            <a:rect r="r" b="b" t="t" l="l"/>
+            <a:pathLst>
+              <a:path h="8498240" w="7882118">
+                <a:moveTo>
+                  <a:pt x="0" y="0"/>
+                </a:moveTo>
+                <a:lnTo>
+                  <a:pt x="7882118" y="0"/>
+                </a:lnTo>
+                <a:lnTo>
+                  <a:pt x="7882118" y="8498240"/>
+                </a:lnTo>
+                <a:lnTo>
+                  <a:pt x="0" y="8498240"/>
+                </a:lnTo>
+                <a:lnTo>
+                  <a:pt x="0" y="0"/>
+                </a:lnTo>
+                <a:close/>
+              </a:path>
+            </a:pathLst>
+          </a:custGeom>
+          <a:blipFill>
+            <a:blip r:embed="rId4"/>
+            <a:stretch>
+              <a:fillRect l="0" t="0" r="0" b="0"/>
+            </a:stretch>
+          </a:blipFill>
+        </p:spPr>
+      </p:sp>
+      <p:sp>
+        <p:nvSpPr>
+          <p:cNvPr name="TextBox 10" id="10"/>
+          <p:cNvSpPr txBox="true"/>
+          <p:nvPr/>
+        </p:nvSpPr>
+        <p:spPr>
+          <a:xfrm rot="0">
+            <a:off x="1871598" y="182024"/>
+            <a:ext cx="14544804" cy="1247775"/>
+          </a:xfrm>
+          <a:prstGeom prst="rect">
+            <a:avLst/>
+          </a:prstGeom>
+        </p:spPr>
+        <p:txBody>
+          <a:bodyPr anchor="t" rtlCol="false" tIns="0" lIns="0" bIns="0" rIns="0">
+            <a:spAutoFit/>
+          </a:bodyPr>
+          <a:lstStyle/>
+          <a:p>
+            <a:pPr algn="ctr" marL="0" indent="0" lvl="0">
+              <a:lnSpc>
+                <a:spcPts val="8399"/>
+              </a:lnSpc>
+              <a:spcBef>
+                <a:spcPct val="0"/>
+              </a:spcBef>
+            </a:pPr>
+            <a:r>
+              <a:rPr lang="en-US" sz="6999">
+                <a:solidFill>
+                  <a:srgbClr val="000000"/>
+                </a:solidFill>
+                <a:latin typeface="Agrandir"/>
+                <a:ea typeface="Agrandir"/>
+                <a:cs typeface="Agrandir"/>
+                <a:sym typeface="Agrandir"/>
+              </a:rPr>
+              <a:t>Explicação - Cadastro de Exame</a:t>
+            </a:r>
+          </a:p>
+        </p:txBody>
+      </p:sp>
+      <p:sp>
+        <p:nvSpPr>
+          <p:cNvPr name="TextBox 11" id="11"/>
+          <p:cNvSpPr txBox="true"/>
+          <p:nvPr/>
+        </p:nvSpPr>
+        <p:spPr>
+          <a:xfrm rot="0">
+            <a:off x="0" y="7795373"/>
+            <a:ext cx="10110118" cy="1990608"/>
+          </a:xfrm>
+          <a:prstGeom prst="rect">
+            <a:avLst/>
+          </a:prstGeom>
+        </p:spPr>
+        <p:txBody>
+          <a:bodyPr anchor="t" rtlCol="false" tIns="0" lIns="0" bIns="0" rIns="0">
+            <a:spAutoFit/>
+          </a:bodyPr>
+          <a:lstStyle/>
+          <a:p>
+            <a:pPr algn="ctr">
+              <a:lnSpc>
+                <a:spcPts val="2631"/>
+              </a:lnSpc>
+            </a:pPr>
+            <a:r>
+              <a:rPr lang="en-US" sz="1879">
+                <a:solidFill>
+                  <a:srgbClr val="000000"/>
+                </a:solidFill>
+                <a:latin typeface="Open Sans"/>
+                <a:ea typeface="Open Sans"/>
+                <a:cs typeface="Open Sans"/>
+                <a:sym typeface="Open Sans"/>
+              </a:rPr>
+              <a:t>🧪 Cadastro de Exame</a:t>
+            </a:r>
+          </a:p>
+          <a:p>
+            <a:pPr algn="ctr">
+              <a:lnSpc>
+                <a:spcPts val="2631"/>
+              </a:lnSpc>
+            </a:pPr>
+            <a:r>
+              <a:rPr lang="en-US" sz="1879">
+                <a:solidFill>
+                  <a:srgbClr val="000000"/>
+                </a:solidFill>
+                <a:latin typeface="Open Sans"/>
+                <a:ea typeface="Open Sans"/>
+                <a:cs typeface="Open Sans"/>
+                <a:sym typeface="Open Sans"/>
+              </a:rPr>
+              <a:t>O método </a:t>
+            </a:r>
+            <a:r>
+              <a:rPr lang="en-US" sz="1879" b="true">
+                <a:solidFill>
+                  <a:srgbClr val="000000"/>
+                </a:solidFill>
+                <a:latin typeface="Open Sans Bold"/>
+                <a:ea typeface="Open Sans Bold"/>
+                <a:cs typeface="Open Sans Bold"/>
+                <a:sym typeface="Open Sans Bold"/>
+              </a:rPr>
+              <a:t>cadastrarExame </a:t>
+            </a:r>
+            <a:r>
+              <a:rPr lang="en-US" sz="1879">
+                <a:solidFill>
+                  <a:srgbClr val="000000"/>
+                </a:solidFill>
+                <a:latin typeface="Open Sans"/>
+                <a:ea typeface="Open Sans"/>
+                <a:cs typeface="Open Sans"/>
+                <a:sym typeface="Open Sans"/>
+              </a:rPr>
+              <a:t>recebe os dados do exame, valida se os </a:t>
+            </a:r>
+            <a:r>
+              <a:rPr lang="en-US" sz="1879">
+                <a:solidFill>
+                  <a:srgbClr val="000000"/>
+                </a:solidFill>
+                <a:latin typeface="Open Sans"/>
+                <a:ea typeface="Open Sans"/>
+                <a:cs typeface="Open Sans"/>
+                <a:sym typeface="Open Sans"/>
+              </a:rPr>
+              <a:t>IDs de paciente, médico e clínica foram informados, busca essas entidades no banco de dados e associa ao exame. Depois, salva o exame no sistema e retorna as informações completas, incluindo os nomes do paciente, médico e clínica.</a:t>
+            </a:r>
+          </a:p>
+          <a:p>
+            <a:pPr algn="ctr">
+              <a:lnSpc>
+                <a:spcPts val="2631"/>
+              </a:lnSpc>
+            </a:pPr>
+          </a:p>
+        </p:txBody>
+      </p:sp>
+    </p:spTree>
+  </p:cSld>
+  <p:clrMapOvr>
+    <a:masterClrMapping/>
+  </p:clrMapOvr>
+</p:sld>
+</file>
+
+<file path=ppt/slides/slide18.xml><?xml version="1.0" encoding="utf-8"?>
+<p:sld xmlns:p="http://schemas.openxmlformats.org/presentationml/2006/main" xmlns:a="http://schemas.openxmlformats.org/drawingml/2006/main" xmlns:r="http://schemas.openxmlformats.org/officeDocument/2006/relationships">
+  <p:cSld>
+    <p:bg>
+      <p:bgPr>
+        <a:solidFill>
+          <a:srgbClr val="FFF9F9"/>
+        </a:solidFill>
+      </p:bgPr>
+    </p:bg>
+    <p:spTree>
+      <p:nvGrpSpPr>
+        <p:cNvPr id="1" name=""/>
+        <p:cNvGrpSpPr/>
+        <p:nvPr/>
+      </p:nvGrpSpPr>
+      <p:grpSpPr>
+        <a:xfrm>
+          <a:off x="0" y="0"/>
+          <a:ext cx="0" cy="0"/>
+          <a:chOff x="0" y="0"/>
+          <a:chExt cx="0" cy="0"/>
+        </a:xfrm>
+      </p:grpSpPr>
+      <p:grpSp>
+        <p:nvGrpSpPr>
+          <p:cNvPr name="Group 2" id="2"/>
+          <p:cNvGrpSpPr/>
+          <p:nvPr/>
+        </p:nvGrpSpPr>
+        <p:grpSpPr>
+          <a:xfrm rot="0">
+            <a:off x="-1261984" y="-679988"/>
+            <a:ext cx="20708772" cy="2432588"/>
+            <a:chOff x="0" y="0"/>
+            <a:chExt cx="5454162" cy="640682"/>
+          </a:xfrm>
+        </p:grpSpPr>
+        <p:sp>
+          <p:nvSpPr>
+            <p:cNvPr name="Freeform 3" id="3"/>
+            <p:cNvSpPr/>
+            <p:nvPr/>
+          </p:nvSpPr>
+          <p:spPr>
+            <a:xfrm flipH="false" flipV="false" rot="0">
+              <a:off x="0" y="0"/>
+              <a:ext cx="5454162" cy="640682"/>
+            </a:xfrm>
+            <a:custGeom>
+              <a:avLst/>
+              <a:gdLst/>
+              <a:ahLst/>
+              <a:cxnLst/>
+              <a:rect r="r" b="b" t="t" l="l"/>
+              <a:pathLst>
+                <a:path h="640682" w="5454162">
+                  <a:moveTo>
+                    <a:pt x="0" y="0"/>
+                  </a:moveTo>
+                  <a:lnTo>
+                    <a:pt x="5454162" y="0"/>
+                  </a:lnTo>
+                  <a:lnTo>
+                    <a:pt x="5454162" y="640682"/>
+                  </a:lnTo>
+                  <a:lnTo>
+                    <a:pt x="0" y="640682"/>
+                  </a:lnTo>
+                  <a:close/>
+                </a:path>
+              </a:pathLst>
+            </a:custGeom>
+            <a:solidFill>
+              <a:srgbClr val="5BB3CF"/>
+            </a:solidFill>
+          </p:spPr>
+        </p:sp>
+        <p:sp>
+          <p:nvSpPr>
+            <p:cNvPr name="TextBox 4" id="4"/>
+            <p:cNvSpPr txBox="true"/>
+            <p:nvPr/>
+          </p:nvSpPr>
+          <p:spPr>
+            <a:xfrm>
+              <a:off x="0" y="-57150"/>
+              <a:ext cx="5454162" cy="697832"/>
+            </a:xfrm>
+            <a:prstGeom prst="rect">
+              <a:avLst/>
+            </a:prstGeom>
+          </p:spPr>
+          <p:txBody>
+            <a:bodyPr anchor="ctr" rtlCol="false" tIns="50800" lIns="50800" bIns="50800" rIns="50800"/>
+            <a:lstStyle/>
+            <a:p>
+              <a:pPr algn="ctr">
+                <a:lnSpc>
+                  <a:spcPts val="3500"/>
+                </a:lnSpc>
+              </a:pPr>
+            </a:p>
+          </p:txBody>
+        </p:sp>
+      </p:grpSp>
+      <p:sp>
+        <p:nvSpPr>
+          <p:cNvPr name="AutoShape 5" id="5"/>
+          <p:cNvSpPr/>
+          <p:nvPr/>
+        </p:nvSpPr>
+        <p:spPr>
+          <a:xfrm>
+            <a:off x="0" y="1752600"/>
+            <a:ext cx="18702327" cy="0"/>
+          </a:xfrm>
+          <a:prstGeom prst="line">
+            <a:avLst/>
+          </a:prstGeom>
+          <a:ln cap="rnd" w="19050">
+            <a:solidFill>
+              <a:srgbClr val="000000"/>
+            </a:solidFill>
+            <a:prstDash val="solid"/>
+            <a:headEnd type="none" len="sm" w="sm"/>
+            <a:tailEnd type="none" len="sm" w="sm"/>
+          </a:ln>
+        </p:spPr>
+      </p:sp>
+      <p:sp>
+        <p:nvSpPr>
+          <p:cNvPr name="Freeform 6" id="6"/>
+          <p:cNvSpPr/>
+          <p:nvPr/>
+        </p:nvSpPr>
+        <p:spPr>
+          <a:xfrm flipH="false" flipV="false" rot="0">
+            <a:off x="-38100" y="-26476"/>
+            <a:ext cx="1740976" cy="1740976"/>
+          </a:xfrm>
+          <a:custGeom>
+            <a:avLst/>
+            <a:gdLst/>
+            <a:ahLst/>
+            <a:cxnLst/>
+            <a:rect r="r" b="b" t="t" l="l"/>
+            <a:pathLst>
+              <a:path h="1740976" w="1740976">
+                <a:moveTo>
+                  <a:pt x="0" y="0"/>
+                </a:moveTo>
+                <a:lnTo>
+                  <a:pt x="1740976" y="0"/>
+                </a:lnTo>
+                <a:lnTo>
+                  <a:pt x="1740976" y="1740976"/>
+                </a:lnTo>
+                <a:lnTo>
+                  <a:pt x="0" y="1740976"/>
+                </a:lnTo>
+                <a:lnTo>
+                  <a:pt x="0" y="0"/>
+                </a:lnTo>
+                <a:close/>
+              </a:path>
+            </a:pathLst>
+          </a:custGeom>
+          <a:blipFill>
+            <a:blip r:embed="rId2"/>
+            <a:stretch>
+              <a:fillRect l="0" t="0" r="0" b="0"/>
+            </a:stretch>
+          </a:blipFill>
+        </p:spPr>
+      </p:sp>
+      <p:sp>
+        <p:nvSpPr>
+          <p:cNvPr name="Freeform 7" id="7"/>
+          <p:cNvSpPr/>
+          <p:nvPr/>
+        </p:nvSpPr>
+        <p:spPr>
+          <a:xfrm flipH="false" flipV="false" rot="0">
+            <a:off x="16547024" y="-55051"/>
+            <a:ext cx="1740976" cy="1740976"/>
+          </a:xfrm>
+          <a:custGeom>
+            <a:avLst/>
+            <a:gdLst/>
+            <a:ahLst/>
+            <a:cxnLst/>
+            <a:rect r="r" b="b" t="t" l="l"/>
+            <a:pathLst>
+              <a:path h="1740976" w="1740976">
+                <a:moveTo>
+                  <a:pt x="0" y="0"/>
+                </a:moveTo>
+                <a:lnTo>
+                  <a:pt x="1740976" y="0"/>
+                </a:lnTo>
+                <a:lnTo>
+                  <a:pt x="1740976" y="1740976"/>
+                </a:lnTo>
+                <a:lnTo>
+                  <a:pt x="0" y="1740976"/>
+                </a:lnTo>
+                <a:lnTo>
+                  <a:pt x="0" y="0"/>
+                </a:lnTo>
+                <a:close/>
+              </a:path>
+            </a:pathLst>
+          </a:custGeom>
+          <a:blipFill>
+            <a:blip r:embed="rId2"/>
+            <a:stretch>
+              <a:fillRect l="0" t="0" r="0" b="0"/>
+            </a:stretch>
+          </a:blipFill>
+        </p:spPr>
+      </p:sp>
+      <p:sp>
+        <p:nvSpPr>
+          <p:cNvPr name="Freeform 8" id="8"/>
+          <p:cNvSpPr/>
+          <p:nvPr/>
+        </p:nvSpPr>
+        <p:spPr>
+          <a:xfrm flipH="false" flipV="false" rot="0">
+            <a:off x="186256" y="2896870"/>
+            <a:ext cx="6467503" cy="3686477"/>
+          </a:xfrm>
+          <a:custGeom>
+            <a:avLst/>
+            <a:gdLst/>
+            <a:ahLst/>
+            <a:cxnLst/>
+            <a:rect r="r" b="b" t="t" l="l"/>
+            <a:pathLst>
+              <a:path h="3686477" w="6467503">
+                <a:moveTo>
+                  <a:pt x="0" y="0"/>
+                </a:moveTo>
+                <a:lnTo>
+                  <a:pt x="6467503" y="0"/>
+                </a:lnTo>
+                <a:lnTo>
+                  <a:pt x="6467503" y="3686477"/>
+                </a:lnTo>
+                <a:lnTo>
+                  <a:pt x="0" y="3686477"/>
+                </a:lnTo>
+                <a:lnTo>
+                  <a:pt x="0" y="0"/>
+                </a:lnTo>
+                <a:close/>
+              </a:path>
+            </a:pathLst>
+          </a:custGeom>
+          <a:blipFill>
+            <a:blip r:embed="rId3"/>
+            <a:stretch>
+              <a:fillRect l="0" t="0" r="0" b="0"/>
+            </a:stretch>
+          </a:blipFill>
+        </p:spPr>
+      </p:sp>
+      <p:sp>
+        <p:nvSpPr>
+          <p:cNvPr name="Freeform 9" id="9"/>
+          <p:cNvSpPr/>
+          <p:nvPr/>
+        </p:nvSpPr>
+        <p:spPr>
+          <a:xfrm flipH="false" flipV="false" rot="0">
+            <a:off x="11734121" y="2936655"/>
+            <a:ext cx="6327908" cy="3606908"/>
+          </a:xfrm>
+          <a:custGeom>
+            <a:avLst/>
+            <a:gdLst/>
+            <a:ahLst/>
+            <a:cxnLst/>
+            <a:rect r="r" b="b" t="t" l="l"/>
+            <a:pathLst>
+              <a:path h="3606908" w="6327908">
+                <a:moveTo>
+                  <a:pt x="0" y="0"/>
+                </a:moveTo>
+                <a:lnTo>
+                  <a:pt x="6327908" y="0"/>
+                </a:lnTo>
+                <a:lnTo>
+                  <a:pt x="6327908" y="3606907"/>
+                </a:lnTo>
+                <a:lnTo>
+                  <a:pt x="0" y="3606907"/>
+                </a:lnTo>
+                <a:lnTo>
+                  <a:pt x="0" y="0"/>
+                </a:lnTo>
+                <a:close/>
+              </a:path>
+            </a:pathLst>
+          </a:custGeom>
+          <a:blipFill>
+            <a:blip r:embed="rId4"/>
+            <a:stretch>
+              <a:fillRect l="0" t="0" r="0" b="0"/>
+            </a:stretch>
+          </a:blipFill>
+        </p:spPr>
+      </p:sp>
+      <p:sp>
+        <p:nvSpPr>
+          <p:cNvPr name="Freeform 10" id="10"/>
+          <p:cNvSpPr/>
+          <p:nvPr/>
+        </p:nvSpPr>
+        <p:spPr>
+          <a:xfrm flipH="false" flipV="false" rot="0">
+            <a:off x="2461704" y="6611922"/>
+            <a:ext cx="6630698" cy="3779498"/>
+          </a:xfrm>
+          <a:custGeom>
+            <a:avLst/>
+            <a:gdLst/>
+            <a:ahLst/>
+            <a:cxnLst/>
+            <a:rect r="r" b="b" t="t" l="l"/>
+            <a:pathLst>
+              <a:path h="3779498" w="6630698">
+                <a:moveTo>
+                  <a:pt x="0" y="0"/>
+                </a:moveTo>
+                <a:lnTo>
+                  <a:pt x="6630698" y="0"/>
+                </a:lnTo>
+                <a:lnTo>
+                  <a:pt x="6630698" y="3779498"/>
+                </a:lnTo>
+                <a:lnTo>
+                  <a:pt x="0" y="3779498"/>
+                </a:lnTo>
+                <a:lnTo>
+                  <a:pt x="0" y="0"/>
+                </a:lnTo>
+                <a:close/>
+              </a:path>
+            </a:pathLst>
+          </a:custGeom>
+          <a:blipFill>
+            <a:blip r:embed="rId5"/>
+            <a:stretch>
+              <a:fillRect l="0" t="0" r="0" b="0"/>
+            </a:stretch>
+          </a:blipFill>
+        </p:spPr>
+      </p:sp>
+      <p:sp>
+        <p:nvSpPr>
+          <p:cNvPr name="Freeform 11" id="11"/>
+          <p:cNvSpPr/>
+          <p:nvPr/>
+        </p:nvSpPr>
+        <p:spPr>
+          <a:xfrm flipH="false" flipV="false" rot="0">
+            <a:off x="10104749" y="6600712"/>
+            <a:ext cx="6442274" cy="3672096"/>
+          </a:xfrm>
+          <a:custGeom>
+            <a:avLst/>
+            <a:gdLst/>
+            <a:ahLst/>
+            <a:cxnLst/>
+            <a:rect r="r" b="b" t="t" l="l"/>
+            <a:pathLst>
+              <a:path h="3672096" w="6442274">
+                <a:moveTo>
+                  <a:pt x="0" y="0"/>
+                </a:moveTo>
+                <a:lnTo>
+                  <a:pt x="6442275" y="0"/>
+                </a:lnTo>
+                <a:lnTo>
+                  <a:pt x="6442275" y="3672097"/>
+                </a:lnTo>
+                <a:lnTo>
+                  <a:pt x="0" y="3672097"/>
+                </a:lnTo>
+                <a:lnTo>
+                  <a:pt x="0" y="0"/>
+                </a:lnTo>
+                <a:close/>
+              </a:path>
+            </a:pathLst>
+          </a:custGeom>
+          <a:blipFill>
+            <a:blip r:embed="rId6"/>
+            <a:stretch>
+              <a:fillRect l="0" t="0" r="0" b="0"/>
+            </a:stretch>
+          </a:blipFill>
+        </p:spPr>
+      </p:sp>
+      <p:sp>
+        <p:nvSpPr>
+          <p:cNvPr name="TextBox 12" id="12"/>
+          <p:cNvSpPr txBox="true"/>
+          <p:nvPr/>
+        </p:nvSpPr>
+        <p:spPr>
+          <a:xfrm rot="0">
+            <a:off x="1871598" y="182024"/>
+            <a:ext cx="14544804" cy="1247775"/>
+          </a:xfrm>
+          <a:prstGeom prst="rect">
+            <a:avLst/>
+          </a:prstGeom>
+        </p:spPr>
+        <p:txBody>
+          <a:bodyPr anchor="t" rtlCol="false" tIns="0" lIns="0" bIns="0" rIns="0">
+            <a:spAutoFit/>
+          </a:bodyPr>
+          <a:lstStyle/>
+          <a:p>
+            <a:pPr algn="ctr" marL="0" indent="0" lvl="0">
+              <a:lnSpc>
+                <a:spcPts val="8399"/>
+              </a:lnSpc>
+              <a:spcBef>
+                <a:spcPct val="0"/>
+              </a:spcBef>
+            </a:pPr>
+            <a:r>
+              <a:rPr lang="en-US" sz="6999">
+                <a:solidFill>
+                  <a:srgbClr val="000000"/>
+                </a:solidFill>
+                <a:latin typeface="Agrandir"/>
+                <a:ea typeface="Agrandir"/>
+                <a:cs typeface="Agrandir"/>
+                <a:sym typeface="Agrandir"/>
+              </a:rPr>
+              <a:t>Sistema Web</a:t>
+            </a:r>
+          </a:p>
+        </p:txBody>
+      </p:sp>
+      <p:sp>
+        <p:nvSpPr>
+          <p:cNvPr name="TextBox 13" id="13"/>
+          <p:cNvSpPr txBox="true"/>
+          <p:nvPr/>
+        </p:nvSpPr>
+        <p:spPr>
+          <a:xfrm rot="0">
+            <a:off x="6063481" y="1981200"/>
+            <a:ext cx="6161038" cy="887095"/>
+          </a:xfrm>
+          <a:prstGeom prst="rect">
+            <a:avLst/>
+          </a:prstGeom>
+        </p:spPr>
+        <p:txBody>
+          <a:bodyPr anchor="t" rtlCol="false" tIns="0" lIns="0" bIns="0" rIns="0">
+            <a:spAutoFit/>
+          </a:bodyPr>
+          <a:lstStyle/>
+          <a:p>
+            <a:pPr algn="ctr" marL="0" indent="0" lvl="0">
+              <a:lnSpc>
+                <a:spcPts val="7279"/>
+              </a:lnSpc>
+              <a:spcBef>
+                <a:spcPct val="0"/>
+              </a:spcBef>
+            </a:pPr>
+            <a:r>
+              <a:rPr lang="en-US" b="true" sz="5199">
+                <a:solidFill>
+                  <a:srgbClr val="000000"/>
+                </a:solidFill>
+                <a:latin typeface="Open Sans Bold"/>
+                <a:ea typeface="Open Sans Bold"/>
+                <a:cs typeface="Open Sans Bold"/>
+                <a:sym typeface="Open Sans Bold"/>
+              </a:rPr>
+              <a:t>Telas de Históricos</a:t>
+            </a:r>
+          </a:p>
+        </p:txBody>
+      </p:sp>
+    </p:spTree>
+  </p:cSld>
+  <p:clrMapOvr>
+    <a:masterClrMapping/>
+  </p:clrMapOvr>
+</p:sld>
+</file>
+
+<file path=ppt/slides/slide19.xml><?xml version="1.0" encoding="utf-8"?>
+<p:sld xmlns:p="http://schemas.openxmlformats.org/presentationml/2006/main" xmlns:a="http://schemas.openxmlformats.org/drawingml/2006/main" xmlns:r="http://schemas.openxmlformats.org/officeDocument/2006/relationships">
+  <p:cSld>
+    <p:spTree>
+      <p:nvGrpSpPr>
+        <p:cNvPr id="1" name=""/>
+        <p:cNvGrpSpPr/>
+        <p:nvPr/>
+      </p:nvGrpSpPr>
+      <p:grpSpPr>
+        <a:xfrm>
+          <a:off x="0" y="0"/>
+          <a:ext cx="0" cy="0"/>
+          <a:chOff x="0" y="0"/>
+          <a:chExt cx="0" cy="0"/>
+        </a:xfrm>
+      </p:grpSpPr>
+      <p:grpSp>
+        <p:nvGrpSpPr>
+          <p:cNvPr name="Group 2" id="2"/>
+          <p:cNvGrpSpPr/>
+          <p:nvPr/>
+        </p:nvGrpSpPr>
+        <p:grpSpPr>
+          <a:xfrm rot="0">
+            <a:off x="-1261984" y="-679988"/>
+            <a:ext cx="20708772" cy="2432588"/>
+            <a:chOff x="0" y="0"/>
+            <a:chExt cx="5454162" cy="640682"/>
+          </a:xfrm>
+        </p:grpSpPr>
+        <p:sp>
+          <p:nvSpPr>
+            <p:cNvPr name="Freeform 3" id="3"/>
+            <p:cNvSpPr/>
+            <p:nvPr/>
+          </p:nvSpPr>
+          <p:spPr>
+            <a:xfrm flipH="false" flipV="false" rot="0">
+              <a:off x="0" y="0"/>
+              <a:ext cx="5454162" cy="640682"/>
+            </a:xfrm>
+            <a:custGeom>
+              <a:avLst/>
+              <a:gdLst/>
+              <a:ahLst/>
+              <a:cxnLst/>
+              <a:rect r="r" b="b" t="t" l="l"/>
+              <a:pathLst>
+                <a:path h="640682" w="5454162">
+                  <a:moveTo>
+                    <a:pt x="0" y="0"/>
+                  </a:moveTo>
+                  <a:lnTo>
+                    <a:pt x="5454162" y="0"/>
+                  </a:lnTo>
+                  <a:lnTo>
+                    <a:pt x="5454162" y="640682"/>
+                  </a:lnTo>
+                  <a:lnTo>
+                    <a:pt x="0" y="640682"/>
+                  </a:lnTo>
+                  <a:close/>
+                </a:path>
+              </a:pathLst>
+            </a:custGeom>
+            <a:solidFill>
+              <a:srgbClr val="5BB3CF"/>
+            </a:solidFill>
+          </p:spPr>
+        </p:sp>
+        <p:sp>
+          <p:nvSpPr>
+            <p:cNvPr name="TextBox 4" id="4"/>
+            <p:cNvSpPr txBox="true"/>
+            <p:nvPr/>
+          </p:nvSpPr>
+          <p:spPr>
+            <a:xfrm>
+              <a:off x="0" y="-57150"/>
+              <a:ext cx="5454162" cy="697832"/>
+            </a:xfrm>
+            <a:prstGeom prst="rect">
+              <a:avLst/>
+            </a:prstGeom>
+          </p:spPr>
+          <p:txBody>
+            <a:bodyPr anchor="ctr" rtlCol="false" tIns="50800" lIns="50800" bIns="50800" rIns="50800"/>
+            <a:lstStyle/>
+            <a:p>
+              <a:pPr algn="ctr">
+                <a:lnSpc>
+                  <a:spcPts val="3500"/>
+                </a:lnSpc>
+              </a:pPr>
+            </a:p>
+          </p:txBody>
+        </p:sp>
+      </p:grpSp>
+      <p:sp>
+        <p:nvSpPr>
+          <p:cNvPr name="AutoShape 5" id="5"/>
+          <p:cNvSpPr/>
+          <p:nvPr/>
+        </p:nvSpPr>
+        <p:spPr>
+          <a:xfrm>
+            <a:off x="0" y="1752600"/>
+            <a:ext cx="18702327" cy="0"/>
+          </a:xfrm>
+          <a:prstGeom prst="line">
+            <a:avLst/>
+          </a:prstGeom>
+          <a:ln cap="rnd" w="19050">
+            <a:solidFill>
+              <a:srgbClr val="000000"/>
+            </a:solidFill>
+            <a:prstDash val="solid"/>
+            <a:headEnd type="none" len="sm" w="sm"/>
+            <a:tailEnd type="none" len="sm" w="sm"/>
+          </a:ln>
+        </p:spPr>
+      </p:sp>
+      <p:sp>
+        <p:nvSpPr>
+          <p:cNvPr name="Freeform 6" id="6"/>
+          <p:cNvSpPr/>
+          <p:nvPr/>
+        </p:nvSpPr>
+        <p:spPr>
+          <a:xfrm flipH="false" flipV="false" rot="0">
+            <a:off x="-38100" y="-26476"/>
+            <a:ext cx="1740976" cy="1740976"/>
+          </a:xfrm>
+          <a:custGeom>
+            <a:avLst/>
+            <a:gdLst/>
+            <a:ahLst/>
+            <a:cxnLst/>
+            <a:rect r="r" b="b" t="t" l="l"/>
+            <a:pathLst>
+              <a:path h="1740976" w="1740976">
+                <a:moveTo>
+                  <a:pt x="0" y="0"/>
+                </a:moveTo>
+                <a:lnTo>
+                  <a:pt x="1740976" y="0"/>
+                </a:lnTo>
+                <a:lnTo>
+                  <a:pt x="1740976" y="1740976"/>
+                </a:lnTo>
+                <a:lnTo>
+                  <a:pt x="0" y="1740976"/>
+                </a:lnTo>
+                <a:lnTo>
+                  <a:pt x="0" y="0"/>
+                </a:lnTo>
+                <a:close/>
+              </a:path>
+            </a:pathLst>
+          </a:custGeom>
+          <a:blipFill>
+            <a:blip r:embed="rId2"/>
+            <a:stretch>
+              <a:fillRect l="0" t="0" r="0" b="0"/>
+            </a:stretch>
+          </a:blipFill>
+        </p:spPr>
+      </p:sp>
+      <p:sp>
+        <p:nvSpPr>
+          <p:cNvPr name="Freeform 7" id="7"/>
+          <p:cNvSpPr/>
+          <p:nvPr/>
+        </p:nvSpPr>
+        <p:spPr>
+          <a:xfrm flipH="false" flipV="false" rot="0">
+            <a:off x="16547024" y="-55051"/>
+            <a:ext cx="1740976" cy="1740976"/>
+          </a:xfrm>
+          <a:custGeom>
+            <a:avLst/>
+            <a:gdLst/>
+            <a:ahLst/>
+            <a:cxnLst/>
+            <a:rect r="r" b="b" t="t" l="l"/>
+            <a:pathLst>
+              <a:path h="1740976" w="1740976">
+                <a:moveTo>
+                  <a:pt x="0" y="0"/>
+                </a:moveTo>
+                <a:lnTo>
+                  <a:pt x="1740976" y="0"/>
+                </a:lnTo>
+                <a:lnTo>
+                  <a:pt x="1740976" y="1740976"/>
+                </a:lnTo>
+                <a:lnTo>
+                  <a:pt x="0" y="1740976"/>
+                </a:lnTo>
+                <a:lnTo>
+                  <a:pt x="0" y="0"/>
+                </a:lnTo>
+                <a:close/>
+              </a:path>
+            </a:pathLst>
+          </a:custGeom>
+          <a:blipFill>
+            <a:blip r:embed="rId2"/>
+            <a:stretch>
+              <a:fillRect l="0" t="0" r="0" b="0"/>
+            </a:stretch>
+          </a:blipFill>
+        </p:spPr>
+      </p:sp>
+      <p:sp>
+        <p:nvSpPr>
+          <p:cNvPr name="Freeform 8" id="8"/>
+          <p:cNvSpPr/>
+          <p:nvPr/>
+        </p:nvSpPr>
+        <p:spPr>
+          <a:xfrm flipH="false" flipV="false" rot="0">
+            <a:off x="10578936" y="2076450"/>
+            <a:ext cx="2653331" cy="2653331"/>
+          </a:xfrm>
+          <a:custGeom>
+            <a:avLst/>
+            <a:gdLst/>
+            <a:ahLst/>
+            <a:cxnLst/>
+            <a:rect r="r" b="b" t="t" l="l"/>
+            <a:pathLst>
+              <a:path h="2653331" w="2653331">
+                <a:moveTo>
+                  <a:pt x="0" y="0"/>
+                </a:moveTo>
+                <a:lnTo>
+                  <a:pt x="2653331" y="0"/>
+                </a:lnTo>
+                <a:lnTo>
+                  <a:pt x="2653331" y="2653331"/>
+                </a:lnTo>
+                <a:lnTo>
+                  <a:pt x="0" y="2653331"/>
+                </a:lnTo>
+                <a:lnTo>
+                  <a:pt x="0" y="0"/>
+                </a:lnTo>
+                <a:close/>
+              </a:path>
+            </a:pathLst>
+          </a:custGeom>
+          <a:blipFill>
+            <a:blip r:embed="rId3"/>
+            <a:stretch>
+              <a:fillRect l="0" t="0" r="0" b="0"/>
+            </a:stretch>
+          </a:blipFill>
+        </p:spPr>
+      </p:sp>
+      <p:sp>
+        <p:nvSpPr>
+          <p:cNvPr name="Freeform 9" id="9"/>
+          <p:cNvSpPr/>
+          <p:nvPr/>
+        </p:nvSpPr>
+        <p:spPr>
+          <a:xfrm flipH="false" flipV="false" rot="0">
+            <a:off x="14477022" y="2731536"/>
+            <a:ext cx="2782278" cy="2782278"/>
+          </a:xfrm>
+          <a:custGeom>
+            <a:avLst/>
+            <a:gdLst/>
+            <a:ahLst/>
+            <a:cxnLst/>
+            <a:rect r="r" b="b" t="t" l="l"/>
+            <a:pathLst>
+              <a:path h="2782278" w="2782278">
+                <a:moveTo>
+                  <a:pt x="0" y="0"/>
+                </a:moveTo>
+                <a:lnTo>
+                  <a:pt x="2782278" y="0"/>
+                </a:lnTo>
+                <a:lnTo>
+                  <a:pt x="2782278" y="2782277"/>
+                </a:lnTo>
+                <a:lnTo>
+                  <a:pt x="0" y="2782277"/>
+                </a:lnTo>
+                <a:lnTo>
+                  <a:pt x="0" y="0"/>
+                </a:lnTo>
+                <a:close/>
+              </a:path>
+            </a:pathLst>
+          </a:custGeom>
+          <a:blipFill>
+            <a:blip r:embed="rId4"/>
+            <a:stretch>
+              <a:fillRect l="0" t="0" r="0" b="0"/>
+            </a:stretch>
+          </a:blipFill>
+        </p:spPr>
+      </p:sp>
+      <p:sp>
+        <p:nvSpPr>
+          <p:cNvPr name="Freeform 10" id="10"/>
+          <p:cNvSpPr/>
+          <p:nvPr/>
+        </p:nvSpPr>
+        <p:spPr>
+          <a:xfrm flipH="false" flipV="false" rot="0">
+            <a:off x="10496554" y="5513813"/>
+            <a:ext cx="2818096" cy="2818096"/>
+          </a:xfrm>
+          <a:custGeom>
+            <a:avLst/>
+            <a:gdLst/>
+            <a:ahLst/>
+            <a:cxnLst/>
+            <a:rect r="r" b="b" t="t" l="l"/>
+            <a:pathLst>
+              <a:path h="2818096" w="2818096">
+                <a:moveTo>
+                  <a:pt x="0" y="0"/>
+                </a:moveTo>
+                <a:lnTo>
+                  <a:pt x="2818096" y="0"/>
+                </a:lnTo>
+                <a:lnTo>
+                  <a:pt x="2818096" y="2818097"/>
+                </a:lnTo>
+                <a:lnTo>
+                  <a:pt x="0" y="2818097"/>
+                </a:lnTo>
+                <a:lnTo>
+                  <a:pt x="0" y="0"/>
+                </a:lnTo>
+                <a:close/>
+              </a:path>
+            </a:pathLst>
+          </a:custGeom>
+          <a:blipFill>
+            <a:blip r:embed="rId5"/>
+            <a:stretch>
+              <a:fillRect l="0" t="0" r="0" b="0"/>
+            </a:stretch>
+          </a:blipFill>
+        </p:spPr>
+      </p:sp>
+      <p:sp>
+        <p:nvSpPr>
+          <p:cNvPr name="Freeform 11" id="11"/>
+          <p:cNvSpPr/>
+          <p:nvPr/>
+        </p:nvSpPr>
+        <p:spPr>
+          <a:xfrm flipH="false" flipV="false" rot="0">
+            <a:off x="14068410" y="6485363"/>
+            <a:ext cx="3190890" cy="3174936"/>
+          </a:xfrm>
+          <a:custGeom>
+            <a:avLst/>
+            <a:gdLst/>
+            <a:ahLst/>
+            <a:cxnLst/>
+            <a:rect r="r" b="b" t="t" l="l"/>
+            <a:pathLst>
+              <a:path h="3174936" w="3190890">
+                <a:moveTo>
+                  <a:pt x="0" y="0"/>
+                </a:moveTo>
+                <a:lnTo>
+                  <a:pt x="3190890" y="0"/>
+                </a:lnTo>
+                <a:lnTo>
+                  <a:pt x="3190890" y="3174936"/>
+                </a:lnTo>
+                <a:lnTo>
+                  <a:pt x="0" y="3174936"/>
+                </a:lnTo>
+                <a:lnTo>
+                  <a:pt x="0" y="0"/>
+                </a:lnTo>
+                <a:close/>
+              </a:path>
+            </a:pathLst>
+          </a:custGeom>
+          <a:blipFill>
+            <a:blip r:embed="rId6"/>
+            <a:stretch>
+              <a:fillRect l="0" t="0" r="0" b="0"/>
+            </a:stretch>
+          </a:blipFill>
+        </p:spPr>
+      </p:sp>
+      <p:sp>
+        <p:nvSpPr>
+          <p:cNvPr name="TextBox 12" id="12"/>
+          <p:cNvSpPr txBox="true"/>
+          <p:nvPr/>
+        </p:nvSpPr>
+        <p:spPr>
+          <a:xfrm rot="0">
+            <a:off x="1871598" y="182024"/>
+            <a:ext cx="14544804" cy="1247775"/>
+          </a:xfrm>
+          <a:prstGeom prst="rect">
+            <a:avLst/>
+          </a:prstGeom>
+        </p:spPr>
+        <p:txBody>
+          <a:bodyPr anchor="t" rtlCol="false" tIns="0" lIns="0" bIns="0" rIns="0">
+            <a:spAutoFit/>
+          </a:bodyPr>
+          <a:lstStyle/>
+          <a:p>
+            <a:pPr algn="ctr" marL="0" indent="0" lvl="0">
+              <a:lnSpc>
+                <a:spcPts val="8399"/>
+              </a:lnSpc>
+              <a:spcBef>
+                <a:spcPct val="0"/>
+              </a:spcBef>
+            </a:pPr>
+            <a:r>
+              <a:rPr lang="en-US" sz="6999">
+                <a:solidFill>
+                  <a:srgbClr val="000000"/>
+                </a:solidFill>
+                <a:latin typeface="Agrandir"/>
+                <a:ea typeface="Agrandir"/>
+                <a:cs typeface="Agrandir"/>
+                <a:sym typeface="Agrandir"/>
+              </a:rPr>
+              <a:t>Funcionamento do sistema</a:t>
+            </a:r>
+          </a:p>
+        </p:txBody>
+      </p:sp>
+      <p:sp>
+        <p:nvSpPr>
+          <p:cNvPr name="TextBox 13" id="13"/>
+          <p:cNvSpPr txBox="true"/>
+          <p:nvPr/>
+        </p:nvSpPr>
+        <p:spPr>
+          <a:xfrm rot="0">
+            <a:off x="229238" y="3068298"/>
+            <a:ext cx="8431887" cy="5411373"/>
+          </a:xfrm>
+          <a:prstGeom prst="rect">
+            <a:avLst/>
+          </a:prstGeom>
+        </p:spPr>
+        <p:txBody>
+          <a:bodyPr anchor="t" rtlCol="false" tIns="0" lIns="0" bIns="0" rIns="0">
+            <a:spAutoFit/>
+          </a:bodyPr>
+          <a:lstStyle/>
+          <a:p>
+            <a:pPr algn="just">
+              <a:lnSpc>
+                <a:spcPts val="4329"/>
+              </a:lnSpc>
+            </a:pPr>
+            <a:r>
+              <a:rPr lang="en-US" sz="3092" b="true">
+                <a:solidFill>
+                  <a:srgbClr val="000000"/>
+                </a:solidFill>
+                <a:latin typeface="Open Sans Bold"/>
+                <a:ea typeface="Open Sans Bold"/>
+                <a:cs typeface="Open Sans Bold"/>
+                <a:sym typeface="Open Sans Bold"/>
+              </a:rPr>
+              <a:t>Nosso sistema foi dese</a:t>
+            </a:r>
+            <a:r>
+              <a:rPr lang="en-US" b="true" sz="3092">
+                <a:solidFill>
+                  <a:srgbClr val="000000"/>
+                </a:solidFill>
+                <a:latin typeface="Open Sans Bold"/>
+                <a:ea typeface="Open Sans Bold"/>
+                <a:cs typeface="Open Sans Bold"/>
+                <a:sym typeface="Open Sans Bold"/>
+              </a:rPr>
+              <a:t>nvolvido para ser acessível em qualquer navegador moderno</a:t>
+            </a:r>
+            <a:r>
+              <a:rPr lang="en-US" sz="3092">
+                <a:solidFill>
+                  <a:srgbClr val="000000"/>
+                </a:solidFill>
+                <a:latin typeface="Open Sans"/>
+                <a:ea typeface="Open Sans"/>
+                <a:cs typeface="Open Sans"/>
+                <a:sym typeface="Open Sans"/>
+              </a:rPr>
+              <a:t>, como Google Chrome, Mozilla Firefox, Microsoft Edge e Safari.</a:t>
+            </a:r>
+          </a:p>
+          <a:p>
+            <a:pPr algn="just">
+              <a:lnSpc>
+                <a:spcPts val="4329"/>
+              </a:lnSpc>
+            </a:pPr>
+            <a:r>
+              <a:rPr lang="en-US" sz="3092">
+                <a:solidFill>
+                  <a:srgbClr val="000000"/>
+                </a:solidFill>
+                <a:latin typeface="Open Sans"/>
+                <a:ea typeface="Open Sans"/>
+                <a:cs typeface="Open Sans"/>
+                <a:sym typeface="Open Sans"/>
+              </a:rPr>
+              <a:t> Isso significa que </a:t>
+            </a:r>
+            <a:r>
+              <a:rPr lang="en-US" b="true" sz="3092">
+                <a:solidFill>
+                  <a:srgbClr val="000000"/>
+                </a:solidFill>
+                <a:latin typeface="Open Sans Bold"/>
+                <a:ea typeface="Open Sans Bold"/>
+                <a:cs typeface="Open Sans Bold"/>
+                <a:sym typeface="Open Sans Bold"/>
+              </a:rPr>
+              <a:t>você e sua equipe poderão utilizá-lo de qualquer computador ou notebook, sem a necessidade de instalar nenhum programa adicional.</a:t>
+            </a:r>
+          </a:p>
+          <a:p>
+            <a:pPr algn="just">
+              <a:lnSpc>
+                <a:spcPts val="4329"/>
+              </a:lnSpc>
+            </a:pPr>
+            <a:r>
+              <a:rPr lang="en-US" sz="3092">
+                <a:solidFill>
+                  <a:srgbClr val="000000"/>
+                </a:solidFill>
+                <a:latin typeface="Open Sans"/>
+                <a:ea typeface="Open Sans"/>
+                <a:cs typeface="Open Sans"/>
+                <a:sym typeface="Open Sans"/>
+              </a:rPr>
+              <a:t> A experiência é a mesma, estável e segura, independente do navegador utilizado.</a:t>
             </a:r>
           </a:p>
         </p:txBody>
@@ -7081,7 +9924,7 @@
         </p:nvSpPr>
         <p:spPr>
           <a:xfrm rot="0">
-            <a:off x="1567347" y="1877233"/>
+            <a:off x="1534716" y="2386002"/>
             <a:ext cx="6892134" cy="993828"/>
           </a:xfrm>
           <a:prstGeom prst="rect">
@@ -7125,7 +9968,7 @@
         </p:nvSpPr>
         <p:spPr>
           <a:xfrm rot="0">
-            <a:off x="1235778" y="3256915"/>
+            <a:off x="1235778" y="4114556"/>
             <a:ext cx="7490009" cy="2800985"/>
           </a:xfrm>
           <a:prstGeom prst="rect">
@@ -7178,6 +10021,2387 @@
                 <a:sym typeface="Agrandir"/>
               </a:rPr>
               <a:t>”, foi desenvolvido pelos Alunos do Curso Técnico em Desenvolvimento de Sistemas, supervisionado pelo Professor André Santana. Com o objetivo de trazer acessibilidade a saúde em qualquer lugar.</a:t>
+            </a:r>
+          </a:p>
+        </p:txBody>
+      </p:sp>
+    </p:spTree>
+  </p:cSld>
+  <p:clrMapOvr>
+    <a:masterClrMapping/>
+  </p:clrMapOvr>
+</p:sld>
+</file>
+
+<file path=ppt/slides/slide20.xml><?xml version="1.0" encoding="utf-8"?>
+<p:sld xmlns:p="http://schemas.openxmlformats.org/presentationml/2006/main" xmlns:a="http://schemas.openxmlformats.org/drawingml/2006/main" xmlns:r="http://schemas.openxmlformats.org/officeDocument/2006/relationships">
+  <p:cSld>
+    <p:spTree>
+      <p:nvGrpSpPr>
+        <p:cNvPr id="1" name=""/>
+        <p:cNvGrpSpPr/>
+        <p:nvPr/>
+      </p:nvGrpSpPr>
+      <p:grpSpPr>
+        <a:xfrm>
+          <a:off x="0" y="0"/>
+          <a:ext cx="0" cy="0"/>
+          <a:chOff x="0" y="0"/>
+          <a:chExt cx="0" cy="0"/>
+        </a:xfrm>
+      </p:grpSpPr>
+      <p:grpSp>
+        <p:nvGrpSpPr>
+          <p:cNvPr name="Group 2" id="2"/>
+          <p:cNvGrpSpPr/>
+          <p:nvPr/>
+        </p:nvGrpSpPr>
+        <p:grpSpPr>
+          <a:xfrm rot="0">
+            <a:off x="-1261984" y="-679988"/>
+            <a:ext cx="20708772" cy="2432588"/>
+            <a:chOff x="0" y="0"/>
+            <a:chExt cx="5454162" cy="640682"/>
+          </a:xfrm>
+        </p:grpSpPr>
+        <p:sp>
+          <p:nvSpPr>
+            <p:cNvPr name="Freeform 3" id="3"/>
+            <p:cNvSpPr/>
+            <p:nvPr/>
+          </p:nvSpPr>
+          <p:spPr>
+            <a:xfrm flipH="false" flipV="false" rot="0">
+              <a:off x="0" y="0"/>
+              <a:ext cx="5454162" cy="640682"/>
+            </a:xfrm>
+            <a:custGeom>
+              <a:avLst/>
+              <a:gdLst/>
+              <a:ahLst/>
+              <a:cxnLst/>
+              <a:rect r="r" b="b" t="t" l="l"/>
+              <a:pathLst>
+                <a:path h="640682" w="5454162">
+                  <a:moveTo>
+                    <a:pt x="0" y="0"/>
+                  </a:moveTo>
+                  <a:lnTo>
+                    <a:pt x="5454162" y="0"/>
+                  </a:lnTo>
+                  <a:lnTo>
+                    <a:pt x="5454162" y="640682"/>
+                  </a:lnTo>
+                  <a:lnTo>
+                    <a:pt x="0" y="640682"/>
+                  </a:lnTo>
+                  <a:close/>
+                </a:path>
+              </a:pathLst>
+            </a:custGeom>
+            <a:solidFill>
+              <a:srgbClr val="5BB3CF"/>
+            </a:solidFill>
+          </p:spPr>
+        </p:sp>
+        <p:sp>
+          <p:nvSpPr>
+            <p:cNvPr name="TextBox 4" id="4"/>
+            <p:cNvSpPr txBox="true"/>
+            <p:nvPr/>
+          </p:nvSpPr>
+          <p:spPr>
+            <a:xfrm>
+              <a:off x="0" y="-57150"/>
+              <a:ext cx="5454162" cy="697832"/>
+            </a:xfrm>
+            <a:prstGeom prst="rect">
+              <a:avLst/>
+            </a:prstGeom>
+          </p:spPr>
+          <p:txBody>
+            <a:bodyPr anchor="ctr" rtlCol="false" tIns="50800" lIns="50800" bIns="50800" rIns="50800"/>
+            <a:lstStyle/>
+            <a:p>
+              <a:pPr algn="ctr">
+                <a:lnSpc>
+                  <a:spcPts val="3500"/>
+                </a:lnSpc>
+              </a:pPr>
+            </a:p>
+          </p:txBody>
+        </p:sp>
+      </p:grpSp>
+      <p:sp>
+        <p:nvSpPr>
+          <p:cNvPr name="AutoShape 5" id="5"/>
+          <p:cNvSpPr/>
+          <p:nvPr/>
+        </p:nvSpPr>
+        <p:spPr>
+          <a:xfrm>
+            <a:off x="0" y="1752600"/>
+            <a:ext cx="18702327" cy="0"/>
+          </a:xfrm>
+          <a:prstGeom prst="line">
+            <a:avLst/>
+          </a:prstGeom>
+          <a:ln cap="rnd" w="19050">
+            <a:solidFill>
+              <a:srgbClr val="000000"/>
+            </a:solidFill>
+            <a:prstDash val="solid"/>
+            <a:headEnd type="none" len="sm" w="sm"/>
+            <a:tailEnd type="none" len="sm" w="sm"/>
+          </a:ln>
+        </p:spPr>
+      </p:sp>
+      <p:sp>
+        <p:nvSpPr>
+          <p:cNvPr name="Freeform 6" id="6"/>
+          <p:cNvSpPr/>
+          <p:nvPr/>
+        </p:nvSpPr>
+        <p:spPr>
+          <a:xfrm flipH="false" flipV="false" rot="0">
+            <a:off x="-38100" y="-26476"/>
+            <a:ext cx="1740976" cy="1740976"/>
+          </a:xfrm>
+          <a:custGeom>
+            <a:avLst/>
+            <a:gdLst/>
+            <a:ahLst/>
+            <a:cxnLst/>
+            <a:rect r="r" b="b" t="t" l="l"/>
+            <a:pathLst>
+              <a:path h="1740976" w="1740976">
+                <a:moveTo>
+                  <a:pt x="0" y="0"/>
+                </a:moveTo>
+                <a:lnTo>
+                  <a:pt x="1740976" y="0"/>
+                </a:lnTo>
+                <a:lnTo>
+                  <a:pt x="1740976" y="1740976"/>
+                </a:lnTo>
+                <a:lnTo>
+                  <a:pt x="0" y="1740976"/>
+                </a:lnTo>
+                <a:lnTo>
+                  <a:pt x="0" y="0"/>
+                </a:lnTo>
+                <a:close/>
+              </a:path>
+            </a:pathLst>
+          </a:custGeom>
+          <a:blipFill>
+            <a:blip r:embed="rId2"/>
+            <a:stretch>
+              <a:fillRect l="0" t="0" r="0" b="0"/>
+            </a:stretch>
+          </a:blipFill>
+        </p:spPr>
+      </p:sp>
+      <p:sp>
+        <p:nvSpPr>
+          <p:cNvPr name="Freeform 7" id="7"/>
+          <p:cNvSpPr/>
+          <p:nvPr/>
+        </p:nvSpPr>
+        <p:spPr>
+          <a:xfrm flipH="false" flipV="false" rot="0">
+            <a:off x="16547024" y="-55051"/>
+            <a:ext cx="1740976" cy="1740976"/>
+          </a:xfrm>
+          <a:custGeom>
+            <a:avLst/>
+            <a:gdLst/>
+            <a:ahLst/>
+            <a:cxnLst/>
+            <a:rect r="r" b="b" t="t" l="l"/>
+            <a:pathLst>
+              <a:path h="1740976" w="1740976">
+                <a:moveTo>
+                  <a:pt x="0" y="0"/>
+                </a:moveTo>
+                <a:lnTo>
+                  <a:pt x="1740976" y="0"/>
+                </a:lnTo>
+                <a:lnTo>
+                  <a:pt x="1740976" y="1740976"/>
+                </a:lnTo>
+                <a:lnTo>
+                  <a:pt x="0" y="1740976"/>
+                </a:lnTo>
+                <a:lnTo>
+                  <a:pt x="0" y="0"/>
+                </a:lnTo>
+                <a:close/>
+              </a:path>
+            </a:pathLst>
+          </a:custGeom>
+          <a:blipFill>
+            <a:blip r:embed="rId2"/>
+            <a:stretch>
+              <a:fillRect l="0" t="0" r="0" b="0"/>
+            </a:stretch>
+          </a:blipFill>
+        </p:spPr>
+      </p:sp>
+      <p:sp>
+        <p:nvSpPr>
+          <p:cNvPr name="Freeform 8" id="8"/>
+          <p:cNvSpPr/>
+          <p:nvPr/>
+        </p:nvSpPr>
+        <p:spPr>
+          <a:xfrm flipH="false" flipV="false" rot="0">
+            <a:off x="14570796" y="2193406"/>
+            <a:ext cx="2688504" cy="2688504"/>
+          </a:xfrm>
+          <a:custGeom>
+            <a:avLst/>
+            <a:gdLst/>
+            <a:ahLst/>
+            <a:cxnLst/>
+            <a:rect r="r" b="b" t="t" l="l"/>
+            <a:pathLst>
+              <a:path h="2688504" w="2688504">
+                <a:moveTo>
+                  <a:pt x="0" y="0"/>
+                </a:moveTo>
+                <a:lnTo>
+                  <a:pt x="2688504" y="0"/>
+                </a:lnTo>
+                <a:lnTo>
+                  <a:pt x="2688504" y="2688505"/>
+                </a:lnTo>
+                <a:lnTo>
+                  <a:pt x="0" y="2688505"/>
+                </a:lnTo>
+                <a:lnTo>
+                  <a:pt x="0" y="0"/>
+                </a:lnTo>
+                <a:close/>
+              </a:path>
+            </a:pathLst>
+          </a:custGeom>
+          <a:blipFill>
+            <a:blip r:embed="rId3"/>
+            <a:stretch>
+              <a:fillRect l="0" t="0" r="0" b="0"/>
+            </a:stretch>
+          </a:blipFill>
+        </p:spPr>
+      </p:sp>
+      <p:sp>
+        <p:nvSpPr>
+          <p:cNvPr name="Freeform 9" id="9"/>
+          <p:cNvSpPr/>
+          <p:nvPr/>
+        </p:nvSpPr>
+        <p:spPr>
+          <a:xfrm flipH="false" flipV="false" rot="0">
+            <a:off x="9851914" y="2297766"/>
+            <a:ext cx="2479785" cy="2479785"/>
+          </a:xfrm>
+          <a:custGeom>
+            <a:avLst/>
+            <a:gdLst/>
+            <a:ahLst/>
+            <a:cxnLst/>
+            <a:rect r="r" b="b" t="t" l="l"/>
+            <a:pathLst>
+              <a:path h="2479785" w="2479785">
+                <a:moveTo>
+                  <a:pt x="0" y="0"/>
+                </a:moveTo>
+                <a:lnTo>
+                  <a:pt x="2479785" y="0"/>
+                </a:lnTo>
+                <a:lnTo>
+                  <a:pt x="2479785" y="2479785"/>
+                </a:lnTo>
+                <a:lnTo>
+                  <a:pt x="0" y="2479785"/>
+                </a:lnTo>
+                <a:lnTo>
+                  <a:pt x="0" y="0"/>
+                </a:lnTo>
+                <a:close/>
+              </a:path>
+            </a:pathLst>
+          </a:custGeom>
+          <a:blipFill>
+            <a:blip r:embed="rId4"/>
+            <a:stretch>
+              <a:fillRect l="0" t="0" r="0" b="0"/>
+            </a:stretch>
+          </a:blipFill>
+        </p:spPr>
+      </p:sp>
+      <p:sp>
+        <p:nvSpPr>
+          <p:cNvPr name="Freeform 10" id="10"/>
+          <p:cNvSpPr/>
+          <p:nvPr/>
+        </p:nvSpPr>
+        <p:spPr>
+          <a:xfrm flipH="false" flipV="false" rot="0">
+            <a:off x="9851914" y="5426694"/>
+            <a:ext cx="2942701" cy="2386858"/>
+          </a:xfrm>
+          <a:custGeom>
+            <a:avLst/>
+            <a:gdLst/>
+            <a:ahLst/>
+            <a:cxnLst/>
+            <a:rect r="r" b="b" t="t" l="l"/>
+            <a:pathLst>
+              <a:path h="2386858" w="2942701">
+                <a:moveTo>
+                  <a:pt x="0" y="0"/>
+                </a:moveTo>
+                <a:lnTo>
+                  <a:pt x="2942702" y="0"/>
+                </a:lnTo>
+                <a:lnTo>
+                  <a:pt x="2942702" y="2386858"/>
+                </a:lnTo>
+                <a:lnTo>
+                  <a:pt x="0" y="2386858"/>
+                </a:lnTo>
+                <a:lnTo>
+                  <a:pt x="0" y="0"/>
+                </a:lnTo>
+                <a:close/>
+              </a:path>
+            </a:pathLst>
+          </a:custGeom>
+          <a:blipFill>
+            <a:blip r:embed="rId5"/>
+            <a:stretch>
+              <a:fillRect l="0" t="0" r="0" b="0"/>
+            </a:stretch>
+          </a:blipFill>
+        </p:spPr>
+      </p:sp>
+      <p:sp>
+        <p:nvSpPr>
+          <p:cNvPr name="Freeform 11" id="11"/>
+          <p:cNvSpPr/>
+          <p:nvPr/>
+        </p:nvSpPr>
+        <p:spPr>
+          <a:xfrm flipH="false" flipV="false" rot="0">
+            <a:off x="14696880" y="5581020"/>
+            <a:ext cx="2605902" cy="2078206"/>
+          </a:xfrm>
+          <a:custGeom>
+            <a:avLst/>
+            <a:gdLst/>
+            <a:ahLst/>
+            <a:cxnLst/>
+            <a:rect r="r" b="b" t="t" l="l"/>
+            <a:pathLst>
+              <a:path h="2078206" w="2605902">
+                <a:moveTo>
+                  <a:pt x="0" y="0"/>
+                </a:moveTo>
+                <a:lnTo>
+                  <a:pt x="2605902" y="0"/>
+                </a:lnTo>
+                <a:lnTo>
+                  <a:pt x="2605902" y="2078206"/>
+                </a:lnTo>
+                <a:lnTo>
+                  <a:pt x="0" y="2078206"/>
+                </a:lnTo>
+                <a:lnTo>
+                  <a:pt x="0" y="0"/>
+                </a:lnTo>
+                <a:close/>
+              </a:path>
+            </a:pathLst>
+          </a:custGeom>
+          <a:blipFill>
+            <a:blip r:embed="rId6"/>
+            <a:stretch>
+              <a:fillRect l="0" t="0" r="0" b="0"/>
+            </a:stretch>
+          </a:blipFill>
+        </p:spPr>
+      </p:sp>
+      <p:sp>
+        <p:nvSpPr>
+          <p:cNvPr name="Freeform 12" id="12"/>
+          <p:cNvSpPr/>
+          <p:nvPr/>
+        </p:nvSpPr>
+        <p:spPr>
+          <a:xfrm flipH="false" flipV="false" rot="0">
+            <a:off x="12331699" y="7813552"/>
+            <a:ext cx="2365181" cy="2354669"/>
+          </a:xfrm>
+          <a:custGeom>
+            <a:avLst/>
+            <a:gdLst/>
+            <a:ahLst/>
+            <a:cxnLst/>
+            <a:rect r="r" b="b" t="t" l="l"/>
+            <a:pathLst>
+              <a:path h="2354669" w="2365181">
+                <a:moveTo>
+                  <a:pt x="0" y="0"/>
+                </a:moveTo>
+                <a:lnTo>
+                  <a:pt x="2365181" y="0"/>
+                </a:lnTo>
+                <a:lnTo>
+                  <a:pt x="2365181" y="2354669"/>
+                </a:lnTo>
+                <a:lnTo>
+                  <a:pt x="0" y="2354669"/>
+                </a:lnTo>
+                <a:lnTo>
+                  <a:pt x="0" y="0"/>
+                </a:lnTo>
+                <a:close/>
+              </a:path>
+            </a:pathLst>
+          </a:custGeom>
+          <a:blipFill>
+            <a:blip r:embed="rId7"/>
+            <a:stretch>
+              <a:fillRect l="0" t="0" r="0" b="0"/>
+            </a:stretch>
+          </a:blipFill>
+        </p:spPr>
+      </p:sp>
+      <p:sp>
+        <p:nvSpPr>
+          <p:cNvPr name="TextBox 13" id="13"/>
+          <p:cNvSpPr txBox="true"/>
+          <p:nvPr/>
+        </p:nvSpPr>
+        <p:spPr>
+          <a:xfrm rot="0">
+            <a:off x="1893909" y="180975"/>
+            <a:ext cx="14500182" cy="1181100"/>
+          </a:xfrm>
+          <a:prstGeom prst="rect">
+            <a:avLst/>
+          </a:prstGeom>
+        </p:spPr>
+        <p:txBody>
+          <a:bodyPr anchor="t" rtlCol="false" tIns="0" lIns="0" bIns="0" rIns="0">
+            <a:spAutoFit/>
+          </a:bodyPr>
+          <a:lstStyle/>
+          <a:p>
+            <a:pPr algn="ctr" marL="0" indent="0" lvl="0">
+              <a:lnSpc>
+                <a:spcPts val="7800"/>
+              </a:lnSpc>
+              <a:spcBef>
+                <a:spcPct val="0"/>
+              </a:spcBef>
+            </a:pPr>
+            <a:r>
+              <a:rPr lang="en-US" sz="6500">
+                <a:solidFill>
+                  <a:srgbClr val="000000"/>
+                </a:solidFill>
+                <a:latin typeface="Agrandir"/>
+                <a:ea typeface="Agrandir"/>
+                <a:cs typeface="Agrandir"/>
+                <a:sym typeface="Agrandir"/>
+              </a:rPr>
+              <a:t>Ferramentas e Linguagens - Web</a:t>
+            </a:r>
+          </a:p>
+        </p:txBody>
+      </p:sp>
+      <p:sp>
+        <p:nvSpPr>
+          <p:cNvPr name="TextBox 14" id="14"/>
+          <p:cNvSpPr txBox="true"/>
+          <p:nvPr/>
+        </p:nvSpPr>
+        <p:spPr>
+          <a:xfrm rot="0">
+            <a:off x="199298" y="1853365"/>
+            <a:ext cx="8427809" cy="7643553"/>
+          </a:xfrm>
+          <a:prstGeom prst="rect">
+            <a:avLst/>
+          </a:prstGeom>
+        </p:spPr>
+        <p:txBody>
+          <a:bodyPr anchor="t" rtlCol="false" tIns="0" lIns="0" bIns="0" rIns="0">
+            <a:spAutoFit/>
+          </a:bodyPr>
+          <a:lstStyle/>
+          <a:p>
+            <a:pPr algn="ctr">
+              <a:lnSpc>
+                <a:spcPts val="5884"/>
+              </a:lnSpc>
+            </a:pPr>
+            <a:r>
+              <a:rPr lang="en-US" sz="4203" b="true">
+                <a:solidFill>
+                  <a:srgbClr val="000000"/>
+                </a:solidFill>
+                <a:latin typeface="Open Sans Bold"/>
+                <a:ea typeface="Open Sans Bold"/>
+                <a:cs typeface="Open Sans Bold"/>
+                <a:sym typeface="Open Sans Bold"/>
+              </a:rPr>
+              <a:t>Ferramentas Utilizadas</a:t>
+            </a:r>
+          </a:p>
+          <a:p>
+            <a:pPr algn="ctr">
+              <a:lnSpc>
+                <a:spcPts val="5884"/>
+              </a:lnSpc>
+            </a:pPr>
+          </a:p>
+          <a:p>
+            <a:pPr algn="l" marL="635230" indent="-317615" lvl="1">
+              <a:lnSpc>
+                <a:spcPts val="4119"/>
+              </a:lnSpc>
+              <a:buFont typeface="Arial"/>
+              <a:buChar char="•"/>
+            </a:pPr>
+            <a:r>
+              <a:rPr lang="en-US" sz="2942">
+                <a:solidFill>
+                  <a:srgbClr val="000000"/>
+                </a:solidFill>
+                <a:latin typeface="Open Sans"/>
+                <a:ea typeface="Open Sans"/>
+                <a:cs typeface="Open Sans"/>
+                <a:sym typeface="Open Sans"/>
+              </a:rPr>
+              <a:t>Ambiente de Desenvolvimento</a:t>
+            </a:r>
+            <a:r>
+              <a:rPr lang="en-US" sz="2942">
+                <a:solidFill>
+                  <a:srgbClr val="000000"/>
+                </a:solidFill>
+                <a:latin typeface="Open Sans"/>
+                <a:ea typeface="Open Sans"/>
+                <a:cs typeface="Open Sans"/>
+                <a:sym typeface="Open Sans"/>
+              </a:rPr>
+              <a:t>: Visual Studio Code (VS Code)</a:t>
+            </a:r>
+          </a:p>
+          <a:p>
+            <a:pPr algn="l">
+              <a:lnSpc>
+                <a:spcPts val="4119"/>
+              </a:lnSpc>
+            </a:pPr>
+          </a:p>
+          <a:p>
+            <a:pPr algn="l" marL="635230" indent="-317615" lvl="1">
+              <a:lnSpc>
+                <a:spcPts val="4119"/>
+              </a:lnSpc>
+              <a:buFont typeface="Arial"/>
+              <a:buChar char="•"/>
+            </a:pPr>
+            <a:r>
+              <a:rPr lang="en-US" sz="2942">
+                <a:solidFill>
+                  <a:srgbClr val="000000"/>
+                </a:solidFill>
+                <a:latin typeface="Open Sans"/>
+                <a:ea typeface="Open Sans"/>
+                <a:cs typeface="Open Sans"/>
+                <a:sym typeface="Open Sans"/>
+              </a:rPr>
+              <a:t>Gerenciamento de Banco de Dados: MySQL Workbench 8.0</a:t>
+            </a:r>
+          </a:p>
+          <a:p>
+            <a:pPr algn="l">
+              <a:lnSpc>
+                <a:spcPts val="4119"/>
+              </a:lnSpc>
+            </a:pPr>
+          </a:p>
+          <a:p>
+            <a:pPr algn="l" marL="635230" indent="-317615" lvl="1">
+              <a:lnSpc>
+                <a:spcPts val="4119"/>
+              </a:lnSpc>
+              <a:buFont typeface="Arial"/>
+              <a:buChar char="•"/>
+            </a:pPr>
+            <a:r>
+              <a:rPr lang="en-US" sz="2942">
+                <a:solidFill>
+                  <a:srgbClr val="000000"/>
+                </a:solidFill>
+                <a:latin typeface="Open Sans"/>
+                <a:ea typeface="Open Sans"/>
+                <a:cs typeface="Open Sans"/>
+                <a:sym typeface="Open Sans"/>
+              </a:rPr>
+              <a:t>Front-End: HTML, CSS, Javascript</a:t>
+            </a:r>
+          </a:p>
+          <a:p>
+            <a:pPr algn="l">
+              <a:lnSpc>
+                <a:spcPts val="4119"/>
+              </a:lnSpc>
+            </a:pPr>
+          </a:p>
+          <a:p>
+            <a:pPr algn="l" marL="635230" indent="-317615" lvl="1">
+              <a:lnSpc>
+                <a:spcPts val="4119"/>
+              </a:lnSpc>
+              <a:buFont typeface="Arial"/>
+              <a:buChar char="•"/>
+            </a:pPr>
+            <a:r>
+              <a:rPr lang="en-US" sz="2942">
+                <a:solidFill>
+                  <a:srgbClr val="000000"/>
+                </a:solidFill>
+                <a:latin typeface="Open Sans"/>
+                <a:ea typeface="Open Sans"/>
+                <a:cs typeface="Open Sans"/>
+                <a:sym typeface="Open Sans"/>
+              </a:rPr>
+              <a:t>Back-End: Spring Boot (Java)</a:t>
+            </a:r>
+          </a:p>
+          <a:p>
+            <a:pPr algn="l">
+              <a:lnSpc>
+                <a:spcPts val="4119"/>
+              </a:lnSpc>
+            </a:pPr>
+          </a:p>
+          <a:p>
+            <a:pPr algn="l" marL="635230" indent="-317615" lvl="1">
+              <a:lnSpc>
+                <a:spcPts val="4119"/>
+              </a:lnSpc>
+              <a:buFont typeface="Arial"/>
+              <a:buChar char="•"/>
+            </a:pPr>
+            <a:r>
+              <a:rPr lang="en-US" sz="2942">
+                <a:solidFill>
+                  <a:srgbClr val="000000"/>
+                </a:solidFill>
+                <a:latin typeface="Open Sans"/>
+                <a:ea typeface="Open Sans"/>
+                <a:cs typeface="Open Sans"/>
+                <a:sym typeface="Open Sans"/>
+              </a:rPr>
+              <a:t>Bibliotecas e Frameworks: Boostsrap, Spring Security, entre outros.</a:t>
+            </a:r>
+          </a:p>
+        </p:txBody>
+      </p:sp>
+    </p:spTree>
+  </p:cSld>
+  <p:clrMapOvr>
+    <a:masterClrMapping/>
+  </p:clrMapOvr>
+</p:sld>
+</file>
+
+<file path=ppt/slides/slide21.xml><?xml version="1.0" encoding="utf-8"?>
+<p:sld xmlns:p="http://schemas.openxmlformats.org/presentationml/2006/main" xmlns:a="http://schemas.openxmlformats.org/drawingml/2006/main" xmlns:r="http://schemas.openxmlformats.org/officeDocument/2006/relationships">
+  <p:cSld>
+    <p:spTree>
+      <p:nvGrpSpPr>
+        <p:cNvPr id="1" name=""/>
+        <p:cNvGrpSpPr/>
+        <p:nvPr/>
+      </p:nvGrpSpPr>
+      <p:grpSpPr>
+        <a:xfrm>
+          <a:off x="0" y="0"/>
+          <a:ext cx="0" cy="0"/>
+          <a:chOff x="0" y="0"/>
+          <a:chExt cx="0" cy="0"/>
+        </a:xfrm>
+      </p:grpSpPr>
+      <p:grpSp>
+        <p:nvGrpSpPr>
+          <p:cNvPr name="Group 2" id="2"/>
+          <p:cNvGrpSpPr/>
+          <p:nvPr/>
+        </p:nvGrpSpPr>
+        <p:grpSpPr>
+          <a:xfrm rot="0">
+            <a:off x="-1261984" y="-679988"/>
+            <a:ext cx="20708772" cy="2432588"/>
+            <a:chOff x="0" y="0"/>
+            <a:chExt cx="5454162" cy="640682"/>
+          </a:xfrm>
+        </p:grpSpPr>
+        <p:sp>
+          <p:nvSpPr>
+            <p:cNvPr name="Freeform 3" id="3"/>
+            <p:cNvSpPr/>
+            <p:nvPr/>
+          </p:nvSpPr>
+          <p:spPr>
+            <a:xfrm flipH="false" flipV="false" rot="0">
+              <a:off x="0" y="0"/>
+              <a:ext cx="5454162" cy="640682"/>
+            </a:xfrm>
+            <a:custGeom>
+              <a:avLst/>
+              <a:gdLst/>
+              <a:ahLst/>
+              <a:cxnLst/>
+              <a:rect r="r" b="b" t="t" l="l"/>
+              <a:pathLst>
+                <a:path h="640682" w="5454162">
+                  <a:moveTo>
+                    <a:pt x="0" y="0"/>
+                  </a:moveTo>
+                  <a:lnTo>
+                    <a:pt x="5454162" y="0"/>
+                  </a:lnTo>
+                  <a:lnTo>
+                    <a:pt x="5454162" y="640682"/>
+                  </a:lnTo>
+                  <a:lnTo>
+                    <a:pt x="0" y="640682"/>
+                  </a:lnTo>
+                  <a:close/>
+                </a:path>
+              </a:pathLst>
+            </a:custGeom>
+            <a:solidFill>
+              <a:srgbClr val="5BB3CF"/>
+            </a:solidFill>
+          </p:spPr>
+        </p:sp>
+        <p:sp>
+          <p:nvSpPr>
+            <p:cNvPr name="TextBox 4" id="4"/>
+            <p:cNvSpPr txBox="true"/>
+            <p:nvPr/>
+          </p:nvSpPr>
+          <p:spPr>
+            <a:xfrm>
+              <a:off x="0" y="-57150"/>
+              <a:ext cx="5454162" cy="697832"/>
+            </a:xfrm>
+            <a:prstGeom prst="rect">
+              <a:avLst/>
+            </a:prstGeom>
+          </p:spPr>
+          <p:txBody>
+            <a:bodyPr anchor="ctr" rtlCol="false" tIns="50800" lIns="50800" bIns="50800" rIns="50800"/>
+            <a:lstStyle/>
+            <a:p>
+              <a:pPr algn="ctr">
+                <a:lnSpc>
+                  <a:spcPts val="3500"/>
+                </a:lnSpc>
+              </a:pPr>
+            </a:p>
+          </p:txBody>
+        </p:sp>
+      </p:grpSp>
+      <p:sp>
+        <p:nvSpPr>
+          <p:cNvPr name="AutoShape 5" id="5"/>
+          <p:cNvSpPr/>
+          <p:nvPr/>
+        </p:nvSpPr>
+        <p:spPr>
+          <a:xfrm>
+            <a:off x="0" y="1752600"/>
+            <a:ext cx="18702327" cy="0"/>
+          </a:xfrm>
+          <a:prstGeom prst="line">
+            <a:avLst/>
+          </a:prstGeom>
+          <a:ln cap="rnd" w="19050">
+            <a:solidFill>
+              <a:srgbClr val="000000"/>
+            </a:solidFill>
+            <a:prstDash val="solid"/>
+            <a:headEnd type="none" len="sm" w="sm"/>
+            <a:tailEnd type="none" len="sm" w="sm"/>
+          </a:ln>
+        </p:spPr>
+      </p:sp>
+      <p:sp>
+        <p:nvSpPr>
+          <p:cNvPr name="Freeform 6" id="6"/>
+          <p:cNvSpPr/>
+          <p:nvPr/>
+        </p:nvSpPr>
+        <p:spPr>
+          <a:xfrm flipH="false" flipV="false" rot="0">
+            <a:off x="-38100" y="-26476"/>
+            <a:ext cx="1740976" cy="1740976"/>
+          </a:xfrm>
+          <a:custGeom>
+            <a:avLst/>
+            <a:gdLst/>
+            <a:ahLst/>
+            <a:cxnLst/>
+            <a:rect r="r" b="b" t="t" l="l"/>
+            <a:pathLst>
+              <a:path h="1740976" w="1740976">
+                <a:moveTo>
+                  <a:pt x="0" y="0"/>
+                </a:moveTo>
+                <a:lnTo>
+                  <a:pt x="1740976" y="0"/>
+                </a:lnTo>
+                <a:lnTo>
+                  <a:pt x="1740976" y="1740976"/>
+                </a:lnTo>
+                <a:lnTo>
+                  <a:pt x="0" y="1740976"/>
+                </a:lnTo>
+                <a:lnTo>
+                  <a:pt x="0" y="0"/>
+                </a:lnTo>
+                <a:close/>
+              </a:path>
+            </a:pathLst>
+          </a:custGeom>
+          <a:blipFill>
+            <a:blip r:embed="rId2"/>
+            <a:stretch>
+              <a:fillRect l="0" t="0" r="0" b="0"/>
+            </a:stretch>
+          </a:blipFill>
+        </p:spPr>
+      </p:sp>
+      <p:sp>
+        <p:nvSpPr>
+          <p:cNvPr name="Freeform 7" id="7"/>
+          <p:cNvSpPr/>
+          <p:nvPr/>
+        </p:nvSpPr>
+        <p:spPr>
+          <a:xfrm flipH="false" flipV="false" rot="0">
+            <a:off x="16547024" y="-55051"/>
+            <a:ext cx="1740976" cy="1740976"/>
+          </a:xfrm>
+          <a:custGeom>
+            <a:avLst/>
+            <a:gdLst/>
+            <a:ahLst/>
+            <a:cxnLst/>
+            <a:rect r="r" b="b" t="t" l="l"/>
+            <a:pathLst>
+              <a:path h="1740976" w="1740976">
+                <a:moveTo>
+                  <a:pt x="0" y="0"/>
+                </a:moveTo>
+                <a:lnTo>
+                  <a:pt x="1740976" y="0"/>
+                </a:lnTo>
+                <a:lnTo>
+                  <a:pt x="1740976" y="1740976"/>
+                </a:lnTo>
+                <a:lnTo>
+                  <a:pt x="0" y="1740976"/>
+                </a:lnTo>
+                <a:lnTo>
+                  <a:pt x="0" y="0"/>
+                </a:lnTo>
+                <a:close/>
+              </a:path>
+            </a:pathLst>
+          </a:custGeom>
+          <a:blipFill>
+            <a:blip r:embed="rId2"/>
+            <a:stretch>
+              <a:fillRect l="0" t="0" r="0" b="0"/>
+            </a:stretch>
+          </a:blipFill>
+        </p:spPr>
+      </p:sp>
+      <p:sp>
+        <p:nvSpPr>
+          <p:cNvPr name="Freeform 8" id="8"/>
+          <p:cNvSpPr/>
+          <p:nvPr/>
+        </p:nvSpPr>
+        <p:spPr>
+          <a:xfrm flipH="false" flipV="false" rot="0">
+            <a:off x="832388" y="2846310"/>
+            <a:ext cx="3841952" cy="4928969"/>
+          </a:xfrm>
+          <a:custGeom>
+            <a:avLst/>
+            <a:gdLst/>
+            <a:ahLst/>
+            <a:cxnLst/>
+            <a:rect r="r" b="b" t="t" l="l"/>
+            <a:pathLst>
+              <a:path h="4928969" w="3841952">
+                <a:moveTo>
+                  <a:pt x="0" y="0"/>
+                </a:moveTo>
+                <a:lnTo>
+                  <a:pt x="3841952" y="0"/>
+                </a:lnTo>
+                <a:lnTo>
+                  <a:pt x="3841952" y="4928969"/>
+                </a:lnTo>
+                <a:lnTo>
+                  <a:pt x="0" y="4928969"/>
+                </a:lnTo>
+                <a:lnTo>
+                  <a:pt x="0" y="0"/>
+                </a:lnTo>
+                <a:close/>
+              </a:path>
+            </a:pathLst>
+          </a:custGeom>
+          <a:blipFill>
+            <a:blip r:embed="rId3"/>
+            <a:stretch>
+              <a:fillRect l="0" t="-8337" r="0" b="-8654"/>
+            </a:stretch>
+          </a:blipFill>
+        </p:spPr>
+      </p:sp>
+      <p:sp>
+        <p:nvSpPr>
+          <p:cNvPr name="Freeform 9" id="9"/>
+          <p:cNvSpPr/>
+          <p:nvPr/>
+        </p:nvSpPr>
+        <p:spPr>
+          <a:xfrm flipH="false" flipV="false" rot="0">
+            <a:off x="13577424" y="2428928"/>
+            <a:ext cx="3840088" cy="5763734"/>
+          </a:xfrm>
+          <a:custGeom>
+            <a:avLst/>
+            <a:gdLst/>
+            <a:ahLst/>
+            <a:cxnLst/>
+            <a:rect r="r" b="b" t="t" l="l"/>
+            <a:pathLst>
+              <a:path h="5763734" w="3840088">
+                <a:moveTo>
+                  <a:pt x="0" y="0"/>
+                </a:moveTo>
+                <a:lnTo>
+                  <a:pt x="3840088" y="0"/>
+                </a:lnTo>
+                <a:lnTo>
+                  <a:pt x="3840088" y="5763733"/>
+                </a:lnTo>
+                <a:lnTo>
+                  <a:pt x="0" y="5763733"/>
+                </a:lnTo>
+                <a:lnTo>
+                  <a:pt x="0" y="0"/>
+                </a:lnTo>
+                <a:close/>
+              </a:path>
+            </a:pathLst>
+          </a:custGeom>
+          <a:blipFill>
+            <a:blip r:embed="rId4"/>
+            <a:stretch>
+              <a:fillRect l="0" t="0" r="0" b="0"/>
+            </a:stretch>
+          </a:blipFill>
+        </p:spPr>
+      </p:sp>
+      <p:sp>
+        <p:nvSpPr>
+          <p:cNvPr name="TextBox 10" id="10"/>
+          <p:cNvSpPr txBox="true"/>
+          <p:nvPr/>
+        </p:nvSpPr>
+        <p:spPr>
+          <a:xfrm rot="0">
+            <a:off x="5184539" y="5399010"/>
+            <a:ext cx="7882685" cy="1581150"/>
+          </a:xfrm>
+          <a:prstGeom prst="rect">
+            <a:avLst/>
+          </a:prstGeom>
+        </p:spPr>
+        <p:txBody>
+          <a:bodyPr anchor="t" rtlCol="false" tIns="0" lIns="0" bIns="0" rIns="0">
+            <a:spAutoFit/>
+          </a:bodyPr>
+          <a:lstStyle/>
+          <a:p>
+            <a:pPr algn="ctr">
+              <a:lnSpc>
+                <a:spcPts val="4200"/>
+              </a:lnSpc>
+            </a:pPr>
+            <a:r>
+              <a:rPr lang="en-US" sz="3000">
+                <a:solidFill>
+                  <a:srgbClr val="000000"/>
+                </a:solidFill>
+                <a:latin typeface="Open Sans"/>
+                <a:ea typeface="Open Sans"/>
+                <a:cs typeface="Open Sans"/>
+                <a:sym typeface="Open Sans"/>
+              </a:rPr>
+              <a:t>Aqui está um conceito inicial de uma das telas do aplicativo mobile, que usaria a Linguagem Flutter.</a:t>
+            </a:r>
+          </a:p>
+        </p:txBody>
+      </p:sp>
+      <p:sp>
+        <p:nvSpPr>
+          <p:cNvPr name="Freeform 11" id="11"/>
+          <p:cNvSpPr/>
+          <p:nvPr/>
+        </p:nvSpPr>
+        <p:spPr>
+          <a:xfrm flipH="false" flipV="false" rot="0">
+            <a:off x="11491382" y="6572614"/>
+            <a:ext cx="875041" cy="815092"/>
+          </a:xfrm>
+          <a:custGeom>
+            <a:avLst/>
+            <a:gdLst/>
+            <a:ahLst/>
+            <a:cxnLst/>
+            <a:rect r="r" b="b" t="t" l="l"/>
+            <a:pathLst>
+              <a:path h="815092" w="875041">
+                <a:moveTo>
+                  <a:pt x="0" y="0"/>
+                </a:moveTo>
+                <a:lnTo>
+                  <a:pt x="875041" y="0"/>
+                </a:lnTo>
+                <a:lnTo>
+                  <a:pt x="875041" y="815092"/>
+                </a:lnTo>
+                <a:lnTo>
+                  <a:pt x="0" y="815092"/>
+                </a:lnTo>
+                <a:lnTo>
+                  <a:pt x="0" y="0"/>
+                </a:lnTo>
+                <a:close/>
+              </a:path>
+            </a:pathLst>
+          </a:custGeom>
+          <a:blipFill>
+            <a:blip r:embed="rId5"/>
+            <a:stretch>
+              <a:fillRect l="-10276" t="-4696" r="0" b="-13691"/>
+            </a:stretch>
+          </a:blipFill>
+        </p:spPr>
+      </p:sp>
+      <p:sp>
+        <p:nvSpPr>
+          <p:cNvPr name="Freeform 12" id="12"/>
+          <p:cNvSpPr/>
+          <p:nvPr/>
+        </p:nvSpPr>
+        <p:spPr>
+          <a:xfrm flipH="false" flipV="false" rot="0">
+            <a:off x="16082926" y="3031356"/>
+            <a:ext cx="770725" cy="278317"/>
+          </a:xfrm>
+          <a:custGeom>
+            <a:avLst/>
+            <a:gdLst/>
+            <a:ahLst/>
+            <a:cxnLst/>
+            <a:rect r="r" b="b" t="t" l="l"/>
+            <a:pathLst>
+              <a:path h="278317" w="770725">
+                <a:moveTo>
+                  <a:pt x="0" y="0"/>
+                </a:moveTo>
+                <a:lnTo>
+                  <a:pt x="770725" y="0"/>
+                </a:lnTo>
+                <a:lnTo>
+                  <a:pt x="770725" y="278317"/>
+                </a:lnTo>
+                <a:lnTo>
+                  <a:pt x="0" y="278317"/>
+                </a:lnTo>
+                <a:lnTo>
+                  <a:pt x="0" y="0"/>
+                </a:lnTo>
+                <a:close/>
+              </a:path>
+            </a:pathLst>
+          </a:custGeom>
+          <a:blipFill>
+            <a:blip r:embed="rId6"/>
+            <a:stretch>
+              <a:fillRect l="0" t="0" r="0" b="0"/>
+            </a:stretch>
+          </a:blipFill>
+        </p:spPr>
+      </p:sp>
+      <p:sp>
+        <p:nvSpPr>
+          <p:cNvPr name="Freeform 13" id="13"/>
+          <p:cNvSpPr/>
+          <p:nvPr/>
+        </p:nvSpPr>
+        <p:spPr>
+          <a:xfrm flipH="false" flipV="false" rot="0">
+            <a:off x="14057683" y="5171636"/>
+            <a:ext cx="1842445" cy="278317"/>
+          </a:xfrm>
+          <a:custGeom>
+            <a:avLst/>
+            <a:gdLst/>
+            <a:ahLst/>
+            <a:cxnLst/>
+            <a:rect r="r" b="b" t="t" l="l"/>
+            <a:pathLst>
+              <a:path h="278317" w="1842445">
+                <a:moveTo>
+                  <a:pt x="0" y="0"/>
+                </a:moveTo>
+                <a:lnTo>
+                  <a:pt x="1842445" y="0"/>
+                </a:lnTo>
+                <a:lnTo>
+                  <a:pt x="1842445" y="278317"/>
+                </a:lnTo>
+                <a:lnTo>
+                  <a:pt x="0" y="278317"/>
+                </a:lnTo>
+                <a:lnTo>
+                  <a:pt x="0" y="0"/>
+                </a:lnTo>
+                <a:close/>
+              </a:path>
+            </a:pathLst>
+          </a:custGeom>
+          <a:blipFill>
+            <a:blip r:embed="rId6"/>
+            <a:stretch>
+              <a:fillRect l="0" t="-69526" r="0" b="-69526"/>
+            </a:stretch>
+          </a:blipFill>
+        </p:spPr>
+      </p:sp>
+      <p:sp>
+        <p:nvSpPr>
+          <p:cNvPr name="TextBox 14" id="14"/>
+          <p:cNvSpPr txBox="true"/>
+          <p:nvPr/>
+        </p:nvSpPr>
+        <p:spPr>
+          <a:xfrm rot="0">
+            <a:off x="1871598" y="182024"/>
+            <a:ext cx="14544804" cy="1247775"/>
+          </a:xfrm>
+          <a:prstGeom prst="rect">
+            <a:avLst/>
+          </a:prstGeom>
+        </p:spPr>
+        <p:txBody>
+          <a:bodyPr anchor="t" rtlCol="false" tIns="0" lIns="0" bIns="0" rIns="0">
+            <a:spAutoFit/>
+          </a:bodyPr>
+          <a:lstStyle/>
+          <a:p>
+            <a:pPr algn="ctr" marL="0" indent="0" lvl="0">
+              <a:lnSpc>
+                <a:spcPts val="8399"/>
+              </a:lnSpc>
+              <a:spcBef>
+                <a:spcPct val="0"/>
+              </a:spcBef>
+            </a:pPr>
+            <a:r>
+              <a:rPr lang="en-US" sz="6999">
+                <a:solidFill>
+                  <a:srgbClr val="000000"/>
+                </a:solidFill>
+                <a:latin typeface="Agrandir"/>
+                <a:ea typeface="Agrandir"/>
+                <a:cs typeface="Agrandir"/>
+                <a:sym typeface="Agrandir"/>
+              </a:rPr>
+              <a:t>App Mobile</a:t>
+            </a:r>
+          </a:p>
+        </p:txBody>
+      </p:sp>
+      <p:sp>
+        <p:nvSpPr>
+          <p:cNvPr name="TextBox 15" id="15"/>
+          <p:cNvSpPr txBox="true"/>
+          <p:nvPr/>
+        </p:nvSpPr>
+        <p:spPr>
+          <a:xfrm rot="0">
+            <a:off x="5151059" y="2789160"/>
+            <a:ext cx="7882685" cy="1581150"/>
+          </a:xfrm>
+          <a:prstGeom prst="rect">
+            <a:avLst/>
+          </a:prstGeom>
+        </p:spPr>
+        <p:txBody>
+          <a:bodyPr anchor="t" rtlCol="false" tIns="0" lIns="0" bIns="0" rIns="0">
+            <a:spAutoFit/>
+          </a:bodyPr>
+          <a:lstStyle/>
+          <a:p>
+            <a:pPr algn="ctr">
+              <a:lnSpc>
+                <a:spcPts val="4200"/>
+              </a:lnSpc>
+            </a:pPr>
+            <a:r>
+              <a:rPr lang="en-US" sz="3000">
+                <a:solidFill>
+                  <a:srgbClr val="000000"/>
+                </a:solidFill>
+                <a:latin typeface="Open Sans"/>
+                <a:ea typeface="Open Sans"/>
+                <a:cs typeface="Open Sans"/>
+                <a:sym typeface="Open Sans"/>
+              </a:rPr>
+              <a:t>O aplicativo mobile ainda está em desenvolvimento e contará com as mesmas qualidades da versão Web e Desktop.</a:t>
+            </a:r>
+          </a:p>
+        </p:txBody>
+      </p:sp>
+      <p:sp>
+        <p:nvSpPr>
+          <p:cNvPr name="TextBox 16" id="16"/>
+          <p:cNvSpPr txBox="true"/>
+          <p:nvPr/>
+        </p:nvSpPr>
+        <p:spPr>
+          <a:xfrm rot="0">
+            <a:off x="13945187" y="5227560"/>
+            <a:ext cx="2184483" cy="257175"/>
+          </a:xfrm>
+          <a:prstGeom prst="rect">
+            <a:avLst/>
+          </a:prstGeom>
+        </p:spPr>
+        <p:txBody>
+          <a:bodyPr anchor="t" rtlCol="false" tIns="0" lIns="0" bIns="0" rIns="0">
+            <a:spAutoFit/>
+          </a:bodyPr>
+          <a:lstStyle/>
+          <a:p>
+            <a:pPr algn="ctr">
+              <a:lnSpc>
+                <a:spcPts val="2100"/>
+              </a:lnSpc>
+            </a:pPr>
+            <a:r>
+              <a:rPr lang="en-US" sz="1500" b="true">
+                <a:solidFill>
+                  <a:srgbClr val="000000"/>
+                </a:solidFill>
+                <a:latin typeface="Open Sans Bold"/>
+                <a:ea typeface="Open Sans Bold"/>
+                <a:cs typeface="Open Sans Bold"/>
+                <a:sym typeface="Open Sans Bold"/>
+              </a:rPr>
+              <a:t>TITULAR DO CARTÃO</a:t>
+            </a:r>
+          </a:p>
+        </p:txBody>
+      </p:sp>
+      <p:sp>
+        <p:nvSpPr>
+          <p:cNvPr name="Freeform 17" id="17"/>
+          <p:cNvSpPr/>
+          <p:nvPr/>
+        </p:nvSpPr>
+        <p:spPr>
+          <a:xfrm flipH="false" flipV="false" rot="0">
+            <a:off x="16082926" y="5032477"/>
+            <a:ext cx="889770" cy="278317"/>
+          </a:xfrm>
+          <a:custGeom>
+            <a:avLst/>
+            <a:gdLst/>
+            <a:ahLst/>
+            <a:cxnLst/>
+            <a:rect r="r" b="b" t="t" l="l"/>
+            <a:pathLst>
+              <a:path h="278317" w="889770">
+                <a:moveTo>
+                  <a:pt x="0" y="0"/>
+                </a:moveTo>
+                <a:lnTo>
+                  <a:pt x="889770" y="0"/>
+                </a:lnTo>
+                <a:lnTo>
+                  <a:pt x="889770" y="278317"/>
+                </a:lnTo>
+                <a:lnTo>
+                  <a:pt x="0" y="278317"/>
+                </a:lnTo>
+                <a:lnTo>
+                  <a:pt x="0" y="0"/>
+                </a:lnTo>
+                <a:close/>
+              </a:path>
+            </a:pathLst>
+          </a:custGeom>
+          <a:blipFill>
+            <a:blip r:embed="rId6"/>
+            <a:stretch>
+              <a:fillRect l="0" t="-7722" r="0" b="-7722"/>
+            </a:stretch>
+          </a:blipFill>
+        </p:spPr>
+      </p:sp>
+    </p:spTree>
+  </p:cSld>
+  <p:clrMapOvr>
+    <a:masterClrMapping/>
+  </p:clrMapOvr>
+</p:sld>
+</file>
+
+<file path=ppt/slides/slide22.xml><?xml version="1.0" encoding="utf-8"?>
+<p:sld xmlns:p="http://schemas.openxmlformats.org/presentationml/2006/main" xmlns:a="http://schemas.openxmlformats.org/drawingml/2006/main" xmlns:r="http://schemas.openxmlformats.org/officeDocument/2006/relationships">
+  <p:cSld>
+    <p:spTree>
+      <p:nvGrpSpPr>
+        <p:cNvPr id="1" name=""/>
+        <p:cNvGrpSpPr/>
+        <p:nvPr/>
+      </p:nvGrpSpPr>
+      <p:grpSpPr>
+        <a:xfrm>
+          <a:off x="0" y="0"/>
+          <a:ext cx="0" cy="0"/>
+          <a:chOff x="0" y="0"/>
+          <a:chExt cx="0" cy="0"/>
+        </a:xfrm>
+      </p:grpSpPr>
+      <p:grpSp>
+        <p:nvGrpSpPr>
+          <p:cNvPr name="Group 2" id="2"/>
+          <p:cNvGrpSpPr/>
+          <p:nvPr/>
+        </p:nvGrpSpPr>
+        <p:grpSpPr>
+          <a:xfrm rot="0">
+            <a:off x="-1261984" y="-679988"/>
+            <a:ext cx="20708772" cy="2432588"/>
+            <a:chOff x="0" y="0"/>
+            <a:chExt cx="5454162" cy="640682"/>
+          </a:xfrm>
+        </p:grpSpPr>
+        <p:sp>
+          <p:nvSpPr>
+            <p:cNvPr name="Freeform 3" id="3"/>
+            <p:cNvSpPr/>
+            <p:nvPr/>
+          </p:nvSpPr>
+          <p:spPr>
+            <a:xfrm flipH="false" flipV="false" rot="0">
+              <a:off x="0" y="0"/>
+              <a:ext cx="5454162" cy="640682"/>
+            </a:xfrm>
+            <a:custGeom>
+              <a:avLst/>
+              <a:gdLst/>
+              <a:ahLst/>
+              <a:cxnLst/>
+              <a:rect r="r" b="b" t="t" l="l"/>
+              <a:pathLst>
+                <a:path h="640682" w="5454162">
+                  <a:moveTo>
+                    <a:pt x="0" y="0"/>
+                  </a:moveTo>
+                  <a:lnTo>
+                    <a:pt x="5454162" y="0"/>
+                  </a:lnTo>
+                  <a:lnTo>
+                    <a:pt x="5454162" y="640682"/>
+                  </a:lnTo>
+                  <a:lnTo>
+                    <a:pt x="0" y="640682"/>
+                  </a:lnTo>
+                  <a:close/>
+                </a:path>
+              </a:pathLst>
+            </a:custGeom>
+            <a:solidFill>
+              <a:srgbClr val="5BB3CF"/>
+            </a:solidFill>
+          </p:spPr>
+        </p:sp>
+        <p:sp>
+          <p:nvSpPr>
+            <p:cNvPr name="TextBox 4" id="4"/>
+            <p:cNvSpPr txBox="true"/>
+            <p:nvPr/>
+          </p:nvSpPr>
+          <p:spPr>
+            <a:xfrm>
+              <a:off x="0" y="-57150"/>
+              <a:ext cx="5454162" cy="697832"/>
+            </a:xfrm>
+            <a:prstGeom prst="rect">
+              <a:avLst/>
+            </a:prstGeom>
+          </p:spPr>
+          <p:txBody>
+            <a:bodyPr anchor="ctr" rtlCol="false" tIns="50800" lIns="50800" bIns="50800" rIns="50800"/>
+            <a:lstStyle/>
+            <a:p>
+              <a:pPr algn="ctr">
+                <a:lnSpc>
+                  <a:spcPts val="3500"/>
+                </a:lnSpc>
+              </a:pPr>
+            </a:p>
+          </p:txBody>
+        </p:sp>
+      </p:grpSp>
+      <p:sp>
+        <p:nvSpPr>
+          <p:cNvPr name="AutoShape 5" id="5"/>
+          <p:cNvSpPr/>
+          <p:nvPr/>
+        </p:nvSpPr>
+        <p:spPr>
+          <a:xfrm>
+            <a:off x="0" y="1752600"/>
+            <a:ext cx="18702327" cy="0"/>
+          </a:xfrm>
+          <a:prstGeom prst="line">
+            <a:avLst/>
+          </a:prstGeom>
+          <a:ln cap="rnd" w="19050">
+            <a:solidFill>
+              <a:srgbClr val="000000"/>
+            </a:solidFill>
+            <a:prstDash val="solid"/>
+            <a:headEnd type="none" len="sm" w="sm"/>
+            <a:tailEnd type="none" len="sm" w="sm"/>
+          </a:ln>
+        </p:spPr>
+      </p:sp>
+      <p:sp>
+        <p:nvSpPr>
+          <p:cNvPr name="Freeform 6" id="6"/>
+          <p:cNvSpPr/>
+          <p:nvPr/>
+        </p:nvSpPr>
+        <p:spPr>
+          <a:xfrm flipH="false" flipV="false" rot="0">
+            <a:off x="-38100" y="-26476"/>
+            <a:ext cx="1740976" cy="1740976"/>
+          </a:xfrm>
+          <a:custGeom>
+            <a:avLst/>
+            <a:gdLst/>
+            <a:ahLst/>
+            <a:cxnLst/>
+            <a:rect r="r" b="b" t="t" l="l"/>
+            <a:pathLst>
+              <a:path h="1740976" w="1740976">
+                <a:moveTo>
+                  <a:pt x="0" y="0"/>
+                </a:moveTo>
+                <a:lnTo>
+                  <a:pt x="1740976" y="0"/>
+                </a:lnTo>
+                <a:lnTo>
+                  <a:pt x="1740976" y="1740976"/>
+                </a:lnTo>
+                <a:lnTo>
+                  <a:pt x="0" y="1740976"/>
+                </a:lnTo>
+                <a:lnTo>
+                  <a:pt x="0" y="0"/>
+                </a:lnTo>
+                <a:close/>
+              </a:path>
+            </a:pathLst>
+          </a:custGeom>
+          <a:blipFill>
+            <a:blip r:embed="rId2"/>
+            <a:stretch>
+              <a:fillRect l="0" t="0" r="0" b="0"/>
+            </a:stretch>
+          </a:blipFill>
+        </p:spPr>
+      </p:sp>
+      <p:sp>
+        <p:nvSpPr>
+          <p:cNvPr name="Freeform 7" id="7"/>
+          <p:cNvSpPr/>
+          <p:nvPr/>
+        </p:nvSpPr>
+        <p:spPr>
+          <a:xfrm flipH="false" flipV="false" rot="0">
+            <a:off x="16547024" y="-55051"/>
+            <a:ext cx="1740976" cy="1740976"/>
+          </a:xfrm>
+          <a:custGeom>
+            <a:avLst/>
+            <a:gdLst/>
+            <a:ahLst/>
+            <a:cxnLst/>
+            <a:rect r="r" b="b" t="t" l="l"/>
+            <a:pathLst>
+              <a:path h="1740976" w="1740976">
+                <a:moveTo>
+                  <a:pt x="0" y="0"/>
+                </a:moveTo>
+                <a:lnTo>
+                  <a:pt x="1740976" y="0"/>
+                </a:lnTo>
+                <a:lnTo>
+                  <a:pt x="1740976" y="1740976"/>
+                </a:lnTo>
+                <a:lnTo>
+                  <a:pt x="0" y="1740976"/>
+                </a:lnTo>
+                <a:lnTo>
+                  <a:pt x="0" y="0"/>
+                </a:lnTo>
+                <a:close/>
+              </a:path>
+            </a:pathLst>
+          </a:custGeom>
+          <a:blipFill>
+            <a:blip r:embed="rId2"/>
+            <a:stretch>
+              <a:fillRect l="0" t="0" r="0" b="0"/>
+            </a:stretch>
+          </a:blipFill>
+        </p:spPr>
+      </p:sp>
+      <p:sp>
+        <p:nvSpPr>
+          <p:cNvPr name="TextBox 8" id="8"/>
+          <p:cNvSpPr txBox="true"/>
+          <p:nvPr/>
+        </p:nvSpPr>
+        <p:spPr>
+          <a:xfrm rot="0">
+            <a:off x="1871598" y="182024"/>
+            <a:ext cx="14544804" cy="1247775"/>
+          </a:xfrm>
+          <a:prstGeom prst="rect">
+            <a:avLst/>
+          </a:prstGeom>
+        </p:spPr>
+        <p:txBody>
+          <a:bodyPr anchor="t" rtlCol="false" tIns="0" lIns="0" bIns="0" rIns="0">
+            <a:spAutoFit/>
+          </a:bodyPr>
+          <a:lstStyle/>
+          <a:p>
+            <a:pPr algn="ctr" marL="0" indent="0" lvl="0">
+              <a:lnSpc>
+                <a:spcPts val="8399"/>
+              </a:lnSpc>
+              <a:spcBef>
+                <a:spcPct val="0"/>
+              </a:spcBef>
+            </a:pPr>
+            <a:r>
+              <a:rPr lang="en-US" sz="6999">
+                <a:solidFill>
+                  <a:srgbClr val="000000"/>
+                </a:solidFill>
+                <a:latin typeface="Agrandir"/>
+                <a:ea typeface="Agrandir"/>
+                <a:cs typeface="Agrandir"/>
+                <a:sym typeface="Agrandir"/>
+              </a:rPr>
+              <a:t>Considerações Finais</a:t>
+            </a:r>
+          </a:p>
+        </p:txBody>
+      </p:sp>
+      <p:sp>
+        <p:nvSpPr>
+          <p:cNvPr name="TextBox 9" id="9"/>
+          <p:cNvSpPr txBox="true"/>
+          <p:nvPr/>
+        </p:nvSpPr>
+        <p:spPr>
+          <a:xfrm rot="0">
+            <a:off x="2027588" y="3583700"/>
+            <a:ext cx="14129627" cy="1889760"/>
+          </a:xfrm>
+          <a:prstGeom prst="rect">
+            <a:avLst/>
+          </a:prstGeom>
+        </p:spPr>
+        <p:txBody>
+          <a:bodyPr anchor="t" rtlCol="false" tIns="0" lIns="0" bIns="0" rIns="0">
+            <a:spAutoFit/>
+          </a:bodyPr>
+          <a:lstStyle/>
+          <a:p>
+            <a:pPr algn="l" marL="777237" indent="-388618" lvl="1">
+              <a:lnSpc>
+                <a:spcPts val="5039"/>
+              </a:lnSpc>
+              <a:buFont typeface="Arial"/>
+              <a:buChar char="•"/>
+            </a:pPr>
+            <a:r>
+              <a:rPr lang="en-US" sz="3599">
+                <a:solidFill>
+                  <a:srgbClr val="000000"/>
+                </a:solidFill>
+                <a:latin typeface="Open Sans"/>
+                <a:ea typeface="Open Sans"/>
+                <a:cs typeface="Open Sans"/>
+                <a:sym typeface="Open Sans"/>
+              </a:rPr>
+              <a:t>Linguagens utilizadas vão desde o JavaScript até o Spring Boot.</a:t>
+            </a:r>
+          </a:p>
+          <a:p>
+            <a:pPr algn="l" marL="777237" indent="-388618" lvl="1">
+              <a:lnSpc>
+                <a:spcPts val="5039"/>
+              </a:lnSpc>
+              <a:buFont typeface="Arial"/>
+              <a:buChar char="•"/>
+            </a:pPr>
+            <a:r>
+              <a:rPr lang="en-US" sz="3599">
+                <a:solidFill>
+                  <a:srgbClr val="000000"/>
+                </a:solidFill>
+                <a:latin typeface="Open Sans"/>
+                <a:ea typeface="Open Sans"/>
+                <a:cs typeface="Open Sans"/>
+                <a:sym typeface="Open Sans"/>
+              </a:rPr>
+              <a:t>Um fórum será produzido aos usuários.</a:t>
+            </a:r>
+          </a:p>
+          <a:p>
+            <a:pPr algn="l" marL="777237" indent="-388618" lvl="1">
+              <a:lnSpc>
+                <a:spcPts val="5039"/>
+              </a:lnSpc>
+              <a:buFont typeface="Arial"/>
+              <a:buChar char="•"/>
+            </a:pPr>
+            <a:r>
+              <a:rPr lang="en-US" sz="3599">
+                <a:solidFill>
+                  <a:srgbClr val="000000"/>
+                </a:solidFill>
+                <a:latin typeface="Open Sans"/>
+                <a:ea typeface="Open Sans"/>
+                <a:cs typeface="Open Sans"/>
+                <a:sym typeface="Open Sans"/>
+              </a:rPr>
+              <a:t>Ressaltando o proposito do projeto.</a:t>
+            </a:r>
+          </a:p>
+        </p:txBody>
+      </p:sp>
+    </p:spTree>
+  </p:cSld>
+  <p:clrMapOvr>
+    <a:masterClrMapping/>
+  </p:clrMapOvr>
+</p:sld>
+</file>
+
+<file path=ppt/slides/slide23.xml><?xml version="1.0" encoding="utf-8"?>
+<p:sld xmlns:p="http://schemas.openxmlformats.org/presentationml/2006/main" xmlns:a="http://schemas.openxmlformats.org/drawingml/2006/main" xmlns:r="http://schemas.openxmlformats.org/officeDocument/2006/relationships">
+  <p:cSld>
+    <p:bg>
+      <p:bgPr>
+        <a:solidFill>
+          <a:srgbClr val="5BB3CF"/>
+        </a:solidFill>
+      </p:bgPr>
+    </p:bg>
+    <p:spTree>
+      <p:nvGrpSpPr>
+        <p:cNvPr id="1" name=""/>
+        <p:cNvGrpSpPr/>
+        <p:nvPr/>
+      </p:nvGrpSpPr>
+      <p:grpSpPr>
+        <a:xfrm>
+          <a:off x="0" y="0"/>
+          <a:ext cx="0" cy="0"/>
+          <a:chOff x="0" y="0"/>
+          <a:chExt cx="0" cy="0"/>
+        </a:xfrm>
+      </p:grpSpPr>
+      <p:grpSp>
+        <p:nvGrpSpPr>
+          <p:cNvPr name="Group 2" id="2"/>
+          <p:cNvGrpSpPr/>
+          <p:nvPr/>
+        </p:nvGrpSpPr>
+        <p:grpSpPr>
+          <a:xfrm rot="0">
+            <a:off x="680480" y="625871"/>
+            <a:ext cx="16927040" cy="9035258"/>
+            <a:chOff x="0" y="0"/>
+            <a:chExt cx="126402652" cy="67470777"/>
+          </a:xfrm>
+        </p:grpSpPr>
+        <p:sp>
+          <p:nvSpPr>
+            <p:cNvPr name="Freeform 3" id="3"/>
+            <p:cNvSpPr/>
+            <p:nvPr/>
+          </p:nvSpPr>
+          <p:spPr>
+            <a:xfrm flipH="false" flipV="false" rot="0">
+              <a:off x="72390" y="72390"/>
+              <a:ext cx="126257871" cy="67325995"/>
+            </a:xfrm>
+            <a:custGeom>
+              <a:avLst/>
+              <a:gdLst/>
+              <a:ahLst/>
+              <a:cxnLst/>
+              <a:rect r="r" b="b" t="t" l="l"/>
+              <a:pathLst>
+                <a:path h="67325995" w="126257871">
+                  <a:moveTo>
+                    <a:pt x="0" y="0"/>
+                  </a:moveTo>
+                  <a:lnTo>
+                    <a:pt x="126257871" y="0"/>
+                  </a:lnTo>
+                  <a:lnTo>
+                    <a:pt x="126257871" y="67325995"/>
+                  </a:lnTo>
+                  <a:lnTo>
+                    <a:pt x="0" y="67325995"/>
+                  </a:lnTo>
+                  <a:lnTo>
+                    <a:pt x="0" y="0"/>
+                  </a:lnTo>
+                  <a:close/>
+                </a:path>
+              </a:pathLst>
+            </a:custGeom>
+            <a:solidFill>
+              <a:srgbClr val="FFFFFF"/>
+            </a:solidFill>
+          </p:spPr>
+        </p:sp>
+        <p:sp>
+          <p:nvSpPr>
+            <p:cNvPr name="Freeform 4" id="4"/>
+            <p:cNvSpPr/>
+            <p:nvPr/>
+          </p:nvSpPr>
+          <p:spPr>
+            <a:xfrm flipH="false" flipV="false" rot="0">
+              <a:off x="0" y="0"/>
+              <a:ext cx="126402654" cy="67470778"/>
+            </a:xfrm>
+            <a:custGeom>
+              <a:avLst/>
+              <a:gdLst/>
+              <a:ahLst/>
+              <a:cxnLst/>
+              <a:rect r="r" b="b" t="t" l="l"/>
+              <a:pathLst>
+                <a:path h="67470778" w="126402654">
+                  <a:moveTo>
+                    <a:pt x="126257869" y="67325999"/>
+                  </a:moveTo>
+                  <a:lnTo>
+                    <a:pt x="126402654" y="67325999"/>
+                  </a:lnTo>
+                  <a:lnTo>
+                    <a:pt x="126402654" y="67470778"/>
+                  </a:lnTo>
+                  <a:lnTo>
+                    <a:pt x="126257869" y="67470778"/>
+                  </a:lnTo>
+                  <a:lnTo>
+                    <a:pt x="126257869" y="67325999"/>
+                  </a:lnTo>
+                  <a:close/>
+                  <a:moveTo>
+                    <a:pt x="0" y="144780"/>
+                  </a:moveTo>
+                  <a:lnTo>
+                    <a:pt x="144780" y="144780"/>
+                  </a:lnTo>
+                  <a:lnTo>
+                    <a:pt x="144780" y="67325999"/>
+                  </a:lnTo>
+                  <a:lnTo>
+                    <a:pt x="0" y="67325999"/>
+                  </a:lnTo>
+                  <a:lnTo>
+                    <a:pt x="0" y="144780"/>
+                  </a:lnTo>
+                  <a:close/>
+                  <a:moveTo>
+                    <a:pt x="0" y="67325999"/>
+                  </a:moveTo>
+                  <a:lnTo>
+                    <a:pt x="144780" y="67325999"/>
+                  </a:lnTo>
+                  <a:lnTo>
+                    <a:pt x="144780" y="67470778"/>
+                  </a:lnTo>
+                  <a:lnTo>
+                    <a:pt x="0" y="67470778"/>
+                  </a:lnTo>
+                  <a:lnTo>
+                    <a:pt x="0" y="67325999"/>
+                  </a:lnTo>
+                  <a:close/>
+                  <a:moveTo>
+                    <a:pt x="126257869" y="144780"/>
+                  </a:moveTo>
+                  <a:lnTo>
+                    <a:pt x="126402654" y="144780"/>
+                  </a:lnTo>
+                  <a:lnTo>
+                    <a:pt x="126402654" y="67325999"/>
+                  </a:lnTo>
+                  <a:lnTo>
+                    <a:pt x="126257869" y="67325999"/>
+                  </a:lnTo>
+                  <a:lnTo>
+                    <a:pt x="126257869" y="144780"/>
+                  </a:lnTo>
+                  <a:close/>
+                  <a:moveTo>
+                    <a:pt x="144780" y="67325999"/>
+                  </a:moveTo>
+                  <a:lnTo>
+                    <a:pt x="126257869" y="67325999"/>
+                  </a:lnTo>
+                  <a:lnTo>
+                    <a:pt x="126257869" y="67470778"/>
+                  </a:lnTo>
+                  <a:lnTo>
+                    <a:pt x="144780" y="67470778"/>
+                  </a:lnTo>
+                  <a:lnTo>
+                    <a:pt x="144780" y="67325999"/>
+                  </a:lnTo>
+                  <a:close/>
+                  <a:moveTo>
+                    <a:pt x="126257869" y="0"/>
+                  </a:moveTo>
+                  <a:lnTo>
+                    <a:pt x="126402654" y="0"/>
+                  </a:lnTo>
+                  <a:lnTo>
+                    <a:pt x="126402654" y="144780"/>
+                  </a:lnTo>
+                  <a:lnTo>
+                    <a:pt x="126257869" y="144780"/>
+                  </a:lnTo>
+                  <a:lnTo>
+                    <a:pt x="126257869" y="0"/>
+                  </a:lnTo>
+                  <a:close/>
+                  <a:moveTo>
+                    <a:pt x="0" y="0"/>
+                  </a:moveTo>
+                  <a:lnTo>
+                    <a:pt x="144780" y="0"/>
+                  </a:lnTo>
+                  <a:lnTo>
+                    <a:pt x="144780" y="144780"/>
+                  </a:lnTo>
+                  <a:lnTo>
+                    <a:pt x="0" y="144780"/>
+                  </a:lnTo>
+                  <a:lnTo>
+                    <a:pt x="0" y="0"/>
+                  </a:lnTo>
+                  <a:close/>
+                  <a:moveTo>
+                    <a:pt x="144780" y="0"/>
+                  </a:moveTo>
+                  <a:lnTo>
+                    <a:pt x="126257869" y="0"/>
+                  </a:lnTo>
+                  <a:lnTo>
+                    <a:pt x="126257869" y="144780"/>
+                  </a:lnTo>
+                  <a:lnTo>
+                    <a:pt x="144780" y="144780"/>
+                  </a:lnTo>
+                  <a:lnTo>
+                    <a:pt x="144780" y="0"/>
+                  </a:lnTo>
+                  <a:close/>
+                </a:path>
+              </a:pathLst>
+            </a:custGeom>
+            <a:solidFill>
+              <a:srgbClr val="000000"/>
+            </a:solidFill>
+          </p:spPr>
+        </p:sp>
+      </p:grpSp>
+      <p:grpSp>
+        <p:nvGrpSpPr>
+          <p:cNvPr name="Group 5" id="5"/>
+          <p:cNvGrpSpPr/>
+          <p:nvPr/>
+        </p:nvGrpSpPr>
+        <p:grpSpPr>
+          <a:xfrm rot="0">
+            <a:off x="3000871" y="4094515"/>
+            <a:ext cx="12286259" cy="3433648"/>
+            <a:chOff x="0" y="0"/>
+            <a:chExt cx="16381678" cy="4578197"/>
+          </a:xfrm>
+        </p:grpSpPr>
+        <p:grpSp>
+          <p:nvGrpSpPr>
+            <p:cNvPr name="Group 6" id="6"/>
+            <p:cNvGrpSpPr/>
+            <p:nvPr/>
+          </p:nvGrpSpPr>
+          <p:grpSpPr>
+            <a:xfrm rot="0">
+              <a:off x="2748295" y="3324170"/>
+              <a:ext cx="10631089" cy="1254027"/>
+              <a:chOff x="0" y="0"/>
+              <a:chExt cx="16440449" cy="1939290"/>
+            </a:xfrm>
+          </p:grpSpPr>
+          <p:sp>
+            <p:nvSpPr>
+              <p:cNvPr name="Freeform 7" id="7"/>
+              <p:cNvSpPr/>
+              <p:nvPr/>
+            </p:nvSpPr>
+            <p:spPr>
+              <a:xfrm flipH="false" flipV="false" rot="0">
+                <a:off x="12700" y="12700"/>
+                <a:ext cx="16415049" cy="1913890"/>
+              </a:xfrm>
+              <a:custGeom>
+                <a:avLst/>
+                <a:gdLst/>
+                <a:ahLst/>
+                <a:cxnLst/>
+                <a:rect r="r" b="b" t="t" l="l"/>
+                <a:pathLst>
+                  <a:path h="1913890" w="16415049">
+                    <a:moveTo>
+                      <a:pt x="15458105" y="1913890"/>
+                    </a:moveTo>
+                    <a:lnTo>
+                      <a:pt x="956945" y="1913890"/>
+                    </a:lnTo>
+                    <a:cubicBezTo>
+                      <a:pt x="428371" y="1913890"/>
+                      <a:pt x="0" y="1485392"/>
+                      <a:pt x="0" y="956945"/>
+                    </a:cubicBezTo>
+                    <a:cubicBezTo>
+                      <a:pt x="0" y="428371"/>
+                      <a:pt x="428371" y="0"/>
+                      <a:pt x="956945" y="0"/>
+                    </a:cubicBezTo>
+                    <a:lnTo>
+                      <a:pt x="15458105" y="0"/>
+                    </a:lnTo>
+                    <a:cubicBezTo>
+                      <a:pt x="15986551" y="0"/>
+                      <a:pt x="16415049" y="428371"/>
+                      <a:pt x="16415049" y="956945"/>
+                    </a:cubicBezTo>
+                    <a:cubicBezTo>
+                      <a:pt x="16415049" y="1485392"/>
+                      <a:pt x="15986551" y="1913890"/>
+                      <a:pt x="15458105" y="1913890"/>
+                    </a:cubicBezTo>
+                    <a:close/>
+                  </a:path>
+                </a:pathLst>
+              </a:custGeom>
+              <a:solidFill>
+                <a:srgbClr val="5BB3CF"/>
+              </a:solidFill>
+            </p:spPr>
+          </p:sp>
+          <p:sp>
+            <p:nvSpPr>
+              <p:cNvPr name="Freeform 8" id="8"/>
+              <p:cNvSpPr/>
+              <p:nvPr/>
+            </p:nvSpPr>
+            <p:spPr>
+              <a:xfrm flipH="false" flipV="false" rot="0">
+                <a:off x="0" y="0"/>
+                <a:ext cx="16440449" cy="1939290"/>
+              </a:xfrm>
+              <a:custGeom>
+                <a:avLst/>
+                <a:gdLst/>
+                <a:ahLst/>
+                <a:cxnLst/>
+                <a:rect r="r" b="b" t="t" l="l"/>
+                <a:pathLst>
+                  <a:path h="1939290" w="16440449">
+                    <a:moveTo>
+                      <a:pt x="15470805" y="0"/>
+                    </a:moveTo>
+                    <a:lnTo>
+                      <a:pt x="969645" y="0"/>
+                    </a:lnTo>
+                    <a:cubicBezTo>
+                      <a:pt x="434975" y="0"/>
+                      <a:pt x="0" y="434975"/>
+                      <a:pt x="0" y="969645"/>
+                    </a:cubicBezTo>
+                    <a:cubicBezTo>
+                      <a:pt x="0" y="1504315"/>
+                      <a:pt x="434975" y="1939290"/>
+                      <a:pt x="969645" y="1939290"/>
+                    </a:cubicBezTo>
+                    <a:lnTo>
+                      <a:pt x="15470805" y="1939290"/>
+                    </a:lnTo>
+                    <a:cubicBezTo>
+                      <a:pt x="16005474" y="1939290"/>
+                      <a:pt x="16440449" y="1504315"/>
+                      <a:pt x="16440449" y="969645"/>
+                    </a:cubicBezTo>
+                    <a:cubicBezTo>
+                      <a:pt x="16440449" y="434975"/>
+                      <a:pt x="16005474" y="0"/>
+                      <a:pt x="15470805" y="0"/>
+                    </a:cubicBezTo>
+                    <a:close/>
+                    <a:moveTo>
+                      <a:pt x="15470805" y="1913890"/>
+                    </a:moveTo>
+                    <a:lnTo>
+                      <a:pt x="969645" y="1913890"/>
+                    </a:lnTo>
+                    <a:cubicBezTo>
+                      <a:pt x="448945" y="1913890"/>
+                      <a:pt x="25400" y="1490345"/>
+                      <a:pt x="25400" y="969645"/>
+                    </a:cubicBezTo>
+                    <a:cubicBezTo>
+                      <a:pt x="25400" y="448945"/>
+                      <a:pt x="448945" y="25400"/>
+                      <a:pt x="969645" y="25400"/>
+                    </a:cubicBezTo>
+                    <a:lnTo>
+                      <a:pt x="15470805" y="25400"/>
+                    </a:lnTo>
+                    <a:cubicBezTo>
+                      <a:pt x="15991505" y="25400"/>
+                      <a:pt x="16415049" y="448945"/>
+                      <a:pt x="16415049" y="969645"/>
+                    </a:cubicBezTo>
+                    <a:cubicBezTo>
+                      <a:pt x="16415049" y="1490345"/>
+                      <a:pt x="15991505" y="1913890"/>
+                      <a:pt x="15470805" y="1913890"/>
+                    </a:cubicBezTo>
+                    <a:close/>
+                  </a:path>
+                </a:pathLst>
+              </a:custGeom>
+              <a:solidFill>
+                <a:srgbClr val="000000"/>
+              </a:solidFill>
+            </p:spPr>
+          </p:sp>
+        </p:grpSp>
+        <p:sp>
+          <p:nvSpPr>
+            <p:cNvPr name="TextBox 9" id="9"/>
+            <p:cNvSpPr txBox="true"/>
+            <p:nvPr/>
+          </p:nvSpPr>
+          <p:spPr>
+            <a:xfrm rot="0">
+              <a:off x="0" y="-238125"/>
+              <a:ext cx="16381678" cy="2773892"/>
+            </a:xfrm>
+            <a:prstGeom prst="rect">
+              <a:avLst/>
+            </a:prstGeom>
+          </p:spPr>
+          <p:txBody>
+            <a:bodyPr anchor="t" rtlCol="false" tIns="0" lIns="0" bIns="0" rIns="0">
+              <a:spAutoFit/>
+            </a:bodyPr>
+            <a:lstStyle/>
+            <a:p>
+              <a:pPr algn="ctr">
+                <a:lnSpc>
+                  <a:spcPts val="13750"/>
+                </a:lnSpc>
+              </a:pPr>
+              <a:r>
+                <a:rPr lang="en-US" sz="12500">
+                  <a:solidFill>
+                    <a:srgbClr val="000000"/>
+                  </a:solidFill>
+                  <a:latin typeface="Agrandir"/>
+                  <a:ea typeface="Agrandir"/>
+                  <a:cs typeface="Agrandir"/>
+                  <a:sym typeface="Agrandir"/>
+                </a:rPr>
+                <a:t>Obrigado!!</a:t>
+              </a:r>
+            </a:p>
+          </p:txBody>
+        </p:sp>
+        <p:sp>
+          <p:nvSpPr>
+            <p:cNvPr name="TextBox 10" id="10"/>
+            <p:cNvSpPr txBox="true"/>
+            <p:nvPr/>
+          </p:nvSpPr>
+          <p:spPr>
+            <a:xfrm rot="0">
+              <a:off x="3646628" y="3494063"/>
+              <a:ext cx="8834423" cy="761841"/>
+            </a:xfrm>
+            <a:prstGeom prst="rect">
+              <a:avLst/>
+            </a:prstGeom>
+          </p:spPr>
+          <p:txBody>
+            <a:bodyPr anchor="t" rtlCol="false" tIns="0" lIns="0" bIns="0" rIns="0">
+              <a:spAutoFit/>
+            </a:bodyPr>
+            <a:lstStyle/>
+            <a:p>
+              <a:pPr algn="ctr">
+                <a:lnSpc>
+                  <a:spcPts val="4206"/>
+                </a:lnSpc>
+                <a:spcBef>
+                  <a:spcPct val="0"/>
+                </a:spcBef>
+              </a:pPr>
+              <a:r>
+                <a:rPr lang="en-US" sz="3004">
+                  <a:solidFill>
+                    <a:srgbClr val="FFFFFF"/>
+                  </a:solidFill>
+                  <a:latin typeface="Agrandir"/>
+                  <a:ea typeface="Agrandir"/>
+                  <a:cs typeface="Agrandir"/>
+                  <a:sym typeface="Agrandir"/>
+                </a:rPr>
+                <a:t>Saúde acessível em qualquer lugar</a:t>
+              </a:r>
+              <a:r>
+                <a:rPr lang="en-US" b="true" sz="3004">
+                  <a:solidFill>
+                    <a:srgbClr val="FFFFFF"/>
+                  </a:solidFill>
+                  <a:latin typeface="Agrandir Bold"/>
+                  <a:ea typeface="Agrandir Bold"/>
+                  <a:cs typeface="Agrandir Bold"/>
+                  <a:sym typeface="Agrandir Bold"/>
+                </a:rPr>
+                <a:t>.</a:t>
+              </a:r>
+            </a:p>
+          </p:txBody>
+        </p:sp>
+      </p:grpSp>
+      <p:sp>
+        <p:nvSpPr>
+          <p:cNvPr name="AutoShape 11" id="11"/>
+          <p:cNvSpPr/>
+          <p:nvPr/>
+        </p:nvSpPr>
+        <p:spPr>
+          <a:xfrm rot="4836">
+            <a:off x="680472" y="2535318"/>
+            <a:ext cx="16927056" cy="0"/>
+          </a:xfrm>
+          <a:prstGeom prst="line">
+            <a:avLst/>
+          </a:prstGeom>
+          <a:ln cap="flat" w="19050">
+            <a:solidFill>
+              <a:srgbClr val="000000"/>
+            </a:solidFill>
+            <a:prstDash val="solid"/>
+            <a:headEnd type="none" len="sm" w="sm"/>
+            <a:tailEnd type="none" len="sm" w="sm"/>
+          </a:ln>
+        </p:spPr>
+      </p:sp>
+      <p:sp>
+        <p:nvSpPr>
+          <p:cNvPr name="Freeform 12" id="12"/>
+          <p:cNvSpPr/>
+          <p:nvPr/>
+        </p:nvSpPr>
+        <p:spPr>
+          <a:xfrm flipH="false" flipV="false" rot="0">
+            <a:off x="13739839" y="193049"/>
+            <a:ext cx="3867681" cy="2596485"/>
+          </a:xfrm>
+          <a:custGeom>
+            <a:avLst/>
+            <a:gdLst/>
+            <a:ahLst/>
+            <a:cxnLst/>
+            <a:rect r="r" b="b" t="t" l="l"/>
+            <a:pathLst>
+              <a:path h="2596485" w="3867681">
+                <a:moveTo>
+                  <a:pt x="0" y="0"/>
+                </a:moveTo>
+                <a:lnTo>
+                  <a:pt x="3867681" y="0"/>
+                </a:lnTo>
+                <a:lnTo>
+                  <a:pt x="3867681" y="2596485"/>
+                </a:lnTo>
+                <a:lnTo>
+                  <a:pt x="0" y="2596485"/>
+                </a:lnTo>
+                <a:lnTo>
+                  <a:pt x="0" y="0"/>
+                </a:lnTo>
+                <a:close/>
+              </a:path>
+            </a:pathLst>
+          </a:custGeom>
+          <a:blipFill>
+            <a:blip r:embed="rId2"/>
+            <a:stretch>
+              <a:fillRect l="0" t="0" r="0" b="0"/>
+            </a:stretch>
+          </a:blipFill>
+        </p:spPr>
+      </p:sp>
+      <p:sp>
+        <p:nvSpPr>
+          <p:cNvPr name="Freeform 13" id="13"/>
+          <p:cNvSpPr/>
+          <p:nvPr/>
+        </p:nvSpPr>
+        <p:spPr>
+          <a:xfrm flipH="false" flipV="false" rot="0">
+            <a:off x="8305108" y="754447"/>
+            <a:ext cx="1677785" cy="1645140"/>
+          </a:xfrm>
+          <a:custGeom>
+            <a:avLst/>
+            <a:gdLst/>
+            <a:ahLst/>
+            <a:cxnLst/>
+            <a:rect r="r" b="b" t="t" l="l"/>
+            <a:pathLst>
+              <a:path h="1645140" w="1677785">
+                <a:moveTo>
+                  <a:pt x="0" y="0"/>
+                </a:moveTo>
+                <a:lnTo>
+                  <a:pt x="1677784" y="0"/>
+                </a:lnTo>
+                <a:lnTo>
+                  <a:pt x="1677784" y="1645140"/>
+                </a:lnTo>
+                <a:lnTo>
+                  <a:pt x="0" y="1645140"/>
+                </a:lnTo>
+                <a:lnTo>
+                  <a:pt x="0" y="0"/>
+                </a:lnTo>
+                <a:close/>
+              </a:path>
+            </a:pathLst>
+          </a:custGeom>
+          <a:blipFill>
+            <a:blip r:embed="rId3"/>
+            <a:stretch>
+              <a:fillRect l="0" t="-992" r="0" b="-992"/>
+            </a:stretch>
+          </a:blipFill>
+        </p:spPr>
+      </p:sp>
+      <p:sp>
+        <p:nvSpPr>
+          <p:cNvPr name="TextBox 14" id="14"/>
+          <p:cNvSpPr txBox="true"/>
+          <p:nvPr/>
+        </p:nvSpPr>
+        <p:spPr>
+          <a:xfrm rot="0">
+            <a:off x="1028700" y="1740031"/>
+            <a:ext cx="3320584" cy="422275"/>
+          </a:xfrm>
+          <a:prstGeom prst="rect">
+            <a:avLst/>
+          </a:prstGeom>
+        </p:spPr>
+        <p:txBody>
+          <a:bodyPr anchor="t" rtlCol="false" tIns="0" lIns="0" bIns="0" rIns="0">
+            <a:spAutoFit/>
+          </a:bodyPr>
+          <a:lstStyle/>
+          <a:p>
+            <a:pPr algn="l">
+              <a:lnSpc>
+                <a:spcPts val="2749"/>
+              </a:lnSpc>
+            </a:pPr>
+            <a:r>
+              <a:rPr lang="en-US" sz="2499">
+                <a:solidFill>
+                  <a:srgbClr val="000000"/>
+                </a:solidFill>
+                <a:latin typeface="Agrandir"/>
+                <a:ea typeface="Agrandir"/>
+                <a:cs typeface="Agrandir"/>
+                <a:sym typeface="Agrandir"/>
+              </a:rPr>
+              <a:t>SENAC JESSÉ FREIRE</a:t>
             </a:r>
           </a:p>
         </p:txBody>
@@ -8182,8 +13406,8 @@
         </p:nvSpPr>
         <p:spPr>
           <a:xfrm flipH="false" flipV="false" rot="0">
-            <a:off x="9230360" y="4592009"/>
-            <a:ext cx="9057640" cy="5694991"/>
+            <a:off x="9346651" y="4592009"/>
+            <a:ext cx="8941349" cy="5694991"/>
           </a:xfrm>
           <a:custGeom>
             <a:avLst/>
@@ -8192,15 +13416,15 @@
             <a:cxnLst/>
             <a:rect r="r" b="b" t="t" l="l"/>
             <a:pathLst>
-              <a:path h="5694991" w="9057640">
+              <a:path h="5694991" w="8941349">
                 <a:moveTo>
                   <a:pt x="0" y="0"/>
                 </a:moveTo>
                 <a:lnTo>
-                  <a:pt x="9057640" y="0"/>
-                </a:lnTo>
-                <a:lnTo>
-                  <a:pt x="9057640" y="5694991"/>
+                  <a:pt x="8941349" y="0"/>
+                </a:lnTo>
+                <a:lnTo>
+                  <a:pt x="8941349" y="5694991"/>
                 </a:lnTo>
                 <a:lnTo>
                   <a:pt x="0" y="5694991"/>
@@ -8215,7 +13439,7 @@
           <a:blipFill>
             <a:blip r:embed="rId4"/>
             <a:stretch>
-              <a:fillRect l="0" t="0" r="0" b="0"/>
+              <a:fillRect l="0" t="0" r="-1300" b="0"/>
             </a:stretch>
           </a:blipFill>
         </p:spPr>
@@ -9629,6 +14853,760 @@
         </p:nvSpPr>
         <p:spPr>
           <a:xfrm flipH="false" flipV="false" rot="0">
+            <a:off x="1028700" y="1981782"/>
+            <a:ext cx="6205086" cy="3380590"/>
+          </a:xfrm>
+          <a:custGeom>
+            <a:avLst/>
+            <a:gdLst/>
+            <a:ahLst/>
+            <a:cxnLst/>
+            <a:rect r="r" b="b" t="t" l="l"/>
+            <a:pathLst>
+              <a:path h="3380590" w="6205086">
+                <a:moveTo>
+                  <a:pt x="0" y="0"/>
+                </a:moveTo>
+                <a:lnTo>
+                  <a:pt x="6205086" y="0"/>
+                </a:lnTo>
+                <a:lnTo>
+                  <a:pt x="6205086" y="3380591"/>
+                </a:lnTo>
+                <a:lnTo>
+                  <a:pt x="0" y="3380591"/>
+                </a:lnTo>
+                <a:lnTo>
+                  <a:pt x="0" y="0"/>
+                </a:lnTo>
+                <a:close/>
+              </a:path>
+            </a:pathLst>
+          </a:custGeom>
+          <a:blipFill>
+            <a:blip r:embed="rId3"/>
+            <a:stretch>
+              <a:fillRect l="0" t="-576" r="0" b="-1982"/>
+            </a:stretch>
+          </a:blipFill>
+        </p:spPr>
+      </p:sp>
+      <p:grpSp>
+        <p:nvGrpSpPr>
+          <p:cNvPr name="Group 9" id="9"/>
+          <p:cNvGrpSpPr/>
+          <p:nvPr/>
+        </p:nvGrpSpPr>
+        <p:grpSpPr>
+          <a:xfrm rot="0">
+            <a:off x="9386812" y="2480831"/>
+            <a:ext cx="8782004" cy="7095649"/>
+            <a:chOff x="0" y="0"/>
+            <a:chExt cx="2312924" cy="1868805"/>
+          </a:xfrm>
+        </p:grpSpPr>
+        <p:sp>
+          <p:nvSpPr>
+            <p:cNvPr name="Freeform 10" id="10"/>
+            <p:cNvSpPr/>
+            <p:nvPr/>
+          </p:nvSpPr>
+          <p:spPr>
+            <a:xfrm flipH="false" flipV="false" rot="0">
+              <a:off x="0" y="0"/>
+              <a:ext cx="2312924" cy="1868805"/>
+            </a:xfrm>
+            <a:custGeom>
+              <a:avLst/>
+              <a:gdLst/>
+              <a:ahLst/>
+              <a:cxnLst/>
+              <a:rect r="r" b="b" t="t" l="l"/>
+              <a:pathLst>
+                <a:path h="1868805" w="2312924">
+                  <a:moveTo>
+                    <a:pt x="2312924" y="22039"/>
+                  </a:moveTo>
+                  <a:lnTo>
+                    <a:pt x="2312924" y="1846766"/>
+                  </a:lnTo>
+                  <a:cubicBezTo>
+                    <a:pt x="2312924" y="1852611"/>
+                    <a:pt x="2310602" y="1858217"/>
+                    <a:pt x="2306469" y="1862350"/>
+                  </a:cubicBezTo>
+                  <a:cubicBezTo>
+                    <a:pt x="2302336" y="1866483"/>
+                    <a:pt x="2296730" y="1868805"/>
+                    <a:pt x="2290885" y="1868805"/>
+                  </a:cubicBezTo>
+                  <a:lnTo>
+                    <a:pt x="22039" y="1868805"/>
+                  </a:lnTo>
+                  <a:cubicBezTo>
+                    <a:pt x="16194" y="1868805"/>
+                    <a:pt x="10588" y="1866483"/>
+                    <a:pt x="6455" y="1862350"/>
+                  </a:cubicBezTo>
+                  <a:cubicBezTo>
+                    <a:pt x="2322" y="1858217"/>
+                    <a:pt x="0" y="1852611"/>
+                    <a:pt x="0" y="1846766"/>
+                  </a:cubicBezTo>
+                  <a:lnTo>
+                    <a:pt x="0" y="22039"/>
+                  </a:lnTo>
+                  <a:cubicBezTo>
+                    <a:pt x="0" y="16194"/>
+                    <a:pt x="2322" y="10588"/>
+                    <a:pt x="6455" y="6455"/>
+                  </a:cubicBezTo>
+                  <a:cubicBezTo>
+                    <a:pt x="10588" y="2322"/>
+                    <a:pt x="16194" y="0"/>
+                    <a:pt x="22039" y="0"/>
+                  </a:cubicBezTo>
+                  <a:lnTo>
+                    <a:pt x="2290885" y="0"/>
+                  </a:lnTo>
+                  <a:cubicBezTo>
+                    <a:pt x="2296730" y="0"/>
+                    <a:pt x="2302336" y="2322"/>
+                    <a:pt x="2306469" y="6455"/>
+                  </a:cubicBezTo>
+                  <a:cubicBezTo>
+                    <a:pt x="2310602" y="10588"/>
+                    <a:pt x="2312924" y="16194"/>
+                    <a:pt x="2312924" y="22039"/>
+                  </a:cubicBezTo>
+                  <a:close/>
+                </a:path>
+              </a:pathLst>
+            </a:custGeom>
+            <a:solidFill>
+              <a:srgbClr val="FFF9F9">
+                <a:alpha val="71765"/>
+              </a:srgbClr>
+            </a:solidFill>
+          </p:spPr>
+        </p:sp>
+        <p:sp>
+          <p:nvSpPr>
+            <p:cNvPr name="TextBox 11" id="11"/>
+            <p:cNvSpPr txBox="true"/>
+            <p:nvPr/>
+          </p:nvSpPr>
+          <p:spPr>
+            <a:xfrm>
+              <a:off x="0" y="-57150"/>
+              <a:ext cx="2312924" cy="1925955"/>
+            </a:xfrm>
+            <a:prstGeom prst="rect">
+              <a:avLst/>
+            </a:prstGeom>
+          </p:spPr>
+          <p:txBody>
+            <a:bodyPr anchor="ctr" rtlCol="false" tIns="50800" lIns="50800" bIns="50800" rIns="50800"/>
+            <a:lstStyle/>
+            <a:p>
+              <a:pPr algn="ctr">
+                <a:lnSpc>
+                  <a:spcPts val="3500"/>
+                </a:lnSpc>
+              </a:pPr>
+            </a:p>
+          </p:txBody>
+        </p:sp>
+      </p:grpSp>
+      <p:sp>
+        <p:nvSpPr>
+          <p:cNvPr name="Freeform 12" id="12"/>
+          <p:cNvSpPr/>
+          <p:nvPr/>
+        </p:nvSpPr>
+        <p:spPr>
+          <a:xfrm flipH="false" flipV="false" rot="0">
+            <a:off x="128946" y="5790998"/>
+            <a:ext cx="8970057" cy="4350477"/>
+          </a:xfrm>
+          <a:custGeom>
+            <a:avLst/>
+            <a:gdLst/>
+            <a:ahLst/>
+            <a:cxnLst/>
+            <a:rect r="r" b="b" t="t" l="l"/>
+            <a:pathLst>
+              <a:path h="4350477" w="8970057">
+                <a:moveTo>
+                  <a:pt x="0" y="0"/>
+                </a:moveTo>
+                <a:lnTo>
+                  <a:pt x="8970057" y="0"/>
+                </a:lnTo>
+                <a:lnTo>
+                  <a:pt x="8970057" y="4350477"/>
+                </a:lnTo>
+                <a:lnTo>
+                  <a:pt x="0" y="4350477"/>
+                </a:lnTo>
+                <a:lnTo>
+                  <a:pt x="0" y="0"/>
+                </a:lnTo>
+                <a:close/>
+              </a:path>
+            </a:pathLst>
+          </a:custGeom>
+          <a:blipFill>
+            <a:blip r:embed="rId4"/>
+            <a:stretch>
+              <a:fillRect l="0" t="0" r="0" b="0"/>
+            </a:stretch>
+          </a:blipFill>
+        </p:spPr>
+      </p:sp>
+      <p:sp>
+        <p:nvSpPr>
+          <p:cNvPr name="TextBox 13" id="13"/>
+          <p:cNvSpPr txBox="true"/>
+          <p:nvPr/>
+        </p:nvSpPr>
+        <p:spPr>
+          <a:xfrm rot="0">
+            <a:off x="9353610" y="2564176"/>
+            <a:ext cx="8600295" cy="7119954"/>
+          </a:xfrm>
+          <a:prstGeom prst="rect">
+            <a:avLst/>
+          </a:prstGeom>
+        </p:spPr>
+        <p:txBody>
+          <a:bodyPr anchor="t" rtlCol="false" tIns="0" lIns="0" bIns="0" rIns="0">
+            <a:spAutoFit/>
+          </a:bodyPr>
+          <a:lstStyle/>
+          <a:p>
+            <a:pPr algn="ctr">
+              <a:lnSpc>
+                <a:spcPts val="2884"/>
+              </a:lnSpc>
+            </a:pPr>
+            <a:r>
+              <a:rPr lang="en-US" sz="2060">
+                <a:solidFill>
+                  <a:srgbClr val="000000"/>
+                </a:solidFill>
+                <a:latin typeface="Open Sans"/>
+                <a:ea typeface="Open Sans"/>
+                <a:cs typeface="Open Sans"/>
+                <a:sym typeface="Open Sans"/>
+              </a:rPr>
+              <a:t>Funcionamento do Método </a:t>
+            </a:r>
+            <a:r>
+              <a:rPr lang="en-US" sz="2060" b="true">
+                <a:solidFill>
+                  <a:srgbClr val="000000"/>
+                </a:solidFill>
+                <a:latin typeface="Open Sans Bold"/>
+                <a:ea typeface="Open Sans Bold"/>
+                <a:cs typeface="Open Sans Bold"/>
+                <a:sym typeface="Open Sans Bold"/>
+              </a:rPr>
+              <a:t>botaoCo</a:t>
+            </a:r>
+            <a:r>
+              <a:rPr lang="en-US" b="true" sz="2060">
+                <a:solidFill>
+                  <a:srgbClr val="000000"/>
+                </a:solidFill>
+                <a:latin typeface="Open Sans Bold"/>
+                <a:ea typeface="Open Sans Bold"/>
+                <a:cs typeface="Open Sans Bold"/>
+                <a:sym typeface="Open Sans Bold"/>
+              </a:rPr>
+              <a:t>nsultaBancoActionPerformed:</a:t>
+            </a:r>
+          </a:p>
+          <a:p>
+            <a:pPr algn="ctr">
+              <a:lnSpc>
+                <a:spcPts val="2884"/>
+              </a:lnSpc>
+            </a:pPr>
+          </a:p>
+          <a:p>
+            <a:pPr algn="l" marL="444785" indent="-222393" lvl="1">
+              <a:lnSpc>
+                <a:spcPts val="2884"/>
+              </a:lnSpc>
+              <a:buFont typeface="Arial"/>
+              <a:buChar char="•"/>
+            </a:pPr>
+            <a:r>
+              <a:rPr lang="en-US" sz="2060">
+                <a:solidFill>
+                  <a:srgbClr val="000000"/>
+                </a:solidFill>
+                <a:latin typeface="Open Sans"/>
+                <a:ea typeface="Open Sans"/>
+                <a:cs typeface="Open Sans"/>
+                <a:sym typeface="Open Sans"/>
+              </a:rPr>
+              <a:t>Estabelece conexão com o banco de dados.</a:t>
+            </a:r>
+          </a:p>
+          <a:p>
+            <a:pPr algn="l">
+              <a:lnSpc>
+                <a:spcPts val="2884"/>
+              </a:lnSpc>
+            </a:pPr>
+          </a:p>
+          <a:p>
+            <a:pPr algn="l" marL="444785" indent="-222393" lvl="1">
+              <a:lnSpc>
+                <a:spcPts val="2884"/>
+              </a:lnSpc>
+              <a:buFont typeface="Arial"/>
+              <a:buChar char="•"/>
+            </a:pPr>
+            <a:r>
+              <a:rPr lang="en-US" sz="2060">
+                <a:solidFill>
+                  <a:srgbClr val="000000"/>
+                </a:solidFill>
+                <a:latin typeface="Open Sans"/>
+                <a:ea typeface="Open Sans"/>
+                <a:cs typeface="Open Sans"/>
+                <a:sym typeface="Open Sans"/>
+              </a:rPr>
+              <a:t>Captura os filtros selecionados pelo usuário: Estado, Especialização e Formato.</a:t>
+            </a:r>
+          </a:p>
+          <a:p>
+            <a:pPr algn="l">
+              <a:lnSpc>
+                <a:spcPts val="2884"/>
+              </a:lnSpc>
+            </a:pPr>
+          </a:p>
+          <a:p>
+            <a:pPr algn="l" marL="444785" indent="-222393" lvl="1">
+              <a:lnSpc>
+                <a:spcPts val="2884"/>
+              </a:lnSpc>
+              <a:buFont typeface="Arial"/>
+              <a:buChar char="•"/>
+            </a:pPr>
+            <a:r>
+              <a:rPr lang="en-US" sz="2060">
+                <a:solidFill>
+                  <a:srgbClr val="000000"/>
+                </a:solidFill>
+                <a:latin typeface="Open Sans"/>
+                <a:ea typeface="Open Sans"/>
+                <a:cs typeface="Open Sans"/>
+                <a:sym typeface="Open Sans"/>
+              </a:rPr>
+              <a:t>Verifica se pelo menos um filtro foi preenchido.</a:t>
+            </a:r>
+          </a:p>
+          <a:p>
+            <a:pPr algn="l">
+              <a:lnSpc>
+                <a:spcPts val="2884"/>
+              </a:lnSpc>
+            </a:pPr>
+          </a:p>
+          <a:p>
+            <a:pPr algn="l" marL="444785" indent="-222393" lvl="1">
+              <a:lnSpc>
+                <a:spcPts val="2884"/>
+              </a:lnSpc>
+              <a:buFont typeface="Arial"/>
+              <a:buChar char="•"/>
+            </a:pPr>
+            <a:r>
+              <a:rPr lang="en-US" sz="2060">
+                <a:solidFill>
+                  <a:srgbClr val="000000"/>
+                </a:solidFill>
+                <a:latin typeface="Open Sans"/>
+                <a:ea typeface="Open Sans"/>
+                <a:cs typeface="Open Sans"/>
+                <a:sym typeface="Open Sans"/>
+              </a:rPr>
+              <a:t>Monta dinamicamente uma consulta SQL com cláusulas condicionais, de acordo com os filtros.</a:t>
+            </a:r>
+          </a:p>
+          <a:p>
+            <a:pPr algn="l">
+              <a:lnSpc>
+                <a:spcPts val="2884"/>
+              </a:lnSpc>
+            </a:pPr>
+          </a:p>
+          <a:p>
+            <a:pPr algn="l" marL="444785" indent="-222393" lvl="1">
+              <a:lnSpc>
+                <a:spcPts val="2884"/>
+              </a:lnSpc>
+              <a:buFont typeface="Arial"/>
+              <a:buChar char="•"/>
+            </a:pPr>
+            <a:r>
+              <a:rPr lang="en-US" sz="2060">
+                <a:solidFill>
+                  <a:srgbClr val="000000"/>
+                </a:solidFill>
+                <a:latin typeface="Open Sans"/>
+                <a:ea typeface="Open Sans"/>
+                <a:cs typeface="Open Sans"/>
+                <a:sym typeface="Open Sans"/>
+              </a:rPr>
+              <a:t>Utiliza PreparedStatement para evitar SQL Injection e inserir os parâmetros com segurança.</a:t>
+            </a:r>
+          </a:p>
+          <a:p>
+            <a:pPr algn="l">
+              <a:lnSpc>
+                <a:spcPts val="2884"/>
+              </a:lnSpc>
+            </a:pPr>
+          </a:p>
+          <a:p>
+            <a:pPr algn="l" marL="444785" indent="-222393" lvl="1">
+              <a:lnSpc>
+                <a:spcPts val="2884"/>
+              </a:lnSpc>
+              <a:buFont typeface="Arial"/>
+              <a:buChar char="•"/>
+            </a:pPr>
+            <a:r>
+              <a:rPr lang="en-US" sz="2060">
+                <a:solidFill>
+                  <a:srgbClr val="000000"/>
+                </a:solidFill>
+                <a:latin typeface="Open Sans"/>
+                <a:ea typeface="Open Sans"/>
+                <a:cs typeface="Open Sans"/>
+                <a:sym typeface="Open Sans"/>
+              </a:rPr>
+              <a:t>Executa a consulta e preenche a tabela da interface gráfica (JTable) com os resultados obtidos.</a:t>
+            </a:r>
+          </a:p>
+          <a:p>
+            <a:pPr algn="l">
+              <a:lnSpc>
+                <a:spcPts val="2884"/>
+              </a:lnSpc>
+            </a:pPr>
+          </a:p>
+          <a:p>
+            <a:pPr algn="l" marL="444785" indent="-222393" lvl="1">
+              <a:lnSpc>
+                <a:spcPts val="2884"/>
+              </a:lnSpc>
+              <a:buFont typeface="Arial"/>
+              <a:buChar char="•"/>
+            </a:pPr>
+            <a:r>
+              <a:rPr lang="en-US" sz="2060">
+                <a:solidFill>
+                  <a:srgbClr val="000000"/>
+                </a:solidFill>
+                <a:latin typeface="Open Sans"/>
+                <a:ea typeface="Open Sans"/>
+                <a:cs typeface="Open Sans"/>
+                <a:sym typeface="Open Sans"/>
+              </a:rPr>
+              <a:t>Finaliza a conexão com o banco de dados ao término do processo.</a:t>
+            </a:r>
+          </a:p>
+          <a:p>
+            <a:pPr algn="l">
+              <a:lnSpc>
+                <a:spcPts val="2884"/>
+              </a:lnSpc>
+            </a:pPr>
+          </a:p>
+        </p:txBody>
+      </p:sp>
+      <p:sp>
+        <p:nvSpPr>
+          <p:cNvPr name="TextBox 14" id="14"/>
+          <p:cNvSpPr txBox="true"/>
+          <p:nvPr/>
+        </p:nvSpPr>
+        <p:spPr>
+          <a:xfrm rot="0">
+            <a:off x="1871598" y="220124"/>
+            <a:ext cx="14964025" cy="1095375"/>
+          </a:xfrm>
+          <a:prstGeom prst="rect">
+            <a:avLst/>
+          </a:prstGeom>
+        </p:spPr>
+        <p:txBody>
+          <a:bodyPr anchor="t" rtlCol="false" tIns="0" lIns="0" bIns="0" rIns="0">
+            <a:spAutoFit/>
+          </a:bodyPr>
+          <a:lstStyle/>
+          <a:p>
+            <a:pPr algn="ctr" marL="0" indent="0" lvl="0">
+              <a:lnSpc>
+                <a:spcPts val="7200"/>
+              </a:lnSpc>
+              <a:spcBef>
+                <a:spcPct val="0"/>
+              </a:spcBef>
+            </a:pPr>
+            <a:r>
+              <a:rPr lang="en-US" sz="6000">
+                <a:solidFill>
+                  <a:srgbClr val="000000"/>
+                </a:solidFill>
+                <a:latin typeface="Agrandir"/>
+                <a:ea typeface="Agrandir"/>
+                <a:cs typeface="Agrandir"/>
+                <a:sym typeface="Agrandir"/>
+              </a:rPr>
+              <a:t>Explicação - Agendamento de Consulta</a:t>
+            </a:r>
+          </a:p>
+        </p:txBody>
+      </p:sp>
+    </p:spTree>
+  </p:cSld>
+  <p:clrMapOvr>
+    <a:masterClrMapping/>
+  </p:clrMapOvr>
+</p:sld>
+</file>
+
+<file path=ppt/slides/slide8.xml><?xml version="1.0" encoding="utf-8"?>
+<p:sld xmlns:p="http://schemas.openxmlformats.org/presentationml/2006/main" xmlns:a="http://schemas.openxmlformats.org/drawingml/2006/main" xmlns:r="http://schemas.openxmlformats.org/officeDocument/2006/relationships">
+  <p:cSld>
+    <p:spTree>
+      <p:nvGrpSpPr>
+        <p:cNvPr id="1" name=""/>
+        <p:cNvGrpSpPr/>
+        <p:nvPr/>
+      </p:nvGrpSpPr>
+      <p:grpSpPr>
+        <a:xfrm>
+          <a:off x="0" y="0"/>
+          <a:ext cx="0" cy="0"/>
+          <a:chOff x="0" y="0"/>
+          <a:chExt cx="0" cy="0"/>
+        </a:xfrm>
+      </p:grpSpPr>
+      <p:sp>
+        <p:nvSpPr>
+          <p:cNvPr name="AutoShape 2" id="2"/>
+          <p:cNvSpPr/>
+          <p:nvPr/>
+        </p:nvSpPr>
+        <p:spPr>
+          <a:xfrm>
+            <a:off x="0" y="1752600"/>
+            <a:ext cx="18702327" cy="0"/>
+          </a:xfrm>
+          <a:prstGeom prst="line">
+            <a:avLst/>
+          </a:prstGeom>
+          <a:ln cap="rnd" w="19050">
+            <a:solidFill>
+              <a:srgbClr val="000000"/>
+            </a:solidFill>
+            <a:prstDash val="solid"/>
+            <a:headEnd type="none" len="sm" w="sm"/>
+            <a:tailEnd type="none" len="sm" w="sm"/>
+          </a:ln>
+        </p:spPr>
+      </p:sp>
+      <p:grpSp>
+        <p:nvGrpSpPr>
+          <p:cNvPr name="Group 3" id="3"/>
+          <p:cNvGrpSpPr/>
+          <p:nvPr/>
+        </p:nvGrpSpPr>
+        <p:grpSpPr>
+          <a:xfrm rot="0">
+            <a:off x="-89994" y="0"/>
+            <a:ext cx="18377994" cy="1752600"/>
+            <a:chOff x="0" y="0"/>
+            <a:chExt cx="4840295" cy="461590"/>
+          </a:xfrm>
+        </p:grpSpPr>
+        <p:sp>
+          <p:nvSpPr>
+            <p:cNvPr name="Freeform 4" id="4"/>
+            <p:cNvSpPr/>
+            <p:nvPr/>
+          </p:nvSpPr>
+          <p:spPr>
+            <a:xfrm flipH="false" flipV="false" rot="0">
+              <a:off x="0" y="0"/>
+              <a:ext cx="4840295" cy="461590"/>
+            </a:xfrm>
+            <a:custGeom>
+              <a:avLst/>
+              <a:gdLst/>
+              <a:ahLst/>
+              <a:cxnLst/>
+              <a:rect r="r" b="b" t="t" l="l"/>
+              <a:pathLst>
+                <a:path h="461590" w="4840295">
+                  <a:moveTo>
+                    <a:pt x="0" y="0"/>
+                  </a:moveTo>
+                  <a:lnTo>
+                    <a:pt x="4840295" y="0"/>
+                  </a:lnTo>
+                  <a:lnTo>
+                    <a:pt x="4840295" y="461590"/>
+                  </a:lnTo>
+                  <a:lnTo>
+                    <a:pt x="0" y="461590"/>
+                  </a:lnTo>
+                  <a:close/>
+                </a:path>
+              </a:pathLst>
+            </a:custGeom>
+            <a:solidFill>
+              <a:srgbClr val="5BB3CF"/>
+            </a:solidFill>
+          </p:spPr>
+        </p:sp>
+        <p:sp>
+          <p:nvSpPr>
+            <p:cNvPr name="TextBox 5" id="5"/>
+            <p:cNvSpPr txBox="true"/>
+            <p:nvPr/>
+          </p:nvSpPr>
+          <p:spPr>
+            <a:xfrm>
+              <a:off x="0" y="-57150"/>
+              <a:ext cx="4840295" cy="518740"/>
+            </a:xfrm>
+            <a:prstGeom prst="rect">
+              <a:avLst/>
+            </a:prstGeom>
+          </p:spPr>
+          <p:txBody>
+            <a:bodyPr anchor="ctr" rtlCol="false" tIns="50800" lIns="50800" bIns="50800" rIns="50800"/>
+            <a:lstStyle/>
+            <a:p>
+              <a:pPr algn="ctr">
+                <a:lnSpc>
+                  <a:spcPts val="3500"/>
+                </a:lnSpc>
+              </a:pPr>
+            </a:p>
+          </p:txBody>
+        </p:sp>
+      </p:grpSp>
+      <p:sp>
+        <p:nvSpPr>
+          <p:cNvPr name="Freeform 6" id="6"/>
+          <p:cNvSpPr/>
+          <p:nvPr/>
+        </p:nvSpPr>
+        <p:spPr>
+          <a:xfrm flipH="false" flipV="false" rot="0">
+            <a:off x="0" y="30674"/>
+            <a:ext cx="1740976" cy="1740976"/>
+          </a:xfrm>
+          <a:custGeom>
+            <a:avLst/>
+            <a:gdLst/>
+            <a:ahLst/>
+            <a:cxnLst/>
+            <a:rect r="r" b="b" t="t" l="l"/>
+            <a:pathLst>
+              <a:path h="1740976" w="1740976">
+                <a:moveTo>
+                  <a:pt x="0" y="0"/>
+                </a:moveTo>
+                <a:lnTo>
+                  <a:pt x="1740976" y="0"/>
+                </a:lnTo>
+                <a:lnTo>
+                  <a:pt x="1740976" y="1740976"/>
+                </a:lnTo>
+                <a:lnTo>
+                  <a:pt x="0" y="1740976"/>
+                </a:lnTo>
+                <a:lnTo>
+                  <a:pt x="0" y="0"/>
+                </a:lnTo>
+                <a:close/>
+              </a:path>
+            </a:pathLst>
+          </a:custGeom>
+          <a:blipFill>
+            <a:blip r:embed="rId2"/>
+            <a:stretch>
+              <a:fillRect l="0" t="0" r="0" b="0"/>
+            </a:stretch>
+          </a:blipFill>
+        </p:spPr>
+      </p:sp>
+      <p:sp>
+        <p:nvSpPr>
+          <p:cNvPr name="Freeform 7" id="7"/>
+          <p:cNvSpPr/>
+          <p:nvPr/>
+        </p:nvSpPr>
+        <p:spPr>
+          <a:xfrm flipH="false" flipV="false" rot="0">
+            <a:off x="16547024" y="-7426"/>
+            <a:ext cx="1740976" cy="1740976"/>
+          </a:xfrm>
+          <a:custGeom>
+            <a:avLst/>
+            <a:gdLst/>
+            <a:ahLst/>
+            <a:cxnLst/>
+            <a:rect r="r" b="b" t="t" l="l"/>
+            <a:pathLst>
+              <a:path h="1740976" w="1740976">
+                <a:moveTo>
+                  <a:pt x="0" y="0"/>
+                </a:moveTo>
+                <a:lnTo>
+                  <a:pt x="1740976" y="0"/>
+                </a:lnTo>
+                <a:lnTo>
+                  <a:pt x="1740976" y="1740976"/>
+                </a:lnTo>
+                <a:lnTo>
+                  <a:pt x="0" y="1740976"/>
+                </a:lnTo>
+                <a:lnTo>
+                  <a:pt x="0" y="0"/>
+                </a:lnTo>
+                <a:close/>
+              </a:path>
+            </a:pathLst>
+          </a:custGeom>
+          <a:blipFill>
+            <a:blip r:embed="rId2"/>
+            <a:stretch>
+              <a:fillRect l="0" t="0" r="0" b="0"/>
+            </a:stretch>
+          </a:blipFill>
+        </p:spPr>
+      </p:sp>
+      <p:sp>
+        <p:nvSpPr>
+          <p:cNvPr name="Freeform 8" id="8"/>
+          <p:cNvSpPr/>
+          <p:nvPr/>
+        </p:nvSpPr>
+        <p:spPr>
+          <a:xfrm flipH="false" flipV="false" rot="0">
             <a:off x="9762667" y="5065233"/>
             <a:ext cx="8525333" cy="5221767"/>
           </a:xfrm>
@@ -9939,7 +15917,7 @@
 </p:sld>
 </file>
 
-<file path=ppt/slides/slide8.xml><?xml version="1.0" encoding="utf-8"?>
+<file path=ppt/slides/slide9.xml><?xml version="1.0" encoding="utf-8"?>
 <p:sld xmlns:p="http://schemas.openxmlformats.org/presentationml/2006/main" xmlns:a="http://schemas.openxmlformats.org/drawingml/2006/main" xmlns:r="http://schemas.openxmlformats.org/officeDocument/2006/relationships">
   <p:cSld>
     <p:spTree>
@@ -10369,7 +16347,7 @@
           <a:prstGeom prst="line">
             <a:avLst/>
           </a:prstGeom>
-          <a:ln cap="flat" w="38100">
+          <a:ln cap="flat" w="66675">
             <a:solidFill>
               <a:srgbClr val="000000"/>
             </a:solidFill>
@@ -10423,6 +16401,11 @@
               <a:fillRect l="0" t="-7946" r="0" b="-6788"/>
             </a:stretch>
           </a:blipFill>
+          <a:ln cap="sq">
+            <a:noFill/>
+            <a:prstDash val="solid"/>
+            <a:miter/>
+          </a:ln>
         </p:spPr>
       </p:sp>
       <p:sp>
@@ -10439,7 +16422,7 @@
           <a:prstGeom prst="line">
             <a:avLst/>
           </a:prstGeom>
-          <a:ln cap="flat" w="38100">
+          <a:ln cap="flat" w="66675">
             <a:solidFill>
               <a:srgbClr val="000000"/>
             </a:solidFill>
@@ -10448,457 +16431,6 @@
             <a:tailEnd type="none" len="sm" w="sm"/>
           </a:ln>
         </p:spPr>
-      </p:sp>
-    </p:spTree>
-  </p:cSld>
-  <p:clrMapOvr>
-    <a:masterClrMapping/>
-  </p:clrMapOvr>
-</p:sld>
-</file>
-
-<file path=ppt/slides/slide9.xml><?xml version="1.0" encoding="utf-8"?>
-<p:sld xmlns:p="http://schemas.openxmlformats.org/presentationml/2006/main" xmlns:a="http://schemas.openxmlformats.org/drawingml/2006/main" xmlns:r="http://schemas.openxmlformats.org/officeDocument/2006/relationships">
-  <p:cSld>
-    <p:spTree>
-      <p:nvGrpSpPr>
-        <p:cNvPr id="1" name=""/>
-        <p:cNvGrpSpPr/>
-        <p:nvPr/>
-      </p:nvGrpSpPr>
-      <p:grpSpPr>
-        <a:xfrm>
-          <a:off x="0" y="0"/>
-          <a:ext cx="0" cy="0"/>
-          <a:chOff x="0" y="0"/>
-          <a:chExt cx="0" cy="0"/>
-        </a:xfrm>
-      </p:grpSpPr>
-      <p:sp>
-        <p:nvSpPr>
-          <p:cNvPr name="AutoShape 2" id="2"/>
-          <p:cNvSpPr/>
-          <p:nvPr/>
-        </p:nvSpPr>
-        <p:spPr>
-          <a:xfrm>
-            <a:off x="0" y="1752600"/>
-            <a:ext cx="18702327" cy="0"/>
-          </a:xfrm>
-          <a:prstGeom prst="line">
-            <a:avLst/>
-          </a:prstGeom>
-          <a:ln cap="rnd" w="19050">
-            <a:solidFill>
-              <a:srgbClr val="000000"/>
-            </a:solidFill>
-            <a:prstDash val="solid"/>
-            <a:headEnd type="none" len="sm" w="sm"/>
-            <a:tailEnd type="none" len="sm" w="sm"/>
-          </a:ln>
-        </p:spPr>
-      </p:sp>
-      <p:grpSp>
-        <p:nvGrpSpPr>
-          <p:cNvPr name="Group 3" id="3"/>
-          <p:cNvGrpSpPr/>
-          <p:nvPr/>
-        </p:nvGrpSpPr>
-        <p:grpSpPr>
-          <a:xfrm rot="0">
-            <a:off x="-89994" y="0"/>
-            <a:ext cx="18377994" cy="1752600"/>
-            <a:chOff x="0" y="0"/>
-            <a:chExt cx="4840295" cy="461590"/>
-          </a:xfrm>
-        </p:grpSpPr>
-        <p:sp>
-          <p:nvSpPr>
-            <p:cNvPr name="Freeform 4" id="4"/>
-            <p:cNvSpPr/>
-            <p:nvPr/>
-          </p:nvSpPr>
-          <p:spPr>
-            <a:xfrm flipH="false" flipV="false" rot="0">
-              <a:off x="0" y="0"/>
-              <a:ext cx="4840295" cy="461590"/>
-            </a:xfrm>
-            <a:custGeom>
-              <a:avLst/>
-              <a:gdLst/>
-              <a:ahLst/>
-              <a:cxnLst/>
-              <a:rect r="r" b="b" t="t" l="l"/>
-              <a:pathLst>
-                <a:path h="461590" w="4840295">
-                  <a:moveTo>
-                    <a:pt x="0" y="0"/>
-                  </a:moveTo>
-                  <a:lnTo>
-                    <a:pt x="4840295" y="0"/>
-                  </a:lnTo>
-                  <a:lnTo>
-                    <a:pt x="4840295" y="461590"/>
-                  </a:lnTo>
-                  <a:lnTo>
-                    <a:pt x="0" y="461590"/>
-                  </a:lnTo>
-                  <a:close/>
-                </a:path>
-              </a:pathLst>
-            </a:custGeom>
-            <a:solidFill>
-              <a:srgbClr val="5BB3CF"/>
-            </a:solidFill>
-          </p:spPr>
-        </p:sp>
-        <p:sp>
-          <p:nvSpPr>
-            <p:cNvPr name="TextBox 5" id="5"/>
-            <p:cNvSpPr txBox="true"/>
-            <p:nvPr/>
-          </p:nvSpPr>
-          <p:spPr>
-            <a:xfrm>
-              <a:off x="0" y="-57150"/>
-              <a:ext cx="4840295" cy="518740"/>
-            </a:xfrm>
-            <a:prstGeom prst="rect">
-              <a:avLst/>
-            </a:prstGeom>
-          </p:spPr>
-          <p:txBody>
-            <a:bodyPr anchor="ctr" rtlCol="false" tIns="50800" lIns="50800" bIns="50800" rIns="50800"/>
-            <a:lstStyle/>
-            <a:p>
-              <a:pPr algn="ctr">
-                <a:lnSpc>
-                  <a:spcPts val="3500"/>
-                </a:lnSpc>
-              </a:pPr>
-            </a:p>
-          </p:txBody>
-        </p:sp>
-      </p:grpSp>
-      <p:sp>
-        <p:nvSpPr>
-          <p:cNvPr name="Freeform 6" id="6"/>
-          <p:cNvSpPr/>
-          <p:nvPr/>
-        </p:nvSpPr>
-        <p:spPr>
-          <a:xfrm flipH="false" flipV="false" rot="0">
-            <a:off x="0" y="-7426"/>
-            <a:ext cx="1740976" cy="1740976"/>
-          </a:xfrm>
-          <a:custGeom>
-            <a:avLst/>
-            <a:gdLst/>
-            <a:ahLst/>
-            <a:cxnLst/>
-            <a:rect r="r" b="b" t="t" l="l"/>
-            <a:pathLst>
-              <a:path h="1740976" w="1740976">
-                <a:moveTo>
-                  <a:pt x="0" y="0"/>
-                </a:moveTo>
-                <a:lnTo>
-                  <a:pt x="1740976" y="0"/>
-                </a:lnTo>
-                <a:lnTo>
-                  <a:pt x="1740976" y="1740976"/>
-                </a:lnTo>
-                <a:lnTo>
-                  <a:pt x="0" y="1740976"/>
-                </a:lnTo>
-                <a:lnTo>
-                  <a:pt x="0" y="0"/>
-                </a:lnTo>
-                <a:close/>
-              </a:path>
-            </a:pathLst>
-          </a:custGeom>
-          <a:blipFill>
-            <a:blip r:embed="rId2"/>
-            <a:stretch>
-              <a:fillRect l="0" t="0" r="0" b="0"/>
-            </a:stretch>
-          </a:blipFill>
-        </p:spPr>
-      </p:sp>
-      <p:sp>
-        <p:nvSpPr>
-          <p:cNvPr name="Freeform 7" id="7"/>
-          <p:cNvSpPr/>
-          <p:nvPr/>
-        </p:nvSpPr>
-        <p:spPr>
-          <a:xfrm flipH="false" flipV="false" rot="0">
-            <a:off x="16547024" y="-45526"/>
-            <a:ext cx="1740976" cy="1740976"/>
-          </a:xfrm>
-          <a:custGeom>
-            <a:avLst/>
-            <a:gdLst/>
-            <a:ahLst/>
-            <a:cxnLst/>
-            <a:rect r="r" b="b" t="t" l="l"/>
-            <a:pathLst>
-              <a:path h="1740976" w="1740976">
-                <a:moveTo>
-                  <a:pt x="0" y="0"/>
-                </a:moveTo>
-                <a:lnTo>
-                  <a:pt x="1740976" y="0"/>
-                </a:lnTo>
-                <a:lnTo>
-                  <a:pt x="1740976" y="1740976"/>
-                </a:lnTo>
-                <a:lnTo>
-                  <a:pt x="0" y="1740976"/>
-                </a:lnTo>
-                <a:lnTo>
-                  <a:pt x="0" y="0"/>
-                </a:lnTo>
-                <a:close/>
-              </a:path>
-            </a:pathLst>
-          </a:custGeom>
-          <a:blipFill>
-            <a:blip r:embed="rId2"/>
-            <a:stretch>
-              <a:fillRect l="0" t="0" r="0" b="0"/>
-            </a:stretch>
-          </a:blipFill>
-        </p:spPr>
-      </p:sp>
-      <p:sp>
-        <p:nvSpPr>
-          <p:cNvPr name="Freeform 8" id="8"/>
-          <p:cNvSpPr/>
-          <p:nvPr/>
-        </p:nvSpPr>
-        <p:spPr>
-          <a:xfrm flipH="false" flipV="false" rot="0">
-            <a:off x="709258" y="1823702"/>
-            <a:ext cx="7805911" cy="3771200"/>
-          </a:xfrm>
-          <a:custGeom>
-            <a:avLst/>
-            <a:gdLst/>
-            <a:ahLst/>
-            <a:cxnLst/>
-            <a:rect r="r" b="b" t="t" l="l"/>
-            <a:pathLst>
-              <a:path h="3771200" w="7805911">
-                <a:moveTo>
-                  <a:pt x="0" y="0"/>
-                </a:moveTo>
-                <a:lnTo>
-                  <a:pt x="7805911" y="0"/>
-                </a:lnTo>
-                <a:lnTo>
-                  <a:pt x="7805911" y="3771200"/>
-                </a:lnTo>
-                <a:lnTo>
-                  <a:pt x="0" y="3771200"/>
-                </a:lnTo>
-                <a:lnTo>
-                  <a:pt x="0" y="0"/>
-                </a:lnTo>
-                <a:close/>
-              </a:path>
-            </a:pathLst>
-          </a:custGeom>
-          <a:blipFill>
-            <a:blip r:embed="rId3"/>
-            <a:stretch>
-              <a:fillRect l="0" t="-3428" r="0" b="-3428"/>
-            </a:stretch>
-          </a:blipFill>
-        </p:spPr>
-      </p:sp>
-      <p:sp>
-        <p:nvSpPr>
-          <p:cNvPr name="Freeform 9" id="9"/>
-          <p:cNvSpPr/>
-          <p:nvPr/>
-        </p:nvSpPr>
-        <p:spPr>
-          <a:xfrm flipH="false" flipV="false" rot="0">
-            <a:off x="9482601" y="1823702"/>
-            <a:ext cx="7543944" cy="3842302"/>
-          </a:xfrm>
-          <a:custGeom>
-            <a:avLst/>
-            <a:gdLst/>
-            <a:ahLst/>
-            <a:cxnLst/>
-            <a:rect r="r" b="b" t="t" l="l"/>
-            <a:pathLst>
-              <a:path h="3842302" w="7543944">
-                <a:moveTo>
-                  <a:pt x="0" y="0"/>
-                </a:moveTo>
-                <a:lnTo>
-                  <a:pt x="7543944" y="0"/>
-                </a:lnTo>
-                <a:lnTo>
-                  <a:pt x="7543944" y="3842302"/>
-                </a:lnTo>
-                <a:lnTo>
-                  <a:pt x="0" y="3842302"/>
-                </a:lnTo>
-                <a:lnTo>
-                  <a:pt x="0" y="0"/>
-                </a:lnTo>
-                <a:close/>
-              </a:path>
-            </a:pathLst>
-          </a:custGeom>
-          <a:blipFill>
-            <a:blip r:embed="rId4"/>
-            <a:stretch>
-              <a:fillRect l="0" t="-1907" r="0" b="-1907"/>
-            </a:stretch>
-          </a:blipFill>
-        </p:spPr>
-      </p:sp>
-      <p:sp>
-        <p:nvSpPr>
-          <p:cNvPr name="Freeform 10" id="10"/>
-          <p:cNvSpPr/>
-          <p:nvPr/>
-        </p:nvSpPr>
-        <p:spPr>
-          <a:xfrm flipH="false" flipV="false" rot="0">
-            <a:off x="709258" y="5980329"/>
-            <a:ext cx="7805911" cy="3999823"/>
-          </a:xfrm>
-          <a:custGeom>
-            <a:avLst/>
-            <a:gdLst/>
-            <a:ahLst/>
-            <a:cxnLst/>
-            <a:rect r="r" b="b" t="t" l="l"/>
-            <a:pathLst>
-              <a:path h="3999823" w="7805911">
-                <a:moveTo>
-                  <a:pt x="0" y="0"/>
-                </a:moveTo>
-                <a:lnTo>
-                  <a:pt x="7805911" y="0"/>
-                </a:lnTo>
-                <a:lnTo>
-                  <a:pt x="7805911" y="3999824"/>
-                </a:lnTo>
-                <a:lnTo>
-                  <a:pt x="0" y="3999824"/>
-                </a:lnTo>
-                <a:lnTo>
-                  <a:pt x="0" y="0"/>
-                </a:lnTo>
-                <a:close/>
-              </a:path>
-            </a:pathLst>
-          </a:custGeom>
-          <a:blipFill>
-            <a:blip r:embed="rId5"/>
-            <a:stretch>
-              <a:fillRect l="0" t="-4652" r="0" b="0"/>
-            </a:stretch>
-          </a:blipFill>
-        </p:spPr>
-      </p:sp>
-      <p:sp>
-        <p:nvSpPr>
-          <p:cNvPr name="Freeform 11" id="11"/>
-          <p:cNvSpPr/>
-          <p:nvPr/>
-        </p:nvSpPr>
-        <p:spPr>
-          <a:xfrm flipH="false" flipV="false" rot="0">
-            <a:off x="9482601" y="5980329"/>
-            <a:ext cx="7543944" cy="3999823"/>
-          </a:xfrm>
-          <a:custGeom>
-            <a:avLst/>
-            <a:gdLst/>
-            <a:ahLst/>
-            <a:cxnLst/>
-            <a:rect r="r" b="b" t="t" l="l"/>
-            <a:pathLst>
-              <a:path h="3999823" w="7543944">
-                <a:moveTo>
-                  <a:pt x="0" y="0"/>
-                </a:moveTo>
-                <a:lnTo>
-                  <a:pt x="7543944" y="0"/>
-                </a:lnTo>
-                <a:lnTo>
-                  <a:pt x="7543944" y="3999824"/>
-                </a:lnTo>
-                <a:lnTo>
-                  <a:pt x="0" y="3999824"/>
-                </a:lnTo>
-                <a:lnTo>
-                  <a:pt x="0" y="0"/>
-                </a:lnTo>
-                <a:close/>
-              </a:path>
-            </a:pathLst>
-          </a:custGeom>
-          <a:blipFill>
-            <a:blip r:embed="rId6"/>
-            <a:stretch>
-              <a:fillRect l="-10790" t="-6342" r="-10790" b="0"/>
-            </a:stretch>
-          </a:blipFill>
-        </p:spPr>
-      </p:sp>
-      <p:sp>
-        <p:nvSpPr>
-          <p:cNvPr name="TextBox 12" id="12"/>
-          <p:cNvSpPr txBox="true"/>
-          <p:nvPr/>
-        </p:nvSpPr>
-        <p:spPr>
-          <a:xfrm rot="0">
-            <a:off x="1871598" y="182024"/>
-            <a:ext cx="14544804" cy="1247775"/>
-          </a:xfrm>
-          <a:prstGeom prst="rect">
-            <a:avLst/>
-          </a:prstGeom>
-        </p:spPr>
-        <p:txBody>
-          <a:bodyPr anchor="t" rtlCol="false" tIns="0" lIns="0" bIns="0" rIns="0">
-            <a:spAutoFit/>
-          </a:bodyPr>
-          <a:lstStyle/>
-          <a:p>
-            <a:pPr algn="ctr" marL="0" indent="0" lvl="0">
-              <a:lnSpc>
-                <a:spcPts val="8399"/>
-              </a:lnSpc>
-              <a:spcBef>
-                <a:spcPct val="0"/>
-              </a:spcBef>
-            </a:pPr>
-            <a:r>
-              <a:rPr lang="en-US" sz="6999">
-                <a:solidFill>
-                  <a:srgbClr val="000000"/>
-                </a:solidFill>
-                <a:latin typeface="Agrandir"/>
-                <a:ea typeface="Agrandir"/>
-                <a:cs typeface="Agrandir"/>
-                <a:sym typeface="Agrandir"/>
-              </a:rPr>
-              <a:t>Tela de Históricos - Desktop</a:t>
-            </a:r>
-          </a:p>
-        </p:txBody>
       </p:sp>
     </p:spTree>
   </p:cSld>
